--- a/Doc/Mockups/cheviri-mockups.pptx
+++ b/Doc/Mockups/cheviri-mockups.pptx
@@ -285,7 +285,7 @@
           <a:p>
             <a:fld id="{F606ED1B-A6B7-4622-807C-215E340D8276}" type="datetimeFigureOut">
               <a:rPr lang="en-US" smtClean="0"/>
-              <a:t>11/26/2018</a:t>
+              <a:t>11/28/2018</a:t>
             </a:fld>
             <a:endParaRPr lang="en-US"/>
           </a:p>
@@ -483,7 +483,7 @@
           <a:p>
             <a:fld id="{F606ED1B-A6B7-4622-807C-215E340D8276}" type="datetimeFigureOut">
               <a:rPr lang="en-US" smtClean="0"/>
-              <a:t>11/26/2018</a:t>
+              <a:t>11/28/2018</a:t>
             </a:fld>
             <a:endParaRPr lang="en-US"/>
           </a:p>
@@ -691,7 +691,7 @@
           <a:p>
             <a:fld id="{F606ED1B-A6B7-4622-807C-215E340D8276}" type="datetimeFigureOut">
               <a:rPr lang="en-US" smtClean="0"/>
-              <a:t>11/26/2018</a:t>
+              <a:t>11/28/2018</a:t>
             </a:fld>
             <a:endParaRPr lang="en-US"/>
           </a:p>
@@ -889,7 +889,7 @@
           <a:p>
             <a:fld id="{F606ED1B-A6B7-4622-807C-215E340D8276}" type="datetimeFigureOut">
               <a:rPr lang="en-US" smtClean="0"/>
-              <a:t>11/26/2018</a:t>
+              <a:t>11/28/2018</a:t>
             </a:fld>
             <a:endParaRPr lang="en-US"/>
           </a:p>
@@ -1164,7 +1164,7 @@
           <a:p>
             <a:fld id="{F606ED1B-A6B7-4622-807C-215E340D8276}" type="datetimeFigureOut">
               <a:rPr lang="en-US" smtClean="0"/>
-              <a:t>11/26/2018</a:t>
+              <a:t>11/28/2018</a:t>
             </a:fld>
             <a:endParaRPr lang="en-US"/>
           </a:p>
@@ -1429,7 +1429,7 @@
           <a:p>
             <a:fld id="{F606ED1B-A6B7-4622-807C-215E340D8276}" type="datetimeFigureOut">
               <a:rPr lang="en-US" smtClean="0"/>
-              <a:t>11/26/2018</a:t>
+              <a:t>11/28/2018</a:t>
             </a:fld>
             <a:endParaRPr lang="en-US"/>
           </a:p>
@@ -1841,7 +1841,7 @@
           <a:p>
             <a:fld id="{F606ED1B-A6B7-4622-807C-215E340D8276}" type="datetimeFigureOut">
               <a:rPr lang="en-US" smtClean="0"/>
-              <a:t>11/26/2018</a:t>
+              <a:t>11/28/2018</a:t>
             </a:fld>
             <a:endParaRPr lang="en-US"/>
           </a:p>
@@ -1982,7 +1982,7 @@
           <a:p>
             <a:fld id="{F606ED1B-A6B7-4622-807C-215E340D8276}" type="datetimeFigureOut">
               <a:rPr lang="en-US" smtClean="0"/>
-              <a:t>11/26/2018</a:t>
+              <a:t>11/28/2018</a:t>
             </a:fld>
             <a:endParaRPr lang="en-US"/>
           </a:p>
@@ -2095,7 +2095,7 @@
           <a:p>
             <a:fld id="{F606ED1B-A6B7-4622-807C-215E340D8276}" type="datetimeFigureOut">
               <a:rPr lang="en-US" smtClean="0"/>
-              <a:t>11/26/2018</a:t>
+              <a:t>11/28/2018</a:t>
             </a:fld>
             <a:endParaRPr lang="en-US"/>
           </a:p>
@@ -2406,7 +2406,7 @@
           <a:p>
             <a:fld id="{F606ED1B-A6B7-4622-807C-215E340D8276}" type="datetimeFigureOut">
               <a:rPr lang="en-US" smtClean="0"/>
-              <a:t>11/26/2018</a:t>
+              <a:t>11/28/2018</a:t>
             </a:fld>
             <a:endParaRPr lang="en-US"/>
           </a:p>
@@ -2694,7 +2694,7 @@
           <a:p>
             <a:fld id="{F606ED1B-A6B7-4622-807C-215E340D8276}" type="datetimeFigureOut">
               <a:rPr lang="en-US" smtClean="0"/>
-              <a:t>11/26/2018</a:t>
+              <a:t>11/28/2018</a:t>
             </a:fld>
             <a:endParaRPr lang="en-US"/>
           </a:p>
@@ -2935,7 +2935,7 @@
           <a:p>
             <a:fld id="{F606ED1B-A6B7-4622-807C-215E340D8276}" type="datetimeFigureOut">
               <a:rPr lang="en-US" smtClean="0"/>
-              <a:t>11/26/2018</a:t>
+              <a:t>11/28/2018</a:t>
             </a:fld>
             <a:endParaRPr lang="en-US"/>
           </a:p>
@@ -3422,7 +3422,7 @@
         <p:spPr>
           <a:xfrm>
             <a:off x="340869" y="6439634"/>
-            <a:ext cx="718466" cy="249299"/>
+            <a:ext cx="1226105" cy="249299"/>
           </a:xfrm>
           <a:prstGeom prst="rect">
             <a:avLst/>
@@ -3436,7 +3436,7 @@
           <a:lstStyle/>
           <a:p>
             <a:r>
-              <a:rPr lang="en-US" sz="1200" u="sng" dirty="0">
+              <a:rPr lang="en-US" sz="1200" u="sng">
                 <a:solidFill>
                   <a:srgbClr val="0070C0"/>
                 </a:solidFill>
@@ -3449,8 +3449,21 @@
                 <a:ea typeface="Segoe UI" pitchFamily="34" charset="0"/>
                 <a:cs typeface="Segoe UI" pitchFamily="34" charset="0"/>
               </a:rPr>
-              <a:t>Sign Up</a:t>
+              <a:t>Password Reset</a:t>
             </a:r>
+            <a:endParaRPr lang="en-US" sz="1200" u="sng" dirty="0">
+              <a:solidFill>
+                <a:srgbClr val="0070C0"/>
+              </a:solidFill>
+              <a:uFill>
+                <a:solidFill>
+                  <a:srgbClr val="0070C0"/>
+                </a:solidFill>
+              </a:uFill>
+              <a:latin typeface="Segoe UI" pitchFamily="34" charset="0"/>
+              <a:ea typeface="Segoe UI" pitchFamily="34" charset="0"/>
+              <a:cs typeface="Segoe UI" pitchFamily="34" charset="0"/>
+            </a:endParaRPr>
           </a:p>
         </p:txBody>
       </p:sp>
@@ -30302,7 +30315,7 @@
 
 <file path=customXml/item1.xml><?xml version="1.0" encoding="utf-8"?>
 <Control xmlns="http://schemas.microsoft.com/VisualStudio/2011/storyboarding/control">
-  <Id Name="System.Storyboarding.Common.Hyperlink" Revision="1" Stencil="System.Storyboarding.Common" StencilVersion="0.1"/>
+  <Id Name="System.Storyboarding.Common.TextInput" Revision="1" Stencil="System.Storyboarding.Common" StencilVersion="0.1"/>
 </Control>
 </file>
 
@@ -30314,13 +30327,13 @@
 
 <file path=customXml/item100.xml><?xml version="1.0" encoding="utf-8"?>
 <Control xmlns="http://schemas.microsoft.com/VisualStudio/2011/storyboarding/control">
-  <Id Name="System.Storyboarding.Common.Hyperlink" Revision="1" Stencil="System.Storyboarding.Common" StencilVersion="0.1"/>
+  <Id Name="System.Storyboarding.Common.Text" Revision="1" Stencil="System.Storyboarding.Common" StencilVersion="0.1"/>
 </Control>
 </file>
 
 <file path=customXml/item101.xml><?xml version="1.0" encoding="utf-8"?>
 <Control xmlns="http://schemas.microsoft.com/VisualStudio/2011/storyboarding/control">
-  <Id Name="System.Storyboarding.Common.CheckBoxChecked" Revision="1" Stencil="System.Storyboarding.Common" StencilVersion="0.1"/>
+  <Id Name="System.Storyboarding.Common.Text" Revision="1" Stencil="System.Storyboarding.Common" StencilVersion="0.1"/>
 </Control>
 </file>
 
@@ -30332,7 +30345,7 @@
 
 <file path=customXml/item103.xml><?xml version="1.0" encoding="utf-8"?>
 <Control xmlns="http://schemas.microsoft.com/VisualStudio/2011/storyboarding/control">
-  <Id Name="System.Storyboarding.Icons.Flag" Revision="1" Stencil="System.Storyboarding.Icons" StencilVersion="0.1"/>
+  <Id Name="System.Storyboarding.Common.DataGrid" Revision="1" Stencil="System.Storyboarding.Common" StencilVersion="0.1"/>
 </Control>
 </file>
 
@@ -30350,7 +30363,7 @@
 
 <file path=customXml/item106.xml><?xml version="1.0" encoding="utf-8"?>
 <Control xmlns="http://schemas.microsoft.com/VisualStudio/2011/storyboarding/control">
-  <Id Name="System.Storyboarding.Common.CheckBoxChecked" Revision="1" Stencil="System.Storyboarding.Common" StencilVersion="0.1"/>
+  <Id Name="System.Storyboarding.Common.Text" Revision="1" Stencil="System.Storyboarding.Common" StencilVersion="0.1"/>
 </Control>
 </file>
 
@@ -30368,13 +30381,13 @@
 
 <file path=customXml/item109.xml><?xml version="1.0" encoding="utf-8"?>
 <Control xmlns="http://schemas.microsoft.com/VisualStudio/2011/storyboarding/control">
-  <Id Name="System.Storyboarding.Common.TextInput" Revision="1" Stencil="System.Storyboarding.Common" StencilVersion="0.1"/>
+  <Id Name="System.Storyboarding.Common.Text" Revision="1" Stencil="System.Storyboarding.Common" StencilVersion="0.1"/>
 </Control>
 </file>
 
 <file path=customXml/item11.xml><?xml version="1.0" encoding="utf-8"?>
 <Control xmlns="http://schemas.microsoft.com/VisualStudio/2011/storyboarding/control">
-  <Id Name="System.Storyboarding.Common.Text" Revision="1" Stencil="System.Storyboarding.Common" StencilVersion="0.1"/>
+  <Id Name="System.Storyboarding.Icons.Flag" Revision="1" Stencil="System.Storyboarding.Icons" StencilVersion="0.1"/>
 </Control>
 </file>
 
@@ -30386,25 +30399,25 @@
 
 <file path=customXml/item111.xml><?xml version="1.0" encoding="utf-8"?>
 <Control xmlns="http://schemas.microsoft.com/VisualStudio/2011/storyboarding/control">
-  <Id Name="System.Storyboarding.Common.Hyperlink" Revision="1" Stencil="System.Storyboarding.Common" StencilVersion="0.1"/>
+  <Id Name="System.Storyboarding.Common.CheckBoxChecked" Revision="1" Stencil="System.Storyboarding.Common" StencilVersion="0.1"/>
 </Control>
 </file>
 
 <file path=customXml/item112.xml><?xml version="1.0" encoding="utf-8"?>
 <Control xmlns="http://schemas.microsoft.com/VisualStudio/2011/storyboarding/control">
-  <Id Name="System.Storyboarding.Common.TextInput" Revision="1" Stencil="System.Storyboarding.Common" StencilVersion="0.1"/>
+  <Id Name="System.Storyboarding.Common.DataGrid" Revision="1" Stencil="System.Storyboarding.Common" StencilVersion="0.1"/>
 </Control>
 </file>
 
 <file path=customXml/item113.xml><?xml version="1.0" encoding="utf-8"?>
 <Control xmlns="http://schemas.microsoft.com/VisualStudio/2011/storyboarding/control">
-  <Id Name="System.Storyboarding.Common.Text" Revision="1" Stencil="System.Storyboarding.Common" StencilVersion="0.1"/>
+  <Id Name="System.Storyboarding.Common.CheckBoxChecked" Revision="1" Stencil="System.Storyboarding.Common" StencilVersion="0.1"/>
 </Control>
 </file>
 
 <file path=customXml/item114.xml><?xml version="1.0" encoding="utf-8"?>
 <Control xmlns="http://schemas.microsoft.com/VisualStudio/2011/storyboarding/control">
-  <Id Name="System.Storyboarding.Common.Text" Revision="1" Stencil="System.Storyboarding.Common" StencilVersion="0.1"/>
+  <Id Name="System.Storyboarding.Common.Hyperlink" Revision="1" Stencil="System.Storyboarding.Common" StencilVersion="0.1"/>
 </Control>
 </file>
 
@@ -30416,13 +30429,13 @@
 
 <file path=customXml/item116.xml><?xml version="1.0" encoding="utf-8"?>
 <Control xmlns="http://schemas.microsoft.com/VisualStudio/2011/storyboarding/control">
-  <Id Name="System.Storyboarding.Common.TextInput" Revision="1" Stencil="System.Storyboarding.Common" StencilVersion="0.1"/>
+  <Id Name="System.Storyboarding.Common.Text" Revision="1" Stencil="System.Storyboarding.Common" StencilVersion="0.1"/>
 </Control>
 </file>
 
 <file path=customXml/item117.xml><?xml version="1.0" encoding="utf-8"?>
 <Control xmlns="http://schemas.microsoft.com/VisualStudio/2011/storyboarding/control">
-  <Id Name="System.Storyboarding.Common.Text" Revision="1" Stencil="System.Storyboarding.Common" StencilVersion="0.1"/>
+  <Id Name="System.Storyboarding.Common.Hyperlink" Revision="1" Stencil="System.Storyboarding.Common" StencilVersion="0.1"/>
 </Control>
 </file>
 
@@ -30434,7 +30447,7 @@
 
 <file path=customXml/item119.xml><?xml version="1.0" encoding="utf-8"?>
 <Control xmlns="http://schemas.microsoft.com/VisualStudio/2011/storyboarding/control">
-  <Id Name="System.Storyboarding.Icons.Flag" Revision="1" Stencil="System.Storyboarding.Icons" StencilVersion="0.1"/>
+  <Id Name="System.Storyboarding.Common.Text" Revision="1" Stencil="System.Storyboarding.Common" StencilVersion="0.1"/>
 </Control>
 </file>
 
@@ -30446,13 +30459,13 @@
 
 <file path=customXml/item120.xml><?xml version="1.0" encoding="utf-8"?>
 <Control xmlns="http://schemas.microsoft.com/VisualStudio/2011/storyboarding/control">
-  <Id Name="System.Storyboarding.Common.Button" Revision="1" Stencil="System.Storyboarding.Common" StencilVersion="0.1"/>
+  <Id Name="System.Storyboarding.Common.Text" Revision="1" Stencil="System.Storyboarding.Common" StencilVersion="0.1"/>
 </Control>
 </file>
 
 <file path=customXml/item121.xml><?xml version="1.0" encoding="utf-8"?>
 <Control xmlns="http://schemas.microsoft.com/VisualStudio/2011/storyboarding/control">
-  <Id Name="System.Storyboarding.Common.Text" Revision="1" Stencil="System.Storyboarding.Common" StencilVersion="0.1"/>
+  <Id Name="System.Storyboarding.Common.CheckBoxChecked" Revision="1" Stencil="System.Storyboarding.Common" StencilVersion="0.1"/>
 </Control>
 </file>
 
@@ -30464,37 +30477,37 @@
 
 <file path=customXml/item123.xml><?xml version="1.0" encoding="utf-8"?>
 <Control xmlns="http://schemas.microsoft.com/VisualStudio/2011/storyboarding/control">
-  <Id Name="System.Storyboarding.Common.Hyperlink" Revision="1" Stencil="System.Storyboarding.Common" StencilVersion="0.1"/>
+  <Id Name="System.Storyboarding.Common.Text" Revision="1" Stencil="System.Storyboarding.Common" StencilVersion="0.1"/>
 </Control>
 </file>
 
 <file path=customXml/item124.xml><?xml version="1.0" encoding="utf-8"?>
 <Control xmlns="http://schemas.microsoft.com/VisualStudio/2011/storyboarding/control">
-  <Id Name="System.Storyboarding.Common.Text" Revision="1" Stencil="System.Storyboarding.Common" StencilVersion="0.1"/>
+  <Id Name="System.Storyboarding.Common.CheckBoxChecked" Revision="1" Stencil="System.Storyboarding.Common" StencilVersion="0.1"/>
 </Control>
 </file>
 
 <file path=customXml/item125.xml><?xml version="1.0" encoding="utf-8"?>
-<Control xmlns="http://schemas.microsoft.com/VisualStudio/2011/storyboarding/control">
-  <Id Name="System.Storyboarding.Common.Text" Revision="1" Stencil="System.Storyboarding.Common" StencilVersion="0.1"/>
-</Control>
-</file>
-
-<file path=customXml/item126.xml><?xml version="1.0" encoding="utf-8"?>
-<Control xmlns="http://schemas.microsoft.com/VisualStudio/2011/storyboarding/control">
-  <Id Name="System.Storyboarding.Icons.Flag" Revision="1" Stencil="System.Storyboarding.Icons" StencilVersion="0.1"/>
-</Control>
-</file>
-
-<file path=customXml/item127.xml><?xml version="1.0" encoding="utf-8"?>
 <Control xmlns="http://schemas.microsoft.com/VisualStudio/2011/storyboarding/control">
   <Id Name="System.Storyboarding.Common.TextInput" Revision="1" Stencil="System.Storyboarding.Common" StencilVersion="0.1"/>
 </Control>
 </file>
 
+<file path=customXml/item126.xml><?xml version="1.0" encoding="utf-8"?>
+<Control xmlns="http://schemas.microsoft.com/VisualStudio/2011/storyboarding/control">
+  <Id Name="System.Storyboarding.Common.Hyperlink" Revision="1" Stencil="System.Storyboarding.Common" StencilVersion="0.1"/>
+</Control>
+</file>
+
+<file path=customXml/item127.xml><?xml version="1.0" encoding="utf-8"?>
+<Control xmlns="http://schemas.microsoft.com/VisualStudio/2011/storyboarding/control">
+  <Id Name="System.Storyboarding.Common.Button" Revision="1" Stencil="System.Storyboarding.Common" StencilVersion="0.1"/>
+</Control>
+</file>
+
 <file path=customXml/item128.xml><?xml version="1.0" encoding="utf-8"?>
 <Control xmlns="http://schemas.microsoft.com/VisualStudio/2011/storyboarding/control">
-  <Id Name="System.Storyboarding.Common.Hyperlink" Revision="1" Stencil="System.Storyboarding.Common" StencilVersion="0.1"/>
+  <Id Name="System.Storyboarding.Common.CheckBoxChecked" Revision="1" Stencil="System.Storyboarding.Common" StencilVersion="0.1"/>
 </Control>
 </file>
 
@@ -30506,7 +30519,7 @@
 
 <file path=customXml/item13.xml><?xml version="1.0" encoding="utf-8"?>
 <Control xmlns="http://schemas.microsoft.com/VisualStudio/2011/storyboarding/control">
-  <Id Name="System.Storyboarding.Common.Text" Revision="1" Stencil="System.Storyboarding.Common" StencilVersion="0.1"/>
+  <Id Name="System.Storyboarding.Common.TextInput" Revision="1" Stencil="System.Storyboarding.Common" StencilVersion="0.1"/>
 </Control>
 </file>
 
@@ -30518,7 +30531,7 @@
 
 <file path=customXml/item131.xml><?xml version="1.0" encoding="utf-8"?>
 <Control xmlns="http://schemas.microsoft.com/VisualStudio/2011/storyboarding/control">
-  <Id Name="System.Storyboarding.Common.Text" Revision="1" Stencil="System.Storyboarding.Common" StencilVersion="0.1"/>
+  <Id Name="System.Storyboarding.Common.TextInput" Revision="1" Stencil="System.Storyboarding.Common" StencilVersion="0.1"/>
 </Control>
 </file>
 
@@ -30530,37 +30543,37 @@
 
 <file path=customXml/item133.xml><?xml version="1.0" encoding="utf-8"?>
 <Control xmlns="http://schemas.microsoft.com/VisualStudio/2011/storyboarding/control">
-  <Id Name="System.Storyboarding.Common.CheckBoxChecked" Revision="1" Stencil="System.Storyboarding.Common" StencilVersion="0.1"/>
+  <Id Name="System.Storyboarding.Common.Text" Revision="1" Stencil="System.Storyboarding.Common" StencilVersion="0.1"/>
 </Control>
 </file>
 
 <file path=customXml/item134.xml><?xml version="1.0" encoding="utf-8"?>
+<Control xmlns="http://schemas.microsoft.com/VisualStudio/2011/storyboarding/control">
+  <Id Name="System.Storyboarding.Common.Button" Revision="1" Stencil="System.Storyboarding.Common" StencilVersion="0.1"/>
+</Control>
+</file>
+
+<file path=customXml/item135.xml><?xml version="1.0" encoding="utf-8"?>
 <Control xmlns="http://schemas.microsoft.com/VisualStudio/2011/storyboarding/control">
   <Id Name="System.Storyboarding.Common.Hyperlink" Revision="1" Stencil="System.Storyboarding.Common" StencilVersion="0.1"/>
 </Control>
 </file>
 
-<file path=customXml/item135.xml><?xml version="1.0" encoding="utf-8"?>
+<file path=customXml/item136.xml><?xml version="1.0" encoding="utf-8"?>
 <Control xmlns="http://schemas.microsoft.com/VisualStudio/2011/storyboarding/control">
   <Id Name="System.Storyboarding.Common.Text" Revision="1" Stencil="System.Storyboarding.Common" StencilVersion="0.1"/>
 </Control>
 </file>
 
-<file path=customXml/item136.xml><?xml version="1.0" encoding="utf-8"?>
-<Control xmlns="http://schemas.microsoft.com/VisualStudio/2011/storyboarding/control">
-  <Id Name="System.Storyboarding.Common.Button" Revision="1" Stencil="System.Storyboarding.Common" StencilVersion="0.1"/>
-</Control>
-</file>
-
 <file path=customXml/item137.xml><?xml version="1.0" encoding="utf-8"?>
 <Control xmlns="http://schemas.microsoft.com/VisualStudio/2011/storyboarding/control">
-  <Id Name="System.Storyboarding.Common.Text" Revision="1" Stencil="System.Storyboarding.Common" StencilVersion="0.1"/>
+  <Id Name="System.Storyboarding.Common.DataGrid" Revision="1" Stencil="System.Storyboarding.Common" StencilVersion="0.1"/>
 </Control>
 </file>
 
 <file path=customXml/item138.xml><?xml version="1.0" encoding="utf-8"?>
 <Control xmlns="http://schemas.microsoft.com/VisualStudio/2011/storyboarding/control">
-  <Id Name="System.Storyboarding.Common.CheckBoxChecked" Revision="1" Stencil="System.Storyboarding.Common" StencilVersion="0.1"/>
+  <Id Name="System.Storyboarding.Common.Text" Revision="1" Stencil="System.Storyboarding.Common" StencilVersion="0.1"/>
 </Control>
 </file>
 
@@ -30572,7 +30585,7 @@
 
 <file path=customXml/item14.xml><?xml version="1.0" encoding="utf-8"?>
 <Control xmlns="http://schemas.microsoft.com/VisualStudio/2011/storyboarding/control">
-  <Id Name="System.Storyboarding.Common.Text" Revision="1" Stencil="System.Storyboarding.Common" StencilVersion="0.1"/>
+  <Id Name="System.Storyboarding.Common.Hyperlink" Revision="1" Stencil="System.Storyboarding.Common" StencilVersion="0.1"/>
 </Control>
 </file>
 
@@ -30590,13 +30603,13 @@
 
 <file path=customXml/item142.xml><?xml version="1.0" encoding="utf-8"?>
 <Control xmlns="http://schemas.microsoft.com/VisualStudio/2011/storyboarding/control">
-  <Id Name="System.Storyboarding.Common.CheckBoxChecked" Revision="1" Stencil="System.Storyboarding.Common" StencilVersion="0.1"/>
+  <Id Name="System.Storyboarding.Common.Text" Revision="1" Stencil="System.Storyboarding.Common" StencilVersion="0.1"/>
 </Control>
 </file>
 
 <file path=customXml/item143.xml><?xml version="1.0" encoding="utf-8"?>
 <Control xmlns="http://schemas.microsoft.com/VisualStudio/2011/storyboarding/control">
-  <Id Name="System.Storyboarding.Common.Text" Revision="1" Stencil="System.Storyboarding.Common" StencilVersion="0.1"/>
+  <Id Name="System.Storyboarding.Common.Button" Revision="1" Stencil="System.Storyboarding.Common" StencilVersion="0.1"/>
 </Control>
 </file>
 
@@ -30620,7 +30633,7 @@
 
 <file path=customXml/item147.xml><?xml version="1.0" encoding="utf-8"?>
 <Control xmlns="http://schemas.microsoft.com/VisualStudio/2011/storyboarding/control">
-  <Id Name="System.Storyboarding.Common.Button" Revision="1" Stencil="System.Storyboarding.Common" StencilVersion="0.1"/>
+  <Id Name="System.Storyboarding.Common.Text" Revision="1" Stencil="System.Storyboarding.Common" StencilVersion="0.1"/>
 </Control>
 </file>
 
@@ -30632,37 +30645,37 @@
 
 <file path=customXml/item149.xml><?xml version="1.0" encoding="utf-8"?>
 <Control xmlns="http://schemas.microsoft.com/VisualStudio/2011/storyboarding/control">
+  <Id Name="System.Storyboarding.Common.Hyperlink" Revision="1" Stencil="System.Storyboarding.Common" StencilVersion="0.1"/>
+</Control>
+</file>
+
+<file path=customXml/item15.xml><?xml version="1.0" encoding="utf-8"?>
+<Control xmlns="http://schemas.microsoft.com/VisualStudio/2011/storyboarding/control">
   <Id Name="System.Storyboarding.Common.TextInput" Revision="1" Stencil="System.Storyboarding.Common" StencilVersion="0.1"/>
 </Control>
 </file>
 
-<file path=customXml/item15.xml><?xml version="1.0" encoding="utf-8"?>
+<file path=customXml/item150.xml><?xml version="1.0" encoding="utf-8"?>
 <Control xmlns="http://schemas.microsoft.com/VisualStudio/2011/storyboarding/control">
-  <Id Name="System.Storyboarding.Common.Button" Revision="1" Stencil="System.Storyboarding.Common" StencilVersion="0.1"/>
+  <Id Name="System.Storyboarding.Common.Text" Revision="1" Stencil="System.Storyboarding.Common" StencilVersion="0.1"/>
 </Control>
 </file>
 
-<file path=customXml/item150.xml><?xml version="1.0" encoding="utf-8"?>
+<file path=customXml/item151.xml><?xml version="1.0" encoding="utf-8"?>
 <Control xmlns="http://schemas.microsoft.com/VisualStudio/2011/storyboarding/control">
   <Id Name="System.Storyboarding.Common.Hyperlink" Revision="1" Stencil="System.Storyboarding.Common" StencilVersion="0.1"/>
 </Control>
 </file>
 
-<file path=customXml/item151.xml><?xml version="1.0" encoding="utf-8"?>
-<Control xmlns="http://schemas.microsoft.com/VisualStudio/2011/storyboarding/control">
-  <Id Name="System.Storyboarding.Common.Button" Revision="1" Stencil="System.Storyboarding.Common" StencilVersion="0.1"/>
-</Control>
-</file>
-
 <file path=customXml/item152.xml><?xml version="1.0" encoding="utf-8"?>
 <Control xmlns="http://schemas.microsoft.com/VisualStudio/2011/storyboarding/control">
-  <Id Name="System.Storyboarding.Common.DataGrid" Revision="1" Stencil="System.Storyboarding.Common" StencilVersion="0.1"/>
+  <Id Name="System.Storyboarding.Common.CheckBoxChecked" Revision="1" Stencil="System.Storyboarding.Common" StencilVersion="0.1"/>
 </Control>
 </file>
 
 <file path=customXml/item153.xml><?xml version="1.0" encoding="utf-8"?>
 <Control xmlns="http://schemas.microsoft.com/VisualStudio/2011/storyboarding/control">
-  <Id Name="System.Storyboarding.Common.DataGrid" Revision="1" Stencil="System.Storyboarding.Common" StencilVersion="0.1"/>
+  <Id Name="System.Storyboarding.Common.Text" Revision="1" Stencil="System.Storyboarding.Common" StencilVersion="0.1"/>
 </Control>
 </file>
 
@@ -30674,13 +30687,13 @@
 
 <file path=customXml/item155.xml><?xml version="1.0" encoding="utf-8"?>
 <Control xmlns="http://schemas.microsoft.com/VisualStudio/2011/storyboarding/control">
-  <Id Name="System.Storyboarding.Common.Text" Revision="1" Stencil="System.Storyboarding.Common" StencilVersion="0.1"/>
+  <Id Name="System.Storyboarding.Common.Button" Revision="1" Stencil="System.Storyboarding.Common" StencilVersion="0.1"/>
 </Control>
 </file>
 
 <file path=customXml/item156.xml><?xml version="1.0" encoding="utf-8"?>
 <Control xmlns="http://schemas.microsoft.com/VisualStudio/2011/storyboarding/control">
-  <Id Name="System.Storyboarding.Common.Button" Revision="1" Stencil="System.Storyboarding.Common" StencilVersion="0.1"/>
+  <Id Name="System.Storyboarding.Common.TextInput" Revision="1" Stencil="System.Storyboarding.Common" StencilVersion="0.1"/>
 </Control>
 </file>
 
@@ -30704,7 +30717,7 @@
 
 <file path=customXml/item16.xml><?xml version="1.0" encoding="utf-8"?>
 <Control xmlns="http://schemas.microsoft.com/VisualStudio/2011/storyboarding/control">
-  <Id Name="System.Storyboarding.Common.Hyperlink" Revision="1" Stencil="System.Storyboarding.Common" StencilVersion="0.1"/>
+  <Id Name="System.Storyboarding.Common.DataGrid" Revision="1" Stencil="System.Storyboarding.Common" StencilVersion="0.1"/>
 </Control>
 </file>
 
@@ -30716,13 +30729,13 @@
 
 <file path=customXml/item161.xml><?xml version="1.0" encoding="utf-8"?>
 <Control xmlns="http://schemas.microsoft.com/VisualStudio/2011/storyboarding/control">
-  <Id Name="System.Storyboarding.Common.Text" Revision="1" Stencil="System.Storyboarding.Common" StencilVersion="0.1"/>
+  <Id Name="System.Storyboarding.Common.Button" Revision="1" Stencil="System.Storyboarding.Common" StencilVersion="0.1"/>
 </Control>
 </file>
 
 <file path=customXml/item162.xml><?xml version="1.0" encoding="utf-8"?>
 <Control xmlns="http://schemas.microsoft.com/VisualStudio/2011/storyboarding/control">
-  <Id Name="System.Storyboarding.Common.Button" Revision="1" Stencil="System.Storyboarding.Common" StencilVersion="0.1"/>
+  <Id Name="System.Storyboarding.Common.Text" Revision="1" Stencil="System.Storyboarding.Common" StencilVersion="0.1"/>
 </Control>
 </file>
 
@@ -30734,31 +30747,31 @@
 
 <file path=customXml/item164.xml><?xml version="1.0" encoding="utf-8"?>
 <Control xmlns="http://schemas.microsoft.com/VisualStudio/2011/storyboarding/control">
-  <Id Name="System.Storyboarding.Common.Button" Revision="1" Stencil="System.Storyboarding.Common" StencilVersion="0.1"/>
+  <Id Name="System.Storyboarding.Common.CheckBoxChecked" Revision="1" Stencil="System.Storyboarding.Common" StencilVersion="0.1"/>
 </Control>
 </file>
 
 <file path=customXml/item165.xml><?xml version="1.0" encoding="utf-8"?>
+<Control xmlns="http://schemas.microsoft.com/VisualStudio/2011/storyboarding/control">
+  <Id Name="System.Storyboarding.Common.TextInput" Revision="1" Stencil="System.Storyboarding.Common" StencilVersion="0.1"/>
+</Control>
+</file>
+
+<file path=customXml/item166.xml><?xml version="1.0" encoding="utf-8"?>
 <Control xmlns="http://schemas.microsoft.com/VisualStudio/2011/storyboarding/control">
   <Id Name="System.Storyboarding.Common.Text" Revision="1" Stencil="System.Storyboarding.Common" StencilVersion="0.1"/>
 </Control>
 </file>
 
-<file path=customXml/item166.xml><?xml version="1.0" encoding="utf-8"?>
+<file path=customXml/item167.xml><?xml version="1.0" encoding="utf-8"?>
+<Control xmlns="http://schemas.microsoft.com/VisualStudio/2011/storyboarding/control">
+  <Id Name="System.Storyboarding.Common.Text" Revision="1" Stencil="System.Storyboarding.Common" StencilVersion="0.1"/>
+</Control>
+</file>
+
+<file path=customXml/item168.xml><?xml version="1.0" encoding="utf-8"?>
 <Control xmlns="http://schemas.microsoft.com/VisualStudio/2011/storyboarding/control">
   <Id Name="System.Storyboarding.Common.Hyperlink" Revision="1" Stencil="System.Storyboarding.Common" StencilVersion="0.1"/>
-</Control>
-</file>
-
-<file path=customXml/item167.xml><?xml version="1.0" encoding="utf-8"?>
-<Control xmlns="http://schemas.microsoft.com/VisualStudio/2011/storyboarding/control">
-  <Id Name="System.Storyboarding.Icons.Flag" Revision="1" Stencil="System.Storyboarding.Icons" StencilVersion="0.1"/>
-</Control>
-</file>
-
-<file path=customXml/item168.xml><?xml version="1.0" encoding="utf-8"?>
-<Control xmlns="http://schemas.microsoft.com/VisualStudio/2011/storyboarding/control">
-  <Id Name="System.Storyboarding.Common.TextInput" Revision="1" Stencil="System.Storyboarding.Common" StencilVersion="0.1"/>
 </Control>
 </file>
 
@@ -30770,7 +30783,7 @@
 
 <file path=customXml/item17.xml><?xml version="1.0" encoding="utf-8"?>
 <Control xmlns="http://schemas.microsoft.com/VisualStudio/2011/storyboarding/control">
-  <Id Name="System.Storyboarding.Common.Text" Revision="1" Stencil="System.Storyboarding.Common" StencilVersion="0.1"/>
+  <Id Name="System.Storyboarding.Common.Hyperlink" Revision="1" Stencil="System.Storyboarding.Common" StencilVersion="0.1"/>
 </Control>
 </file>
 
@@ -30782,37 +30795,37 @@
 
 <file path=customXml/item171.xml><?xml version="1.0" encoding="utf-8"?>
 <Control xmlns="http://schemas.microsoft.com/VisualStudio/2011/storyboarding/control">
-  <Id Name="System.Storyboarding.Common.Button" Revision="1" Stencil="System.Storyboarding.Common" StencilVersion="0.1"/>
+  <Id Name="System.Storyboarding.Common.Text" Revision="1" Stencil="System.Storyboarding.Common" StencilVersion="0.1"/>
 </Control>
 </file>
 
 <file path=customXml/item172.xml><?xml version="1.0" encoding="utf-8"?>
 <Control xmlns="http://schemas.microsoft.com/VisualStudio/2011/storyboarding/control">
-  <Id Name="System.Storyboarding.Common.Hyperlink" Revision="1" Stencil="System.Storyboarding.Common" StencilVersion="0.1"/>
+  <Id Name="System.Storyboarding.Common.Text" Revision="1" Stencil="System.Storyboarding.Common" StencilVersion="0.1"/>
 </Control>
 </file>
 
 <file path=customXml/item173.xml><?xml version="1.0" encoding="utf-8"?>
+<Control xmlns="http://schemas.microsoft.com/VisualStudio/2011/storyboarding/control">
+  <Id Name="System.Storyboarding.Common.DataGrid" Revision="1" Stencil="System.Storyboarding.Common" StencilVersion="0.1"/>
+</Control>
+</file>
+
+<file path=customXml/item174.xml><?xml version="1.0" encoding="utf-8"?>
+<Control xmlns="http://schemas.microsoft.com/VisualStudio/2011/storyboarding/control">
+  <Id Name="System.Storyboarding.Common.TabGroup" Revision="1" Stencil="System.Storyboarding.Common" StencilVersion="0.1"/>
+</Control>
+</file>
+
+<file path=customXml/item175.xml><?xml version="1.0" encoding="utf-8"?>
 <Control xmlns="http://schemas.microsoft.com/VisualStudio/2011/storyboarding/control">
   <Id Name="System.Storyboarding.Common.TextInput" Revision="1" Stencil="System.Storyboarding.Common" StencilVersion="0.1"/>
 </Control>
 </file>
 
-<file path=customXml/item174.xml><?xml version="1.0" encoding="utf-8"?>
-<Control xmlns="http://schemas.microsoft.com/VisualStudio/2011/storyboarding/control">
-  <Id Name="System.Storyboarding.Common.Text" Revision="1" Stencil="System.Storyboarding.Common" StencilVersion="0.1"/>
-</Control>
-</file>
-
-<file path=customXml/item175.xml><?xml version="1.0" encoding="utf-8"?>
-<Control xmlns="http://schemas.microsoft.com/VisualStudio/2011/storyboarding/control">
-  <Id Name="System.Storyboarding.Common.Text" Revision="1" Stencil="System.Storyboarding.Common" StencilVersion="0.1"/>
-</Control>
-</file>
-
 <file path=customXml/item176.xml><?xml version="1.0" encoding="utf-8"?>
 <Control xmlns="http://schemas.microsoft.com/VisualStudio/2011/storyboarding/control">
-  <Id Name="System.Storyboarding.Common.Hyperlink" Revision="1" Stencil="System.Storyboarding.Common" StencilVersion="0.1"/>
+  <Id Name="System.Storyboarding.Common.CheckBoxChecked" Revision="1" Stencil="System.Storyboarding.Common" StencilVersion="0.1"/>
 </Control>
 </file>
 
@@ -30830,67 +30843,67 @@
 
 <file path=customXml/item179.xml><?xml version="1.0" encoding="utf-8"?>
 <Control xmlns="http://schemas.microsoft.com/VisualStudio/2011/storyboarding/control">
-  <Id Name="System.Storyboarding.Icons.Flag" Revision="1" Stencil="System.Storyboarding.Icons" StencilVersion="0.1"/>
+  <Id Name="System.Storyboarding.Common.Hyperlink" Revision="1" Stencil="System.Storyboarding.Common" StencilVersion="0.1"/>
 </Control>
 </file>
 
 <file path=customXml/item18.xml><?xml version="1.0" encoding="utf-8"?>
+<Control xmlns="http://schemas.microsoft.com/VisualStudio/2011/storyboarding/control">
+  <Id Name="System.Storyboarding.Common.Hyperlink" Revision="1" Stencil="System.Storyboarding.Common" StencilVersion="0.1"/>
+</Control>
+</file>
+
+<file path=customXml/item180.xml><?xml version="1.0" encoding="utf-8"?>
+<Control xmlns="http://schemas.microsoft.com/VisualStudio/2011/storyboarding/control">
+  <Id Name="System.Storyboarding.Common.Hyperlink" Revision="1" Stencil="System.Storyboarding.Common" StencilVersion="0.1"/>
+</Control>
+</file>
+
+<file path=customXml/item181.xml><?xml version="1.0" encoding="utf-8"?>
+<Control xmlns="http://schemas.microsoft.com/VisualStudio/2011/storyboarding/control">
+  <Id Name="System.Storyboarding.Common.Text" Revision="1" Stencil="System.Storyboarding.Common" StencilVersion="0.1"/>
+</Control>
+</file>
+
+<file path=customXml/item182.xml><?xml version="1.0" encoding="utf-8"?>
+<Control xmlns="http://schemas.microsoft.com/VisualStudio/2011/storyboarding/control">
+  <Id Name="System.Storyboarding.Common.Hyperlink" Revision="1" Stencil="System.Storyboarding.Common" StencilVersion="0.1"/>
+</Control>
+</file>
+
+<file path=customXml/item183.xml><?xml version="1.0" encoding="utf-8"?>
 <Control xmlns="http://schemas.microsoft.com/VisualStudio/2011/storyboarding/control">
   <Id Name="System.Storyboarding.Common.Button" Revision="1" Stencil="System.Storyboarding.Common" StencilVersion="0.1"/>
 </Control>
 </file>
 
-<file path=customXml/item180.xml><?xml version="1.0" encoding="utf-8"?>
+<file path=customXml/item184.xml><?xml version="1.0" encoding="utf-8"?>
 <Control xmlns="http://schemas.microsoft.com/VisualStudio/2011/storyboarding/control">
   <Id Name="System.Storyboarding.Common.TextInput" Revision="1" Stencil="System.Storyboarding.Common" StencilVersion="0.1"/>
 </Control>
 </file>
 
-<file path=customXml/item181.xml><?xml version="1.0" encoding="utf-8"?>
+<file path=customXml/item185.xml><?xml version="1.0" encoding="utf-8"?>
 <Control xmlns="http://schemas.microsoft.com/VisualStudio/2011/storyboarding/control">
-  <Id Name="System.Storyboarding.Common.DataGrid" Revision="1" Stencil="System.Storyboarding.Common" StencilVersion="0.1"/>
+  <Id Name="System.Storyboarding.Common.Button" Revision="1" Stencil="System.Storyboarding.Common" StencilVersion="0.1"/>
 </Control>
 </file>
 
-<file path=customXml/item182.xml><?xml version="1.0" encoding="utf-8"?>
+<file path=customXml/item186.xml><?xml version="1.0" encoding="utf-8"?>
 <Control xmlns="http://schemas.microsoft.com/VisualStudio/2011/storyboarding/control">
   <Id Name="System.Storyboarding.Common.Text" Revision="1" Stencil="System.Storyboarding.Common" StencilVersion="0.1"/>
 </Control>
 </file>
 
-<file path=customXml/item183.xml><?xml version="1.0" encoding="utf-8"?>
-<Control xmlns="http://schemas.microsoft.com/VisualStudio/2011/storyboarding/control">
-  <Id Name="System.Storyboarding.Common.TextInput" Revision="1" Stencil="System.Storyboarding.Common" StencilVersion="0.1"/>
-</Control>
-</file>
-
-<file path=customXml/item184.xml><?xml version="1.0" encoding="utf-8"?>
+<file path=customXml/item187.xml><?xml version="1.0" encoding="utf-8"?>
 <Control xmlns="http://schemas.microsoft.com/VisualStudio/2011/storyboarding/control">
   <Id Name="System.Storyboarding.Common.Text" Revision="1" Stencil="System.Storyboarding.Common" StencilVersion="0.1"/>
 </Control>
 </file>
 
-<file path=customXml/item185.xml><?xml version="1.0" encoding="utf-8"?>
-<Control xmlns="http://schemas.microsoft.com/VisualStudio/2011/storyboarding/control">
-  <Id Name="System.Storyboarding.Common.TextInput" Revision="1" Stencil="System.Storyboarding.Common" StencilVersion="0.1"/>
-</Control>
-</file>
-
-<file path=customXml/item186.xml><?xml version="1.0" encoding="utf-8"?>
-<Control xmlns="http://schemas.microsoft.com/VisualStudio/2011/storyboarding/control">
-  <Id Name="System.Storyboarding.Common.TextInput" Revision="1" Stencil="System.Storyboarding.Common" StencilVersion="0.1"/>
-</Control>
-</file>
-
-<file path=customXml/item187.xml><?xml version="1.0" encoding="utf-8"?>
-<Control xmlns="http://schemas.microsoft.com/VisualStudio/2011/storyboarding/control">
-  <Id Name="System.Storyboarding.Common.DataGrid" Revision="1" Stencil="System.Storyboarding.Common" StencilVersion="0.1"/>
-</Control>
-</file>
-
 <file path=customXml/item188.xml><?xml version="1.0" encoding="utf-8"?>
 <Control xmlns="http://schemas.microsoft.com/VisualStudio/2011/storyboarding/control">
-  <Id Name="System.Storyboarding.Common.Text" Revision="1" Stencil="System.Storyboarding.Common" StencilVersion="0.1"/>
+  <Id Name="System.Storyboarding.Icons.Flag" Revision="1" Stencil="System.Storyboarding.Icons" StencilVersion="0.1"/>
 </Control>
 </file>
 
@@ -30908,7 +30921,7 @@
 
 <file path=customXml/item190.xml><?xml version="1.0" encoding="utf-8"?>
 <Control xmlns="http://schemas.microsoft.com/VisualStudio/2011/storyboarding/control">
-  <Id Name="System.Storyboarding.Common.Hyperlink" Revision="1" Stencil="System.Storyboarding.Common" StencilVersion="0.1"/>
+  <Id Name="System.Storyboarding.Common.Text" Revision="1" Stencil="System.Storyboarding.Common" StencilVersion="0.1"/>
 </Control>
 </file>
 
@@ -30920,13 +30933,13 @@
 
 <file path=customXml/item192.xml><?xml version="1.0" encoding="utf-8"?>
 <Control xmlns="http://schemas.microsoft.com/VisualStudio/2011/storyboarding/control">
-  <Id Name="System.Storyboarding.Common.Text" Revision="1" Stencil="System.Storyboarding.Common" StencilVersion="0.1"/>
+  <Id Name="System.Storyboarding.Common.Hyperlink" Revision="1" Stencil="System.Storyboarding.Common" StencilVersion="0.1"/>
 </Control>
 </file>
 
 <file path=customXml/item193.xml><?xml version="1.0" encoding="utf-8"?>
 <Control xmlns="http://schemas.microsoft.com/VisualStudio/2011/storyboarding/control">
-  <Id Name="System.Storyboarding.Common.TabGroup" Revision="1" Stencil="System.Storyboarding.Common" StencilVersion="0.1"/>
+  <Id Name="System.Storyboarding.Common.Text" Revision="1" Stencil="System.Storyboarding.Common" StencilVersion="0.1"/>
 </Control>
 </file>
 
@@ -30938,19 +30951,19 @@
 
 <file path=customXml/item195.xml><?xml version="1.0" encoding="utf-8"?>
 <Control xmlns="http://schemas.microsoft.com/VisualStudio/2011/storyboarding/control">
+  <Id Name="System.Storyboarding.Icons.Flag" Revision="1" Stencil="System.Storyboarding.Icons" StencilVersion="0.1"/>
+</Control>
+</file>
+
+<file path=customXml/item196.xml><?xml version="1.0" encoding="utf-8"?>
+<Control xmlns="http://schemas.microsoft.com/VisualStudio/2011/storyboarding/control">
   <Id Name="System.Storyboarding.Common.Text" Revision="1" Stencil="System.Storyboarding.Common" StencilVersion="0.1"/>
 </Control>
 </file>
 
-<file path=customXml/item196.xml><?xml version="1.0" encoding="utf-8"?>
-<Control xmlns="http://schemas.microsoft.com/VisualStudio/2011/storyboarding/control">
-  <Id Name="System.Storyboarding.Common.Hyperlink" Revision="1" Stencil="System.Storyboarding.Common" StencilVersion="0.1"/>
-</Control>
-</file>
-
 <file path=customXml/item197.xml><?xml version="1.0" encoding="utf-8"?>
 <Control xmlns="http://schemas.microsoft.com/VisualStudio/2011/storyboarding/control">
-  <Id Name="System.Storyboarding.Common.Text" Revision="1" Stencil="System.Storyboarding.Common" StencilVersion="0.1"/>
+  <Id Name="System.Storyboarding.Common.TextInput" Revision="1" Stencil="System.Storyboarding.Common" StencilVersion="0.1"/>
 </Control>
 </file>
 
@@ -30962,25 +30975,25 @@
 
 <file path=customXml/item199.xml><?xml version="1.0" encoding="utf-8"?>
 <Control xmlns="http://schemas.microsoft.com/VisualStudio/2011/storyboarding/control">
-  <Id Name="System.Storyboarding.Common.Hyperlink" Revision="1" Stencil="System.Storyboarding.Common" StencilVersion="0.1"/>
+  <Id Name="System.Storyboarding.Common.DataGrid" Revision="1" Stencil="System.Storyboarding.Common" StencilVersion="0.1"/>
 </Control>
 </file>
 
 <file path=customXml/item2.xml><?xml version="1.0" encoding="utf-8"?>
 <Control xmlns="http://schemas.microsoft.com/VisualStudio/2011/storyboarding/control">
-  <Id Name="System.Storyboarding.Common.Hyperlink" Revision="1" Stencil="System.Storyboarding.Common" StencilVersion="0.1"/>
+  <Id Name="System.Storyboarding.Common.Text" Revision="1" Stencil="System.Storyboarding.Common" StencilVersion="0.1"/>
 </Control>
 </file>
 
 <file path=customXml/item20.xml><?xml version="1.0" encoding="utf-8"?>
 <Control xmlns="http://schemas.microsoft.com/VisualStudio/2011/storyboarding/control">
-  <Id Name="System.Storyboarding.Common.CheckBoxChecked" Revision="1" Stencil="System.Storyboarding.Common" StencilVersion="0.1"/>
+  <Id Name="System.Storyboarding.Common.Text" Revision="1" Stencil="System.Storyboarding.Common" StencilVersion="0.1"/>
 </Control>
 </file>
 
 <file path=customXml/item200.xml><?xml version="1.0" encoding="utf-8"?>
 <Control xmlns="http://schemas.microsoft.com/VisualStudio/2011/storyboarding/control">
-  <Id Name="System.Storyboarding.Common.Text" Revision="1" Stencil="System.Storyboarding.Common" StencilVersion="0.1"/>
+  <Id Name="System.Storyboarding.Common.DataGrid" Revision="1" Stencil="System.Storyboarding.Common" StencilVersion="0.1"/>
 </Control>
 </file>
 
@@ -30992,31 +31005,31 @@
 
 <file path=customXml/item202.xml><?xml version="1.0" encoding="utf-8"?>
 <Control xmlns="http://schemas.microsoft.com/VisualStudio/2011/storyboarding/control">
-  <Id Name="System.Storyboarding.Common.TabGroup" Revision="1" Stencil="System.Storyboarding.Common" StencilVersion="0.1"/>
+  <Id Name="System.Storyboarding.Common.Text" Revision="1" Stencil="System.Storyboarding.Common" StencilVersion="0.1"/>
 </Control>
 </file>
 
 <file path=customXml/item203.xml><?xml version="1.0" encoding="utf-8"?>
-<Control xmlns="http://schemas.microsoft.com/VisualStudio/2011/storyboarding/control">
-  <Id Name="System.Storyboarding.Common.CheckBoxChecked" Revision="1" Stencil="System.Storyboarding.Common" StencilVersion="0.1"/>
-</Control>
-</file>
-
-<file path=customXml/item204.xml><?xml version="1.0" encoding="utf-8"?>
 <Control xmlns="http://schemas.microsoft.com/VisualStudio/2011/storyboarding/control">
   <Id Name="System.Storyboarding.Common.Text" Revision="1" Stencil="System.Storyboarding.Common" StencilVersion="0.1"/>
 </Control>
 </file>
 
-<file path=customXml/item205.xml><?xml version="1.0" encoding="utf-8"?>
+<file path=customXml/item204.xml><?xml version="1.0" encoding="utf-8"?>
 <Control xmlns="http://schemas.microsoft.com/VisualStudio/2011/storyboarding/control">
   <Id Name="System.Storyboarding.Common.Button" Revision="1" Stencil="System.Storyboarding.Common" StencilVersion="0.1"/>
 </Control>
 </file>
 
+<file path=customXml/item205.xml><?xml version="1.0" encoding="utf-8"?>
+<Control xmlns="http://schemas.microsoft.com/VisualStudio/2011/storyboarding/control">
+  <Id Name="System.Storyboarding.Common.Text" Revision="1" Stencil="System.Storyboarding.Common" StencilVersion="0.1"/>
+</Control>
+</file>
+
 <file path=customXml/item206.xml><?xml version="1.0" encoding="utf-8"?>
 <Control xmlns="http://schemas.microsoft.com/VisualStudio/2011/storyboarding/control">
-  <Id Name="System.Storyboarding.Common.Button" Revision="1" Stencil="System.Storyboarding.Common" StencilVersion="0.1"/>
+  <Id Name="System.Storyboarding.Common.Text" Revision="1" Stencil="System.Storyboarding.Common" StencilVersion="0.1"/>
 </Control>
 </file>
 
@@ -31028,25 +31041,25 @@
 
 <file path=customXml/item208.xml><?xml version="1.0" encoding="utf-8"?>
 <Control xmlns="http://schemas.microsoft.com/VisualStudio/2011/storyboarding/control">
-  <Id Name="System.Storyboarding.Common.Text" Revision="1" Stencil="System.Storyboarding.Common" StencilVersion="0.1"/>
+  <Id Name="System.Storyboarding.Common.Hyperlink" Revision="1" Stencil="System.Storyboarding.Common" StencilVersion="0.1"/>
 </Control>
 </file>
 
 <file path=customXml/item209.xml><?xml version="1.0" encoding="utf-8"?>
-<Control xmlns="http://schemas.microsoft.com/VisualStudio/2011/storyboarding/control">
-  <Id Name="System.Storyboarding.Common.Button" Revision="1" Stencil="System.Storyboarding.Common" StencilVersion="0.1"/>
-</Control>
-</file>
-
-<file path=customXml/item21.xml><?xml version="1.0" encoding="utf-8"?>
 <Control xmlns="http://schemas.microsoft.com/VisualStudio/2011/storyboarding/control">
   <Id Name="System.Storyboarding.Common.Text" Revision="1" Stencil="System.Storyboarding.Common" StencilVersion="0.1"/>
 </Control>
 </file>
 
+<file path=customXml/item21.xml><?xml version="1.0" encoding="utf-8"?>
+<Control xmlns="http://schemas.microsoft.com/VisualStudio/2011/storyboarding/control">
+  <Id Name="System.Storyboarding.Common.DataGrid" Revision="1" Stencil="System.Storyboarding.Common" StencilVersion="0.1"/>
+</Control>
+</file>
+
 <file path=customXml/item210.xml><?xml version="1.0" encoding="utf-8"?>
 <Control xmlns="http://schemas.microsoft.com/VisualStudio/2011/storyboarding/control">
-  <Id Name="System.Storyboarding.Common.Text" Revision="1" Stencil="System.Storyboarding.Common" StencilVersion="0.1"/>
+  <Id Name="System.Storyboarding.Common.Hyperlink" Revision="1" Stencil="System.Storyboarding.Common" StencilVersion="0.1"/>
 </Control>
 </file>
 
@@ -31058,25 +31071,25 @@
 
 <file path=customXml/item212.xml><?xml version="1.0" encoding="utf-8"?>
 <Control xmlns="http://schemas.microsoft.com/VisualStudio/2011/storyboarding/control">
+  <Id Name="System.Storyboarding.Common.Hyperlink" Revision="1" Stencil="System.Storyboarding.Common" StencilVersion="0.1"/>
+</Control>
+</file>
+
+<file path=customXml/item213.xml><?xml version="1.0" encoding="utf-8"?>
+<Control xmlns="http://schemas.microsoft.com/VisualStudio/2011/storyboarding/control">
   <Id Name="System.Storyboarding.Common.Text" Revision="1" Stencil="System.Storyboarding.Common" StencilVersion="0.1"/>
 </Control>
 </file>
 
-<file path=customXml/item213.xml><?xml version="1.0" encoding="utf-8"?>
+<file path=customXml/item214.xml><?xml version="1.0" encoding="utf-8"?>
 <Control xmlns="http://schemas.microsoft.com/VisualStudio/2011/storyboarding/control">
   <Id Name="System.Storyboarding.Common.Hyperlink" Revision="1" Stencil="System.Storyboarding.Common" StencilVersion="0.1"/>
 </Control>
 </file>
 
-<file path=customXml/item214.xml><?xml version="1.0" encoding="utf-8"?>
+<file path=customXml/item215.xml><?xml version="1.0" encoding="utf-8"?>
 <Control xmlns="http://schemas.microsoft.com/VisualStudio/2011/storyboarding/control">
   <Id Name="System.Storyboarding.Common.Text" Revision="1" Stencil="System.Storyboarding.Common" StencilVersion="0.1"/>
-</Control>
-</file>
-
-<file path=customXml/item215.xml><?xml version="1.0" encoding="utf-8"?>
-<Control xmlns="http://schemas.microsoft.com/VisualStudio/2011/storyboarding/control">
-  <Id Name="System.Storyboarding.Common.Button" Revision="1" Stencil="System.Storyboarding.Common" StencilVersion="0.1"/>
 </Control>
 </file>
 
@@ -31088,25 +31101,25 @@
 
 <file path=customXml/item217.xml><?xml version="1.0" encoding="utf-8"?>
 <Control xmlns="http://schemas.microsoft.com/VisualStudio/2011/storyboarding/control">
-  <Id Name="System.Storyboarding.Common.CheckBoxChecked" Revision="1" Stencil="System.Storyboarding.Common" StencilVersion="0.1"/>
+  <Id Name="System.Storyboarding.Common.Hyperlink" Revision="1" Stencil="System.Storyboarding.Common" StencilVersion="0.1"/>
 </Control>
 </file>
 
 <file path=customXml/item218.xml><?xml version="1.0" encoding="utf-8"?>
 <Control xmlns="http://schemas.microsoft.com/VisualStudio/2011/storyboarding/control">
-  <Id Name="System.Storyboarding.Common.Hyperlink" Revision="1" Stencil="System.Storyboarding.Common" StencilVersion="0.1"/>
+  <Id Name="System.Storyboarding.Common.Text" Revision="1" Stencil="System.Storyboarding.Common" StencilVersion="0.1"/>
 </Control>
 </file>
 
 <file path=customXml/item219.xml><?xml version="1.0" encoding="utf-8"?>
 <Control xmlns="http://schemas.microsoft.com/VisualStudio/2011/storyboarding/control">
-  <Id Name="System.Storyboarding.Common.CheckBoxChecked" Revision="1" Stencil="System.Storyboarding.Common" StencilVersion="0.1"/>
+  <Id Name="System.Storyboarding.Common.TextInput" Revision="1" Stencil="System.Storyboarding.Common" StencilVersion="0.1"/>
 </Control>
 </file>
 
 <file path=customXml/item22.xml><?xml version="1.0" encoding="utf-8"?>
 <Control xmlns="http://schemas.microsoft.com/VisualStudio/2011/storyboarding/control">
-  <Id Name="System.Storyboarding.Common.TextInput" Revision="1" Stencil="System.Storyboarding.Common" StencilVersion="0.1"/>
+  <Id Name="System.Storyboarding.Common.Text" Revision="1" Stencil="System.Storyboarding.Common" StencilVersion="0.1"/>
 </Control>
 </file>
 
@@ -31118,19 +31131,19 @@
 
 <file path=customXml/item221.xml><?xml version="1.0" encoding="utf-8"?>
 <Control xmlns="http://schemas.microsoft.com/VisualStudio/2011/storyboarding/control">
-  <Id Name="System.Storyboarding.Common.Button" Revision="1" Stencil="System.Storyboarding.Common" StencilVersion="0.1"/>
+  <Id Name="System.Storyboarding.Common.Hyperlink" Revision="1" Stencil="System.Storyboarding.Common" StencilVersion="0.1"/>
 </Control>
 </file>
 
 <file path=customXml/item222.xml><?xml version="1.0" encoding="utf-8"?>
 <Control xmlns="http://schemas.microsoft.com/VisualStudio/2011/storyboarding/control">
-  <Id Name="System.Storyboarding.Common.Text" Revision="1" Stencil="System.Storyboarding.Common" StencilVersion="0.1"/>
+  <Id Name="System.Storyboarding.Common.Hyperlink" Revision="1" Stencil="System.Storyboarding.Common" StencilVersion="0.1"/>
 </Control>
 </file>
 
 <file path=customXml/item223.xml><?xml version="1.0" encoding="utf-8"?>
 <Control xmlns="http://schemas.microsoft.com/VisualStudio/2011/storyboarding/control">
-  <Id Name="System.Storyboarding.Common.Text" Revision="1" Stencil="System.Storyboarding.Common" StencilVersion="0.1"/>
+  <Id Name="System.Storyboarding.Icons.Flag" Revision="1" Stencil="System.Storyboarding.Icons" StencilVersion="0.1"/>
 </Control>
 </file>
 
@@ -31148,13 +31161,13 @@
 
 <file path=customXml/item226.xml><?xml version="1.0" encoding="utf-8"?>
 <Control xmlns="http://schemas.microsoft.com/VisualStudio/2011/storyboarding/control">
-  <Id Name="System.Storyboarding.Common.Text" Revision="1" Stencil="System.Storyboarding.Common" StencilVersion="0.1"/>
+  <Id Name="System.Storyboarding.Icons.Flag" Revision="1" Stencil="System.Storyboarding.Icons" StencilVersion="0.1"/>
 </Control>
 </file>
 
 <file path=customXml/item227.xml><?xml version="1.0" encoding="utf-8"?>
 <Control xmlns="http://schemas.microsoft.com/VisualStudio/2011/storyboarding/control">
-  <Id Name="System.Storyboarding.Common.CheckBoxChecked" Revision="1" Stencil="System.Storyboarding.Common" StencilVersion="0.1"/>
+  <Id Name="System.Storyboarding.Common.Text" Revision="1" Stencil="System.Storyboarding.Common" StencilVersion="0.1"/>
 </Control>
 </file>
 
@@ -31166,7 +31179,7 @@
 
 <file path=customXml/item229.xml><?xml version="1.0" encoding="utf-8"?>
 <Control xmlns="http://schemas.microsoft.com/VisualStudio/2011/storyboarding/control">
-  <Id Name="System.Storyboarding.Common.Text" Revision="1" Stencil="System.Storyboarding.Common" StencilVersion="0.1"/>
+  <Id Name="System.Storyboarding.Common.Hyperlink" Revision="1" Stencil="System.Storyboarding.Common" StencilVersion="0.1"/>
 </Control>
 </file>
 
@@ -31178,25 +31191,25 @@
 
 <file path=customXml/item230.xml><?xml version="1.0" encoding="utf-8"?>
 <Control xmlns="http://schemas.microsoft.com/VisualStudio/2011/storyboarding/control">
-  <Id Name="System.Storyboarding.Common.TextInput" Revision="1" Stencil="System.Storyboarding.Common" StencilVersion="0.1"/>
+  <Id Name="System.Storyboarding.Common.DataGrid" Revision="1" Stencil="System.Storyboarding.Common" StencilVersion="0.1"/>
 </Control>
 </file>
 
 <file path=customXml/item231.xml><?xml version="1.0" encoding="utf-8"?>
 <Control xmlns="http://schemas.microsoft.com/VisualStudio/2011/storyboarding/control">
-  <Id Name="System.Storyboarding.Common.Text" Revision="1" Stencil="System.Storyboarding.Common" StencilVersion="0.1"/>
+  <Id Name="System.Storyboarding.Common.Hyperlink" Revision="1" Stencil="System.Storyboarding.Common" StencilVersion="0.1"/>
 </Control>
 </file>
 
 <file path=customXml/item232.xml><?xml version="1.0" encoding="utf-8"?>
 <Control xmlns="http://schemas.microsoft.com/VisualStudio/2011/storyboarding/control">
-  <Id Name="System.Storyboarding.Common.DataGrid" Revision="1" Stencil="System.Storyboarding.Common" StencilVersion="0.1"/>
+  <Id Name="System.Storyboarding.Common.Hyperlink" Revision="1" Stencil="System.Storyboarding.Common" StencilVersion="0.1"/>
 </Control>
 </file>
 
 <file path=customXml/item233.xml><?xml version="1.0" encoding="utf-8"?>
 <Control xmlns="http://schemas.microsoft.com/VisualStudio/2011/storyboarding/control">
-  <Id Name="System.Storyboarding.Common.TextInput" Revision="1" Stencil="System.Storyboarding.Common" StencilVersion="0.1"/>
+  <Id Name="System.Storyboarding.Common.Text" Revision="1" Stencil="System.Storyboarding.Common" StencilVersion="0.1"/>
 </Control>
 </file>
 
@@ -31208,37 +31221,37 @@
 
 <file path=customXml/item235.xml><?xml version="1.0" encoding="utf-8"?>
 <Control xmlns="http://schemas.microsoft.com/VisualStudio/2011/storyboarding/control">
-  <Id Name="System.Storyboarding.Common.Text" Revision="1" Stencil="System.Storyboarding.Common" StencilVersion="0.1"/>
+  <Id Name="System.Storyboarding.Common.CheckBoxChecked" Revision="1" Stencil="System.Storyboarding.Common" StencilVersion="0.1"/>
 </Control>
 </file>
 
 <file path=customXml/item236.xml><?xml version="1.0" encoding="utf-8"?>
+<Control xmlns="http://schemas.microsoft.com/VisualStudio/2011/storyboarding/control">
+  <Id Name="System.Storyboarding.Common.TextInput" Revision="1" Stencil="System.Storyboarding.Common" StencilVersion="0.1"/>
+</Control>
+</file>
+
+<file path=customXml/item237.xml><?xml version="1.0" encoding="utf-8"?>
 <Control xmlns="http://schemas.microsoft.com/VisualStudio/2011/storyboarding/control">
   <Id Name="System.Storyboarding.Common.Text" Revision="1" Stencil="System.Storyboarding.Common" StencilVersion="0.1"/>
 </Control>
 </file>
 
-<file path=customXml/item237.xml><?xml version="1.0" encoding="utf-8"?>
-<Control xmlns="http://schemas.microsoft.com/VisualStudio/2011/storyboarding/control">
-  <Id Name="System.Storyboarding.Common.Button" Revision="1" Stencil="System.Storyboarding.Common" StencilVersion="0.1"/>
-</Control>
-</file>
-
 <file path=customXml/item238.xml><?xml version="1.0" encoding="utf-8"?>
 <Control xmlns="http://schemas.microsoft.com/VisualStudio/2011/storyboarding/control">
-  <Id Name="System.Storyboarding.Common.Hyperlink" Revision="1" Stencil="System.Storyboarding.Common" StencilVersion="0.1"/>
+  <Id Name="System.Storyboarding.Common.Text" Revision="1" Stencil="System.Storyboarding.Common" StencilVersion="0.1"/>
 </Control>
 </file>
 
 <file path=customXml/item239.xml><?xml version="1.0" encoding="utf-8"?>
 <Control xmlns="http://schemas.microsoft.com/VisualStudio/2011/storyboarding/control">
-  <Id Name="System.Storyboarding.Common.TextInput" Revision="1" Stencil="System.Storyboarding.Common" StencilVersion="0.1"/>
+  <Id Name="System.Storyboarding.Common.Text" Revision="1" Stencil="System.Storyboarding.Common" StencilVersion="0.1"/>
 </Control>
 </file>
 
 <file path=customXml/item24.xml><?xml version="1.0" encoding="utf-8"?>
 <Control xmlns="http://schemas.microsoft.com/VisualStudio/2011/storyboarding/control">
-  <Id Name="System.Storyboarding.Common.Hyperlink" Revision="1" Stencil="System.Storyboarding.Common" StencilVersion="0.1"/>
+  <Id Name="System.Storyboarding.Common.TextInput" Revision="1" Stencil="System.Storyboarding.Common" StencilVersion="0.1"/>
 </Control>
 </file>
 
@@ -31250,19 +31263,19 @@
 
 <file path=customXml/item241.xml><?xml version="1.0" encoding="utf-8"?>
 <Control xmlns="http://schemas.microsoft.com/VisualStudio/2011/storyboarding/control">
+  <Id Name="System.Storyboarding.Common.TextInput" Revision="1" Stencil="System.Storyboarding.Common" StencilVersion="0.1"/>
+</Control>
+</file>
+
+<file path=customXml/item242.xml><?xml version="1.0" encoding="utf-8"?>
+<Control xmlns="http://schemas.microsoft.com/VisualStudio/2011/storyboarding/control">
   <Id Name="System.Storyboarding.Common.Text" Revision="1" Stencil="System.Storyboarding.Common" StencilVersion="0.1"/>
 </Control>
 </file>
 
-<file path=customXml/item242.xml><?xml version="1.0" encoding="utf-8"?>
-<Control xmlns="http://schemas.microsoft.com/VisualStudio/2011/storyboarding/control">
-  <Id Name="System.Storyboarding.Common.TextInput" Revision="1" Stencil="System.Storyboarding.Common" StencilVersion="0.1"/>
-</Control>
-</file>
-
 <file path=customXml/item243.xml><?xml version="1.0" encoding="utf-8"?>
 <Control xmlns="http://schemas.microsoft.com/VisualStudio/2011/storyboarding/control">
-  <Id Name="System.Storyboarding.Common.Hyperlink" Revision="1" Stencil="System.Storyboarding.Common" StencilVersion="0.1"/>
+  <Id Name="System.Storyboarding.Common.Text" Revision="1" Stencil="System.Storyboarding.Common" StencilVersion="0.1"/>
 </Control>
 </file>
 
@@ -31292,31 +31305,31 @@
 
 <file path=customXml/item248.xml><?xml version="1.0" encoding="utf-8"?>
 <Control xmlns="http://schemas.microsoft.com/VisualStudio/2011/storyboarding/control">
-  <Id Name="System.Storyboarding.Common.Text" Revision="1" Stencil="System.Storyboarding.Common" StencilVersion="0.1"/>
+  <Id Name="System.Storyboarding.Common.TextInput" Revision="1" Stencil="System.Storyboarding.Common" StencilVersion="0.1"/>
 </Control>
 </file>
 
 <file path=customXml/item249.xml><?xml version="1.0" encoding="utf-8"?>
+<Control xmlns="http://schemas.microsoft.com/VisualStudio/2011/storyboarding/control">
+  <Id Name="System.Storyboarding.Common.Hyperlink" Revision="1" Stencil="System.Storyboarding.Common" StencilVersion="0.1"/>
+</Control>
+</file>
+
+<file path=customXml/item25.xml><?xml version="1.0" encoding="utf-8"?>
 <Control xmlns="http://schemas.microsoft.com/VisualStudio/2011/storyboarding/control">
   <Id Name="System.Storyboarding.Common.Text" Revision="1" Stencil="System.Storyboarding.Common" StencilVersion="0.1"/>
 </Control>
 </file>
 
-<file path=customXml/item25.xml><?xml version="1.0" encoding="utf-8"?>
-<Control xmlns="http://schemas.microsoft.com/VisualStudio/2011/storyboarding/control">
-  <Id Name="System.Storyboarding.Common.Button" Revision="1" Stencil="System.Storyboarding.Common" StencilVersion="0.1"/>
-</Control>
-</file>
-
 <file path=customXml/item250.xml><?xml version="1.0" encoding="utf-8"?>
 <Control xmlns="http://schemas.microsoft.com/VisualStudio/2011/storyboarding/control">
-  <Id Name="System.Storyboarding.Common.Text" Revision="1" Stencil="System.Storyboarding.Common" StencilVersion="0.1"/>
+  <Id Name="System.Storyboarding.Common.TabGroup" Revision="1" Stencil="System.Storyboarding.Common" StencilVersion="0.1"/>
 </Control>
 </file>
 
 <file path=customXml/item251.xml><?xml version="1.0" encoding="utf-8"?>
 <Control xmlns="http://schemas.microsoft.com/VisualStudio/2011/storyboarding/control">
-  <Id Name="System.Storyboarding.Common.Hyperlink" Revision="1" Stencil="System.Storyboarding.Common" StencilVersion="0.1"/>
+  <Id Name="System.Storyboarding.Common.Text" Revision="1" Stencil="System.Storyboarding.Common" StencilVersion="0.1"/>
 </Control>
 </file>
 
@@ -31328,7 +31341,7 @@
 
 <file path=customXml/item253.xml><?xml version="1.0" encoding="utf-8"?>
 <Control xmlns="http://schemas.microsoft.com/VisualStudio/2011/storyboarding/control">
-  <Id Name="System.Storyboarding.Common.DataGrid" Revision="1" Stencil="System.Storyboarding.Common" StencilVersion="0.1"/>
+  <Id Name="System.Storyboarding.Common.Button" Revision="1" Stencil="System.Storyboarding.Common" StencilVersion="0.1"/>
 </Control>
 </file>
 
@@ -31340,13 +31353,13 @@
 
 <file path=customXml/item255.xml><?xml version="1.0" encoding="utf-8"?>
 <Control xmlns="http://schemas.microsoft.com/VisualStudio/2011/storyboarding/control">
-  <Id Name="System.Storyboarding.Common.Text" Revision="1" Stencil="System.Storyboarding.Common" StencilVersion="0.1"/>
+  <Id Name="System.Storyboarding.Common.TabGroup" Revision="1" Stencil="System.Storyboarding.Common" StencilVersion="0.1"/>
 </Control>
 </file>
 
 <file path=customXml/item256.xml><?xml version="1.0" encoding="utf-8"?>
 <Control xmlns="http://schemas.microsoft.com/VisualStudio/2011/storyboarding/control">
-  <Id Name="System.Storyboarding.Common.DropdownBox" Revision="1" Stencil="System.Storyboarding.Common" StencilVersion="0.1"/>
+  <Id Name="System.Storyboarding.Common.Text" Revision="1" Stencil="System.Storyboarding.Common" StencilVersion="0.1"/>
 </Control>
 </file>
 
@@ -31382,7 +31395,7 @@
 
 <file path=customXml/item261.xml><?xml version="1.0" encoding="utf-8"?>
 <Control xmlns="http://schemas.microsoft.com/VisualStudio/2011/storyboarding/control">
-  <Id Name="System.Storyboarding.Common.Text" Revision="1" Stencil="System.Storyboarding.Common" StencilVersion="0.1"/>
+  <Id Name="System.Storyboarding.Icons.Flag" Revision="1" Stencil="System.Storyboarding.Icons" StencilVersion="0.1"/>
 </Control>
 </file>
 
@@ -31394,7 +31407,7 @@
 
 <file path=customXml/item263.xml><?xml version="1.0" encoding="utf-8"?>
 <Control xmlns="http://schemas.microsoft.com/VisualStudio/2011/storyboarding/control">
-  <Id Name="System.Storyboarding.Common.Button" Revision="1" Stencil="System.Storyboarding.Common" StencilVersion="0.1"/>
+  <Id Name="System.Storyboarding.Common.Text" Revision="1" Stencil="System.Storyboarding.Common" StencilVersion="0.1"/>
 </Control>
 </file>
 
@@ -31406,67 +31419,67 @@
 
 <file path=customXml/item265.xml><?xml version="1.0" encoding="utf-8"?>
 <Control xmlns="http://schemas.microsoft.com/VisualStudio/2011/storyboarding/control">
-  <Id Name="System.Storyboarding.Common.TabGroup" Revision="1" Stencil="System.Storyboarding.Common" StencilVersion="0.1"/>
+  <Id Name="System.Storyboarding.Common.Text" Revision="1" Stencil="System.Storyboarding.Common" StencilVersion="0.1"/>
 </Control>
 </file>
 
 <file path=customXml/item266.xml><?xml version="1.0" encoding="utf-8"?>
+<Control xmlns="http://schemas.microsoft.com/VisualStudio/2011/storyboarding/control">
+  <Id Name="System.Storyboarding.Common.CheckBoxChecked" Revision="1" Stencil="System.Storyboarding.Common" StencilVersion="0.1"/>
+</Control>
+</file>
+
+<file path=customXml/item267.xml><?xml version="1.0" encoding="utf-8"?>
+<Control xmlns="http://schemas.microsoft.com/VisualStudio/2011/storyboarding/control">
+  <Id Name="System.Storyboarding.Common.Hyperlink" Revision="1" Stencil="System.Storyboarding.Common" StencilVersion="0.1"/>
+</Control>
+</file>
+
+<file path=customXml/item268.xml><?xml version="1.0" encoding="utf-8"?>
+<Control xmlns="http://schemas.microsoft.com/VisualStudio/2011/storyboarding/control">
+  <Id Name="System.Storyboarding.Common.TextInput" Revision="1" Stencil="System.Storyboarding.Common" StencilVersion="0.1"/>
+</Control>
+</file>
+
+<file path=customXml/item269.xml><?xml version="1.0" encoding="utf-8"?>
+<Control xmlns="http://schemas.microsoft.com/VisualStudio/2011/storyboarding/control">
+  <Id Name="System.Storyboarding.Common.Hyperlink" Revision="1" Stencil="System.Storyboarding.Common" StencilVersion="0.1"/>
+</Control>
+</file>
+
+<file path=customXml/item27.xml><?xml version="1.0" encoding="utf-8"?>
+<Control xmlns="http://schemas.microsoft.com/VisualStudio/2011/storyboarding/control">
+  <Id Name="System.Storyboarding.Common.Text" Revision="1" Stencil="System.Storyboarding.Common" StencilVersion="0.1"/>
+</Control>
+</file>
+
+<file path=customXml/item270.xml><?xml version="1.0" encoding="utf-8"?>
+<Control xmlns="http://schemas.microsoft.com/VisualStudio/2011/storyboarding/control">
+  <Id Name="System.Storyboarding.Common.Text" Revision="1" Stencil="System.Storyboarding.Common" StencilVersion="0.1"/>
+</Control>
+</file>
+
+<file path=customXml/item271.xml><?xml version="1.0" encoding="utf-8"?>
+<Control xmlns="http://schemas.microsoft.com/VisualStudio/2011/storyboarding/control">
+  <Id Name="System.Storyboarding.Common.Text" Revision="1" Stencil="System.Storyboarding.Common" StencilVersion="0.1"/>
+</Control>
+</file>
+
+<file path=customXml/item272.xml><?xml version="1.0" encoding="utf-8"?>
 <Control xmlns="http://schemas.microsoft.com/VisualStudio/2011/storyboarding/control">
   <Id Name="System.Storyboarding.Common.Button" Revision="1" Stencil="System.Storyboarding.Common" StencilVersion="0.1"/>
 </Control>
 </file>
 
-<file path=customXml/item267.xml><?xml version="1.0" encoding="utf-8"?>
-<Control xmlns="http://schemas.microsoft.com/VisualStudio/2011/storyboarding/control">
-  <Id Name="System.Storyboarding.Common.Button" Revision="1" Stencil="System.Storyboarding.Common" StencilVersion="0.1"/>
-</Control>
-</file>
-
-<file path=customXml/item268.xml><?xml version="1.0" encoding="utf-8"?>
-<Control xmlns="http://schemas.microsoft.com/VisualStudio/2011/storyboarding/control">
-  <Id Name="System.Storyboarding.Common.Hyperlink" Revision="1" Stencil="System.Storyboarding.Common" StencilVersion="0.1"/>
-</Control>
-</file>
-
-<file path=customXml/item269.xml><?xml version="1.0" encoding="utf-8"?>
+<file path=customXml/item273.xml><?xml version="1.0" encoding="utf-8"?>
 <Control xmlns="http://schemas.microsoft.com/VisualStudio/2011/storyboarding/control">
   <Id Name="System.Storyboarding.Common.Text" Revision="1" Stencil="System.Storyboarding.Common" StencilVersion="0.1"/>
 </Control>
 </file>
 
-<file path=customXml/item27.xml><?xml version="1.0" encoding="utf-8"?>
-<Control xmlns="http://schemas.microsoft.com/VisualStudio/2011/storyboarding/control">
-  <Id Name="System.Storyboarding.Common.Button" Revision="1" Stencil="System.Storyboarding.Common" StencilVersion="0.1"/>
-</Control>
-</file>
-
-<file path=customXml/item270.xml><?xml version="1.0" encoding="utf-8"?>
-<Control xmlns="http://schemas.microsoft.com/VisualStudio/2011/storyboarding/control">
-  <Id Name="System.Storyboarding.Common.TextInput" Revision="1" Stencil="System.Storyboarding.Common" StencilVersion="0.1"/>
-</Control>
-</file>
-
-<file path=customXml/item271.xml><?xml version="1.0" encoding="utf-8"?>
-<Control xmlns="http://schemas.microsoft.com/VisualStudio/2011/storyboarding/control">
-  <Id Name="System.Storyboarding.Common.Hyperlink" Revision="1" Stencil="System.Storyboarding.Common" StencilVersion="0.1"/>
-</Control>
-</file>
-
-<file path=customXml/item272.xml><?xml version="1.0" encoding="utf-8"?>
-<Control xmlns="http://schemas.microsoft.com/VisualStudio/2011/storyboarding/control">
-  <Id Name="System.Storyboarding.Common.Text" Revision="1" Stencil="System.Storyboarding.Common" StencilVersion="0.1"/>
-</Control>
-</file>
-
-<file path=customXml/item273.xml><?xml version="1.0" encoding="utf-8"?>
-<Control xmlns="http://schemas.microsoft.com/VisualStudio/2011/storyboarding/control">
-  <Id Name="System.Storyboarding.Common.Hyperlink" Revision="1" Stencil="System.Storyboarding.Common" StencilVersion="0.1"/>
-</Control>
-</file>
-
 <file path=customXml/item274.xml><?xml version="1.0" encoding="utf-8"?>
 <Control xmlns="http://schemas.microsoft.com/VisualStudio/2011/storyboarding/control">
-  <Id Name="System.Storyboarding.Common.Text" Revision="1" Stencil="System.Storyboarding.Common" StencilVersion="0.1"/>
+  <Id Name="System.Storyboarding.Common.CheckBoxChecked" Revision="1" Stencil="System.Storyboarding.Common" StencilVersion="0.1"/>
 </Control>
 </file>
 
@@ -31484,13 +31497,13 @@
 
 <file path=customXml/item277.xml><?xml version="1.0" encoding="utf-8"?>
 <Control xmlns="http://schemas.microsoft.com/VisualStudio/2011/storyboarding/control">
-  <Id Name="System.Storyboarding.Common.Text" Revision="1" Stencil="System.Storyboarding.Common" StencilVersion="0.1"/>
+  <Id Name="System.Storyboarding.Common.Hyperlink" Revision="1" Stencil="System.Storyboarding.Common" StencilVersion="0.1"/>
 </Control>
 </file>
 
 <file path=customXml/item278.xml><?xml version="1.0" encoding="utf-8"?>
 <Control xmlns="http://schemas.microsoft.com/VisualStudio/2011/storyboarding/control">
-  <Id Name="System.Storyboarding.Common.CheckBoxChecked" Revision="1" Stencil="System.Storyboarding.Common" StencilVersion="0.1"/>
+  <Id Name="System.Storyboarding.Common.Text" Revision="1" Stencil="System.Storyboarding.Common" StencilVersion="0.1"/>
 </Control>
 </file>
 
@@ -31502,19 +31515,19 @@
 
 <file path=customXml/item28.xml><?xml version="1.0" encoding="utf-8"?>
 <Control xmlns="http://schemas.microsoft.com/VisualStudio/2011/storyboarding/control">
-  <Id Name="System.Storyboarding.Common.TextInput" Revision="1" Stencil="System.Storyboarding.Common" StencilVersion="0.1"/>
+  <Id Name="System.Storyboarding.Common.Text" Revision="1" Stencil="System.Storyboarding.Common" StencilVersion="0.1"/>
 </Control>
 </file>
 
 <file path=customXml/item280.xml><?xml version="1.0" encoding="utf-8"?>
 <Control xmlns="http://schemas.microsoft.com/VisualStudio/2011/storyboarding/control">
-  <Id Name="System.Storyboarding.Common.TextInput" Revision="1" Stencil="System.Storyboarding.Common" StencilVersion="0.1"/>
+  <Id Name="System.Storyboarding.Common.DropdownBox" Revision="1" Stencil="System.Storyboarding.Common" StencilVersion="0.1"/>
 </Control>
 </file>
 
 <file path=customXml/item281.xml><?xml version="1.0" encoding="utf-8"?>
 <Control xmlns="http://schemas.microsoft.com/VisualStudio/2011/storyboarding/control">
-  <Id Name="System.Storyboarding.Common.Text" Revision="1" Stencil="System.Storyboarding.Common" StencilVersion="0.1"/>
+  <Id Name="System.Storyboarding.Common.CheckBoxChecked" Revision="1" Stencil="System.Storyboarding.Common" StencilVersion="0.1"/>
 </Control>
 </file>
 
@@ -31526,19 +31539,19 @@
 
 <file path=customXml/item283.xml><?xml version="1.0" encoding="utf-8"?>
 <Control xmlns="http://schemas.microsoft.com/VisualStudio/2011/storyboarding/control">
-  <Id Name="System.Storyboarding.Common.Text" Revision="1" Stencil="System.Storyboarding.Common" StencilVersion="0.1"/>
+  <Id Name="System.Storyboarding.Common.Hyperlink" Revision="1" Stencil="System.Storyboarding.Common" StencilVersion="0.1"/>
 </Control>
 </file>
 
 <file path=customXml/item284.xml><?xml version="1.0" encoding="utf-8"?>
 <Control xmlns="http://schemas.microsoft.com/VisualStudio/2011/storyboarding/control">
-  <Id Name="System.Storyboarding.Common.Text" Revision="1" Stencil="System.Storyboarding.Common" StencilVersion="0.1"/>
+  <Id Name="System.Storyboarding.Common.CheckBoxChecked" Revision="1" Stencil="System.Storyboarding.Common" StencilVersion="0.1"/>
 </Control>
 </file>
 
 <file path=customXml/item285.xml><?xml version="1.0" encoding="utf-8"?>
 <Control xmlns="http://schemas.microsoft.com/VisualStudio/2011/storyboarding/control">
-  <Id Name="System.Storyboarding.Common.TextInput" Revision="1" Stencil="System.Storyboarding.Common" StencilVersion="0.1"/>
+  <Id Name="System.Storyboarding.Common.Text" Revision="1" Stencil="System.Storyboarding.Common" StencilVersion="0.1"/>
 </Control>
 </file>
 
@@ -31550,19 +31563,19 @@
 
 <file path=customXml/item287.xml><?xml version="1.0" encoding="utf-8"?>
 <Control xmlns="http://schemas.microsoft.com/VisualStudio/2011/storyboarding/control">
-  <Id Name="System.Storyboarding.Common.Hyperlink" Revision="1" Stencil="System.Storyboarding.Common" StencilVersion="0.1"/>
+  <Id Name="System.Storyboarding.Common.Button" Revision="1" Stencil="System.Storyboarding.Common" StencilVersion="0.1"/>
 </Control>
 </file>
 
 <file path=customXml/item288.xml><?xml version="1.0" encoding="utf-8"?>
 <Control xmlns="http://schemas.microsoft.com/VisualStudio/2011/storyboarding/control">
-  <Id Name="System.Storyboarding.Common.Text" Revision="1" Stencil="System.Storyboarding.Common" StencilVersion="0.1"/>
+  <Id Name="System.Storyboarding.Common.Button" Revision="1" Stencil="System.Storyboarding.Common" StencilVersion="0.1"/>
 </Control>
 </file>
 
 <file path=customXml/item289.xml><?xml version="1.0" encoding="utf-8"?>
 <Control xmlns="http://schemas.microsoft.com/VisualStudio/2011/storyboarding/control">
-  <Id Name="System.Storyboarding.Common.TextInput" Revision="1" Stencil="System.Storyboarding.Common" StencilVersion="0.1"/>
+  <Id Name="System.Storyboarding.Common.Hyperlink" Revision="1" Stencil="System.Storyboarding.Common" StencilVersion="0.1"/>
 </Control>
 </file>
 
@@ -31574,37 +31587,37 @@
 
 <file path=customXml/item290.xml><?xml version="1.0" encoding="utf-8"?>
 <Control xmlns="http://schemas.microsoft.com/VisualStudio/2011/storyboarding/control">
-  <Id Name="System.Storyboarding.Common.DropdownBox" Revision="1" Stencil="System.Storyboarding.Common" StencilVersion="0.1"/>
+  <Id Name="System.Storyboarding.Common.Text" Revision="1" Stencil="System.Storyboarding.Common" StencilVersion="0.1"/>
 </Control>
 </file>
 
 <file path=customXml/item291.xml><?xml version="1.0" encoding="utf-8"?>
-<Control xmlns="http://schemas.microsoft.com/VisualStudio/2011/storyboarding/control">
-  <Id Name="System.Storyboarding.Common.DataGrid" Revision="1" Stencil="System.Storyboarding.Common" StencilVersion="0.1"/>
-</Control>
-</file>
-
-<file path=customXml/item292.xml><?xml version="1.0" encoding="utf-8"?>
 <Control xmlns="http://schemas.microsoft.com/VisualStudio/2011/storyboarding/control">
   <Id Name="System.Storyboarding.Common.Text" Revision="1" Stencil="System.Storyboarding.Common" StencilVersion="0.1"/>
 </Control>
 </file>
 
+<file path=customXml/item292.xml><?xml version="1.0" encoding="utf-8"?>
+<Control xmlns="http://schemas.microsoft.com/VisualStudio/2011/storyboarding/control">
+  <Id Name="System.Storyboarding.Icons.Flag" Revision="1" Stencil="System.Storyboarding.Icons" StencilVersion="0.1"/>
+</Control>
+</file>
+
 <file path=customXml/item293.xml><?xml version="1.0" encoding="utf-8"?>
+<Control xmlns="http://schemas.microsoft.com/VisualStudio/2011/storyboarding/control">
+  <Id Name="System.Storyboarding.Common.Button" Revision="1" Stencil="System.Storyboarding.Common" StencilVersion="0.1"/>
+</Control>
+</file>
+
+<file path=customXml/item294.xml><?xml version="1.0" encoding="utf-8"?>
 <Control xmlns="http://schemas.microsoft.com/VisualStudio/2011/storyboarding/control">
   <Id Name="System.Storyboarding.Common.TextInput" Revision="1" Stencil="System.Storyboarding.Common" StencilVersion="0.1"/>
 </Control>
 </file>
 
-<file path=customXml/item294.xml><?xml version="1.0" encoding="utf-8"?>
-<Control xmlns="http://schemas.microsoft.com/VisualStudio/2011/storyboarding/control">
-  <Id Name="System.Storyboarding.Common.Text" Revision="1" Stencil="System.Storyboarding.Common" StencilVersion="0.1"/>
-</Control>
-</file>
-
 <file path=customXml/item295.xml><?xml version="1.0" encoding="utf-8"?>
 <Control xmlns="http://schemas.microsoft.com/VisualStudio/2011/storyboarding/control">
-  <Id Name="System.Storyboarding.Common.Text" Revision="1" Stencil="System.Storyboarding.Common" StencilVersion="0.1"/>
+  <Id Name="System.Storyboarding.Common.TabGroup" Revision="1" Stencil="System.Storyboarding.Common" StencilVersion="0.1"/>
 </Control>
 </file>
 
@@ -31622,7 +31635,7 @@
 
 <file path=customXml/item298.xml><?xml version="1.0" encoding="utf-8"?>
 <Control xmlns="http://schemas.microsoft.com/VisualStudio/2011/storyboarding/control">
-  <Id Name="System.Storyboarding.Common.DataGrid" Revision="1" Stencil="System.Storyboarding.Common" StencilVersion="0.1"/>
+  <Id Name="System.Storyboarding.Common.Hyperlink" Revision="1" Stencil="System.Storyboarding.Common" StencilVersion="0.1"/>
 </Control>
 </file>
 
@@ -31646,7 +31659,7 @@
 
 <file path=customXml/item300.xml><?xml version="1.0" encoding="utf-8"?>
 <Control xmlns="http://schemas.microsoft.com/VisualStudio/2011/storyboarding/control">
-  <Id Name="System.Storyboarding.Common.TextInput" Revision="1" Stencil="System.Storyboarding.Common" StencilVersion="0.1"/>
+  <Id Name="System.Storyboarding.Common.Text" Revision="1" Stencil="System.Storyboarding.Common" StencilVersion="0.1"/>
 </Control>
 </file>
 
@@ -31658,37 +31671,37 @@
 
 <file path=customXml/item302.xml><?xml version="1.0" encoding="utf-8"?>
 <Control xmlns="http://schemas.microsoft.com/VisualStudio/2011/storyboarding/control">
-  <Id Name="System.Storyboarding.Common.TextInput" Revision="1" Stencil="System.Storyboarding.Common" StencilVersion="0.1"/>
+  <Id Name="System.Storyboarding.Common.Text" Revision="1" Stencil="System.Storyboarding.Common" StencilVersion="0.1"/>
 </Control>
 </file>
 
 <file path=customXml/item303.xml><?xml version="1.0" encoding="utf-8"?>
-<Control xmlns="http://schemas.microsoft.com/VisualStudio/2011/storyboarding/control">
-  <Id Name="System.Storyboarding.Common.TabGroup" Revision="1" Stencil="System.Storyboarding.Common" StencilVersion="0.1"/>
-</Control>
-</file>
-
-<file path=customXml/item304.xml><?xml version="1.0" encoding="utf-8"?>
 <Control xmlns="http://schemas.microsoft.com/VisualStudio/2011/storyboarding/control">
   <Id Name="System.Storyboarding.Common.Text" Revision="1" Stencil="System.Storyboarding.Common" StencilVersion="0.1"/>
 </Control>
 </file>
 
+<file path=customXml/item304.xml><?xml version="1.0" encoding="utf-8"?>
+<Control xmlns="http://schemas.microsoft.com/VisualStudio/2011/storyboarding/control">
+  <Id Name="System.Storyboarding.Common.DropdownBox" Revision="1" Stencil="System.Storyboarding.Common" StencilVersion="0.1"/>
+</Control>
+</file>
+
 <file path=customXml/item305.xml><?xml version="1.0" encoding="utf-8"?>
 <Control xmlns="http://schemas.microsoft.com/VisualStudio/2011/storyboarding/control">
-  <Id Name="System.Storyboarding.Common.Hyperlink" Revision="1" Stencil="System.Storyboarding.Common" StencilVersion="0.1"/>
+  <Id Name="System.Storyboarding.Common.Text" Revision="1" Stencil="System.Storyboarding.Common" StencilVersion="0.1"/>
 </Control>
 </file>
 
 <file path=customXml/item306.xml><?xml version="1.0" encoding="utf-8"?>
 <Control xmlns="http://schemas.microsoft.com/VisualStudio/2011/storyboarding/control">
-  <Id Name="System.Storyboarding.Common.TextInput" Revision="1" Stencil="System.Storyboarding.Common" StencilVersion="0.1"/>
+  <Id Name="System.Storyboarding.Common.DataGrid" Revision="1" Stencil="System.Storyboarding.Common" StencilVersion="0.1"/>
 </Control>
 </file>
 
 <file path=customXml/item307.xml><?xml version="1.0" encoding="utf-8"?>
 <Control xmlns="http://schemas.microsoft.com/VisualStudio/2011/storyboarding/control">
-  <Id Name="System.Storyboarding.Common.Text" Revision="1" Stencil="System.Storyboarding.Common" StencilVersion="0.1"/>
+  <Id Name="System.Storyboarding.Common.TextInput" Revision="1" Stencil="System.Storyboarding.Common" StencilVersion="0.1"/>
 </Control>
 </file>
 
@@ -31706,25 +31719,25 @@
 
 <file path=customXml/item31.xml><?xml version="1.0" encoding="utf-8"?>
 <Control xmlns="http://schemas.microsoft.com/VisualStudio/2011/storyboarding/control">
-  <Id Name="System.Storyboarding.Common.CheckBoxChecked" Revision="1" Stencil="System.Storyboarding.Common" StencilVersion="0.1"/>
+  <Id Name="System.Storyboarding.Common.DropdownBox" Revision="1" Stencil="System.Storyboarding.Common" StencilVersion="0.1"/>
 </Control>
 </file>
 
 <file path=customXml/item310.xml><?xml version="1.0" encoding="utf-8"?>
 <Control xmlns="http://schemas.microsoft.com/VisualStudio/2011/storyboarding/control">
-  <Id Name="System.Storyboarding.Common.Text" Revision="1" Stencil="System.Storyboarding.Common" StencilVersion="0.1"/>
+  <Id Name="System.Storyboarding.Common.TextInput" Revision="1" Stencil="System.Storyboarding.Common" StencilVersion="0.1"/>
 </Control>
 </file>
 
 <file path=customXml/item311.xml><?xml version="1.0" encoding="utf-8"?>
 <Control xmlns="http://schemas.microsoft.com/VisualStudio/2011/storyboarding/control">
-  <Id Name="System.Storyboarding.Common.Text" Revision="1" Stencil="System.Storyboarding.Common" StencilVersion="0.1"/>
+  <Id Name="System.Storyboarding.Common.TextInput" Revision="1" Stencil="System.Storyboarding.Common" StencilVersion="0.1"/>
 </Control>
 </file>
 
 <file path=customXml/item312.xml><?xml version="1.0" encoding="utf-8"?>
 <Control xmlns="http://schemas.microsoft.com/VisualStudio/2011/storyboarding/control">
-  <Id Name="System.Storyboarding.Common.TabGroup" Revision="1" Stencil="System.Storyboarding.Common" StencilVersion="0.1"/>
+  <Id Name="System.Storyboarding.Common.CheckBoxChecked" Revision="1" Stencil="System.Storyboarding.Common" StencilVersion="0.1"/>
 </Control>
 </file>
 
@@ -31736,25 +31749,25 @@
 
 <file path=customXml/item314.xml><?xml version="1.0" encoding="utf-8"?>
 <Control xmlns="http://schemas.microsoft.com/VisualStudio/2011/storyboarding/control">
-  <Id Name="System.Storyboarding.Common.DataGrid" Revision="1" Stencil="System.Storyboarding.Common" StencilVersion="0.1"/>
+  <Id Name="System.Storyboarding.Icons.Flag" Revision="1" Stencil="System.Storyboarding.Icons" StencilVersion="0.1"/>
 </Control>
 </file>
 
 <file path=customXml/item315.xml><?xml version="1.0" encoding="utf-8"?>
 <Control xmlns="http://schemas.microsoft.com/VisualStudio/2011/storyboarding/control">
-  <Id Name="System.Storyboarding.Common.TextInput" Revision="1" Stencil="System.Storyboarding.Common" StencilVersion="0.1"/>
+  <Id Name="System.Storyboarding.Common.Text" Revision="1" Stencil="System.Storyboarding.Common" StencilVersion="0.1"/>
 </Control>
 </file>
 
 <file path=customXml/item316.xml><?xml version="1.0" encoding="utf-8"?>
 <Control xmlns="http://schemas.microsoft.com/VisualStudio/2011/storyboarding/control">
-  <Id Name="System.Storyboarding.Common.TextInput" Revision="1" Stencil="System.Storyboarding.Common" StencilVersion="0.1"/>
+  <Id Name="System.Storyboarding.Icons.Flag" Revision="1" Stencil="System.Storyboarding.Icons" StencilVersion="0.1"/>
 </Control>
 </file>
 
 <file path=customXml/item317.xml><?xml version="1.0" encoding="utf-8"?>
 <Control xmlns="http://schemas.microsoft.com/VisualStudio/2011/storyboarding/control">
-  <Id Name="System.Storyboarding.Common.Text" Revision="1" Stencil="System.Storyboarding.Common" StencilVersion="0.1"/>
+  <Id Name="System.Storyboarding.Common.Hyperlink" Revision="1" Stencil="System.Storyboarding.Common" StencilVersion="0.1"/>
 </Control>
 </file>
 
@@ -31772,7 +31785,7 @@
 
 <file path=customXml/item32.xml><?xml version="1.0" encoding="utf-8"?>
 <Control xmlns="http://schemas.microsoft.com/VisualStudio/2011/storyboarding/control">
-  <Id Name="System.Storyboarding.Icons.Flag" Revision="1" Stencil="System.Storyboarding.Icons" StencilVersion="0.1"/>
+  <Id Name="System.Storyboarding.Common.Text" Revision="1" Stencil="System.Storyboarding.Common" StencilVersion="0.1"/>
 </Control>
 </file>
 
@@ -31784,19 +31797,19 @@
 
 <file path=customXml/item321.xml><?xml version="1.0" encoding="utf-8"?>
 <Control xmlns="http://schemas.microsoft.com/VisualStudio/2011/storyboarding/control">
-  <Id Name="System.Storyboarding.Common.TextInput" Revision="1" Stencil="System.Storyboarding.Common" StencilVersion="0.1"/>
+  <Id Name="System.Storyboarding.Common.Button" Revision="1" Stencil="System.Storyboarding.Common" StencilVersion="0.1"/>
 </Control>
 </file>
 
 <file path=customXml/item322.xml><?xml version="1.0" encoding="utf-8"?>
 <Control xmlns="http://schemas.microsoft.com/VisualStudio/2011/storyboarding/control">
-  <Id Name="System.Storyboarding.Common.DropdownBox" Revision="1" Stencil="System.Storyboarding.Common" StencilVersion="0.1"/>
+  <Id Name="System.Storyboarding.Common.Text" Revision="1" Stencil="System.Storyboarding.Common" StencilVersion="0.1"/>
 </Control>
 </file>
 
 <file path=customXml/item323.xml><?xml version="1.0" encoding="utf-8"?>
 <Control xmlns="http://schemas.microsoft.com/VisualStudio/2011/storyboarding/control">
-  <Id Name="System.Storyboarding.Common.TextInput" Revision="1" Stencil="System.Storyboarding.Common" StencilVersion="0.1"/>
+  <Id Name="System.Storyboarding.Common.CheckBoxChecked" Revision="1" Stencil="System.Storyboarding.Common" StencilVersion="0.1"/>
 </Control>
 </file>
 
@@ -31808,7 +31821,7 @@
 
 <file path=customXml/item325.xml><?xml version="1.0" encoding="utf-8"?>
 <Control xmlns="http://schemas.microsoft.com/VisualStudio/2011/storyboarding/control">
-  <Id Name="System.Storyboarding.Common.TextInput" Revision="1" Stencil="System.Storyboarding.Common" StencilVersion="0.1"/>
+  <Id Name="System.Storyboarding.Common.Text" Revision="1" Stencil="System.Storyboarding.Common" StencilVersion="0.1"/>
 </Control>
 </file>
 
@@ -31820,37 +31833,37 @@
 
 <file path=customXml/item327.xml><?xml version="1.0" encoding="utf-8"?>
 <Control xmlns="http://schemas.microsoft.com/VisualStudio/2011/storyboarding/control">
-  <Id Name="System.Storyboarding.Common.Text" Revision="1" Stencil="System.Storyboarding.Common" StencilVersion="0.1"/>
+  <Id Name="System.Storyboarding.Common.CheckBoxChecked" Revision="1" Stencil="System.Storyboarding.Common" StencilVersion="0.1"/>
 </Control>
 </file>
 
 <file path=customXml/item328.xml><?xml version="1.0" encoding="utf-8"?>
 <Control xmlns="http://schemas.microsoft.com/VisualStudio/2011/storyboarding/control">
-  <Id Name="System.Storyboarding.Common.Text" Revision="1" Stencil="System.Storyboarding.Common" StencilVersion="0.1"/>
+  <Id Name="System.Storyboarding.Common.Hyperlink" Revision="1" Stencil="System.Storyboarding.Common" StencilVersion="0.1"/>
 </Control>
 </file>
 
 <file path=customXml/item329.xml><?xml version="1.0" encoding="utf-8"?>
 <Control xmlns="http://schemas.microsoft.com/VisualStudio/2011/storyboarding/control">
-  <Id Name="System.Storyboarding.Common.Text" Revision="1" Stencil="System.Storyboarding.Common" StencilVersion="0.1"/>
+  <Id Name="System.Storyboarding.Common.TextInput" Revision="1" Stencil="System.Storyboarding.Common" StencilVersion="0.1"/>
 </Control>
 </file>
 
 <file path=customXml/item33.xml><?xml version="1.0" encoding="utf-8"?>
 <Control xmlns="http://schemas.microsoft.com/VisualStudio/2011/storyboarding/control">
-  <Id Name="System.Storyboarding.Common.Text" Revision="1" Stencil="System.Storyboarding.Common" StencilVersion="0.1"/>
+  <Id Name="System.Storyboarding.Common.TextInput" Revision="1" Stencil="System.Storyboarding.Common" StencilVersion="0.1"/>
 </Control>
 </file>
 
 <file path=customXml/item330.xml><?xml version="1.0" encoding="utf-8"?>
 <Control xmlns="http://schemas.microsoft.com/VisualStudio/2011/storyboarding/control">
-  <Id Name="System.Storyboarding.Common.Text" Revision="1" Stencil="System.Storyboarding.Common" StencilVersion="0.1"/>
+  <Id Name="System.Storyboarding.Common.Button" Revision="1" Stencil="System.Storyboarding.Common" StencilVersion="0.1"/>
 </Control>
 </file>
 
 <file path=customXml/item331.xml><?xml version="1.0" encoding="utf-8"?>
 <Control xmlns="http://schemas.microsoft.com/VisualStudio/2011/storyboarding/control">
-  <Id Name="System.Storyboarding.Common.Hyperlink" Revision="1" Stencil="System.Storyboarding.Common" StencilVersion="0.1"/>
+  <Id Name="System.Storyboarding.Common.Text" Revision="1" Stencil="System.Storyboarding.Common" StencilVersion="0.1"/>
 </Control>
 </file>
 
@@ -31862,25 +31875,25 @@
 
 <file path=customXml/item333.xml><?xml version="1.0" encoding="utf-8"?>
 <Control xmlns="http://schemas.microsoft.com/VisualStudio/2011/storyboarding/control">
+  <Id Name="System.Storyboarding.Common.Hyperlink" Revision="1" Stencil="System.Storyboarding.Common" StencilVersion="0.1"/>
+</Control>
+</file>
+
+<file path=customXml/item334.xml><?xml version="1.0" encoding="utf-8"?>
+<Control xmlns="http://schemas.microsoft.com/VisualStudio/2011/storyboarding/control">
   <Id Name="System.Storyboarding.Common.Text" Revision="1" Stencil="System.Storyboarding.Common" StencilVersion="0.1"/>
 </Control>
 </file>
 
-<file path=customXml/item334.xml><?xml version="1.0" encoding="utf-8"?>
-<Control xmlns="http://schemas.microsoft.com/VisualStudio/2011/storyboarding/control">
-  <Id Name="System.Storyboarding.Common.Hyperlink" Revision="1" Stencil="System.Storyboarding.Common" StencilVersion="0.1"/>
-</Control>
-</file>
-
 <file path=customXml/item335.xml><?xml version="1.0" encoding="utf-8"?>
 <Control xmlns="http://schemas.microsoft.com/VisualStudio/2011/storyboarding/control">
-  <Id Name="System.Storyboarding.Common.Hyperlink" Revision="1" Stencil="System.Storyboarding.Common" StencilVersion="0.1"/>
+  <Id Name="System.Storyboarding.Common.Text" Revision="1" Stencil="System.Storyboarding.Common" StencilVersion="0.1"/>
 </Control>
 </file>
 
 <file path=customXml/item336.xml><?xml version="1.0" encoding="utf-8"?>
 <Control xmlns="http://schemas.microsoft.com/VisualStudio/2011/storyboarding/control">
-  <Id Name="System.Storyboarding.Common.Text" Revision="1" Stencil="System.Storyboarding.Common" StencilVersion="0.1"/>
+  <Id Name="System.Storyboarding.Common.TabGroup" Revision="1" Stencil="System.Storyboarding.Common" StencilVersion="0.1"/>
 </Control>
 </file>
 
@@ -31892,61 +31905,61 @@
 
 <file path=customXml/item338.xml><?xml version="1.0" encoding="utf-8"?>
 <Control xmlns="http://schemas.microsoft.com/VisualStudio/2011/storyboarding/control">
-  <Id Name="System.Storyboarding.Common.Hyperlink" Revision="1" Stencil="System.Storyboarding.Common" StencilVersion="0.1"/>
+  <Id Name="System.Storyboarding.Common.Text" Revision="1" Stencil="System.Storyboarding.Common" StencilVersion="0.1"/>
 </Control>
 </file>
 
 <file path=customXml/item339.xml><?xml version="1.0" encoding="utf-8"?>
+<Control xmlns="http://schemas.microsoft.com/VisualStudio/2011/storyboarding/control">
+  <Id Name="System.Storyboarding.Common.TextInput" Revision="1" Stencil="System.Storyboarding.Common" StencilVersion="0.1"/>
+</Control>
+</file>
+
+<file path=customXml/item34.xml><?xml version="1.0" encoding="utf-8"?>
+<Control xmlns="http://schemas.microsoft.com/VisualStudio/2011/storyboarding/control">
+  <Id Name="System.Storyboarding.Common.Text" Revision="1" Stencil="System.Storyboarding.Common" StencilVersion="0.1"/>
+</Control>
+</file>
+
+<file path=customXml/item340.xml><?xml version="1.0" encoding="utf-8"?>
+<Control xmlns="http://schemas.microsoft.com/VisualStudio/2011/storyboarding/control">
+  <Id Name="System.Storyboarding.Common.Text" Revision="1" Stencil="System.Storyboarding.Common" StencilVersion="0.1"/>
+</Control>
+</file>
+
+<file path=customXml/item341.xml><?xml version="1.0" encoding="utf-8"?>
+<Control xmlns="http://schemas.microsoft.com/VisualStudio/2011/storyboarding/control">
+  <Id Name="System.Storyboarding.Common.CheckBoxChecked" Revision="1" Stencil="System.Storyboarding.Common" StencilVersion="0.1"/>
+</Control>
+</file>
+
+<file path=customXml/item342.xml><?xml version="1.0" encoding="utf-8"?>
+<Control xmlns="http://schemas.microsoft.com/VisualStudio/2011/storyboarding/control">
+  <Id Name="System.Storyboarding.Common.TextInput" Revision="1" Stencil="System.Storyboarding.Common" StencilVersion="0.1"/>
+</Control>
+</file>
+
+<file path=customXml/item35.xml><?xml version="1.0" encoding="utf-8"?>
 <Control xmlns="http://schemas.microsoft.com/VisualStudio/2011/storyboarding/control">
   <Id Name="System.Storyboarding.Common.Hyperlink" Revision="1" Stencil="System.Storyboarding.Common" StencilVersion="0.1"/>
 </Control>
 </file>
 
-<file path=customXml/item34.xml><?xml version="1.0" encoding="utf-8"?>
+<file path=customXml/item36.xml><?xml version="1.0" encoding="utf-8"?>
 <Control xmlns="http://schemas.microsoft.com/VisualStudio/2011/storyboarding/control">
-  <Id Name="System.Storyboarding.Common.DataGrid" Revision="1" Stencil="System.Storyboarding.Common" StencilVersion="0.1"/>
+  <Id Name="System.Storyboarding.Common.Button" Revision="1" Stencil="System.Storyboarding.Common" StencilVersion="0.1"/>
 </Control>
 </file>
 
-<file path=customXml/item340.xml><?xml version="1.0" encoding="utf-8"?>
-<Control xmlns="http://schemas.microsoft.com/VisualStudio/2011/storyboarding/control">
-  <Id Name="System.Storyboarding.Common.Hyperlink" Revision="1" Stencil="System.Storyboarding.Common" StencilVersion="0.1"/>
-</Control>
-</file>
-
-<file path=customXml/item341.xml><?xml version="1.0" encoding="utf-8"?>
-<Control xmlns="http://schemas.microsoft.com/VisualStudio/2011/storyboarding/control">
-  <Id Name="System.Storyboarding.Common.Hyperlink" Revision="1" Stencil="System.Storyboarding.Common" StencilVersion="0.1"/>
-</Control>
-</file>
-
-<file path=customXml/item342.xml><?xml version="1.0" encoding="utf-8"?>
-<Control xmlns="http://schemas.microsoft.com/VisualStudio/2011/storyboarding/control">
-  <Id Name="System.Storyboarding.Common.Hyperlink" Revision="1" Stencil="System.Storyboarding.Common" StencilVersion="0.1"/>
-</Control>
-</file>
-
-<file path=customXml/item35.xml><?xml version="1.0" encoding="utf-8"?>
-<Control xmlns="http://schemas.microsoft.com/VisualStudio/2011/storyboarding/control">
-  <Id Name="System.Storyboarding.Common.CheckBoxChecked" Revision="1" Stencil="System.Storyboarding.Common" StencilVersion="0.1"/>
-</Control>
-</file>
-
-<file path=customXml/item36.xml><?xml version="1.0" encoding="utf-8"?>
+<file path=customXml/item37.xml><?xml version="1.0" encoding="utf-8"?>
 <Control xmlns="http://schemas.microsoft.com/VisualStudio/2011/storyboarding/control">
   <Id Name="System.Storyboarding.Common.Text" Revision="1" Stencil="System.Storyboarding.Common" StencilVersion="0.1"/>
 </Control>
 </file>
 
-<file path=customXml/item37.xml><?xml version="1.0" encoding="utf-8"?>
-<Control xmlns="http://schemas.microsoft.com/VisualStudio/2011/storyboarding/control">
-  <Id Name="System.Storyboarding.Icons.Flag" Revision="1" Stencil="System.Storyboarding.Icons" StencilVersion="0.1"/>
-</Control>
-</file>
-
 <file path=customXml/item38.xml><?xml version="1.0" encoding="utf-8"?>
 <Control xmlns="http://schemas.microsoft.com/VisualStudio/2011/storyboarding/control">
-  <Id Name="System.Storyboarding.Common.Hyperlink" Revision="1" Stencil="System.Storyboarding.Common" StencilVersion="0.1"/>
+  <Id Name="System.Storyboarding.Common.Button" Revision="1" Stencil="System.Storyboarding.Common" StencilVersion="0.1"/>
 </Control>
 </file>
 
@@ -31958,13 +31971,13 @@
 
 <file path=customXml/item4.xml><?xml version="1.0" encoding="utf-8"?>
 <Control xmlns="http://schemas.microsoft.com/VisualStudio/2011/storyboarding/control">
-  <Id Name="System.Storyboarding.Common.Hyperlink" Revision="1" Stencil="System.Storyboarding.Common" StencilVersion="0.1"/>
+  <Id Name="System.Storyboarding.Common.Button" Revision="1" Stencil="System.Storyboarding.Common" StencilVersion="0.1"/>
 </Control>
 </file>
 
 <file path=customXml/item40.xml><?xml version="1.0" encoding="utf-8"?>
 <Control xmlns="http://schemas.microsoft.com/VisualStudio/2011/storyboarding/control">
-  <Id Name="System.Storyboarding.Common.CheckBoxChecked" Revision="1" Stencil="System.Storyboarding.Common" StencilVersion="0.1"/>
+  <Id Name="System.Storyboarding.Common.Text" Revision="1" Stencil="System.Storyboarding.Common" StencilVersion="0.1"/>
 </Control>
 </file>
 
@@ -32000,13 +32013,13 @@
 
 <file path=customXml/item46.xml><?xml version="1.0" encoding="utf-8"?>
 <Control xmlns="http://schemas.microsoft.com/VisualStudio/2011/storyboarding/control">
-  <Id Name="System.Storyboarding.Common.CheckBoxChecked" Revision="1" Stencil="System.Storyboarding.Common" StencilVersion="0.1"/>
+  <Id Name="System.Storyboarding.Common.TextInput" Revision="1" Stencil="System.Storyboarding.Common" StencilVersion="0.1"/>
 </Control>
 </file>
 
 <file path=customXml/item47.xml><?xml version="1.0" encoding="utf-8"?>
 <Control xmlns="http://schemas.microsoft.com/VisualStudio/2011/storyboarding/control">
-  <Id Name="System.Storyboarding.Common.Text" Revision="1" Stencil="System.Storyboarding.Common" StencilVersion="0.1"/>
+  <Id Name="System.Storyboarding.Common.TextInput" Revision="1" Stencil="System.Storyboarding.Common" StencilVersion="0.1"/>
 </Control>
 </file>
 
@@ -32024,13 +32037,13 @@
 
 <file path=customXml/item5.xml><?xml version="1.0" encoding="utf-8"?>
 <Control xmlns="http://schemas.microsoft.com/VisualStudio/2011/storyboarding/control">
-  <Id Name="System.Storyboarding.Common.Hyperlink" Revision="1" Stencil="System.Storyboarding.Common" StencilVersion="0.1"/>
+  <Id Name="System.Storyboarding.Common.Text" Revision="1" Stencil="System.Storyboarding.Common" StencilVersion="0.1"/>
 </Control>
 </file>
 
 <file path=customXml/item50.xml><?xml version="1.0" encoding="utf-8"?>
 <Control xmlns="http://schemas.microsoft.com/VisualStudio/2011/storyboarding/control">
-  <Id Name="System.Storyboarding.Common.Text" Revision="1" Stencil="System.Storyboarding.Common" StencilVersion="0.1"/>
+  <Id Name="System.Storyboarding.Common.Hyperlink" Revision="1" Stencil="System.Storyboarding.Common" StencilVersion="0.1"/>
 </Control>
 </file>
 
@@ -32042,7 +32055,7 @@
 
 <file path=customXml/item52.xml><?xml version="1.0" encoding="utf-8"?>
 <Control xmlns="http://schemas.microsoft.com/VisualStudio/2011/storyboarding/control">
-  <Id Name="System.Storyboarding.Common.Hyperlink" Revision="1" Stencil="System.Storyboarding.Common" StencilVersion="0.1"/>
+  <Id Name="System.Storyboarding.Common.Button" Revision="1" Stencil="System.Storyboarding.Common" StencilVersion="0.1"/>
 </Control>
 </file>
 
@@ -32060,19 +32073,19 @@
 
 <file path=customXml/item55.xml><?xml version="1.0" encoding="utf-8"?>
 <Control xmlns="http://schemas.microsoft.com/VisualStudio/2011/storyboarding/control">
-  <Id Name="System.Storyboarding.Common.TextInput" Revision="1" Stencil="System.Storyboarding.Common" StencilVersion="0.1"/>
+  <Id Name="System.Storyboarding.Common.CheckBoxChecked" Revision="1" Stencil="System.Storyboarding.Common" StencilVersion="0.1"/>
 </Control>
 </file>
 
 <file path=customXml/item56.xml><?xml version="1.0" encoding="utf-8"?>
 <Control xmlns="http://schemas.microsoft.com/VisualStudio/2011/storyboarding/control">
-  <Id Name="System.Storyboarding.Common.DataGrid" Revision="1" Stencil="System.Storyboarding.Common" StencilVersion="0.1"/>
+  <Id Name="System.Storyboarding.Common.CheckBoxChecked" Revision="1" Stencil="System.Storyboarding.Common" StencilVersion="0.1"/>
 </Control>
 </file>
 
 <file path=customXml/item57.xml><?xml version="1.0" encoding="utf-8"?>
 <Control xmlns="http://schemas.microsoft.com/VisualStudio/2011/storyboarding/control">
-  <Id Name="System.Storyboarding.Common.Text" Revision="1" Stencil="System.Storyboarding.Common" StencilVersion="0.1"/>
+  <Id Name="System.Storyboarding.Common.Hyperlink" Revision="1" Stencil="System.Storyboarding.Common" StencilVersion="0.1"/>
 </Control>
 </file>
 
@@ -32084,37 +32097,37 @@
 
 <file path=customXml/item59.xml><?xml version="1.0" encoding="utf-8"?>
 <Control xmlns="http://schemas.microsoft.com/VisualStudio/2011/storyboarding/control">
-  <Id Name="System.Storyboarding.Common.Hyperlink" Revision="1" Stencil="System.Storyboarding.Common" StencilVersion="0.1"/>
+  <Id Name="System.Storyboarding.Common.Button" Revision="1" Stencil="System.Storyboarding.Common" StencilVersion="0.1"/>
 </Control>
 </file>
 
 <file path=customXml/item6.xml><?xml version="1.0" encoding="utf-8"?>
-<Control xmlns="http://schemas.microsoft.com/VisualStudio/2011/storyboarding/control">
-  <Id Name="System.Storyboarding.Common.CheckBoxChecked" Revision="1" Stencil="System.Storyboarding.Common" StencilVersion="0.1"/>
-</Control>
-</file>
-
-<file path=customXml/item60.xml><?xml version="1.0" encoding="utf-8"?>
 <Control xmlns="http://schemas.microsoft.com/VisualStudio/2011/storyboarding/control">
   <Id Name="System.Storyboarding.Common.Text" Revision="1" Stencil="System.Storyboarding.Common" StencilVersion="0.1"/>
 </Control>
 </file>
 
-<file path=customXml/item61.xml><?xml version="1.0" encoding="utf-8"?>
-<Control xmlns="http://schemas.microsoft.com/VisualStudio/2011/storyboarding/control">
-  <Id Name="System.Storyboarding.Common.CheckBoxChecked" Revision="1" Stencil="System.Storyboarding.Common" StencilVersion="0.1"/>
-</Control>
-</file>
-
-<file path=customXml/item62.xml><?xml version="1.0" encoding="utf-8"?>
+<file path=customXml/item60.xml><?xml version="1.0" encoding="utf-8"?>
 <Control xmlns="http://schemas.microsoft.com/VisualStudio/2011/storyboarding/control">
   <Id Name="System.Storyboarding.Icons.Flag" Revision="1" Stencil="System.Storyboarding.Icons" StencilVersion="0.1"/>
 </Control>
 </file>
 
+<file path=customXml/item61.xml><?xml version="1.0" encoding="utf-8"?>
+<Control xmlns="http://schemas.microsoft.com/VisualStudio/2011/storyboarding/control">
+  <Id Name="System.Storyboarding.Common.TextInput" Revision="1" Stencil="System.Storyboarding.Common" StencilVersion="0.1"/>
+</Control>
+</file>
+
+<file path=customXml/item62.xml><?xml version="1.0" encoding="utf-8"?>
+<Control xmlns="http://schemas.microsoft.com/VisualStudio/2011/storyboarding/control">
+  <Id Name="System.Storyboarding.Common.DataGrid" Revision="1" Stencil="System.Storyboarding.Common" StencilVersion="0.1"/>
+</Control>
+</file>
+
 <file path=customXml/item63.xml><?xml version="1.0" encoding="utf-8"?>
 <Control xmlns="http://schemas.microsoft.com/VisualStudio/2011/storyboarding/control">
-  <Id Name="System.Storyboarding.Common.TextInput" Revision="1" Stencil="System.Storyboarding.Common" StencilVersion="0.1"/>
+  <Id Name="System.Storyboarding.Common.Hyperlink" Revision="1" Stencil="System.Storyboarding.Common" StencilVersion="0.1"/>
 </Control>
 </file>
 
@@ -32132,25 +32145,25 @@
 
 <file path=customXml/item66.xml><?xml version="1.0" encoding="utf-8"?>
 <Control xmlns="http://schemas.microsoft.com/VisualStudio/2011/storyboarding/control">
-  <Id Name="System.Storyboarding.Common.TextInput" Revision="1" Stencil="System.Storyboarding.Common" StencilVersion="0.1"/>
+  <Id Name="System.Storyboarding.Common.Text" Revision="1" Stencil="System.Storyboarding.Common" StencilVersion="0.1"/>
 </Control>
 </file>
 
 <file path=customXml/item67.xml><?xml version="1.0" encoding="utf-8"?>
 <Control xmlns="http://schemas.microsoft.com/VisualStudio/2011/storyboarding/control">
-  <Id Name="System.Storyboarding.Common.Hyperlink" Revision="1" Stencil="System.Storyboarding.Common" StencilVersion="0.1"/>
+  <Id Name="System.Storyboarding.Icons.Flag" Revision="1" Stencil="System.Storyboarding.Icons" StencilVersion="0.1"/>
 </Control>
 </file>
 
 <file path=customXml/item68.xml><?xml version="1.0" encoding="utf-8"?>
 <Control xmlns="http://schemas.microsoft.com/VisualStudio/2011/storyboarding/control">
-  <Id Name="System.Storyboarding.Common.DataGrid" Revision="1" Stencil="System.Storyboarding.Common" StencilVersion="0.1"/>
+  <Id Name="System.Storyboarding.Common.Text" Revision="1" Stencil="System.Storyboarding.Common" StencilVersion="0.1"/>
 </Control>
 </file>
 
 <file path=customXml/item69.xml><?xml version="1.0" encoding="utf-8"?>
 <Control xmlns="http://schemas.microsoft.com/VisualStudio/2011/storyboarding/control">
-  <Id Name="System.Storyboarding.Common.Text" Revision="1" Stencil="System.Storyboarding.Common" StencilVersion="0.1"/>
+  <Id Name="System.Storyboarding.Common.Button" Revision="1" Stencil="System.Storyboarding.Common" StencilVersion="0.1"/>
 </Control>
 </file>
 
@@ -32162,49 +32175,49 @@
 
 <file path=customXml/item70.xml><?xml version="1.0" encoding="utf-8"?>
 <Control xmlns="http://schemas.microsoft.com/VisualStudio/2011/storyboarding/control">
-  <Id Name="System.Storyboarding.Icons.Flag" Revision="1" Stencil="System.Storyboarding.Icons" StencilVersion="0.1"/>
+  <Id Name="System.Storyboarding.Common.Hyperlink" Revision="1" Stencil="System.Storyboarding.Common" StencilVersion="0.1"/>
 </Control>
 </file>
 
 <file path=customXml/item71.xml><?xml version="1.0" encoding="utf-8"?>
+<Control xmlns="http://schemas.microsoft.com/VisualStudio/2011/storyboarding/control">
+  <Id Name="System.Storyboarding.Common.TabGroup" Revision="1" Stencil="System.Storyboarding.Common" StencilVersion="0.1"/>
+</Control>
+</file>
+
+<file path=customXml/item72.xml><?xml version="1.0" encoding="utf-8"?>
 <Control xmlns="http://schemas.microsoft.com/VisualStudio/2011/storyboarding/control">
   <Id Name="System.Storyboarding.Common.Text" Revision="1" Stencil="System.Storyboarding.Common" StencilVersion="0.1"/>
 </Control>
 </file>
 
-<file path=customXml/item72.xml><?xml version="1.0" encoding="utf-8"?>
+<file path=customXml/item73.xml><?xml version="1.0" encoding="utf-8"?>
 <Control xmlns="http://schemas.microsoft.com/VisualStudio/2011/storyboarding/control">
-  <Id Name="System.Storyboarding.Common.Hyperlink" Revision="1" Stencil="System.Storyboarding.Common" StencilVersion="0.1"/>
+  <Id Name="System.Storyboarding.Common.Text" Revision="1" Stencil="System.Storyboarding.Common" StencilVersion="0.1"/>
 </Control>
 </file>
 
-<file path=customXml/item73.xml><?xml version="1.0" encoding="utf-8"?>
+<file path=customXml/item74.xml><?xml version="1.0" encoding="utf-8"?>
+<Control xmlns="http://schemas.microsoft.com/VisualStudio/2011/storyboarding/control">
+  <Id Name="System.Storyboarding.Common.Text" Revision="1" Stencil="System.Storyboarding.Common" StencilVersion="0.1"/>
+</Control>
+</file>
+
+<file path=customXml/item75.xml><?xml version="1.0" encoding="utf-8"?>
+<Control xmlns="http://schemas.microsoft.com/VisualStudio/2011/storyboarding/control">
+  <Id Name="System.Storyboarding.Common.Text" Revision="1" Stencil="System.Storyboarding.Common" StencilVersion="0.1"/>
+</Control>
+</file>
+
+<file path=customXml/item76.xml><?xml version="1.0" encoding="utf-8"?>
 <Control xmlns="http://schemas.microsoft.com/VisualStudio/2011/storyboarding/control">
   <Id Name="System.Storyboarding.Common.TextInput" Revision="1" Stencil="System.Storyboarding.Common" StencilVersion="0.1"/>
 </Control>
 </file>
 
-<file path=customXml/item74.xml><?xml version="1.0" encoding="utf-8"?>
-<Control xmlns="http://schemas.microsoft.com/VisualStudio/2011/storyboarding/control">
-  <Id Name="System.Storyboarding.Common.TextInput" Revision="1" Stencil="System.Storyboarding.Common" StencilVersion="0.1"/>
-</Control>
-</file>
-
-<file path=customXml/item75.xml><?xml version="1.0" encoding="utf-8"?>
-<Control xmlns="http://schemas.microsoft.com/VisualStudio/2011/storyboarding/control">
-  <Id Name="System.Storyboarding.Common.Hyperlink" Revision="1" Stencil="System.Storyboarding.Common" StencilVersion="0.1"/>
-</Control>
-</file>
-
-<file path=customXml/item76.xml><?xml version="1.0" encoding="utf-8"?>
+<file path=customXml/item77.xml><?xml version="1.0" encoding="utf-8"?>
 <Control xmlns="http://schemas.microsoft.com/VisualStudio/2011/storyboarding/control">
   <Id Name="System.Storyboarding.Common.Text" Revision="1" Stencil="System.Storyboarding.Common" StencilVersion="0.1"/>
-</Control>
-</file>
-
-<file path=customXml/item77.xml><?xml version="1.0" encoding="utf-8"?>
-<Control xmlns="http://schemas.microsoft.com/VisualStudio/2011/storyboarding/control">
-  <Id Name="System.Storyboarding.Common.CheckBoxChecked" Revision="1" Stencil="System.Storyboarding.Common" StencilVersion="0.1"/>
 </Control>
 </file>
 
@@ -32216,31 +32229,31 @@
 
 <file path=customXml/item79.xml><?xml version="1.0" encoding="utf-8"?>
 <Control xmlns="http://schemas.microsoft.com/VisualStudio/2011/storyboarding/control">
-  <Id Name="System.Storyboarding.Common.Text" Revision="1" Stencil="System.Storyboarding.Common" StencilVersion="0.1"/>
+  <Id Name="System.Storyboarding.Common.TextInput" Revision="1" Stencil="System.Storyboarding.Common" StencilVersion="0.1"/>
 </Control>
 </file>
 
 <file path=customXml/item8.xml><?xml version="1.0" encoding="utf-8"?>
+<Control xmlns="http://schemas.microsoft.com/VisualStudio/2011/storyboarding/control">
+  <Id Name="System.Storyboarding.Common.Hyperlink" Revision="1" Stencil="System.Storyboarding.Common" StencilVersion="0.1"/>
+</Control>
+</file>
+
+<file path=customXml/item80.xml><?xml version="1.0" encoding="utf-8"?>
 <Control xmlns="http://schemas.microsoft.com/VisualStudio/2011/storyboarding/control">
   <Id Name="System.Storyboarding.Common.Text" Revision="1" Stencil="System.Storyboarding.Common" StencilVersion="0.1"/>
 </Control>
 </file>
 
-<file path=customXml/item80.xml><?xml version="1.0" encoding="utf-8"?>
-<Control xmlns="http://schemas.microsoft.com/VisualStudio/2011/storyboarding/control">
-  <Id Name="System.Storyboarding.Common.Hyperlink" Revision="1" Stencil="System.Storyboarding.Common" StencilVersion="0.1"/>
-</Control>
-</file>
-
 <file path=customXml/item81.xml><?xml version="1.0" encoding="utf-8"?>
 <Control xmlns="http://schemas.microsoft.com/VisualStudio/2011/storyboarding/control">
-  <Id Name="System.Storyboarding.Common.Text" Revision="1" Stencil="System.Storyboarding.Common" StencilVersion="0.1"/>
+  <Id Name="System.Storyboarding.Common.DataGrid" Revision="1" Stencil="System.Storyboarding.Common" StencilVersion="0.1"/>
 </Control>
 </file>
 
 <file path=customXml/item82.xml><?xml version="1.0" encoding="utf-8"?>
 <Control xmlns="http://schemas.microsoft.com/VisualStudio/2011/storyboarding/control">
-  <Id Name="System.Storyboarding.Common.Text" Revision="1" Stencil="System.Storyboarding.Common" StencilVersion="0.1"/>
+  <Id Name="System.Storyboarding.Common.TextInput" Revision="1" Stencil="System.Storyboarding.Common" StencilVersion="0.1"/>
 </Control>
 </file>
 
@@ -32252,25 +32265,25 @@
 
 <file path=customXml/item84.xml><?xml version="1.0" encoding="utf-8"?>
 <Control xmlns="http://schemas.microsoft.com/VisualStudio/2011/storyboarding/control">
-  <Id Name="System.Storyboarding.Common.Text" Revision="1" Stencil="System.Storyboarding.Common" StencilVersion="0.1"/>
+  <Id Name="System.Storyboarding.Common.DropdownBox" Revision="1" Stencil="System.Storyboarding.Common" StencilVersion="0.1"/>
 </Control>
 </file>
 
 <file path=customXml/item85.xml><?xml version="1.0" encoding="utf-8"?>
+<Control xmlns="http://schemas.microsoft.com/VisualStudio/2011/storyboarding/control">
+  <Id Name="System.Storyboarding.Common.Button" Revision="1" Stencil="System.Storyboarding.Common" StencilVersion="0.1"/>
+</Control>
+</file>
+
+<file path=customXml/item86.xml><?xml version="1.0" encoding="utf-8"?>
 <Control xmlns="http://schemas.microsoft.com/VisualStudio/2011/storyboarding/control">
   <Id Name="System.Storyboarding.Common.Text" Revision="1" Stencil="System.Storyboarding.Common" StencilVersion="0.1"/>
 </Control>
 </file>
 
-<file path=customXml/item86.xml><?xml version="1.0" encoding="utf-8"?>
-<Control xmlns="http://schemas.microsoft.com/VisualStudio/2011/storyboarding/control">
-  <Id Name="System.Storyboarding.Icons.Flag" Revision="1" Stencil="System.Storyboarding.Icons" StencilVersion="0.1"/>
-</Control>
-</file>
-
 <file path=customXml/item87.xml><?xml version="1.0" encoding="utf-8"?>
 <Control xmlns="http://schemas.microsoft.com/VisualStudio/2011/storyboarding/control">
-  <Id Name="System.Storyboarding.Common.TextInput" Revision="1" Stencil="System.Storyboarding.Common" StencilVersion="0.1"/>
+  <Id Name="System.Storyboarding.Common.Text" Revision="1" Stencil="System.Storyboarding.Common" StencilVersion="0.1"/>
 </Control>
 </file>
 
@@ -32282,77 +32295,1261 @@
 
 <file path=customXml/item89.xml><?xml version="1.0" encoding="utf-8"?>
 <Control xmlns="http://schemas.microsoft.com/VisualStudio/2011/storyboarding/control">
-  <Id Name="System.Storyboarding.Common.TabGroup" Revision="1" Stencil="System.Storyboarding.Common" StencilVersion="0.1"/>
+  <Id Name="System.Storyboarding.Common.TextInput" Revision="1" Stencil="System.Storyboarding.Common" StencilVersion="0.1"/>
 </Control>
 </file>
 
 <file path=customXml/item9.xml><?xml version="1.0" encoding="utf-8"?>
+<Control xmlns="http://schemas.microsoft.com/VisualStudio/2011/storyboarding/control">
+  <Id Name="System.Storyboarding.Common.TextInput" Revision="1" Stencil="System.Storyboarding.Common" StencilVersion="0.1"/>
+</Control>
+</file>
+
+<file path=customXml/item90.xml><?xml version="1.0" encoding="utf-8"?>
+<Control xmlns="http://schemas.microsoft.com/VisualStudio/2011/storyboarding/control">
+  <Id Name="System.Storyboarding.Common.Hyperlink" Revision="1" Stencil="System.Storyboarding.Common" StencilVersion="0.1"/>
+</Control>
+</file>
+
+<file path=customXml/item91.xml><?xml version="1.0" encoding="utf-8"?>
+<Control xmlns="http://schemas.microsoft.com/VisualStudio/2011/storyboarding/control">
+  <Id Name="System.Storyboarding.Common.TextInput" Revision="1" Stencil="System.Storyboarding.Common" StencilVersion="0.1"/>
+</Control>
+</file>
+
+<file path=customXml/item92.xml><?xml version="1.0" encoding="utf-8"?>
 <Control xmlns="http://schemas.microsoft.com/VisualStudio/2011/storyboarding/control">
   <Id Name="System.Storyboarding.Common.Text" Revision="1" Stencil="System.Storyboarding.Common" StencilVersion="0.1"/>
 </Control>
 </file>
 
-<file path=customXml/item90.xml><?xml version="1.0" encoding="utf-8"?>
+<file path=customXml/item93.xml><?xml version="1.0" encoding="utf-8"?>
 <Control xmlns="http://schemas.microsoft.com/VisualStudio/2011/storyboarding/control">
-  <Id Name="System.Storyboarding.Icons.Flag" Revision="1" Stencil="System.Storyboarding.Icons" StencilVersion="0.1"/>
+  <Id Name="System.Storyboarding.Common.Hyperlink" Revision="1" Stencil="System.Storyboarding.Common" StencilVersion="0.1"/>
 </Control>
 </file>
 
-<file path=customXml/item91.xml><?xml version="1.0" encoding="utf-8"?>
+<file path=customXml/item94.xml><?xml version="1.0" encoding="utf-8"?>
 <Control xmlns="http://schemas.microsoft.com/VisualStudio/2011/storyboarding/control">
   <Id Name="System.Storyboarding.Common.Text" Revision="1" Stencil="System.Storyboarding.Common" StencilVersion="0.1"/>
 </Control>
 </file>
 
-<file path=customXml/item92.xml><?xml version="1.0" encoding="utf-8"?>
-<Control xmlns="http://schemas.microsoft.com/VisualStudio/2011/storyboarding/control">
-  <Id Name="System.Storyboarding.Common.CheckBoxChecked" Revision="1" Stencil="System.Storyboarding.Common" StencilVersion="0.1"/>
-</Control>
-</file>
-
-<file path=customXml/item93.xml><?xml version="1.0" encoding="utf-8"?>
-<Control xmlns="http://schemas.microsoft.com/VisualStudio/2011/storyboarding/control">
-  <Id Name="System.Storyboarding.Common.Text" Revision="1" Stencil="System.Storyboarding.Common" StencilVersion="0.1"/>
-</Control>
-</file>
-
-<file path=customXml/item94.xml><?xml version="1.0" encoding="utf-8"?>
-<Control xmlns="http://schemas.microsoft.com/VisualStudio/2011/storyboarding/control">
-  <Id Name="System.Storyboarding.Common.Button" Revision="1" Stencil="System.Storyboarding.Common" StencilVersion="0.1"/>
-</Control>
-</file>
-
 <file path=customXml/item95.xml><?xml version="1.0" encoding="utf-8"?>
 <Control xmlns="http://schemas.microsoft.com/VisualStudio/2011/storyboarding/control">
-  <Id Name="System.Storyboarding.Common.Text" Revision="1" Stencil="System.Storyboarding.Common" StencilVersion="0.1"/>
+  <Id Name="System.Storyboarding.Common.TextInput" Revision="1" Stencil="System.Storyboarding.Common" StencilVersion="0.1"/>
 </Control>
 </file>
 
 <file path=customXml/item96.xml><?xml version="1.0" encoding="utf-8"?>
-<Control xmlns="http://schemas.microsoft.com/VisualStudio/2011/storyboarding/control">
-  <Id Name="System.Storyboarding.Common.Text" Revision="1" Stencil="System.Storyboarding.Common" StencilVersion="0.1"/>
-</Control>
-</file>
-
-<file path=customXml/item97.xml><?xml version="1.0" encoding="utf-8"?>
-<Control xmlns="http://schemas.microsoft.com/VisualStudio/2011/storyboarding/control">
-  <Id Name="System.Storyboarding.Common.DropdownBox" Revision="1" Stencil="System.Storyboarding.Common" StencilVersion="0.1"/>
-</Control>
-</file>
-
-<file path=customXml/item98.xml><?xml version="1.0" encoding="utf-8"?>
-<Control xmlns="http://schemas.microsoft.com/VisualStudio/2011/storyboarding/control">
-  <Id Name="System.Storyboarding.Common.Text" Revision="1" Stencil="System.Storyboarding.Common" StencilVersion="0.1"/>
-</Control>
-</file>
-
-<file path=customXml/item99.xml><?xml version="1.0" encoding="utf-8"?>
 <Control xmlns="http://schemas.microsoft.com/VisualStudio/2011/storyboarding/control">
   <Id Name="System.Storyboarding.Common.Hyperlink" Revision="1" Stencil="System.Storyboarding.Common" StencilVersion="0.1"/>
 </Control>
 </file>
 
+<file path=customXml/item97.xml><?xml version="1.0" encoding="utf-8"?>
+<Control xmlns="http://schemas.microsoft.com/VisualStudio/2011/storyboarding/control">
+  <Id Name="System.Storyboarding.Common.Hyperlink" Revision="1" Stencil="System.Storyboarding.Common" StencilVersion="0.1"/>
+</Control>
+</file>
+
+<file path=customXml/item98.xml><?xml version="1.0" encoding="utf-8"?>
+<Control xmlns="http://schemas.microsoft.com/VisualStudio/2011/storyboarding/control">
+  <Id Name="System.Storyboarding.Common.TextInput" Revision="1" Stencil="System.Storyboarding.Common" StencilVersion="0.1"/>
+</Control>
+</file>
+
+<file path=customXml/item99.xml><?xml version="1.0" encoding="utf-8"?>
+<Control xmlns="http://schemas.microsoft.com/VisualStudio/2011/storyboarding/control">
+  <Id Name="System.Storyboarding.Common.TextInput" Revision="1" Stencil="System.Storyboarding.Common" StencilVersion="0.1"/>
+</Control>
+</file>
+
 <file path=customXml/itemProps1.xml><?xml version="1.0" encoding="utf-8"?>
+<ds:datastoreItem xmlns:ds="http://schemas.openxmlformats.org/officeDocument/2006/customXml" ds:itemID="{76B5AA79-2045-4290-8ABB-B02B5316FBA5}">
+  <ds:schemaRefs>
+    <ds:schemaRef ds:uri="http://schemas.microsoft.com/VisualStudio/2011/storyboarding/control"/>
+  </ds:schemaRefs>
+</ds:datastoreItem>
+</file>
+
+<file path=customXml/itemProps10.xml><?xml version="1.0" encoding="utf-8"?>
+<ds:datastoreItem xmlns:ds="http://schemas.openxmlformats.org/officeDocument/2006/customXml" ds:itemID="{F36A8D30-E31C-4FEB-B99A-F84216965395}">
+  <ds:schemaRefs>
+    <ds:schemaRef ds:uri="http://schemas.microsoft.com/VisualStudio/2011/storyboarding/control"/>
+  </ds:schemaRefs>
+</ds:datastoreItem>
+</file>
+
+<file path=customXml/itemProps100.xml><?xml version="1.0" encoding="utf-8"?>
+<ds:datastoreItem xmlns:ds="http://schemas.openxmlformats.org/officeDocument/2006/customXml" ds:itemID="{068DEF91-1574-4B05-8176-8F1C78AEF644}">
+  <ds:schemaRefs>
+    <ds:schemaRef ds:uri="http://schemas.microsoft.com/VisualStudio/2011/storyboarding/control"/>
+  </ds:schemaRefs>
+</ds:datastoreItem>
+</file>
+
+<file path=customXml/itemProps101.xml><?xml version="1.0" encoding="utf-8"?>
+<ds:datastoreItem xmlns:ds="http://schemas.openxmlformats.org/officeDocument/2006/customXml" ds:itemID="{09725DA4-4263-40D9-885A-5283ACC566DB}">
+  <ds:schemaRefs>
+    <ds:schemaRef ds:uri="http://schemas.microsoft.com/VisualStudio/2011/storyboarding/control"/>
+  </ds:schemaRefs>
+</ds:datastoreItem>
+</file>
+
+<file path=customXml/itemProps102.xml><?xml version="1.0" encoding="utf-8"?>
+<ds:datastoreItem xmlns:ds="http://schemas.openxmlformats.org/officeDocument/2006/customXml" ds:itemID="{19B20341-02E2-44C9-B22F-C50BEDB973D9}">
+  <ds:schemaRefs>
+    <ds:schemaRef ds:uri="http://schemas.microsoft.com/VisualStudio/2011/storyboarding/control"/>
+  </ds:schemaRefs>
+</ds:datastoreItem>
+</file>
+
+<file path=customXml/itemProps103.xml><?xml version="1.0" encoding="utf-8"?>
+<ds:datastoreItem xmlns:ds="http://schemas.openxmlformats.org/officeDocument/2006/customXml" ds:itemID="{44165555-0E5B-4BCE-9F67-87C6D4F7AF19}">
+  <ds:schemaRefs>
+    <ds:schemaRef ds:uri="http://schemas.microsoft.com/VisualStudio/2011/storyboarding/control"/>
+  </ds:schemaRefs>
+</ds:datastoreItem>
+</file>
+
+<file path=customXml/itemProps104.xml><?xml version="1.0" encoding="utf-8"?>
+<ds:datastoreItem xmlns:ds="http://schemas.openxmlformats.org/officeDocument/2006/customXml" ds:itemID="{5C00B188-A4CA-44F2-910A-CE26DED115EC}">
+  <ds:schemaRefs>
+    <ds:schemaRef ds:uri="http://schemas.microsoft.com/VisualStudio/2011/storyboarding/control"/>
+  </ds:schemaRefs>
+</ds:datastoreItem>
+</file>
+
+<file path=customXml/itemProps105.xml><?xml version="1.0" encoding="utf-8"?>
+<ds:datastoreItem xmlns:ds="http://schemas.openxmlformats.org/officeDocument/2006/customXml" ds:itemID="{BE08B8F6-2A8C-4860-82F3-C5AFA749E769}">
+  <ds:schemaRefs>
+    <ds:schemaRef ds:uri="http://schemas.microsoft.com/VisualStudio/2011/storyboarding/control"/>
+  </ds:schemaRefs>
+</ds:datastoreItem>
+</file>
+
+<file path=customXml/itemProps106.xml><?xml version="1.0" encoding="utf-8"?>
+<ds:datastoreItem xmlns:ds="http://schemas.openxmlformats.org/officeDocument/2006/customXml" ds:itemID="{45200A58-CC99-4C6E-8CBD-E23FFECE78CC}">
+  <ds:schemaRefs>
+    <ds:schemaRef ds:uri="http://schemas.microsoft.com/VisualStudio/2011/storyboarding/control"/>
+  </ds:schemaRefs>
+</ds:datastoreItem>
+</file>
+
+<file path=customXml/itemProps107.xml><?xml version="1.0" encoding="utf-8"?>
+<ds:datastoreItem xmlns:ds="http://schemas.openxmlformats.org/officeDocument/2006/customXml" ds:itemID="{D620DF81-E064-4567-84B9-596702FBB88A}">
+  <ds:schemaRefs>
+    <ds:schemaRef ds:uri="http://schemas.microsoft.com/VisualStudio/2011/storyboarding/control"/>
+  </ds:schemaRefs>
+</ds:datastoreItem>
+</file>
+
+<file path=customXml/itemProps108.xml><?xml version="1.0" encoding="utf-8"?>
+<ds:datastoreItem xmlns:ds="http://schemas.openxmlformats.org/officeDocument/2006/customXml" ds:itemID="{8F20C650-0808-47EB-972C-7C3563295E76}">
+  <ds:schemaRefs>
+    <ds:schemaRef ds:uri="http://schemas.microsoft.com/VisualStudio/2011/storyboarding/control"/>
+  </ds:schemaRefs>
+</ds:datastoreItem>
+</file>
+
+<file path=customXml/itemProps109.xml><?xml version="1.0" encoding="utf-8"?>
+<ds:datastoreItem xmlns:ds="http://schemas.openxmlformats.org/officeDocument/2006/customXml" ds:itemID="{BBCE43BB-F5B5-436B-86B0-894E8F443008}">
+  <ds:schemaRefs>
+    <ds:schemaRef ds:uri="http://schemas.microsoft.com/VisualStudio/2011/storyboarding/control"/>
+  </ds:schemaRefs>
+</ds:datastoreItem>
+</file>
+
+<file path=customXml/itemProps11.xml><?xml version="1.0" encoding="utf-8"?>
+<ds:datastoreItem xmlns:ds="http://schemas.openxmlformats.org/officeDocument/2006/customXml" ds:itemID="{913CA6FC-F0AF-4B94-8B5B-F425DEBD5B4B}">
+  <ds:schemaRefs>
+    <ds:schemaRef ds:uri="http://schemas.microsoft.com/VisualStudio/2011/storyboarding/control"/>
+  </ds:schemaRefs>
+</ds:datastoreItem>
+</file>
+
+<file path=customXml/itemProps110.xml><?xml version="1.0" encoding="utf-8"?>
+<ds:datastoreItem xmlns:ds="http://schemas.openxmlformats.org/officeDocument/2006/customXml" ds:itemID="{302F2F09-7782-419F-9415-A3A47198BC8E}">
+  <ds:schemaRefs>
+    <ds:schemaRef ds:uri="http://schemas.microsoft.com/VisualStudio/2011/storyboarding/control"/>
+  </ds:schemaRefs>
+</ds:datastoreItem>
+</file>
+
+<file path=customXml/itemProps111.xml><?xml version="1.0" encoding="utf-8"?>
+<ds:datastoreItem xmlns:ds="http://schemas.openxmlformats.org/officeDocument/2006/customXml" ds:itemID="{89805C85-41A6-4795-AD8F-19808ADF7922}">
+  <ds:schemaRefs>
+    <ds:schemaRef ds:uri="http://schemas.microsoft.com/VisualStudio/2011/storyboarding/control"/>
+  </ds:schemaRefs>
+</ds:datastoreItem>
+</file>
+
+<file path=customXml/itemProps112.xml><?xml version="1.0" encoding="utf-8"?>
+<ds:datastoreItem xmlns:ds="http://schemas.openxmlformats.org/officeDocument/2006/customXml" ds:itemID="{E3A0D9FD-AECA-4ADB-9FC9-EB5646E90ED4}">
+  <ds:schemaRefs>
+    <ds:schemaRef ds:uri="http://schemas.microsoft.com/VisualStudio/2011/storyboarding/control"/>
+  </ds:schemaRefs>
+</ds:datastoreItem>
+</file>
+
+<file path=customXml/itemProps113.xml><?xml version="1.0" encoding="utf-8"?>
+<ds:datastoreItem xmlns:ds="http://schemas.openxmlformats.org/officeDocument/2006/customXml" ds:itemID="{C0104CD7-DCD5-4C54-AD26-C4939E45844F}">
+  <ds:schemaRefs>
+    <ds:schemaRef ds:uri="http://schemas.microsoft.com/VisualStudio/2011/storyboarding/control"/>
+  </ds:schemaRefs>
+</ds:datastoreItem>
+</file>
+
+<file path=customXml/itemProps114.xml><?xml version="1.0" encoding="utf-8"?>
+<ds:datastoreItem xmlns:ds="http://schemas.openxmlformats.org/officeDocument/2006/customXml" ds:itemID="{F4B29C04-14D4-4AFD-933B-CA4CA7ED5E41}">
+  <ds:schemaRefs>
+    <ds:schemaRef ds:uri="http://schemas.microsoft.com/VisualStudio/2011/storyboarding/control"/>
+  </ds:schemaRefs>
+</ds:datastoreItem>
+</file>
+
+<file path=customXml/itemProps115.xml><?xml version="1.0" encoding="utf-8"?>
+<ds:datastoreItem xmlns:ds="http://schemas.openxmlformats.org/officeDocument/2006/customXml" ds:itemID="{CC2D8824-8583-4049-AC06-FD752C0EB758}">
+  <ds:schemaRefs>
+    <ds:schemaRef ds:uri="http://schemas.microsoft.com/VisualStudio/2011/storyboarding/control"/>
+  </ds:schemaRefs>
+</ds:datastoreItem>
+</file>
+
+<file path=customXml/itemProps116.xml><?xml version="1.0" encoding="utf-8"?>
+<ds:datastoreItem xmlns:ds="http://schemas.openxmlformats.org/officeDocument/2006/customXml" ds:itemID="{2BD12E7A-66B7-4ABB-A679-F441ADD35426}">
+  <ds:schemaRefs>
+    <ds:schemaRef ds:uri="http://schemas.microsoft.com/VisualStudio/2011/storyboarding/control"/>
+  </ds:schemaRefs>
+</ds:datastoreItem>
+</file>
+
+<file path=customXml/itemProps117.xml><?xml version="1.0" encoding="utf-8"?>
+<ds:datastoreItem xmlns:ds="http://schemas.openxmlformats.org/officeDocument/2006/customXml" ds:itemID="{EA197AF6-8358-444E-8531-073DEF3F96F9}">
+  <ds:schemaRefs>
+    <ds:schemaRef ds:uri="http://schemas.microsoft.com/VisualStudio/2011/storyboarding/control"/>
+  </ds:schemaRefs>
+</ds:datastoreItem>
+</file>
+
+<file path=customXml/itemProps118.xml><?xml version="1.0" encoding="utf-8"?>
+<ds:datastoreItem xmlns:ds="http://schemas.openxmlformats.org/officeDocument/2006/customXml" ds:itemID="{4ADE0C8F-2CFC-4E47-821B-B4AC2EDBBA3E}">
+  <ds:schemaRefs>
+    <ds:schemaRef ds:uri="http://schemas.microsoft.com/VisualStudio/2011/storyboarding/control"/>
+  </ds:schemaRefs>
+</ds:datastoreItem>
+</file>
+
+<file path=customXml/itemProps119.xml><?xml version="1.0" encoding="utf-8"?>
+<ds:datastoreItem xmlns:ds="http://schemas.openxmlformats.org/officeDocument/2006/customXml" ds:itemID="{E1C9A824-33E6-4524-952B-D05EAC251BE4}">
+  <ds:schemaRefs>
+    <ds:schemaRef ds:uri="http://schemas.microsoft.com/VisualStudio/2011/storyboarding/control"/>
+  </ds:schemaRefs>
+</ds:datastoreItem>
+</file>
+
+<file path=customXml/itemProps12.xml><?xml version="1.0" encoding="utf-8"?>
+<ds:datastoreItem xmlns:ds="http://schemas.openxmlformats.org/officeDocument/2006/customXml" ds:itemID="{902D772F-A234-431C-BCA6-DA467C35EF99}">
+  <ds:schemaRefs>
+    <ds:schemaRef ds:uri="http://schemas.microsoft.com/VisualStudio/2011/storyboarding/control"/>
+  </ds:schemaRefs>
+</ds:datastoreItem>
+</file>
+
+<file path=customXml/itemProps120.xml><?xml version="1.0" encoding="utf-8"?>
+<ds:datastoreItem xmlns:ds="http://schemas.openxmlformats.org/officeDocument/2006/customXml" ds:itemID="{98A38DA2-8872-4F5F-903C-9DC3AEA7ADB5}">
+  <ds:schemaRefs>
+    <ds:schemaRef ds:uri="http://schemas.microsoft.com/VisualStudio/2011/storyboarding/control"/>
+  </ds:schemaRefs>
+</ds:datastoreItem>
+</file>
+
+<file path=customXml/itemProps121.xml><?xml version="1.0" encoding="utf-8"?>
+<ds:datastoreItem xmlns:ds="http://schemas.openxmlformats.org/officeDocument/2006/customXml" ds:itemID="{5EFAE650-F6F1-495D-AFF6-BC3E45016210}">
+  <ds:schemaRefs>
+    <ds:schemaRef ds:uri="http://schemas.microsoft.com/VisualStudio/2011/storyboarding/control"/>
+  </ds:schemaRefs>
+</ds:datastoreItem>
+</file>
+
+<file path=customXml/itemProps122.xml><?xml version="1.0" encoding="utf-8"?>
+<ds:datastoreItem xmlns:ds="http://schemas.openxmlformats.org/officeDocument/2006/customXml" ds:itemID="{63873111-9E0E-417C-87B9-662A8F6E45A4}">
+  <ds:schemaRefs>
+    <ds:schemaRef ds:uri="http://schemas.microsoft.com/VisualStudio/2011/storyboarding/control"/>
+  </ds:schemaRefs>
+</ds:datastoreItem>
+</file>
+
+<file path=customXml/itemProps123.xml><?xml version="1.0" encoding="utf-8"?>
+<ds:datastoreItem xmlns:ds="http://schemas.openxmlformats.org/officeDocument/2006/customXml" ds:itemID="{D1F4CDF5-DEE4-4A36-8233-41E528F08980}">
+  <ds:schemaRefs>
+    <ds:schemaRef ds:uri="http://schemas.microsoft.com/VisualStudio/2011/storyboarding/control"/>
+  </ds:schemaRefs>
+</ds:datastoreItem>
+</file>
+
+<file path=customXml/itemProps124.xml><?xml version="1.0" encoding="utf-8"?>
+<ds:datastoreItem xmlns:ds="http://schemas.openxmlformats.org/officeDocument/2006/customXml" ds:itemID="{D06826A5-A1C7-479B-8D5E-DC86E6024648}">
+  <ds:schemaRefs>
+    <ds:schemaRef ds:uri="http://schemas.microsoft.com/VisualStudio/2011/storyboarding/control"/>
+  </ds:schemaRefs>
+</ds:datastoreItem>
+</file>
+
+<file path=customXml/itemProps125.xml><?xml version="1.0" encoding="utf-8"?>
+<ds:datastoreItem xmlns:ds="http://schemas.openxmlformats.org/officeDocument/2006/customXml" ds:itemID="{11B5354D-97E9-4052-9026-4B69A80C7D11}">
+  <ds:schemaRefs>
+    <ds:schemaRef ds:uri="http://schemas.microsoft.com/VisualStudio/2011/storyboarding/control"/>
+  </ds:schemaRefs>
+</ds:datastoreItem>
+</file>
+
+<file path=customXml/itemProps126.xml><?xml version="1.0" encoding="utf-8"?>
+<ds:datastoreItem xmlns:ds="http://schemas.openxmlformats.org/officeDocument/2006/customXml" ds:itemID="{137D2750-7968-4803-B547-41C14F1E74BC}">
+  <ds:schemaRefs>
+    <ds:schemaRef ds:uri="http://schemas.microsoft.com/VisualStudio/2011/storyboarding/control"/>
+  </ds:schemaRefs>
+</ds:datastoreItem>
+</file>
+
+<file path=customXml/itemProps127.xml><?xml version="1.0" encoding="utf-8"?>
+<ds:datastoreItem xmlns:ds="http://schemas.openxmlformats.org/officeDocument/2006/customXml" ds:itemID="{156C8C85-10F2-4B14-A11F-E84F4ECE00CB}">
+  <ds:schemaRefs>
+    <ds:schemaRef ds:uri="http://schemas.microsoft.com/VisualStudio/2011/storyboarding/control"/>
+  </ds:schemaRefs>
+</ds:datastoreItem>
+</file>
+
+<file path=customXml/itemProps128.xml><?xml version="1.0" encoding="utf-8"?>
+<ds:datastoreItem xmlns:ds="http://schemas.openxmlformats.org/officeDocument/2006/customXml" ds:itemID="{A75CACA0-5249-4DCB-A7F1-7E44075E1013}">
+  <ds:schemaRefs>
+    <ds:schemaRef ds:uri="http://schemas.microsoft.com/VisualStudio/2011/storyboarding/control"/>
+  </ds:schemaRefs>
+</ds:datastoreItem>
+</file>
+
+<file path=customXml/itemProps129.xml><?xml version="1.0" encoding="utf-8"?>
+<ds:datastoreItem xmlns:ds="http://schemas.openxmlformats.org/officeDocument/2006/customXml" ds:itemID="{9B023147-2F64-41C3-A795-0716BB8C9493}">
+  <ds:schemaRefs>
+    <ds:schemaRef ds:uri="http://schemas.microsoft.com/VisualStudio/2011/storyboarding/control"/>
+  </ds:schemaRefs>
+</ds:datastoreItem>
+</file>
+
+<file path=customXml/itemProps13.xml><?xml version="1.0" encoding="utf-8"?>
+<ds:datastoreItem xmlns:ds="http://schemas.openxmlformats.org/officeDocument/2006/customXml" ds:itemID="{CE1F33C7-EEDD-4C85-BFA8-CC7A31BE885D}">
+  <ds:schemaRefs>
+    <ds:schemaRef ds:uri="http://schemas.microsoft.com/VisualStudio/2011/storyboarding/control"/>
+  </ds:schemaRefs>
+</ds:datastoreItem>
+</file>
+
+<file path=customXml/itemProps130.xml><?xml version="1.0" encoding="utf-8"?>
+<ds:datastoreItem xmlns:ds="http://schemas.openxmlformats.org/officeDocument/2006/customXml" ds:itemID="{5B1F6A5A-A24B-42BB-95F7-0A455388478E}">
+  <ds:schemaRefs>
+    <ds:schemaRef ds:uri="http://schemas.microsoft.com/VisualStudio/2011/storyboarding/control"/>
+  </ds:schemaRefs>
+</ds:datastoreItem>
+</file>
+
+<file path=customXml/itemProps131.xml><?xml version="1.0" encoding="utf-8"?>
+<ds:datastoreItem xmlns:ds="http://schemas.openxmlformats.org/officeDocument/2006/customXml" ds:itemID="{4EBE12BC-3E5E-4D1F-B97D-0EDAC1BBFB4A}">
+  <ds:schemaRefs>
+    <ds:schemaRef ds:uri="http://schemas.microsoft.com/VisualStudio/2011/storyboarding/control"/>
+  </ds:schemaRefs>
+</ds:datastoreItem>
+</file>
+
+<file path=customXml/itemProps132.xml><?xml version="1.0" encoding="utf-8"?>
+<ds:datastoreItem xmlns:ds="http://schemas.openxmlformats.org/officeDocument/2006/customXml" ds:itemID="{0684D2C5-E9CC-4037-972E-2C9DB4722504}">
+  <ds:schemaRefs>
+    <ds:schemaRef ds:uri="http://schemas.microsoft.com/VisualStudio/2011/storyboarding/control"/>
+  </ds:schemaRefs>
+</ds:datastoreItem>
+</file>
+
+<file path=customXml/itemProps133.xml><?xml version="1.0" encoding="utf-8"?>
+<ds:datastoreItem xmlns:ds="http://schemas.openxmlformats.org/officeDocument/2006/customXml" ds:itemID="{AA40A9BC-3BF1-4C4F-B6DD-B39207CEBFE0}">
+  <ds:schemaRefs>
+    <ds:schemaRef ds:uri="http://schemas.microsoft.com/VisualStudio/2011/storyboarding/control"/>
+  </ds:schemaRefs>
+</ds:datastoreItem>
+</file>
+
+<file path=customXml/itemProps134.xml><?xml version="1.0" encoding="utf-8"?>
+<ds:datastoreItem xmlns:ds="http://schemas.openxmlformats.org/officeDocument/2006/customXml" ds:itemID="{AEDE4A66-B6B9-48A5-AD47-442B5693ED13}">
+  <ds:schemaRefs>
+    <ds:schemaRef ds:uri="http://schemas.microsoft.com/VisualStudio/2011/storyboarding/control"/>
+  </ds:schemaRefs>
+</ds:datastoreItem>
+</file>
+
+<file path=customXml/itemProps135.xml><?xml version="1.0" encoding="utf-8"?>
+<ds:datastoreItem xmlns:ds="http://schemas.openxmlformats.org/officeDocument/2006/customXml" ds:itemID="{A701D8EB-92CD-4561-9F7A-3649D53BC9B9}">
+  <ds:schemaRefs>
+    <ds:schemaRef ds:uri="http://schemas.microsoft.com/VisualStudio/2011/storyboarding/control"/>
+  </ds:schemaRefs>
+</ds:datastoreItem>
+</file>
+
+<file path=customXml/itemProps136.xml><?xml version="1.0" encoding="utf-8"?>
+<ds:datastoreItem xmlns:ds="http://schemas.openxmlformats.org/officeDocument/2006/customXml" ds:itemID="{09FAD951-17F0-4C3F-BA07-132F0A732137}">
+  <ds:schemaRefs>
+    <ds:schemaRef ds:uri="http://schemas.microsoft.com/VisualStudio/2011/storyboarding/control"/>
+  </ds:schemaRefs>
+</ds:datastoreItem>
+</file>
+
+<file path=customXml/itemProps137.xml><?xml version="1.0" encoding="utf-8"?>
+<ds:datastoreItem xmlns:ds="http://schemas.openxmlformats.org/officeDocument/2006/customXml" ds:itemID="{37F26A9F-B2DE-4AAF-9A4E-5332B3E9073B}">
+  <ds:schemaRefs>
+    <ds:schemaRef ds:uri="http://schemas.microsoft.com/VisualStudio/2011/storyboarding/control"/>
+  </ds:schemaRefs>
+</ds:datastoreItem>
+</file>
+
+<file path=customXml/itemProps138.xml><?xml version="1.0" encoding="utf-8"?>
+<ds:datastoreItem xmlns:ds="http://schemas.openxmlformats.org/officeDocument/2006/customXml" ds:itemID="{D6DEBB23-3F78-4F65-A577-7267F31A459B}">
+  <ds:schemaRefs>
+    <ds:schemaRef ds:uri="http://schemas.microsoft.com/VisualStudio/2011/storyboarding/control"/>
+  </ds:schemaRefs>
+</ds:datastoreItem>
+</file>
+
+<file path=customXml/itemProps139.xml><?xml version="1.0" encoding="utf-8"?>
+<ds:datastoreItem xmlns:ds="http://schemas.openxmlformats.org/officeDocument/2006/customXml" ds:itemID="{057513B5-A6F1-488D-BB46-182FF6B462F7}">
+  <ds:schemaRefs>
+    <ds:schemaRef ds:uri="http://schemas.microsoft.com/VisualStudio/2011/storyboarding/control"/>
+  </ds:schemaRefs>
+</ds:datastoreItem>
+</file>
+
+<file path=customXml/itemProps14.xml><?xml version="1.0" encoding="utf-8"?>
+<ds:datastoreItem xmlns:ds="http://schemas.openxmlformats.org/officeDocument/2006/customXml" ds:itemID="{B316FC86-5E21-4170-BF3E-BA60FED310D9}">
+  <ds:schemaRefs>
+    <ds:schemaRef ds:uri="http://schemas.microsoft.com/VisualStudio/2011/storyboarding/control"/>
+  </ds:schemaRefs>
+</ds:datastoreItem>
+</file>
+
+<file path=customXml/itemProps140.xml><?xml version="1.0" encoding="utf-8"?>
+<ds:datastoreItem xmlns:ds="http://schemas.openxmlformats.org/officeDocument/2006/customXml" ds:itemID="{ABE80E9F-F51D-4F0B-9385-E335939FF587}">
+  <ds:schemaRefs>
+    <ds:schemaRef ds:uri="http://schemas.microsoft.com/VisualStudio/2011/storyboarding/control"/>
+  </ds:schemaRefs>
+</ds:datastoreItem>
+</file>
+
+<file path=customXml/itemProps141.xml><?xml version="1.0" encoding="utf-8"?>
+<ds:datastoreItem xmlns:ds="http://schemas.openxmlformats.org/officeDocument/2006/customXml" ds:itemID="{0A8C986D-C090-4801-B3C3-D646EB332C7F}">
+  <ds:schemaRefs>
+    <ds:schemaRef ds:uri="http://schemas.microsoft.com/VisualStudio/2011/storyboarding/control"/>
+  </ds:schemaRefs>
+</ds:datastoreItem>
+</file>
+
+<file path=customXml/itemProps142.xml><?xml version="1.0" encoding="utf-8"?>
+<ds:datastoreItem xmlns:ds="http://schemas.openxmlformats.org/officeDocument/2006/customXml" ds:itemID="{115ED391-3782-470D-8454-3104A632EEF4}">
+  <ds:schemaRefs>
+    <ds:schemaRef ds:uri="http://schemas.microsoft.com/VisualStudio/2011/storyboarding/control"/>
+  </ds:schemaRefs>
+</ds:datastoreItem>
+</file>
+
+<file path=customXml/itemProps143.xml><?xml version="1.0" encoding="utf-8"?>
+<ds:datastoreItem xmlns:ds="http://schemas.openxmlformats.org/officeDocument/2006/customXml" ds:itemID="{1DC09C50-4269-4D66-BC64-2FD917790BD1}">
+  <ds:schemaRefs>
+    <ds:schemaRef ds:uri="http://schemas.microsoft.com/VisualStudio/2011/storyboarding/control"/>
+  </ds:schemaRefs>
+</ds:datastoreItem>
+</file>
+
+<file path=customXml/itemProps144.xml><?xml version="1.0" encoding="utf-8"?>
+<ds:datastoreItem xmlns:ds="http://schemas.openxmlformats.org/officeDocument/2006/customXml" ds:itemID="{4F5EEB0B-427B-4420-A0A9-8B40E7063C04}">
+  <ds:schemaRefs>
+    <ds:schemaRef ds:uri="http://schemas.microsoft.com/VisualStudio/2011/storyboarding/control"/>
+  </ds:schemaRefs>
+</ds:datastoreItem>
+</file>
+
+<file path=customXml/itemProps145.xml><?xml version="1.0" encoding="utf-8"?>
+<ds:datastoreItem xmlns:ds="http://schemas.openxmlformats.org/officeDocument/2006/customXml" ds:itemID="{8A2EC58A-26E5-43E2-846F-18EDD4266AE2}">
+  <ds:schemaRefs>
+    <ds:schemaRef ds:uri="http://schemas.microsoft.com/VisualStudio/2011/storyboarding/control"/>
+  </ds:schemaRefs>
+</ds:datastoreItem>
+</file>
+
+<file path=customXml/itemProps146.xml><?xml version="1.0" encoding="utf-8"?>
+<ds:datastoreItem xmlns:ds="http://schemas.openxmlformats.org/officeDocument/2006/customXml" ds:itemID="{DFA6351C-3382-456C-947B-92AC704F8771}">
+  <ds:schemaRefs>
+    <ds:schemaRef ds:uri="http://schemas.microsoft.com/VisualStudio/2011/storyboarding/control"/>
+  </ds:schemaRefs>
+</ds:datastoreItem>
+</file>
+
+<file path=customXml/itemProps147.xml><?xml version="1.0" encoding="utf-8"?>
+<ds:datastoreItem xmlns:ds="http://schemas.openxmlformats.org/officeDocument/2006/customXml" ds:itemID="{5724F706-0678-4E76-B43C-AED60AE7E5D5}">
+  <ds:schemaRefs>
+    <ds:schemaRef ds:uri="http://schemas.microsoft.com/VisualStudio/2011/storyboarding/control"/>
+  </ds:schemaRefs>
+</ds:datastoreItem>
+</file>
+
+<file path=customXml/itemProps148.xml><?xml version="1.0" encoding="utf-8"?>
+<ds:datastoreItem xmlns:ds="http://schemas.openxmlformats.org/officeDocument/2006/customXml" ds:itemID="{C19D08D2-CC15-43F6-9520-E638D4B96AA4}">
+  <ds:schemaRefs>
+    <ds:schemaRef ds:uri="http://schemas.microsoft.com/VisualStudio/2011/storyboarding/control"/>
+  </ds:schemaRefs>
+</ds:datastoreItem>
+</file>
+
+<file path=customXml/itemProps149.xml><?xml version="1.0" encoding="utf-8"?>
+<ds:datastoreItem xmlns:ds="http://schemas.openxmlformats.org/officeDocument/2006/customXml" ds:itemID="{DF4C6030-9287-495C-835D-34AF1565106B}">
+  <ds:schemaRefs>
+    <ds:schemaRef ds:uri="http://schemas.microsoft.com/VisualStudio/2011/storyboarding/control"/>
+  </ds:schemaRefs>
+</ds:datastoreItem>
+</file>
+
+<file path=customXml/itemProps15.xml><?xml version="1.0" encoding="utf-8"?>
+<ds:datastoreItem xmlns:ds="http://schemas.openxmlformats.org/officeDocument/2006/customXml" ds:itemID="{77847341-C497-4CB9-B03E-4013B44A2E18}">
+  <ds:schemaRefs>
+    <ds:schemaRef ds:uri="http://schemas.microsoft.com/VisualStudio/2011/storyboarding/control"/>
+  </ds:schemaRefs>
+</ds:datastoreItem>
+</file>
+
+<file path=customXml/itemProps150.xml><?xml version="1.0" encoding="utf-8"?>
+<ds:datastoreItem xmlns:ds="http://schemas.openxmlformats.org/officeDocument/2006/customXml" ds:itemID="{F237FC53-E106-41B8-93CF-4F5664E75C56}">
+  <ds:schemaRefs>
+    <ds:schemaRef ds:uri="http://schemas.microsoft.com/VisualStudio/2011/storyboarding/control"/>
+  </ds:schemaRefs>
+</ds:datastoreItem>
+</file>
+
+<file path=customXml/itemProps151.xml><?xml version="1.0" encoding="utf-8"?>
+<ds:datastoreItem xmlns:ds="http://schemas.openxmlformats.org/officeDocument/2006/customXml" ds:itemID="{6ABAF743-7309-494D-9474-61CDF53F856B}">
+  <ds:schemaRefs>
+    <ds:schemaRef ds:uri="http://schemas.microsoft.com/VisualStudio/2011/storyboarding/control"/>
+  </ds:schemaRefs>
+</ds:datastoreItem>
+</file>
+
+<file path=customXml/itemProps152.xml><?xml version="1.0" encoding="utf-8"?>
+<ds:datastoreItem xmlns:ds="http://schemas.openxmlformats.org/officeDocument/2006/customXml" ds:itemID="{15C10524-EC04-4187-AA8A-43859E3AF52D}">
+  <ds:schemaRefs>
+    <ds:schemaRef ds:uri="http://schemas.microsoft.com/VisualStudio/2011/storyboarding/control"/>
+  </ds:schemaRefs>
+</ds:datastoreItem>
+</file>
+
+<file path=customXml/itemProps153.xml><?xml version="1.0" encoding="utf-8"?>
+<ds:datastoreItem xmlns:ds="http://schemas.openxmlformats.org/officeDocument/2006/customXml" ds:itemID="{3FCD574C-7800-4A1E-AC0D-3B2CF4B35902}">
+  <ds:schemaRefs>
+    <ds:schemaRef ds:uri="http://schemas.microsoft.com/VisualStudio/2011/storyboarding/control"/>
+  </ds:schemaRefs>
+</ds:datastoreItem>
+</file>
+
+<file path=customXml/itemProps154.xml><?xml version="1.0" encoding="utf-8"?>
+<ds:datastoreItem xmlns:ds="http://schemas.openxmlformats.org/officeDocument/2006/customXml" ds:itemID="{FE7AA80A-FB6D-4161-A7F8-04A20FD218E0}">
+  <ds:schemaRefs>
+    <ds:schemaRef ds:uri="http://schemas.microsoft.com/VisualStudio/2011/storyboarding/control"/>
+  </ds:schemaRefs>
+</ds:datastoreItem>
+</file>
+
+<file path=customXml/itemProps155.xml><?xml version="1.0" encoding="utf-8"?>
+<ds:datastoreItem xmlns:ds="http://schemas.openxmlformats.org/officeDocument/2006/customXml" ds:itemID="{10BA1287-173C-46E4-81C3-8EE020DDDCD3}">
+  <ds:schemaRefs>
+    <ds:schemaRef ds:uri="http://schemas.microsoft.com/VisualStudio/2011/storyboarding/control"/>
+  </ds:schemaRefs>
+</ds:datastoreItem>
+</file>
+
+<file path=customXml/itemProps156.xml><?xml version="1.0" encoding="utf-8"?>
+<ds:datastoreItem xmlns:ds="http://schemas.openxmlformats.org/officeDocument/2006/customXml" ds:itemID="{6000BF76-E98D-4671-B303-79F41F9237EC}">
+  <ds:schemaRefs>
+    <ds:schemaRef ds:uri="http://schemas.microsoft.com/VisualStudio/2011/storyboarding/control"/>
+  </ds:schemaRefs>
+</ds:datastoreItem>
+</file>
+
+<file path=customXml/itemProps157.xml><?xml version="1.0" encoding="utf-8"?>
+<ds:datastoreItem xmlns:ds="http://schemas.openxmlformats.org/officeDocument/2006/customXml" ds:itemID="{7ED10B82-EBA4-43A4-8FD1-8E6972063322}">
+  <ds:schemaRefs>
+    <ds:schemaRef ds:uri="http://schemas.microsoft.com/VisualStudio/2011/storyboarding/control"/>
+  </ds:schemaRefs>
+</ds:datastoreItem>
+</file>
+
+<file path=customXml/itemProps158.xml><?xml version="1.0" encoding="utf-8"?>
+<ds:datastoreItem xmlns:ds="http://schemas.openxmlformats.org/officeDocument/2006/customXml" ds:itemID="{B2824B36-9D36-4399-B1DF-7C7ACCD57FC6}">
+  <ds:schemaRefs>
+    <ds:schemaRef ds:uri="http://schemas.microsoft.com/VisualStudio/2011/storyboarding/control"/>
+  </ds:schemaRefs>
+</ds:datastoreItem>
+</file>
+
+<file path=customXml/itemProps159.xml><?xml version="1.0" encoding="utf-8"?>
+<ds:datastoreItem xmlns:ds="http://schemas.openxmlformats.org/officeDocument/2006/customXml" ds:itemID="{A7C912A6-2E4C-4F63-B786-02908B9A50F7}">
+  <ds:schemaRefs>
+    <ds:schemaRef ds:uri="http://schemas.microsoft.com/VisualStudio/2011/storyboarding/control"/>
+  </ds:schemaRefs>
+</ds:datastoreItem>
+</file>
+
+<file path=customXml/itemProps16.xml><?xml version="1.0" encoding="utf-8"?>
+<ds:datastoreItem xmlns:ds="http://schemas.openxmlformats.org/officeDocument/2006/customXml" ds:itemID="{A68EA2C5-F4DA-4460-AF2B-43D729ED9A03}">
+  <ds:schemaRefs>
+    <ds:schemaRef ds:uri="http://schemas.microsoft.com/VisualStudio/2011/storyboarding/control"/>
+  </ds:schemaRefs>
+</ds:datastoreItem>
+</file>
+
+<file path=customXml/itemProps160.xml><?xml version="1.0" encoding="utf-8"?>
+<ds:datastoreItem xmlns:ds="http://schemas.openxmlformats.org/officeDocument/2006/customXml" ds:itemID="{AEA6C46E-1A4E-4755-9CB5-875AB0696825}">
+  <ds:schemaRefs>
+    <ds:schemaRef ds:uri="http://schemas.microsoft.com/VisualStudio/2011/storyboarding/control"/>
+  </ds:schemaRefs>
+</ds:datastoreItem>
+</file>
+
+<file path=customXml/itemProps161.xml><?xml version="1.0" encoding="utf-8"?>
+<ds:datastoreItem xmlns:ds="http://schemas.openxmlformats.org/officeDocument/2006/customXml" ds:itemID="{074478F8-5FE7-42F3-8A8F-64C328EBEE81}">
+  <ds:schemaRefs>
+    <ds:schemaRef ds:uri="http://schemas.microsoft.com/VisualStudio/2011/storyboarding/control"/>
+  </ds:schemaRefs>
+</ds:datastoreItem>
+</file>
+
+<file path=customXml/itemProps162.xml><?xml version="1.0" encoding="utf-8"?>
+<ds:datastoreItem xmlns:ds="http://schemas.openxmlformats.org/officeDocument/2006/customXml" ds:itemID="{9F579520-A890-4E35-B56D-7846EFB45CE2}">
+  <ds:schemaRefs>
+    <ds:schemaRef ds:uri="http://schemas.microsoft.com/VisualStudio/2011/storyboarding/control"/>
+  </ds:schemaRefs>
+</ds:datastoreItem>
+</file>
+
+<file path=customXml/itemProps163.xml><?xml version="1.0" encoding="utf-8"?>
+<ds:datastoreItem xmlns:ds="http://schemas.openxmlformats.org/officeDocument/2006/customXml" ds:itemID="{7C09D70B-1C01-4320-9C58-4B99B765FCBA}">
+  <ds:schemaRefs>
+    <ds:schemaRef ds:uri="http://schemas.microsoft.com/VisualStudio/2011/storyboarding/control"/>
+  </ds:schemaRefs>
+</ds:datastoreItem>
+</file>
+
+<file path=customXml/itemProps164.xml><?xml version="1.0" encoding="utf-8"?>
+<ds:datastoreItem xmlns:ds="http://schemas.openxmlformats.org/officeDocument/2006/customXml" ds:itemID="{848E265A-8617-44F0-823F-C69D60FE7E91}">
+  <ds:schemaRefs>
+    <ds:schemaRef ds:uri="http://schemas.microsoft.com/VisualStudio/2011/storyboarding/control"/>
+  </ds:schemaRefs>
+</ds:datastoreItem>
+</file>
+
+<file path=customXml/itemProps165.xml><?xml version="1.0" encoding="utf-8"?>
+<ds:datastoreItem xmlns:ds="http://schemas.openxmlformats.org/officeDocument/2006/customXml" ds:itemID="{C284BF69-C135-4242-A150-656190D2FDD2}">
+  <ds:schemaRefs>
+    <ds:schemaRef ds:uri="http://schemas.microsoft.com/VisualStudio/2011/storyboarding/control"/>
+  </ds:schemaRefs>
+</ds:datastoreItem>
+</file>
+
+<file path=customXml/itemProps166.xml><?xml version="1.0" encoding="utf-8"?>
+<ds:datastoreItem xmlns:ds="http://schemas.openxmlformats.org/officeDocument/2006/customXml" ds:itemID="{45E49184-CBFB-4B5F-8554-2A1097532AE5}">
+  <ds:schemaRefs>
+    <ds:schemaRef ds:uri="http://schemas.microsoft.com/VisualStudio/2011/storyboarding/control"/>
+  </ds:schemaRefs>
+</ds:datastoreItem>
+</file>
+
+<file path=customXml/itemProps167.xml><?xml version="1.0" encoding="utf-8"?>
+<ds:datastoreItem xmlns:ds="http://schemas.openxmlformats.org/officeDocument/2006/customXml" ds:itemID="{D051F52D-30FF-457C-88F8-8BFFF54F7528}">
+  <ds:schemaRefs>
+    <ds:schemaRef ds:uri="http://schemas.microsoft.com/VisualStudio/2011/storyboarding/control"/>
+  </ds:schemaRefs>
+</ds:datastoreItem>
+</file>
+
+<file path=customXml/itemProps168.xml><?xml version="1.0" encoding="utf-8"?>
+<ds:datastoreItem xmlns:ds="http://schemas.openxmlformats.org/officeDocument/2006/customXml" ds:itemID="{35D22546-9855-4E76-B7F7-CA9EEDDA4159}">
+  <ds:schemaRefs>
+    <ds:schemaRef ds:uri="http://schemas.microsoft.com/VisualStudio/2011/storyboarding/control"/>
+  </ds:schemaRefs>
+</ds:datastoreItem>
+</file>
+
+<file path=customXml/itemProps169.xml><?xml version="1.0" encoding="utf-8"?>
+<ds:datastoreItem xmlns:ds="http://schemas.openxmlformats.org/officeDocument/2006/customXml" ds:itemID="{781D6E29-F563-4EF0-87C6-810AFB8F61D9}">
+  <ds:schemaRefs>
+    <ds:schemaRef ds:uri="http://schemas.microsoft.com/VisualStudio/2011/storyboarding/control"/>
+  </ds:schemaRefs>
+</ds:datastoreItem>
+</file>
+
+<file path=customXml/itemProps17.xml><?xml version="1.0" encoding="utf-8"?>
+<ds:datastoreItem xmlns:ds="http://schemas.openxmlformats.org/officeDocument/2006/customXml" ds:itemID="{9F133E29-42F8-4C2B-9876-EE1D7CC85510}">
+  <ds:schemaRefs>
+    <ds:schemaRef ds:uri="http://schemas.microsoft.com/VisualStudio/2011/storyboarding/control"/>
+  </ds:schemaRefs>
+</ds:datastoreItem>
+</file>
+
+<file path=customXml/itemProps170.xml><?xml version="1.0" encoding="utf-8"?>
+<ds:datastoreItem xmlns:ds="http://schemas.openxmlformats.org/officeDocument/2006/customXml" ds:itemID="{EC0E9686-0FF5-40C1-A995-34A4ADDA432C}">
+  <ds:schemaRefs>
+    <ds:schemaRef ds:uri="http://schemas.microsoft.com/VisualStudio/2011/storyboarding/control"/>
+  </ds:schemaRefs>
+</ds:datastoreItem>
+</file>
+
+<file path=customXml/itemProps171.xml><?xml version="1.0" encoding="utf-8"?>
+<ds:datastoreItem xmlns:ds="http://schemas.openxmlformats.org/officeDocument/2006/customXml" ds:itemID="{7220C5A5-1594-46DA-9B3B-A5E50E1A0B9E}">
+  <ds:schemaRefs>
+    <ds:schemaRef ds:uri="http://schemas.microsoft.com/VisualStudio/2011/storyboarding/control"/>
+  </ds:schemaRefs>
+</ds:datastoreItem>
+</file>
+
+<file path=customXml/itemProps172.xml><?xml version="1.0" encoding="utf-8"?>
+<ds:datastoreItem xmlns:ds="http://schemas.openxmlformats.org/officeDocument/2006/customXml" ds:itemID="{F4E88B79-0EC6-4EA7-A357-DCB9119C03C2}">
+  <ds:schemaRefs>
+    <ds:schemaRef ds:uri="http://schemas.microsoft.com/VisualStudio/2011/storyboarding/control"/>
+  </ds:schemaRefs>
+</ds:datastoreItem>
+</file>
+
+<file path=customXml/itemProps173.xml><?xml version="1.0" encoding="utf-8"?>
+<ds:datastoreItem xmlns:ds="http://schemas.openxmlformats.org/officeDocument/2006/customXml" ds:itemID="{98991B24-98A4-4F58-A33C-E2BE14AB4B7B}">
+  <ds:schemaRefs>
+    <ds:schemaRef ds:uri="http://schemas.microsoft.com/VisualStudio/2011/storyboarding/control"/>
+  </ds:schemaRefs>
+</ds:datastoreItem>
+</file>
+
+<file path=customXml/itemProps174.xml><?xml version="1.0" encoding="utf-8"?>
+<ds:datastoreItem xmlns:ds="http://schemas.openxmlformats.org/officeDocument/2006/customXml" ds:itemID="{3920B738-291D-4409-BF92-E514AE7A6575}">
+  <ds:schemaRefs>
+    <ds:schemaRef ds:uri="http://schemas.microsoft.com/VisualStudio/2011/storyboarding/control"/>
+  </ds:schemaRefs>
+</ds:datastoreItem>
+</file>
+
+<file path=customXml/itemProps175.xml><?xml version="1.0" encoding="utf-8"?>
+<ds:datastoreItem xmlns:ds="http://schemas.openxmlformats.org/officeDocument/2006/customXml" ds:itemID="{42A915EC-4BF7-4BD2-956E-939988E50D85}">
+  <ds:schemaRefs>
+    <ds:schemaRef ds:uri="http://schemas.microsoft.com/VisualStudio/2011/storyboarding/control"/>
+  </ds:schemaRefs>
+</ds:datastoreItem>
+</file>
+
+<file path=customXml/itemProps176.xml><?xml version="1.0" encoding="utf-8"?>
+<ds:datastoreItem xmlns:ds="http://schemas.openxmlformats.org/officeDocument/2006/customXml" ds:itemID="{885E5B91-ADB1-415C-8BF6-A2E46A40B656}">
+  <ds:schemaRefs>
+    <ds:schemaRef ds:uri="http://schemas.microsoft.com/VisualStudio/2011/storyboarding/control"/>
+  </ds:schemaRefs>
+</ds:datastoreItem>
+</file>
+
+<file path=customXml/itemProps177.xml><?xml version="1.0" encoding="utf-8"?>
+<ds:datastoreItem xmlns:ds="http://schemas.openxmlformats.org/officeDocument/2006/customXml" ds:itemID="{72C1ED2A-D3BA-42C7-BF99-EAB28CAB354A}">
+  <ds:schemaRefs>
+    <ds:schemaRef ds:uri="http://schemas.microsoft.com/VisualStudio/2011/storyboarding/control"/>
+  </ds:schemaRefs>
+</ds:datastoreItem>
+</file>
+
+<file path=customXml/itemProps178.xml><?xml version="1.0" encoding="utf-8"?>
+<ds:datastoreItem xmlns:ds="http://schemas.openxmlformats.org/officeDocument/2006/customXml" ds:itemID="{49F1EA1A-B514-4474-9BD2-2A24A699EB1B}">
+  <ds:schemaRefs>
+    <ds:schemaRef ds:uri="http://schemas.microsoft.com/VisualStudio/2011/storyboarding/control"/>
+  </ds:schemaRefs>
+</ds:datastoreItem>
+</file>
+
+<file path=customXml/itemProps179.xml><?xml version="1.0" encoding="utf-8"?>
+<ds:datastoreItem xmlns:ds="http://schemas.openxmlformats.org/officeDocument/2006/customXml" ds:itemID="{C1AD10ED-9529-430C-8632-408ECF3804A6}">
+  <ds:schemaRefs>
+    <ds:schemaRef ds:uri="http://schemas.microsoft.com/VisualStudio/2011/storyboarding/control"/>
+  </ds:schemaRefs>
+</ds:datastoreItem>
+</file>
+
+<file path=customXml/itemProps18.xml><?xml version="1.0" encoding="utf-8"?>
+<ds:datastoreItem xmlns:ds="http://schemas.openxmlformats.org/officeDocument/2006/customXml" ds:itemID="{3A80ABE5-7E28-4352-9B41-A2409D3E549F}">
+  <ds:schemaRefs>
+    <ds:schemaRef ds:uri="http://schemas.microsoft.com/VisualStudio/2011/storyboarding/control"/>
+  </ds:schemaRefs>
+</ds:datastoreItem>
+</file>
+
+<file path=customXml/itemProps180.xml><?xml version="1.0" encoding="utf-8"?>
+<ds:datastoreItem xmlns:ds="http://schemas.openxmlformats.org/officeDocument/2006/customXml" ds:itemID="{C8055E01-8A0A-4A17-AA21-5B31E4648956}">
+  <ds:schemaRefs>
+    <ds:schemaRef ds:uri="http://schemas.microsoft.com/VisualStudio/2011/storyboarding/control"/>
+  </ds:schemaRefs>
+</ds:datastoreItem>
+</file>
+
+<file path=customXml/itemProps181.xml><?xml version="1.0" encoding="utf-8"?>
+<ds:datastoreItem xmlns:ds="http://schemas.openxmlformats.org/officeDocument/2006/customXml" ds:itemID="{71E94438-CE05-443D-9BC9-A6900DB82EC4}">
+  <ds:schemaRefs>
+    <ds:schemaRef ds:uri="http://schemas.microsoft.com/VisualStudio/2011/storyboarding/control"/>
+  </ds:schemaRefs>
+</ds:datastoreItem>
+</file>
+
+<file path=customXml/itemProps182.xml><?xml version="1.0" encoding="utf-8"?>
+<ds:datastoreItem xmlns:ds="http://schemas.openxmlformats.org/officeDocument/2006/customXml" ds:itemID="{DC928DB4-7BFC-4523-92A8-5A1EDB445CAF}">
+  <ds:schemaRefs>
+    <ds:schemaRef ds:uri="http://schemas.microsoft.com/VisualStudio/2011/storyboarding/control"/>
+  </ds:schemaRefs>
+</ds:datastoreItem>
+</file>
+
+<file path=customXml/itemProps183.xml><?xml version="1.0" encoding="utf-8"?>
+<ds:datastoreItem xmlns:ds="http://schemas.openxmlformats.org/officeDocument/2006/customXml" ds:itemID="{0776BC9A-BD6C-472F-BF83-910EDA60BED5}">
+  <ds:schemaRefs>
+    <ds:schemaRef ds:uri="http://schemas.microsoft.com/VisualStudio/2011/storyboarding/control"/>
+  </ds:schemaRefs>
+</ds:datastoreItem>
+</file>
+
+<file path=customXml/itemProps184.xml><?xml version="1.0" encoding="utf-8"?>
+<ds:datastoreItem xmlns:ds="http://schemas.openxmlformats.org/officeDocument/2006/customXml" ds:itemID="{6D29A9C9-400F-485E-A387-9E35BE9470C2}">
+  <ds:schemaRefs>
+    <ds:schemaRef ds:uri="http://schemas.microsoft.com/VisualStudio/2011/storyboarding/control"/>
+  </ds:schemaRefs>
+</ds:datastoreItem>
+</file>
+
+<file path=customXml/itemProps185.xml><?xml version="1.0" encoding="utf-8"?>
+<ds:datastoreItem xmlns:ds="http://schemas.openxmlformats.org/officeDocument/2006/customXml" ds:itemID="{9B027BA1-1B65-4CDF-9B71-719936CEBB79}">
+  <ds:schemaRefs>
+    <ds:schemaRef ds:uri="http://schemas.microsoft.com/VisualStudio/2011/storyboarding/control"/>
+  </ds:schemaRefs>
+</ds:datastoreItem>
+</file>
+
+<file path=customXml/itemProps186.xml><?xml version="1.0" encoding="utf-8"?>
+<ds:datastoreItem xmlns:ds="http://schemas.openxmlformats.org/officeDocument/2006/customXml" ds:itemID="{2741D80D-5C9C-4D13-B1DC-FBF939FAC829}">
+  <ds:schemaRefs>
+    <ds:schemaRef ds:uri="http://schemas.microsoft.com/VisualStudio/2011/storyboarding/control"/>
+  </ds:schemaRefs>
+</ds:datastoreItem>
+</file>
+
+<file path=customXml/itemProps187.xml><?xml version="1.0" encoding="utf-8"?>
+<ds:datastoreItem xmlns:ds="http://schemas.openxmlformats.org/officeDocument/2006/customXml" ds:itemID="{9CE047ED-EDFF-42F0-9DC7-FE4070F44171}">
+  <ds:schemaRefs>
+    <ds:schemaRef ds:uri="http://schemas.microsoft.com/VisualStudio/2011/storyboarding/control"/>
+  </ds:schemaRefs>
+</ds:datastoreItem>
+</file>
+
+<file path=customXml/itemProps188.xml><?xml version="1.0" encoding="utf-8"?>
+<ds:datastoreItem xmlns:ds="http://schemas.openxmlformats.org/officeDocument/2006/customXml" ds:itemID="{2E985251-5C15-4516-869B-7B36E7418DD5}">
+  <ds:schemaRefs>
+    <ds:schemaRef ds:uri="http://schemas.microsoft.com/VisualStudio/2011/storyboarding/control"/>
+  </ds:schemaRefs>
+</ds:datastoreItem>
+</file>
+
+<file path=customXml/itemProps189.xml><?xml version="1.0" encoding="utf-8"?>
+<ds:datastoreItem xmlns:ds="http://schemas.openxmlformats.org/officeDocument/2006/customXml" ds:itemID="{49A50E5D-DA8E-4DE1-B9F5-C44F674E1640}">
+  <ds:schemaRefs>
+    <ds:schemaRef ds:uri="http://schemas.microsoft.com/VisualStudio/2011/storyboarding/control"/>
+  </ds:schemaRefs>
+</ds:datastoreItem>
+</file>
+
+<file path=customXml/itemProps19.xml><?xml version="1.0" encoding="utf-8"?>
+<ds:datastoreItem xmlns:ds="http://schemas.openxmlformats.org/officeDocument/2006/customXml" ds:itemID="{91A1C243-37AB-4E42-A755-94FC41E4B8F0}">
+  <ds:schemaRefs>
+    <ds:schemaRef ds:uri="http://schemas.microsoft.com/VisualStudio/2011/storyboarding/control"/>
+  </ds:schemaRefs>
+</ds:datastoreItem>
+</file>
+
+<file path=customXml/itemProps190.xml><?xml version="1.0" encoding="utf-8"?>
+<ds:datastoreItem xmlns:ds="http://schemas.openxmlformats.org/officeDocument/2006/customXml" ds:itemID="{B50EDE4E-3D17-4992-9491-6C5EB2CE7063}">
+  <ds:schemaRefs>
+    <ds:schemaRef ds:uri="http://schemas.microsoft.com/VisualStudio/2011/storyboarding/control"/>
+  </ds:schemaRefs>
+</ds:datastoreItem>
+</file>
+
+<file path=customXml/itemProps191.xml><?xml version="1.0" encoding="utf-8"?>
+<ds:datastoreItem xmlns:ds="http://schemas.openxmlformats.org/officeDocument/2006/customXml" ds:itemID="{1827C9F9-CD4C-424F-AC3A-64B8904E412C}">
+  <ds:schemaRefs>
+    <ds:schemaRef ds:uri="http://schemas.microsoft.com/VisualStudio/2011/storyboarding/control"/>
+  </ds:schemaRefs>
+</ds:datastoreItem>
+</file>
+
+<file path=customXml/itemProps192.xml><?xml version="1.0" encoding="utf-8"?>
+<ds:datastoreItem xmlns:ds="http://schemas.openxmlformats.org/officeDocument/2006/customXml" ds:itemID="{08CDC6BC-B464-45A8-8C16-5EE66F66FCE1}">
+  <ds:schemaRefs>
+    <ds:schemaRef ds:uri="http://schemas.microsoft.com/VisualStudio/2011/storyboarding/control"/>
+  </ds:schemaRefs>
+</ds:datastoreItem>
+</file>
+
+<file path=customXml/itemProps193.xml><?xml version="1.0" encoding="utf-8"?>
+<ds:datastoreItem xmlns:ds="http://schemas.openxmlformats.org/officeDocument/2006/customXml" ds:itemID="{C4C49560-9D71-4927-855F-8BA97A840C52}">
+  <ds:schemaRefs>
+    <ds:schemaRef ds:uri="http://schemas.microsoft.com/VisualStudio/2011/storyboarding/control"/>
+  </ds:schemaRefs>
+</ds:datastoreItem>
+</file>
+
+<file path=customXml/itemProps194.xml><?xml version="1.0" encoding="utf-8"?>
+<ds:datastoreItem xmlns:ds="http://schemas.openxmlformats.org/officeDocument/2006/customXml" ds:itemID="{BDF29625-3AB8-483B-8E84-ACD09F450CEB}">
+  <ds:schemaRefs>
+    <ds:schemaRef ds:uri="http://schemas.microsoft.com/VisualStudio/2011/storyboarding/control"/>
+  </ds:schemaRefs>
+</ds:datastoreItem>
+</file>
+
+<file path=customXml/itemProps195.xml><?xml version="1.0" encoding="utf-8"?>
+<ds:datastoreItem xmlns:ds="http://schemas.openxmlformats.org/officeDocument/2006/customXml" ds:itemID="{4B10DBAD-EE17-4611-B660-912D829B65EF}">
+  <ds:schemaRefs>
+    <ds:schemaRef ds:uri="http://schemas.microsoft.com/VisualStudio/2011/storyboarding/control"/>
+  </ds:schemaRefs>
+</ds:datastoreItem>
+</file>
+
+<file path=customXml/itemProps196.xml><?xml version="1.0" encoding="utf-8"?>
+<ds:datastoreItem xmlns:ds="http://schemas.openxmlformats.org/officeDocument/2006/customXml" ds:itemID="{575F575E-AC00-4BB2-A650-4CFA1BDF90B0}">
+  <ds:schemaRefs>
+    <ds:schemaRef ds:uri="http://schemas.microsoft.com/VisualStudio/2011/storyboarding/control"/>
+  </ds:schemaRefs>
+</ds:datastoreItem>
+</file>
+
+<file path=customXml/itemProps197.xml><?xml version="1.0" encoding="utf-8"?>
+<ds:datastoreItem xmlns:ds="http://schemas.openxmlformats.org/officeDocument/2006/customXml" ds:itemID="{043DC673-5C97-4B62-97D8-0109E863B28C}">
+  <ds:schemaRefs>
+    <ds:schemaRef ds:uri="http://schemas.microsoft.com/VisualStudio/2011/storyboarding/control"/>
+  </ds:schemaRefs>
+</ds:datastoreItem>
+</file>
+
+<file path=customXml/itemProps198.xml><?xml version="1.0" encoding="utf-8"?>
+<ds:datastoreItem xmlns:ds="http://schemas.openxmlformats.org/officeDocument/2006/customXml" ds:itemID="{C69F6DA2-36E3-41C8-9970-FDCA56323E9D}">
+  <ds:schemaRefs>
+    <ds:schemaRef ds:uri="http://schemas.microsoft.com/VisualStudio/2011/storyboarding/control"/>
+  </ds:schemaRefs>
+</ds:datastoreItem>
+</file>
+
+<file path=customXml/itemProps199.xml><?xml version="1.0" encoding="utf-8"?>
+<ds:datastoreItem xmlns:ds="http://schemas.openxmlformats.org/officeDocument/2006/customXml" ds:itemID="{DA43FF4D-8F31-43D7-8735-22A07F8D1893}">
+  <ds:schemaRefs>
+    <ds:schemaRef ds:uri="http://schemas.microsoft.com/VisualStudio/2011/storyboarding/control"/>
+  </ds:schemaRefs>
+</ds:datastoreItem>
+</file>
+
+<file path=customXml/itemProps2.xml><?xml version="1.0" encoding="utf-8"?>
+<ds:datastoreItem xmlns:ds="http://schemas.openxmlformats.org/officeDocument/2006/customXml" ds:itemID="{09D59F3E-DC36-488C-A905-8058066A645D}">
+  <ds:schemaRefs>
+    <ds:schemaRef ds:uri="http://schemas.microsoft.com/VisualStudio/2011/storyboarding/control"/>
+  </ds:schemaRefs>
+</ds:datastoreItem>
+</file>
+
+<file path=customXml/itemProps20.xml><?xml version="1.0" encoding="utf-8"?>
+<ds:datastoreItem xmlns:ds="http://schemas.openxmlformats.org/officeDocument/2006/customXml" ds:itemID="{7FBD9B6F-3BF4-4F8D-84E5-A9318144BA38}">
+  <ds:schemaRefs>
+    <ds:schemaRef ds:uri="http://schemas.microsoft.com/VisualStudio/2011/storyboarding/control"/>
+  </ds:schemaRefs>
+</ds:datastoreItem>
+</file>
+
+<file path=customXml/itemProps200.xml><?xml version="1.0" encoding="utf-8"?>
+<ds:datastoreItem xmlns:ds="http://schemas.openxmlformats.org/officeDocument/2006/customXml" ds:itemID="{0B2B908E-054F-4172-BABD-BB55BB1C391D}">
+  <ds:schemaRefs>
+    <ds:schemaRef ds:uri="http://schemas.microsoft.com/VisualStudio/2011/storyboarding/control"/>
+  </ds:schemaRefs>
+</ds:datastoreItem>
+</file>
+
+<file path=customXml/itemProps201.xml><?xml version="1.0" encoding="utf-8"?>
+<ds:datastoreItem xmlns:ds="http://schemas.openxmlformats.org/officeDocument/2006/customXml" ds:itemID="{9C105C4B-E58E-4C3D-9F24-B91D95D1DB58}">
+  <ds:schemaRefs>
+    <ds:schemaRef ds:uri="http://schemas.microsoft.com/VisualStudio/2011/storyboarding/control"/>
+  </ds:schemaRefs>
+</ds:datastoreItem>
+</file>
+
+<file path=customXml/itemProps202.xml><?xml version="1.0" encoding="utf-8"?>
+<ds:datastoreItem xmlns:ds="http://schemas.openxmlformats.org/officeDocument/2006/customXml" ds:itemID="{D3E948BE-3C81-4BE6-8091-1F229E90F7EE}">
+  <ds:schemaRefs>
+    <ds:schemaRef ds:uri="http://schemas.microsoft.com/VisualStudio/2011/storyboarding/control"/>
+  </ds:schemaRefs>
+</ds:datastoreItem>
+</file>
+
+<file path=customXml/itemProps203.xml><?xml version="1.0" encoding="utf-8"?>
+<ds:datastoreItem xmlns:ds="http://schemas.openxmlformats.org/officeDocument/2006/customXml" ds:itemID="{7FA0158B-98A2-4D3D-9814-1A3507F228EC}">
+  <ds:schemaRefs>
+    <ds:schemaRef ds:uri="http://schemas.microsoft.com/VisualStudio/2011/storyboarding/control"/>
+  </ds:schemaRefs>
+</ds:datastoreItem>
+</file>
+
+<file path=customXml/itemProps204.xml><?xml version="1.0" encoding="utf-8"?>
+<ds:datastoreItem xmlns:ds="http://schemas.openxmlformats.org/officeDocument/2006/customXml" ds:itemID="{FAE64823-8452-4C85-A2C9-F42EEB428AF3}">
+  <ds:schemaRefs>
+    <ds:schemaRef ds:uri="http://schemas.microsoft.com/VisualStudio/2011/storyboarding/control"/>
+  </ds:schemaRefs>
+</ds:datastoreItem>
+</file>
+
+<file path=customXml/itemProps205.xml><?xml version="1.0" encoding="utf-8"?>
+<ds:datastoreItem xmlns:ds="http://schemas.openxmlformats.org/officeDocument/2006/customXml" ds:itemID="{D2FD92E9-D761-445B-A7B0-2100E2D00DA8}">
+  <ds:schemaRefs>
+    <ds:schemaRef ds:uri="http://schemas.microsoft.com/VisualStudio/2011/storyboarding/control"/>
+  </ds:schemaRefs>
+</ds:datastoreItem>
+</file>
+
+<file path=customXml/itemProps206.xml><?xml version="1.0" encoding="utf-8"?>
+<ds:datastoreItem xmlns:ds="http://schemas.openxmlformats.org/officeDocument/2006/customXml" ds:itemID="{AD8C4D32-E820-4952-B031-3F887A70D0FB}">
+  <ds:schemaRefs>
+    <ds:schemaRef ds:uri="http://schemas.microsoft.com/VisualStudio/2011/storyboarding/control"/>
+  </ds:schemaRefs>
+</ds:datastoreItem>
+</file>
+
+<file path=customXml/itemProps207.xml><?xml version="1.0" encoding="utf-8"?>
+<ds:datastoreItem xmlns:ds="http://schemas.openxmlformats.org/officeDocument/2006/customXml" ds:itemID="{B8A9D4A1-6DE2-473B-BBA1-E1C3D595C5CF}">
+  <ds:schemaRefs>
+    <ds:schemaRef ds:uri="http://schemas.microsoft.com/VisualStudio/2011/storyboarding/control"/>
+  </ds:schemaRefs>
+</ds:datastoreItem>
+</file>
+
+<file path=customXml/itemProps208.xml><?xml version="1.0" encoding="utf-8"?>
+<ds:datastoreItem xmlns:ds="http://schemas.openxmlformats.org/officeDocument/2006/customXml" ds:itemID="{A11DF56C-DCF8-49E0-9A9B-D86046C4FFF2}">
+  <ds:schemaRefs>
+    <ds:schemaRef ds:uri="http://schemas.microsoft.com/VisualStudio/2011/storyboarding/control"/>
+  </ds:schemaRefs>
+</ds:datastoreItem>
+</file>
+
+<file path=customXml/itemProps209.xml><?xml version="1.0" encoding="utf-8"?>
+<ds:datastoreItem xmlns:ds="http://schemas.openxmlformats.org/officeDocument/2006/customXml" ds:itemID="{751D70F9-799E-4EA3-B088-FFB8C41DFF32}">
+  <ds:schemaRefs>
+    <ds:schemaRef ds:uri="http://schemas.microsoft.com/VisualStudio/2011/storyboarding/control"/>
+  </ds:schemaRefs>
+</ds:datastoreItem>
+</file>
+
+<file path=customXml/itemProps21.xml><?xml version="1.0" encoding="utf-8"?>
+<ds:datastoreItem xmlns:ds="http://schemas.openxmlformats.org/officeDocument/2006/customXml" ds:itemID="{EBFCE66D-649D-49A0-9B99-0EBA86EBCA41}">
+  <ds:schemaRefs>
+    <ds:schemaRef ds:uri="http://schemas.microsoft.com/VisualStudio/2011/storyboarding/control"/>
+  </ds:schemaRefs>
+</ds:datastoreItem>
+</file>
+
+<file path=customXml/itemProps210.xml><?xml version="1.0" encoding="utf-8"?>
+<ds:datastoreItem xmlns:ds="http://schemas.openxmlformats.org/officeDocument/2006/customXml" ds:itemID="{460D6463-0F3E-42B8-BC55-0FCD4B9A57E4}">
+  <ds:schemaRefs>
+    <ds:schemaRef ds:uri="http://schemas.microsoft.com/VisualStudio/2011/storyboarding/control"/>
+  </ds:schemaRefs>
+</ds:datastoreItem>
+</file>
+
+<file path=customXml/itemProps211.xml><?xml version="1.0" encoding="utf-8"?>
+<ds:datastoreItem xmlns:ds="http://schemas.openxmlformats.org/officeDocument/2006/customXml" ds:itemID="{3283670A-EF25-42BB-9BF2-0E7D1E166533}">
+  <ds:schemaRefs>
+    <ds:schemaRef ds:uri="http://schemas.microsoft.com/VisualStudio/2011/storyboarding/control"/>
+  </ds:schemaRefs>
+</ds:datastoreItem>
+</file>
+
+<file path=customXml/itemProps212.xml><?xml version="1.0" encoding="utf-8"?>
+<ds:datastoreItem xmlns:ds="http://schemas.openxmlformats.org/officeDocument/2006/customXml" ds:itemID="{65CB6474-9DAD-421C-89A3-A101FFDEA61F}">
+  <ds:schemaRefs>
+    <ds:schemaRef ds:uri="http://schemas.microsoft.com/VisualStudio/2011/storyboarding/control"/>
+  </ds:schemaRefs>
+</ds:datastoreItem>
+</file>
+
+<file path=customXml/itemProps213.xml><?xml version="1.0" encoding="utf-8"?>
+<ds:datastoreItem xmlns:ds="http://schemas.openxmlformats.org/officeDocument/2006/customXml" ds:itemID="{A913F70E-6967-40FD-8BC4-67642DEC6217}">
+  <ds:schemaRefs>
+    <ds:schemaRef ds:uri="http://schemas.microsoft.com/VisualStudio/2011/storyboarding/control"/>
+  </ds:schemaRefs>
+</ds:datastoreItem>
+</file>
+
+<file path=customXml/itemProps214.xml><?xml version="1.0" encoding="utf-8"?>
+<ds:datastoreItem xmlns:ds="http://schemas.openxmlformats.org/officeDocument/2006/customXml" ds:itemID="{A88AE3F2-44B8-4598-8D6F-DB58E4E97362}">
+  <ds:schemaRefs>
+    <ds:schemaRef ds:uri="http://schemas.microsoft.com/VisualStudio/2011/storyboarding/control"/>
+  </ds:schemaRefs>
+</ds:datastoreItem>
+</file>
+
+<file path=customXml/itemProps215.xml><?xml version="1.0" encoding="utf-8"?>
+<ds:datastoreItem xmlns:ds="http://schemas.openxmlformats.org/officeDocument/2006/customXml" ds:itemID="{7C93A112-3773-4A7A-A896-62174BECA38C}">
+  <ds:schemaRefs>
+    <ds:schemaRef ds:uri="http://schemas.microsoft.com/VisualStudio/2011/storyboarding/control"/>
+  </ds:schemaRefs>
+</ds:datastoreItem>
+</file>
+
+<file path=customXml/itemProps216.xml><?xml version="1.0" encoding="utf-8"?>
+<ds:datastoreItem xmlns:ds="http://schemas.openxmlformats.org/officeDocument/2006/customXml" ds:itemID="{A7E20D55-195E-44D9-A5DC-77A5EA5D74F7}">
+  <ds:schemaRefs>
+    <ds:schemaRef ds:uri="http://schemas.microsoft.com/VisualStudio/2011/storyboarding/control"/>
+  </ds:schemaRefs>
+</ds:datastoreItem>
+</file>
+
+<file path=customXml/itemProps217.xml><?xml version="1.0" encoding="utf-8"?>
+<ds:datastoreItem xmlns:ds="http://schemas.openxmlformats.org/officeDocument/2006/customXml" ds:itemID="{0958CD15-E148-411A-B429-D1992399AF16}">
+  <ds:schemaRefs>
+    <ds:schemaRef ds:uri="http://schemas.microsoft.com/VisualStudio/2011/storyboarding/control"/>
+  </ds:schemaRefs>
+</ds:datastoreItem>
+</file>
+
+<file path=customXml/itemProps218.xml><?xml version="1.0" encoding="utf-8"?>
+<ds:datastoreItem xmlns:ds="http://schemas.openxmlformats.org/officeDocument/2006/customXml" ds:itemID="{DD2FAA97-C0FB-49AC-B458-85810A364809}">
+  <ds:schemaRefs>
+    <ds:schemaRef ds:uri="http://schemas.microsoft.com/VisualStudio/2011/storyboarding/control"/>
+  </ds:schemaRefs>
+</ds:datastoreItem>
+</file>
+
+<file path=customXml/itemProps219.xml><?xml version="1.0" encoding="utf-8"?>
+<ds:datastoreItem xmlns:ds="http://schemas.openxmlformats.org/officeDocument/2006/customXml" ds:itemID="{11F8763C-55AC-410E-9C52-B76F3A1A8B3D}">
+  <ds:schemaRefs>
+    <ds:schemaRef ds:uri="http://schemas.microsoft.com/VisualStudio/2011/storyboarding/control"/>
+  </ds:schemaRefs>
+</ds:datastoreItem>
+</file>
+
+<file path=customXml/itemProps22.xml><?xml version="1.0" encoding="utf-8"?>
+<ds:datastoreItem xmlns:ds="http://schemas.openxmlformats.org/officeDocument/2006/customXml" ds:itemID="{77279B96-FD95-47D8-9C70-8A592B11B0F8}">
+  <ds:schemaRefs>
+    <ds:schemaRef ds:uri="http://schemas.microsoft.com/VisualStudio/2011/storyboarding/control"/>
+  </ds:schemaRefs>
+</ds:datastoreItem>
+</file>
+
+<file path=customXml/itemProps220.xml><?xml version="1.0" encoding="utf-8"?>
+<ds:datastoreItem xmlns:ds="http://schemas.openxmlformats.org/officeDocument/2006/customXml" ds:itemID="{AF4B8F38-3A30-4D80-89E8-44AFCDC37DD5}">
+  <ds:schemaRefs>
+    <ds:schemaRef ds:uri="http://schemas.microsoft.com/VisualStudio/2011/storyboarding/control"/>
+  </ds:schemaRefs>
+</ds:datastoreItem>
+</file>
+
+<file path=customXml/itemProps221.xml><?xml version="1.0" encoding="utf-8"?>
+<ds:datastoreItem xmlns:ds="http://schemas.openxmlformats.org/officeDocument/2006/customXml" ds:itemID="{84B1DDBA-2B94-40B1-BF0B-3508EF407AB3}">
+  <ds:schemaRefs>
+    <ds:schemaRef ds:uri="http://schemas.microsoft.com/VisualStudio/2011/storyboarding/control"/>
+  </ds:schemaRefs>
+</ds:datastoreItem>
+</file>
+
+<file path=customXml/itemProps222.xml><?xml version="1.0" encoding="utf-8"?>
+<ds:datastoreItem xmlns:ds="http://schemas.openxmlformats.org/officeDocument/2006/customXml" ds:itemID="{4E60216F-198B-43F6-A55E-EF5987A0088C}">
+  <ds:schemaRefs>
+    <ds:schemaRef ds:uri="http://schemas.microsoft.com/VisualStudio/2011/storyboarding/control"/>
+  </ds:schemaRefs>
+</ds:datastoreItem>
+</file>
+
+<file path=customXml/itemProps223.xml><?xml version="1.0" encoding="utf-8"?>
+<ds:datastoreItem xmlns:ds="http://schemas.openxmlformats.org/officeDocument/2006/customXml" ds:itemID="{82939A55-06DA-4E13-B692-B55DBE0711ED}">
+  <ds:schemaRefs>
+    <ds:schemaRef ds:uri="http://schemas.microsoft.com/VisualStudio/2011/storyboarding/control"/>
+  </ds:schemaRefs>
+</ds:datastoreItem>
+</file>
+
+<file path=customXml/itemProps224.xml><?xml version="1.0" encoding="utf-8"?>
+<ds:datastoreItem xmlns:ds="http://schemas.openxmlformats.org/officeDocument/2006/customXml" ds:itemID="{B07FB2E3-DFEC-473F-9E49-C4AC0345249A}">
+  <ds:schemaRefs>
+    <ds:schemaRef ds:uri="http://schemas.microsoft.com/VisualStudio/2011/storyboarding/control"/>
+  </ds:schemaRefs>
+</ds:datastoreItem>
+</file>
+
+<file path=customXml/itemProps225.xml><?xml version="1.0" encoding="utf-8"?>
+<ds:datastoreItem xmlns:ds="http://schemas.openxmlformats.org/officeDocument/2006/customXml" ds:itemID="{F69F00EB-4C40-4DAB-8413-FE824B1CD538}">
+  <ds:schemaRefs>
+    <ds:schemaRef ds:uri="http://schemas.microsoft.com/VisualStudio/2011/storyboarding/control"/>
+  </ds:schemaRefs>
+</ds:datastoreItem>
+</file>
+
+<file path=customXml/itemProps226.xml><?xml version="1.0" encoding="utf-8"?>
+<ds:datastoreItem xmlns:ds="http://schemas.openxmlformats.org/officeDocument/2006/customXml" ds:itemID="{F27030E3-AEF4-4633-9E85-AC7E0818DA08}">
+  <ds:schemaRefs>
+    <ds:schemaRef ds:uri="http://schemas.microsoft.com/VisualStudio/2011/storyboarding/control"/>
+  </ds:schemaRefs>
+</ds:datastoreItem>
+</file>
+
+<file path=customXml/itemProps227.xml><?xml version="1.0" encoding="utf-8"?>
+<ds:datastoreItem xmlns:ds="http://schemas.openxmlformats.org/officeDocument/2006/customXml" ds:itemID="{5AB486A7-ECB8-4970-9904-F8C280388BD6}">
+  <ds:schemaRefs>
+    <ds:schemaRef ds:uri="http://schemas.microsoft.com/VisualStudio/2011/storyboarding/control"/>
+  </ds:schemaRefs>
+</ds:datastoreItem>
+</file>
+
+<file path=customXml/itemProps228.xml><?xml version="1.0" encoding="utf-8"?>
+<ds:datastoreItem xmlns:ds="http://schemas.openxmlformats.org/officeDocument/2006/customXml" ds:itemID="{5DC85F9A-846F-404C-8726-E3000910AEAD}">
+  <ds:schemaRefs>
+    <ds:schemaRef ds:uri="http://schemas.microsoft.com/VisualStudio/2011/storyboarding/control"/>
+  </ds:schemaRefs>
+</ds:datastoreItem>
+</file>
+
+<file path=customXml/itemProps229.xml><?xml version="1.0" encoding="utf-8"?>
+<ds:datastoreItem xmlns:ds="http://schemas.openxmlformats.org/officeDocument/2006/customXml" ds:itemID="{EB285E3F-0D4C-4CC5-A2AF-6531ED427782}">
+  <ds:schemaRefs>
+    <ds:schemaRef ds:uri="http://schemas.microsoft.com/VisualStudio/2011/storyboarding/control"/>
+  </ds:schemaRefs>
+</ds:datastoreItem>
+</file>
+
+<file path=customXml/itemProps23.xml><?xml version="1.0" encoding="utf-8"?>
+<ds:datastoreItem xmlns:ds="http://schemas.openxmlformats.org/officeDocument/2006/customXml" ds:itemID="{4C723665-9693-44E5-BEBC-7C83EA106EE0}">
+  <ds:schemaRefs>
+    <ds:schemaRef ds:uri="http://schemas.microsoft.com/VisualStudio/2011/storyboarding/control"/>
+  </ds:schemaRefs>
+</ds:datastoreItem>
+</file>
+
+<file path=customXml/itemProps230.xml><?xml version="1.0" encoding="utf-8"?>
+<ds:datastoreItem xmlns:ds="http://schemas.openxmlformats.org/officeDocument/2006/customXml" ds:itemID="{EBACD382-B88F-49D9-A641-5BC5073DCE46}">
+  <ds:schemaRefs>
+    <ds:schemaRef ds:uri="http://schemas.microsoft.com/VisualStudio/2011/storyboarding/control"/>
+  </ds:schemaRefs>
+</ds:datastoreItem>
+</file>
+
+<file path=customXml/itemProps231.xml><?xml version="1.0" encoding="utf-8"?>
+<ds:datastoreItem xmlns:ds="http://schemas.openxmlformats.org/officeDocument/2006/customXml" ds:itemID="{9066E4A4-C364-471A-8766-D03DC8890FA5}">
+  <ds:schemaRefs>
+    <ds:schemaRef ds:uri="http://schemas.microsoft.com/VisualStudio/2011/storyboarding/control"/>
+  </ds:schemaRefs>
+</ds:datastoreItem>
+</file>
+
+<file path=customXml/itemProps232.xml><?xml version="1.0" encoding="utf-8"?>
 <ds:datastoreItem xmlns:ds="http://schemas.openxmlformats.org/officeDocument/2006/customXml" ds:itemID="{DA8B4874-E41F-4E15-AEE8-8A8E9BD96E98}">
   <ds:schemaRefs>
     <ds:schemaRef ds:uri="http://schemas.microsoft.com/VisualStudio/2011/storyboarding/control"/>
@@ -32360,7 +33557,831 @@
 </ds:datastoreItem>
 </file>
 
-<file path=customXml/itemProps10.xml><?xml version="1.0" encoding="utf-8"?>
+<file path=customXml/itemProps233.xml><?xml version="1.0" encoding="utf-8"?>
+<ds:datastoreItem xmlns:ds="http://schemas.openxmlformats.org/officeDocument/2006/customXml" ds:itemID="{413DA6A7-821F-476E-8E0A-905652957DCD}">
+  <ds:schemaRefs>
+    <ds:schemaRef ds:uri="http://schemas.microsoft.com/VisualStudio/2011/storyboarding/control"/>
+  </ds:schemaRefs>
+</ds:datastoreItem>
+</file>
+
+<file path=customXml/itemProps234.xml><?xml version="1.0" encoding="utf-8"?>
+<ds:datastoreItem xmlns:ds="http://schemas.openxmlformats.org/officeDocument/2006/customXml" ds:itemID="{BB20A78F-D8B5-48A4-9B8E-46202ED1C432}">
+  <ds:schemaRefs>
+    <ds:schemaRef ds:uri="http://schemas.microsoft.com/VisualStudio/2011/storyboarding/control"/>
+  </ds:schemaRefs>
+</ds:datastoreItem>
+</file>
+
+<file path=customXml/itemProps235.xml><?xml version="1.0" encoding="utf-8"?>
+<ds:datastoreItem xmlns:ds="http://schemas.openxmlformats.org/officeDocument/2006/customXml" ds:itemID="{EA178F24-C6F0-4CAA-96E7-ED9EDE5ED100}">
+  <ds:schemaRefs>
+    <ds:schemaRef ds:uri="http://schemas.microsoft.com/VisualStudio/2011/storyboarding/control"/>
+  </ds:schemaRefs>
+</ds:datastoreItem>
+</file>
+
+<file path=customXml/itemProps236.xml><?xml version="1.0" encoding="utf-8"?>
+<ds:datastoreItem xmlns:ds="http://schemas.openxmlformats.org/officeDocument/2006/customXml" ds:itemID="{EEB97B84-309A-46F0-9119-94FC6D6A7E55}">
+  <ds:schemaRefs>
+    <ds:schemaRef ds:uri="http://schemas.microsoft.com/VisualStudio/2011/storyboarding/control"/>
+  </ds:schemaRefs>
+</ds:datastoreItem>
+</file>
+
+<file path=customXml/itemProps237.xml><?xml version="1.0" encoding="utf-8"?>
+<ds:datastoreItem xmlns:ds="http://schemas.openxmlformats.org/officeDocument/2006/customXml" ds:itemID="{7778A731-2E32-4B3D-970D-F67E5A637250}">
+  <ds:schemaRefs>
+    <ds:schemaRef ds:uri="http://schemas.microsoft.com/VisualStudio/2011/storyboarding/control"/>
+  </ds:schemaRefs>
+</ds:datastoreItem>
+</file>
+
+<file path=customXml/itemProps238.xml><?xml version="1.0" encoding="utf-8"?>
+<ds:datastoreItem xmlns:ds="http://schemas.openxmlformats.org/officeDocument/2006/customXml" ds:itemID="{A3E3492F-6B7B-4EF5-9616-A5E868B1F5C0}">
+  <ds:schemaRefs>
+    <ds:schemaRef ds:uri="http://schemas.microsoft.com/VisualStudio/2011/storyboarding/control"/>
+  </ds:schemaRefs>
+</ds:datastoreItem>
+</file>
+
+<file path=customXml/itemProps239.xml><?xml version="1.0" encoding="utf-8"?>
+<ds:datastoreItem xmlns:ds="http://schemas.openxmlformats.org/officeDocument/2006/customXml" ds:itemID="{A81E4ADF-DADC-4572-AECF-C6E0DD4099D9}">
+  <ds:schemaRefs>
+    <ds:schemaRef ds:uri="http://schemas.microsoft.com/VisualStudio/2011/storyboarding/control"/>
+  </ds:schemaRefs>
+</ds:datastoreItem>
+</file>
+
+<file path=customXml/itemProps24.xml><?xml version="1.0" encoding="utf-8"?>
+<ds:datastoreItem xmlns:ds="http://schemas.openxmlformats.org/officeDocument/2006/customXml" ds:itemID="{21CFBA09-180C-4EC3-8DBF-4ABCF6020182}">
+  <ds:schemaRefs>
+    <ds:schemaRef ds:uri="http://schemas.microsoft.com/VisualStudio/2011/storyboarding/control"/>
+  </ds:schemaRefs>
+</ds:datastoreItem>
+</file>
+
+<file path=customXml/itemProps240.xml><?xml version="1.0" encoding="utf-8"?>
+<ds:datastoreItem xmlns:ds="http://schemas.openxmlformats.org/officeDocument/2006/customXml" ds:itemID="{9D0B3E56-28F6-4798-90BB-0240A62C7D1D}">
+  <ds:schemaRefs>
+    <ds:schemaRef ds:uri="http://schemas.microsoft.com/VisualStudio/2011/storyboarding/control"/>
+  </ds:schemaRefs>
+</ds:datastoreItem>
+</file>
+
+<file path=customXml/itemProps241.xml><?xml version="1.0" encoding="utf-8"?>
+<ds:datastoreItem xmlns:ds="http://schemas.openxmlformats.org/officeDocument/2006/customXml" ds:itemID="{0F9DFF48-44A7-4867-A0E7-6A9CFE444885}">
+  <ds:schemaRefs>
+    <ds:schemaRef ds:uri="http://schemas.microsoft.com/VisualStudio/2011/storyboarding/control"/>
+  </ds:schemaRefs>
+</ds:datastoreItem>
+</file>
+
+<file path=customXml/itemProps242.xml><?xml version="1.0" encoding="utf-8"?>
+<ds:datastoreItem xmlns:ds="http://schemas.openxmlformats.org/officeDocument/2006/customXml" ds:itemID="{CC7F4689-326C-4E18-ADDC-AB2B1EDAEAB1}">
+  <ds:schemaRefs>
+    <ds:schemaRef ds:uri="http://schemas.microsoft.com/VisualStudio/2011/storyboarding/control"/>
+  </ds:schemaRefs>
+</ds:datastoreItem>
+</file>
+
+<file path=customXml/itemProps243.xml><?xml version="1.0" encoding="utf-8"?>
+<ds:datastoreItem xmlns:ds="http://schemas.openxmlformats.org/officeDocument/2006/customXml" ds:itemID="{704C2458-98DE-46EA-AA99-DF6B38E7B25D}">
+  <ds:schemaRefs>
+    <ds:schemaRef ds:uri="http://schemas.microsoft.com/VisualStudio/2011/storyboarding/control"/>
+  </ds:schemaRefs>
+</ds:datastoreItem>
+</file>
+
+<file path=customXml/itemProps244.xml><?xml version="1.0" encoding="utf-8"?>
+<ds:datastoreItem xmlns:ds="http://schemas.openxmlformats.org/officeDocument/2006/customXml" ds:itemID="{8BEBC7EB-9960-4053-AAA1-60B2BFD8C860}">
+  <ds:schemaRefs>
+    <ds:schemaRef ds:uri="http://schemas.microsoft.com/VisualStudio/2011/storyboarding/control"/>
+  </ds:schemaRefs>
+</ds:datastoreItem>
+</file>
+
+<file path=customXml/itemProps245.xml><?xml version="1.0" encoding="utf-8"?>
+<ds:datastoreItem xmlns:ds="http://schemas.openxmlformats.org/officeDocument/2006/customXml" ds:itemID="{FA20BBFB-AAB4-4BDB-8C84-5EBBA6C188A4}">
+  <ds:schemaRefs>
+    <ds:schemaRef ds:uri="http://schemas.microsoft.com/VisualStudio/2011/storyboarding/control"/>
+  </ds:schemaRefs>
+</ds:datastoreItem>
+</file>
+
+<file path=customXml/itemProps246.xml><?xml version="1.0" encoding="utf-8"?>
+<ds:datastoreItem xmlns:ds="http://schemas.openxmlformats.org/officeDocument/2006/customXml" ds:itemID="{9D3576A9-4A42-4A0F-932A-B63481C0D6D0}">
+  <ds:schemaRefs>
+    <ds:schemaRef ds:uri="http://schemas.microsoft.com/VisualStudio/2011/storyboarding/control"/>
+  </ds:schemaRefs>
+</ds:datastoreItem>
+</file>
+
+<file path=customXml/itemProps247.xml><?xml version="1.0" encoding="utf-8"?>
+<ds:datastoreItem xmlns:ds="http://schemas.openxmlformats.org/officeDocument/2006/customXml" ds:itemID="{8927DBF7-52C3-47A2-94A5-51B49AD85566}">
+  <ds:schemaRefs>
+    <ds:schemaRef ds:uri="http://schemas.microsoft.com/VisualStudio/2011/storyboarding/control"/>
+  </ds:schemaRefs>
+</ds:datastoreItem>
+</file>
+
+<file path=customXml/itemProps248.xml><?xml version="1.0" encoding="utf-8"?>
+<ds:datastoreItem xmlns:ds="http://schemas.openxmlformats.org/officeDocument/2006/customXml" ds:itemID="{10480999-370F-4AFE-896E-D63F03C72967}">
+  <ds:schemaRefs>
+    <ds:schemaRef ds:uri="http://schemas.microsoft.com/VisualStudio/2011/storyboarding/control"/>
+  </ds:schemaRefs>
+</ds:datastoreItem>
+</file>
+
+<file path=customXml/itemProps249.xml><?xml version="1.0" encoding="utf-8"?>
+<ds:datastoreItem xmlns:ds="http://schemas.openxmlformats.org/officeDocument/2006/customXml" ds:itemID="{06F1925B-A62F-4989-8CE7-75BF0C568ADC}">
+  <ds:schemaRefs>
+    <ds:schemaRef ds:uri="http://schemas.microsoft.com/VisualStudio/2011/storyboarding/control"/>
+  </ds:schemaRefs>
+</ds:datastoreItem>
+</file>
+
+<file path=customXml/itemProps25.xml><?xml version="1.0" encoding="utf-8"?>
+<ds:datastoreItem xmlns:ds="http://schemas.openxmlformats.org/officeDocument/2006/customXml" ds:itemID="{BA4625EE-F406-45DC-AA3A-24E597FA983D}">
+  <ds:schemaRefs>
+    <ds:schemaRef ds:uri="http://schemas.microsoft.com/VisualStudio/2011/storyboarding/control"/>
+  </ds:schemaRefs>
+</ds:datastoreItem>
+</file>
+
+<file path=customXml/itemProps250.xml><?xml version="1.0" encoding="utf-8"?>
+<ds:datastoreItem xmlns:ds="http://schemas.openxmlformats.org/officeDocument/2006/customXml" ds:itemID="{B21B661E-7CD0-426E-B439-48FA3CBBB4B9}">
+  <ds:schemaRefs>
+    <ds:schemaRef ds:uri="http://schemas.microsoft.com/VisualStudio/2011/storyboarding/control"/>
+  </ds:schemaRefs>
+</ds:datastoreItem>
+</file>
+
+<file path=customXml/itemProps251.xml><?xml version="1.0" encoding="utf-8"?>
+<ds:datastoreItem xmlns:ds="http://schemas.openxmlformats.org/officeDocument/2006/customXml" ds:itemID="{C6BC3879-1A29-4FDD-B1CA-17F61048584C}">
+  <ds:schemaRefs>
+    <ds:schemaRef ds:uri="http://schemas.microsoft.com/VisualStudio/2011/storyboarding/control"/>
+  </ds:schemaRefs>
+</ds:datastoreItem>
+</file>
+
+<file path=customXml/itemProps252.xml><?xml version="1.0" encoding="utf-8"?>
+<ds:datastoreItem xmlns:ds="http://schemas.openxmlformats.org/officeDocument/2006/customXml" ds:itemID="{C4820EEF-69BF-401B-8837-651149CA038D}">
+  <ds:schemaRefs>
+    <ds:schemaRef ds:uri="http://schemas.microsoft.com/VisualStudio/2011/storyboarding/control"/>
+  </ds:schemaRefs>
+</ds:datastoreItem>
+</file>
+
+<file path=customXml/itemProps253.xml><?xml version="1.0" encoding="utf-8"?>
+<ds:datastoreItem xmlns:ds="http://schemas.openxmlformats.org/officeDocument/2006/customXml" ds:itemID="{D13D1DF1-3B05-4783-B14D-6A78C60810BC}">
+  <ds:schemaRefs>
+    <ds:schemaRef ds:uri="http://schemas.microsoft.com/VisualStudio/2011/storyboarding/control"/>
+  </ds:schemaRefs>
+</ds:datastoreItem>
+</file>
+
+<file path=customXml/itemProps254.xml><?xml version="1.0" encoding="utf-8"?>
+<ds:datastoreItem xmlns:ds="http://schemas.openxmlformats.org/officeDocument/2006/customXml" ds:itemID="{34930330-1BFD-4758-8F3A-97124E5843B6}">
+  <ds:schemaRefs>
+    <ds:schemaRef ds:uri="http://schemas.microsoft.com/VisualStudio/2011/storyboarding/control"/>
+  </ds:schemaRefs>
+</ds:datastoreItem>
+</file>
+
+<file path=customXml/itemProps255.xml><?xml version="1.0" encoding="utf-8"?>
+<ds:datastoreItem xmlns:ds="http://schemas.openxmlformats.org/officeDocument/2006/customXml" ds:itemID="{13D60C05-471A-4C1B-BA59-F8458560B256}">
+  <ds:schemaRefs>
+    <ds:schemaRef ds:uri="http://schemas.microsoft.com/VisualStudio/2011/storyboarding/control"/>
+  </ds:schemaRefs>
+</ds:datastoreItem>
+</file>
+
+<file path=customXml/itemProps256.xml><?xml version="1.0" encoding="utf-8"?>
+<ds:datastoreItem xmlns:ds="http://schemas.openxmlformats.org/officeDocument/2006/customXml" ds:itemID="{B5CD3ED1-7250-438B-A25C-281E6AFF552D}">
+  <ds:schemaRefs>
+    <ds:schemaRef ds:uri="http://schemas.microsoft.com/VisualStudio/2011/storyboarding/control"/>
+  </ds:schemaRefs>
+</ds:datastoreItem>
+</file>
+
+<file path=customXml/itemProps257.xml><?xml version="1.0" encoding="utf-8"?>
+<ds:datastoreItem xmlns:ds="http://schemas.openxmlformats.org/officeDocument/2006/customXml" ds:itemID="{6F557B3A-74C2-48D6-AFDF-134843A83019}">
+  <ds:schemaRefs>
+    <ds:schemaRef ds:uri="http://schemas.microsoft.com/VisualStudio/2011/storyboarding/control"/>
+  </ds:schemaRefs>
+</ds:datastoreItem>
+</file>
+
+<file path=customXml/itemProps258.xml><?xml version="1.0" encoding="utf-8"?>
+<ds:datastoreItem xmlns:ds="http://schemas.openxmlformats.org/officeDocument/2006/customXml" ds:itemID="{606C764B-8379-4289-9F63-1204DB50AC4F}">
+  <ds:schemaRefs>
+    <ds:schemaRef ds:uri="http://schemas.microsoft.com/VisualStudio/2011/storyboarding/control"/>
+  </ds:schemaRefs>
+</ds:datastoreItem>
+</file>
+
+<file path=customXml/itemProps259.xml><?xml version="1.0" encoding="utf-8"?>
+<ds:datastoreItem xmlns:ds="http://schemas.openxmlformats.org/officeDocument/2006/customXml" ds:itemID="{5074A8A8-C5C7-4A6D-938D-4EB88DEFE4F0}">
+  <ds:schemaRefs>
+    <ds:schemaRef ds:uri="http://schemas.microsoft.com/VisualStudio/2011/storyboarding/control"/>
+  </ds:schemaRefs>
+</ds:datastoreItem>
+</file>
+
+<file path=customXml/itemProps26.xml><?xml version="1.0" encoding="utf-8"?>
+<ds:datastoreItem xmlns:ds="http://schemas.openxmlformats.org/officeDocument/2006/customXml" ds:itemID="{53530552-9E3D-4A02-88AB-E6CA9FB9A4E7}">
+  <ds:schemaRefs>
+    <ds:schemaRef ds:uri="http://schemas.microsoft.com/VisualStudio/2011/storyboarding/control"/>
+  </ds:schemaRefs>
+</ds:datastoreItem>
+</file>
+
+<file path=customXml/itemProps260.xml><?xml version="1.0" encoding="utf-8"?>
+<ds:datastoreItem xmlns:ds="http://schemas.openxmlformats.org/officeDocument/2006/customXml" ds:itemID="{581DD0E6-8DD3-4562-8757-58E288F918F9}">
+  <ds:schemaRefs>
+    <ds:schemaRef ds:uri="http://schemas.microsoft.com/VisualStudio/2011/storyboarding/control"/>
+  </ds:schemaRefs>
+</ds:datastoreItem>
+</file>
+
+<file path=customXml/itemProps261.xml><?xml version="1.0" encoding="utf-8"?>
+<ds:datastoreItem xmlns:ds="http://schemas.openxmlformats.org/officeDocument/2006/customXml" ds:itemID="{FFE9839C-8A39-4F69-B1C2-4C23F8AB5E65}">
+  <ds:schemaRefs>
+    <ds:schemaRef ds:uri="http://schemas.microsoft.com/VisualStudio/2011/storyboarding/control"/>
+  </ds:schemaRefs>
+</ds:datastoreItem>
+</file>
+
+<file path=customXml/itemProps262.xml><?xml version="1.0" encoding="utf-8"?>
+<ds:datastoreItem xmlns:ds="http://schemas.openxmlformats.org/officeDocument/2006/customXml" ds:itemID="{1364451C-E448-403A-8C5A-9AD519CAF8C0}">
+  <ds:schemaRefs>
+    <ds:schemaRef ds:uri="http://schemas.microsoft.com/VisualStudio/2011/storyboarding/control"/>
+  </ds:schemaRefs>
+</ds:datastoreItem>
+</file>
+
+<file path=customXml/itemProps263.xml><?xml version="1.0" encoding="utf-8"?>
+<ds:datastoreItem xmlns:ds="http://schemas.openxmlformats.org/officeDocument/2006/customXml" ds:itemID="{31C509C1-E02B-4DFC-B62A-A11BB94C590D}">
+  <ds:schemaRefs>
+    <ds:schemaRef ds:uri="http://schemas.microsoft.com/VisualStudio/2011/storyboarding/control"/>
+  </ds:schemaRefs>
+</ds:datastoreItem>
+</file>
+
+<file path=customXml/itemProps264.xml><?xml version="1.0" encoding="utf-8"?>
+<ds:datastoreItem xmlns:ds="http://schemas.openxmlformats.org/officeDocument/2006/customXml" ds:itemID="{467082DC-8A8D-4F13-891E-B1E229791D21}">
+  <ds:schemaRefs>
+    <ds:schemaRef ds:uri="http://schemas.microsoft.com/VisualStudio/2011/storyboarding/control"/>
+  </ds:schemaRefs>
+</ds:datastoreItem>
+</file>
+
+<file path=customXml/itemProps265.xml><?xml version="1.0" encoding="utf-8"?>
+<ds:datastoreItem xmlns:ds="http://schemas.openxmlformats.org/officeDocument/2006/customXml" ds:itemID="{5549C2E7-1F28-42A5-A0BC-0001C048E0E1}">
+  <ds:schemaRefs>
+    <ds:schemaRef ds:uri="http://schemas.microsoft.com/VisualStudio/2011/storyboarding/control"/>
+  </ds:schemaRefs>
+</ds:datastoreItem>
+</file>
+
+<file path=customXml/itemProps266.xml><?xml version="1.0" encoding="utf-8"?>
+<ds:datastoreItem xmlns:ds="http://schemas.openxmlformats.org/officeDocument/2006/customXml" ds:itemID="{745CAD2C-909F-461F-A96F-CFF769AB9401}">
+  <ds:schemaRefs>
+    <ds:schemaRef ds:uri="http://schemas.microsoft.com/VisualStudio/2011/storyboarding/control"/>
+  </ds:schemaRefs>
+</ds:datastoreItem>
+</file>
+
+<file path=customXml/itemProps267.xml><?xml version="1.0" encoding="utf-8"?>
+<ds:datastoreItem xmlns:ds="http://schemas.openxmlformats.org/officeDocument/2006/customXml" ds:itemID="{1092578C-BEDB-45C2-903C-FFE174ED4EF2}">
+  <ds:schemaRefs>
+    <ds:schemaRef ds:uri="http://schemas.microsoft.com/VisualStudio/2011/storyboarding/control"/>
+  </ds:schemaRefs>
+</ds:datastoreItem>
+</file>
+
+<file path=customXml/itemProps268.xml><?xml version="1.0" encoding="utf-8"?>
+<ds:datastoreItem xmlns:ds="http://schemas.openxmlformats.org/officeDocument/2006/customXml" ds:itemID="{F2B2A14E-81C2-4E22-94BB-3BD8DE27CABD}">
+  <ds:schemaRefs>
+    <ds:schemaRef ds:uri="http://schemas.microsoft.com/VisualStudio/2011/storyboarding/control"/>
+  </ds:schemaRefs>
+</ds:datastoreItem>
+</file>
+
+<file path=customXml/itemProps269.xml><?xml version="1.0" encoding="utf-8"?>
+<ds:datastoreItem xmlns:ds="http://schemas.openxmlformats.org/officeDocument/2006/customXml" ds:itemID="{E892CE19-EB73-47A2-B83C-EF691B98004F}">
+  <ds:schemaRefs>
+    <ds:schemaRef ds:uri="http://schemas.microsoft.com/VisualStudio/2011/storyboarding/control"/>
+  </ds:schemaRefs>
+</ds:datastoreItem>
+</file>
+
+<file path=customXml/itemProps27.xml><?xml version="1.0" encoding="utf-8"?>
+<ds:datastoreItem xmlns:ds="http://schemas.openxmlformats.org/officeDocument/2006/customXml" ds:itemID="{7D136ABE-DFAB-4B57-BD1C-C79686A77604}">
+  <ds:schemaRefs>
+    <ds:schemaRef ds:uri="http://schemas.microsoft.com/VisualStudio/2011/storyboarding/control"/>
+  </ds:schemaRefs>
+</ds:datastoreItem>
+</file>
+
+<file path=customXml/itemProps270.xml><?xml version="1.0" encoding="utf-8"?>
+<ds:datastoreItem xmlns:ds="http://schemas.openxmlformats.org/officeDocument/2006/customXml" ds:itemID="{D9DD110E-9D97-48FE-B5EB-7EA3623AEEF5}">
+  <ds:schemaRefs>
+    <ds:schemaRef ds:uri="http://schemas.microsoft.com/VisualStudio/2011/storyboarding/control"/>
+  </ds:schemaRefs>
+</ds:datastoreItem>
+</file>
+
+<file path=customXml/itemProps271.xml><?xml version="1.0" encoding="utf-8"?>
+<ds:datastoreItem xmlns:ds="http://schemas.openxmlformats.org/officeDocument/2006/customXml" ds:itemID="{3CA2C1A5-94BE-4D8E-9887-9B8E8C257A49}">
+  <ds:schemaRefs>
+    <ds:schemaRef ds:uri="http://schemas.microsoft.com/VisualStudio/2011/storyboarding/control"/>
+  </ds:schemaRefs>
+</ds:datastoreItem>
+</file>
+
+<file path=customXml/itemProps272.xml><?xml version="1.0" encoding="utf-8"?>
+<ds:datastoreItem xmlns:ds="http://schemas.openxmlformats.org/officeDocument/2006/customXml" ds:itemID="{9E4C6E58-F012-48A1-945F-19313981DF09}">
+  <ds:schemaRefs>
+    <ds:schemaRef ds:uri="http://schemas.microsoft.com/VisualStudio/2011/storyboarding/control"/>
+  </ds:schemaRefs>
+</ds:datastoreItem>
+</file>
+
+<file path=customXml/itemProps273.xml><?xml version="1.0" encoding="utf-8"?>
+<ds:datastoreItem xmlns:ds="http://schemas.openxmlformats.org/officeDocument/2006/customXml" ds:itemID="{58AD4952-00C8-4656-918A-1C0E34127DFC}">
+  <ds:schemaRefs>
+    <ds:schemaRef ds:uri="http://schemas.microsoft.com/VisualStudio/2011/storyboarding/control"/>
+  </ds:schemaRefs>
+</ds:datastoreItem>
+</file>
+
+<file path=customXml/itemProps274.xml><?xml version="1.0" encoding="utf-8"?>
+<ds:datastoreItem xmlns:ds="http://schemas.openxmlformats.org/officeDocument/2006/customXml" ds:itemID="{FB278342-DE63-417E-94C8-EF7AD93D5284}">
+  <ds:schemaRefs>
+    <ds:schemaRef ds:uri="http://schemas.microsoft.com/VisualStudio/2011/storyboarding/control"/>
+  </ds:schemaRefs>
+</ds:datastoreItem>
+</file>
+
+<file path=customXml/itemProps275.xml><?xml version="1.0" encoding="utf-8"?>
+<ds:datastoreItem xmlns:ds="http://schemas.openxmlformats.org/officeDocument/2006/customXml" ds:itemID="{0B94895B-182C-4619-8EB6-73901FBE4BCE}">
+  <ds:schemaRefs>
+    <ds:schemaRef ds:uri="http://schemas.microsoft.com/VisualStudio/2011/storyboarding/control"/>
+  </ds:schemaRefs>
+</ds:datastoreItem>
+</file>
+
+<file path=customXml/itemProps276.xml><?xml version="1.0" encoding="utf-8"?>
+<ds:datastoreItem xmlns:ds="http://schemas.openxmlformats.org/officeDocument/2006/customXml" ds:itemID="{85B43D44-E83C-4248-99FC-58B5A56BE7F5}">
+  <ds:schemaRefs>
+    <ds:schemaRef ds:uri="http://schemas.microsoft.com/VisualStudio/2011/storyboarding/control"/>
+  </ds:schemaRefs>
+</ds:datastoreItem>
+</file>
+
+<file path=customXml/itemProps277.xml><?xml version="1.0" encoding="utf-8"?>
+<ds:datastoreItem xmlns:ds="http://schemas.openxmlformats.org/officeDocument/2006/customXml" ds:itemID="{C333D1B3-9737-4B3D-8D0F-0306A8B89437}">
+  <ds:schemaRefs>
+    <ds:schemaRef ds:uri="http://schemas.microsoft.com/VisualStudio/2011/storyboarding/control"/>
+  </ds:schemaRefs>
+</ds:datastoreItem>
+</file>
+
+<file path=customXml/itemProps278.xml><?xml version="1.0" encoding="utf-8"?>
+<ds:datastoreItem xmlns:ds="http://schemas.openxmlformats.org/officeDocument/2006/customXml" ds:itemID="{4346E5B0-F8D1-4BB1-A6B2-FBC637966D55}">
+  <ds:schemaRefs>
+    <ds:schemaRef ds:uri="http://schemas.microsoft.com/VisualStudio/2011/storyboarding/control"/>
+  </ds:schemaRefs>
+</ds:datastoreItem>
+</file>
+
+<file path=customXml/itemProps279.xml><?xml version="1.0" encoding="utf-8"?>
+<ds:datastoreItem xmlns:ds="http://schemas.openxmlformats.org/officeDocument/2006/customXml" ds:itemID="{B7DD95C5-1D36-481B-B8E9-F4E747D26283}">
+  <ds:schemaRefs>
+    <ds:schemaRef ds:uri="http://schemas.microsoft.com/VisualStudio/2011/storyboarding/control"/>
+  </ds:schemaRefs>
+</ds:datastoreItem>
+</file>
+
+<file path=customXml/itemProps28.xml><?xml version="1.0" encoding="utf-8"?>
+<ds:datastoreItem xmlns:ds="http://schemas.openxmlformats.org/officeDocument/2006/customXml" ds:itemID="{6B139541-C887-4745-A1C4-2943B8C0C880}">
+  <ds:schemaRefs>
+    <ds:schemaRef ds:uri="http://schemas.microsoft.com/VisualStudio/2011/storyboarding/control"/>
+  </ds:schemaRefs>
+</ds:datastoreItem>
+</file>
+
+<file path=customXml/itemProps280.xml><?xml version="1.0" encoding="utf-8"?>
+<ds:datastoreItem xmlns:ds="http://schemas.openxmlformats.org/officeDocument/2006/customXml" ds:itemID="{CB8DA31F-E11B-468A-9272-8CC8A87B99B3}">
+  <ds:schemaRefs>
+    <ds:schemaRef ds:uri="http://schemas.microsoft.com/VisualStudio/2011/storyboarding/control"/>
+  </ds:schemaRefs>
+</ds:datastoreItem>
+</file>
+
+<file path=customXml/itemProps281.xml><?xml version="1.0" encoding="utf-8"?>
+<ds:datastoreItem xmlns:ds="http://schemas.openxmlformats.org/officeDocument/2006/customXml" ds:itemID="{BAD918C7-FCD1-478B-8F62-260D55C71F92}">
+  <ds:schemaRefs>
+    <ds:schemaRef ds:uri="http://schemas.microsoft.com/VisualStudio/2011/storyboarding/control"/>
+  </ds:schemaRefs>
+</ds:datastoreItem>
+</file>
+
+<file path=customXml/itemProps282.xml><?xml version="1.0" encoding="utf-8"?>
+<ds:datastoreItem xmlns:ds="http://schemas.openxmlformats.org/officeDocument/2006/customXml" ds:itemID="{5A50BE11-1B8E-485A-ABFE-0AC5B14F921B}">
+  <ds:schemaRefs>
+    <ds:schemaRef ds:uri="http://schemas.microsoft.com/VisualStudio/2011/storyboarding/control"/>
+  </ds:schemaRefs>
+</ds:datastoreItem>
+</file>
+
+<file path=customXml/itemProps283.xml><?xml version="1.0" encoding="utf-8"?>
+<ds:datastoreItem xmlns:ds="http://schemas.openxmlformats.org/officeDocument/2006/customXml" ds:itemID="{D5402670-AC36-47C0-B331-92596163340B}">
+  <ds:schemaRefs>
+    <ds:schemaRef ds:uri="http://schemas.microsoft.com/VisualStudio/2011/storyboarding/control"/>
+  </ds:schemaRefs>
+</ds:datastoreItem>
+</file>
+
+<file path=customXml/itemProps284.xml><?xml version="1.0" encoding="utf-8"?>
+<ds:datastoreItem xmlns:ds="http://schemas.openxmlformats.org/officeDocument/2006/customXml" ds:itemID="{D156E8B4-9655-4CCD-9E5D-7F4554510F10}">
+  <ds:schemaRefs>
+    <ds:schemaRef ds:uri="http://schemas.microsoft.com/VisualStudio/2011/storyboarding/control"/>
+  </ds:schemaRefs>
+</ds:datastoreItem>
+</file>
+
+<file path=customXml/itemProps285.xml><?xml version="1.0" encoding="utf-8"?>
+<ds:datastoreItem xmlns:ds="http://schemas.openxmlformats.org/officeDocument/2006/customXml" ds:itemID="{4B9DDF61-4BD8-4072-AABB-3A9BFAE071AF}">
+  <ds:schemaRefs>
+    <ds:schemaRef ds:uri="http://schemas.microsoft.com/VisualStudio/2011/storyboarding/control"/>
+  </ds:schemaRefs>
+</ds:datastoreItem>
+</file>
+
+<file path=customXml/itemProps286.xml><?xml version="1.0" encoding="utf-8"?>
+<ds:datastoreItem xmlns:ds="http://schemas.openxmlformats.org/officeDocument/2006/customXml" ds:itemID="{B7569B87-0541-455C-9B0D-967EE993D8AE}">
+  <ds:schemaRefs>
+    <ds:schemaRef ds:uri="http://schemas.microsoft.com/VisualStudio/2011/storyboarding/control"/>
+  </ds:schemaRefs>
+</ds:datastoreItem>
+</file>
+
+<file path=customXml/itemProps287.xml><?xml version="1.0" encoding="utf-8"?>
+<ds:datastoreItem xmlns:ds="http://schemas.openxmlformats.org/officeDocument/2006/customXml" ds:itemID="{8AFAB0DE-8DFC-4182-839F-97C7BFE3603B}">
+  <ds:schemaRefs>
+    <ds:schemaRef ds:uri="http://schemas.microsoft.com/VisualStudio/2011/storyboarding/control"/>
+  </ds:schemaRefs>
+</ds:datastoreItem>
+</file>
+
+<file path=customXml/itemProps288.xml><?xml version="1.0" encoding="utf-8"?>
+<ds:datastoreItem xmlns:ds="http://schemas.openxmlformats.org/officeDocument/2006/customXml" ds:itemID="{2267CF73-45F2-4543-AD95-255C2F3E5176}">
+  <ds:schemaRefs>
+    <ds:schemaRef ds:uri="http://schemas.microsoft.com/VisualStudio/2011/storyboarding/control"/>
+  </ds:schemaRefs>
+</ds:datastoreItem>
+</file>
+
+<file path=customXml/itemProps289.xml><?xml version="1.0" encoding="utf-8"?>
+<ds:datastoreItem xmlns:ds="http://schemas.openxmlformats.org/officeDocument/2006/customXml" ds:itemID="{AD7B4A0F-F1A6-44E7-A319-9FA6074D3AFA}">
+  <ds:schemaRefs>
+    <ds:schemaRef ds:uri="http://schemas.microsoft.com/VisualStudio/2011/storyboarding/control"/>
+  </ds:schemaRefs>
+</ds:datastoreItem>
+</file>
+
+<file path=customXml/itemProps29.xml><?xml version="1.0" encoding="utf-8"?>
+<ds:datastoreItem xmlns:ds="http://schemas.openxmlformats.org/officeDocument/2006/customXml" ds:itemID="{62B5FD80-BADC-4569-BB2F-7A5D3954D784}">
+  <ds:schemaRefs>
+    <ds:schemaRef ds:uri="http://schemas.microsoft.com/VisualStudio/2011/storyboarding/control"/>
+  </ds:schemaRefs>
+</ds:datastoreItem>
+</file>
+
+<file path=customXml/itemProps290.xml><?xml version="1.0" encoding="utf-8"?>
+<ds:datastoreItem xmlns:ds="http://schemas.openxmlformats.org/officeDocument/2006/customXml" ds:itemID="{3EE49B4B-C98D-4A93-AE17-E4425E08F813}">
+  <ds:schemaRefs>
+    <ds:schemaRef ds:uri="http://schemas.microsoft.com/VisualStudio/2011/storyboarding/control"/>
+  </ds:schemaRefs>
+</ds:datastoreItem>
+</file>
+
+<file path=customXml/itemProps291.xml><?xml version="1.0" encoding="utf-8"?>
+<ds:datastoreItem xmlns:ds="http://schemas.openxmlformats.org/officeDocument/2006/customXml" ds:itemID="{2BB20995-C807-4649-AFE8-3B81B5107620}">
+  <ds:schemaRefs>
+    <ds:schemaRef ds:uri="http://schemas.microsoft.com/VisualStudio/2011/storyboarding/control"/>
+  </ds:schemaRefs>
+</ds:datastoreItem>
+</file>
+
+<file path=customXml/itemProps292.xml><?xml version="1.0" encoding="utf-8"?>
+<ds:datastoreItem xmlns:ds="http://schemas.openxmlformats.org/officeDocument/2006/customXml" ds:itemID="{E07842BB-1D3A-4DE9-9BAD-6AE53B58AABF}">
+  <ds:schemaRefs>
+    <ds:schemaRef ds:uri="http://schemas.microsoft.com/VisualStudio/2011/storyboarding/control"/>
+  </ds:schemaRefs>
+</ds:datastoreItem>
+</file>
+
+<file path=customXml/itemProps293.xml><?xml version="1.0" encoding="utf-8"?>
+<ds:datastoreItem xmlns:ds="http://schemas.openxmlformats.org/officeDocument/2006/customXml" ds:itemID="{0BF9F786-F087-4074-9D26-0D41C902CAE8}">
+  <ds:schemaRefs>
+    <ds:schemaRef ds:uri="http://schemas.microsoft.com/VisualStudio/2011/storyboarding/control"/>
+  </ds:schemaRefs>
+</ds:datastoreItem>
+</file>
+
+<file path=customXml/itemProps294.xml><?xml version="1.0" encoding="utf-8"?>
+<ds:datastoreItem xmlns:ds="http://schemas.openxmlformats.org/officeDocument/2006/customXml" ds:itemID="{A0A26CE8-B118-4D7A-B83A-60DF2BAA7D2E}">
+  <ds:schemaRefs>
+    <ds:schemaRef ds:uri="http://schemas.microsoft.com/VisualStudio/2011/storyboarding/control"/>
+  </ds:schemaRefs>
+</ds:datastoreItem>
+</file>
+
+<file path=customXml/itemProps295.xml><?xml version="1.0" encoding="utf-8"?>
+<ds:datastoreItem xmlns:ds="http://schemas.openxmlformats.org/officeDocument/2006/customXml" ds:itemID="{BDE5904C-068D-47B6-9689-52618395D3C6}">
+  <ds:schemaRefs>
+    <ds:schemaRef ds:uri="http://schemas.microsoft.com/VisualStudio/2011/storyboarding/control"/>
+  </ds:schemaRefs>
+</ds:datastoreItem>
+</file>
+
+<file path=customXml/itemProps296.xml><?xml version="1.0" encoding="utf-8"?>
+<ds:datastoreItem xmlns:ds="http://schemas.openxmlformats.org/officeDocument/2006/customXml" ds:itemID="{493A9042-EDCF-41A5-80BC-20CDEB276AA0}">
+  <ds:schemaRefs>
+    <ds:schemaRef ds:uri="http://schemas.microsoft.com/VisualStudio/2011/storyboarding/control"/>
+  </ds:schemaRefs>
+</ds:datastoreItem>
+</file>
+
+<file path=customXml/itemProps297.xml><?xml version="1.0" encoding="utf-8"?>
+<ds:datastoreItem xmlns:ds="http://schemas.openxmlformats.org/officeDocument/2006/customXml" ds:itemID="{020990D8-D73B-475D-9389-C7A87204E0F5}">
+  <ds:schemaRefs>
+    <ds:schemaRef ds:uri="http://schemas.microsoft.com/VisualStudio/2011/storyboarding/control"/>
+  </ds:schemaRefs>
+</ds:datastoreItem>
+</file>
+
+<file path=customXml/itemProps298.xml><?xml version="1.0" encoding="utf-8"?>
+<ds:datastoreItem xmlns:ds="http://schemas.openxmlformats.org/officeDocument/2006/customXml" ds:itemID="{4CFEDD60-7535-4A51-8CC7-A7D46CC4DB7A}">
+  <ds:schemaRefs>
+    <ds:schemaRef ds:uri="http://schemas.microsoft.com/VisualStudio/2011/storyboarding/control"/>
+  </ds:schemaRefs>
+</ds:datastoreItem>
+</file>
+
+<file path=customXml/itemProps299.xml><?xml version="1.0" encoding="utf-8"?>
+<ds:datastoreItem xmlns:ds="http://schemas.openxmlformats.org/officeDocument/2006/customXml" ds:itemID="{C11B6904-1EAA-4E71-B8FD-61488847AA2B}">
+  <ds:schemaRefs>
+    <ds:schemaRef ds:uri="http://schemas.microsoft.com/VisualStudio/2011/storyboarding/control"/>
+  </ds:schemaRefs>
+</ds:datastoreItem>
+</file>
+
+<file path=customXml/itemProps3.xml><?xml version="1.0" encoding="utf-8"?>
+<ds:datastoreItem xmlns:ds="http://schemas.openxmlformats.org/officeDocument/2006/customXml" ds:itemID="{A0328A30-5FBC-41C4-A440-D8E682B08C81}">
+  <ds:schemaRefs>
+    <ds:schemaRef ds:uri="http://schemas.microsoft.com/VisualStudio/2011/storyboarding/control"/>
+  </ds:schemaRefs>
+</ds:datastoreItem>
+</file>
+
+<file path=customXml/itemProps30.xml><?xml version="1.0" encoding="utf-8"?>
+<ds:datastoreItem xmlns:ds="http://schemas.openxmlformats.org/officeDocument/2006/customXml" ds:itemID="{E8BA9EB1-E2E9-4F53-B367-1B048721DBB3}">
+  <ds:schemaRefs>
+    <ds:schemaRef ds:uri="http://schemas.microsoft.com/VisualStudio/2011/storyboarding/control"/>
+  </ds:schemaRefs>
+</ds:datastoreItem>
+</file>
+
+<file path=customXml/itemProps300.xml><?xml version="1.0" encoding="utf-8"?>
+<ds:datastoreItem xmlns:ds="http://schemas.openxmlformats.org/officeDocument/2006/customXml" ds:itemID="{94BED065-36B9-4F89-AADA-C482F63E609B}">
+  <ds:schemaRefs>
+    <ds:schemaRef ds:uri="http://schemas.microsoft.com/VisualStudio/2011/storyboarding/control"/>
+  </ds:schemaRefs>
+</ds:datastoreItem>
+</file>
+
+<file path=customXml/itemProps301.xml><?xml version="1.0" encoding="utf-8"?>
+<ds:datastoreItem xmlns:ds="http://schemas.openxmlformats.org/officeDocument/2006/customXml" ds:itemID="{9E6E69F5-6123-4CA2-AB1F-2AAEC6280E4A}">
+  <ds:schemaRefs>
+    <ds:schemaRef ds:uri="http://schemas.microsoft.com/VisualStudio/2011/storyboarding/control"/>
+  </ds:schemaRefs>
+</ds:datastoreItem>
+</file>
+
+<file path=customXml/itemProps302.xml><?xml version="1.0" encoding="utf-8"?>
+<ds:datastoreItem xmlns:ds="http://schemas.openxmlformats.org/officeDocument/2006/customXml" ds:itemID="{7D478DEB-61C6-4E6E-90B1-52B3FDA2C2C6}">
+  <ds:schemaRefs>
+    <ds:schemaRef ds:uri="http://schemas.microsoft.com/VisualStudio/2011/storyboarding/control"/>
+  </ds:schemaRefs>
+</ds:datastoreItem>
+</file>
+
+<file path=customXml/itemProps303.xml><?xml version="1.0" encoding="utf-8"?>
+<ds:datastoreItem xmlns:ds="http://schemas.openxmlformats.org/officeDocument/2006/customXml" ds:itemID="{7F39B0EC-6994-4B4C-9A52-BA4C1C1E714E}">
+  <ds:schemaRefs>
+    <ds:schemaRef ds:uri="http://schemas.microsoft.com/VisualStudio/2011/storyboarding/control"/>
+  </ds:schemaRefs>
+</ds:datastoreItem>
+</file>
+
+<file path=customXml/itemProps304.xml><?xml version="1.0" encoding="utf-8"?>
+<ds:datastoreItem xmlns:ds="http://schemas.openxmlformats.org/officeDocument/2006/customXml" ds:itemID="{EA810A9F-0131-4CAB-A731-B28BFF317CBC}">
+  <ds:schemaRefs>
+    <ds:schemaRef ds:uri="http://schemas.microsoft.com/VisualStudio/2011/storyboarding/control"/>
+  </ds:schemaRefs>
+</ds:datastoreItem>
+</file>
+
+<file path=customXml/itemProps305.xml><?xml version="1.0" encoding="utf-8"?>
+<ds:datastoreItem xmlns:ds="http://schemas.openxmlformats.org/officeDocument/2006/customXml" ds:itemID="{8D91E4AA-C8CC-4594-B71C-2E75BD6F2C92}">
+  <ds:schemaRefs>
+    <ds:schemaRef ds:uri="http://schemas.microsoft.com/VisualStudio/2011/storyboarding/control"/>
+  </ds:schemaRefs>
+</ds:datastoreItem>
+</file>
+
+<file path=customXml/itemProps306.xml><?xml version="1.0" encoding="utf-8"?>
+<ds:datastoreItem xmlns:ds="http://schemas.openxmlformats.org/officeDocument/2006/customXml" ds:itemID="{368BE004-E64E-4738-9D0B-34AA7E4BE21D}">
+  <ds:schemaRefs>
+    <ds:schemaRef ds:uri="http://schemas.microsoft.com/VisualStudio/2011/storyboarding/control"/>
+  </ds:schemaRefs>
+</ds:datastoreItem>
+</file>
+
+<file path=customXml/itemProps307.xml><?xml version="1.0" encoding="utf-8"?>
+<ds:datastoreItem xmlns:ds="http://schemas.openxmlformats.org/officeDocument/2006/customXml" ds:itemID="{0C54A7F1-4496-417F-B48B-349250494897}">
+  <ds:schemaRefs>
+    <ds:schemaRef ds:uri="http://schemas.microsoft.com/VisualStudio/2011/storyboarding/control"/>
+  </ds:schemaRefs>
+</ds:datastoreItem>
+</file>
+
+<file path=customXml/itemProps308.xml><?xml version="1.0" encoding="utf-8"?>
+<ds:datastoreItem xmlns:ds="http://schemas.openxmlformats.org/officeDocument/2006/customXml" ds:itemID="{04028895-3535-4345-9820-EB8EFA5CF5FC}">
+  <ds:schemaRefs>
+    <ds:schemaRef ds:uri="http://schemas.microsoft.com/VisualStudio/2011/storyboarding/control"/>
+  </ds:schemaRefs>
+</ds:datastoreItem>
+</file>
+
+<file path=customXml/itemProps309.xml><?xml version="1.0" encoding="utf-8"?>
+<ds:datastoreItem xmlns:ds="http://schemas.openxmlformats.org/officeDocument/2006/customXml" ds:itemID="{D5BF17ED-77F9-4BEF-B819-F7EFFBEA47AE}">
+  <ds:schemaRefs>
+    <ds:schemaRef ds:uri="http://schemas.microsoft.com/VisualStudio/2011/storyboarding/control"/>
+  </ds:schemaRefs>
+</ds:datastoreItem>
+</file>
+
+<file path=customXml/itemProps31.xml><?xml version="1.0" encoding="utf-8"?>
+<ds:datastoreItem xmlns:ds="http://schemas.openxmlformats.org/officeDocument/2006/customXml" ds:itemID="{6AF25CE7-60E5-4555-92F1-84D4A27173EF}">
+  <ds:schemaRefs>
+    <ds:schemaRef ds:uri="http://schemas.microsoft.com/VisualStudio/2011/storyboarding/control"/>
+  </ds:schemaRefs>
+</ds:datastoreItem>
+</file>
+
+<file path=customXml/itemProps310.xml><?xml version="1.0" encoding="utf-8"?>
+<ds:datastoreItem xmlns:ds="http://schemas.openxmlformats.org/officeDocument/2006/customXml" ds:itemID="{8B809ABB-D0D2-494C-8044-C05AFC43B3C1}">
+  <ds:schemaRefs>
+    <ds:schemaRef ds:uri="http://schemas.microsoft.com/VisualStudio/2011/storyboarding/control"/>
+  </ds:schemaRefs>
+</ds:datastoreItem>
+</file>
+
+<file path=customXml/itemProps311.xml><?xml version="1.0" encoding="utf-8"?>
+<ds:datastoreItem xmlns:ds="http://schemas.openxmlformats.org/officeDocument/2006/customXml" ds:itemID="{F11A91DB-F660-454F-9BBC-7699BB7F0DA0}">
+  <ds:schemaRefs>
+    <ds:schemaRef ds:uri="http://schemas.microsoft.com/VisualStudio/2011/storyboarding/control"/>
+  </ds:schemaRefs>
+</ds:datastoreItem>
+</file>
+
+<file path=customXml/itemProps312.xml><?xml version="1.0" encoding="utf-8"?>
+<ds:datastoreItem xmlns:ds="http://schemas.openxmlformats.org/officeDocument/2006/customXml" ds:itemID="{63E47C83-8069-42E4-97B6-F5C7E1E8C1B2}">
+  <ds:schemaRefs>
+    <ds:schemaRef ds:uri="http://schemas.microsoft.com/VisualStudio/2011/storyboarding/control"/>
+  </ds:schemaRefs>
+</ds:datastoreItem>
+</file>
+
+<file path=customXml/itemProps313.xml><?xml version="1.0" encoding="utf-8"?>
+<ds:datastoreItem xmlns:ds="http://schemas.openxmlformats.org/officeDocument/2006/customXml" ds:itemID="{5B654FBC-EC62-41F6-B91C-1E7F5DC69653}">
+  <ds:schemaRefs>
+    <ds:schemaRef ds:uri="http://schemas.microsoft.com/VisualStudio/2011/storyboarding/control"/>
+  </ds:schemaRefs>
+</ds:datastoreItem>
+</file>
+
+<file path=customXml/itemProps314.xml><?xml version="1.0" encoding="utf-8"?>
+<ds:datastoreItem xmlns:ds="http://schemas.openxmlformats.org/officeDocument/2006/customXml" ds:itemID="{9CDD88DF-7B8E-4AB5-A611-0F49A12E73C7}">
+  <ds:schemaRefs>
+    <ds:schemaRef ds:uri="http://schemas.microsoft.com/VisualStudio/2011/storyboarding/control"/>
+  </ds:schemaRefs>
+</ds:datastoreItem>
+</file>
+
+<file path=customXml/itemProps315.xml><?xml version="1.0" encoding="utf-8"?>
+<ds:datastoreItem xmlns:ds="http://schemas.openxmlformats.org/officeDocument/2006/customXml" ds:itemID="{D4D23F6F-25A1-497C-AFC7-E6D274360F26}">
+  <ds:schemaRefs>
+    <ds:schemaRef ds:uri="http://schemas.microsoft.com/VisualStudio/2011/storyboarding/control"/>
+  </ds:schemaRefs>
+</ds:datastoreItem>
+</file>
+
+<file path=customXml/itemProps316.xml><?xml version="1.0" encoding="utf-8"?>
+<ds:datastoreItem xmlns:ds="http://schemas.openxmlformats.org/officeDocument/2006/customXml" ds:itemID="{996259C3-C722-48C6-9781-9C39C0B4B465}">
+  <ds:schemaRefs>
+    <ds:schemaRef ds:uri="http://schemas.microsoft.com/VisualStudio/2011/storyboarding/control"/>
+  </ds:schemaRefs>
+</ds:datastoreItem>
+</file>
+
+<file path=customXml/itemProps317.xml><?xml version="1.0" encoding="utf-8"?>
+<ds:datastoreItem xmlns:ds="http://schemas.openxmlformats.org/officeDocument/2006/customXml" ds:itemID="{F5E53A42-3B44-4279-AB36-72349357EAE8}">
+  <ds:schemaRefs>
+    <ds:schemaRef ds:uri="http://schemas.microsoft.com/VisualStudio/2011/storyboarding/control"/>
+  </ds:schemaRefs>
+</ds:datastoreItem>
+</file>
+
+<file path=customXml/itemProps318.xml><?xml version="1.0" encoding="utf-8"?>
+<ds:datastoreItem xmlns:ds="http://schemas.openxmlformats.org/officeDocument/2006/customXml" ds:itemID="{58C19815-9EA3-470F-BE76-1702F92CBA7C}">
+  <ds:schemaRefs>
+    <ds:schemaRef ds:uri="http://schemas.microsoft.com/VisualStudio/2011/storyboarding/control"/>
+  </ds:schemaRefs>
+</ds:datastoreItem>
+</file>
+
+<file path=customXml/itemProps319.xml><?xml version="1.0" encoding="utf-8"?>
+<ds:datastoreItem xmlns:ds="http://schemas.openxmlformats.org/officeDocument/2006/customXml" ds:itemID="{88506E07-B027-4FC4-8EBF-F0FCF92DA50C}">
+  <ds:schemaRefs>
+    <ds:schemaRef ds:uri="http://schemas.microsoft.com/VisualStudio/2011/storyboarding/control"/>
+  </ds:schemaRefs>
+</ds:datastoreItem>
+</file>
+
+<file path=customXml/itemProps32.xml><?xml version="1.0" encoding="utf-8"?>
+<ds:datastoreItem xmlns:ds="http://schemas.openxmlformats.org/officeDocument/2006/customXml" ds:itemID="{DAD381C3-274A-40AC-95F2-BEC8C04D4DD2}">
+  <ds:schemaRefs>
+    <ds:schemaRef ds:uri="http://schemas.microsoft.com/VisualStudio/2011/storyboarding/control"/>
+  </ds:schemaRefs>
+</ds:datastoreItem>
+</file>
+
+<file path=customXml/itemProps320.xml><?xml version="1.0" encoding="utf-8"?>
+<ds:datastoreItem xmlns:ds="http://schemas.openxmlformats.org/officeDocument/2006/customXml" ds:itemID="{21483695-19BD-4CD1-BA3C-F4C429F6AFE1}">
+  <ds:schemaRefs>
+    <ds:schemaRef ds:uri="http://schemas.microsoft.com/VisualStudio/2011/storyboarding/control"/>
+  </ds:schemaRefs>
+</ds:datastoreItem>
+</file>
+
+<file path=customXml/itemProps321.xml><?xml version="1.0" encoding="utf-8"?>
+<ds:datastoreItem xmlns:ds="http://schemas.openxmlformats.org/officeDocument/2006/customXml" ds:itemID="{C351430F-A9BE-4FE8-8FF5-2B636CC5A30B}">
+  <ds:schemaRefs>
+    <ds:schemaRef ds:uri="http://schemas.microsoft.com/VisualStudio/2011/storyboarding/control"/>
+  </ds:schemaRefs>
+</ds:datastoreItem>
+</file>
+
+<file path=customXml/itemProps322.xml><?xml version="1.0" encoding="utf-8"?>
+<ds:datastoreItem xmlns:ds="http://schemas.openxmlformats.org/officeDocument/2006/customXml" ds:itemID="{45823A60-F755-4AF6-9949-7DC4B17409A9}">
+  <ds:schemaRefs>
+    <ds:schemaRef ds:uri="http://schemas.microsoft.com/VisualStudio/2011/storyboarding/control"/>
+  </ds:schemaRefs>
+</ds:datastoreItem>
+</file>
+
+<file path=customXml/itemProps323.xml><?xml version="1.0" encoding="utf-8"?>
+<ds:datastoreItem xmlns:ds="http://schemas.openxmlformats.org/officeDocument/2006/customXml" ds:itemID="{9373F89B-A8FF-4E3D-AC70-498E5DB264E6}">
+  <ds:schemaRefs>
+    <ds:schemaRef ds:uri="http://schemas.microsoft.com/VisualStudio/2011/storyboarding/control"/>
+  </ds:schemaRefs>
+</ds:datastoreItem>
+</file>
+
+<file path=customXml/itemProps324.xml><?xml version="1.0" encoding="utf-8"?>
+<ds:datastoreItem xmlns:ds="http://schemas.openxmlformats.org/officeDocument/2006/customXml" ds:itemID="{C9941BF7-BC7F-49C4-AC0D-E2B4E6BF8448}">
+  <ds:schemaRefs>
+    <ds:schemaRef ds:uri="http://schemas.microsoft.com/VisualStudio/2011/storyboarding/control"/>
+  </ds:schemaRefs>
+</ds:datastoreItem>
+</file>
+
+<file path=customXml/itemProps325.xml><?xml version="1.0" encoding="utf-8"?>
+<ds:datastoreItem xmlns:ds="http://schemas.openxmlformats.org/officeDocument/2006/customXml" ds:itemID="{0D1E3F3F-4483-4FE0-95CD-323CBD9510D2}">
+  <ds:schemaRefs>
+    <ds:schemaRef ds:uri="http://schemas.microsoft.com/VisualStudio/2011/storyboarding/control"/>
+  </ds:schemaRefs>
+</ds:datastoreItem>
+</file>
+
+<file path=customXml/itemProps326.xml><?xml version="1.0" encoding="utf-8"?>
 <ds:datastoreItem xmlns:ds="http://schemas.openxmlformats.org/officeDocument/2006/customXml" ds:itemID="{B920014A-DB76-4F79-8CF7-15C76B163948}">
   <ds:schemaRefs>
     <ds:schemaRef ds:uri="http://schemas.microsoft.com/VisualStudio/2011/storyboarding/control"/>
@@ -32368,63 +34389,455 @@
 </ds:datastoreItem>
 </file>
 
-<file path=customXml/itemProps100.xml><?xml version="1.0" encoding="utf-8"?>
-<ds:datastoreItem xmlns:ds="http://schemas.openxmlformats.org/officeDocument/2006/customXml" ds:itemID="{F4B29C04-14D4-4AFD-933B-CA4CA7ED5E41}">
+<file path=customXml/itemProps327.xml><?xml version="1.0" encoding="utf-8"?>
+<ds:datastoreItem xmlns:ds="http://schemas.openxmlformats.org/officeDocument/2006/customXml" ds:itemID="{F57DE0B6-7792-4F4A-B7B9-B859FD384604}">
   <ds:schemaRefs>
     <ds:schemaRef ds:uri="http://schemas.microsoft.com/VisualStudio/2011/storyboarding/control"/>
   </ds:schemaRefs>
 </ds:datastoreItem>
 </file>
 
-<file path=customXml/itemProps101.xml><?xml version="1.0" encoding="utf-8"?>
-<ds:datastoreItem xmlns:ds="http://schemas.openxmlformats.org/officeDocument/2006/customXml" ds:itemID="{15C10524-EC04-4187-AA8A-43859E3AF52D}">
+<file path=customXml/itemProps328.xml><?xml version="1.0" encoding="utf-8"?>
+<ds:datastoreItem xmlns:ds="http://schemas.openxmlformats.org/officeDocument/2006/customXml" ds:itemID="{A7A00A82-B38C-4873-B78B-CAF3DF1DC1C5}">
   <ds:schemaRefs>
     <ds:schemaRef ds:uri="http://schemas.microsoft.com/VisualStudio/2011/storyboarding/control"/>
   </ds:schemaRefs>
 </ds:datastoreItem>
 </file>
 
-<file path=customXml/itemProps102.xml><?xml version="1.0" encoding="utf-8"?>
-<ds:datastoreItem xmlns:ds="http://schemas.openxmlformats.org/officeDocument/2006/customXml" ds:itemID="{1827C9F9-CD4C-424F-AC3A-64B8904E412C}">
+<file path=customXml/itemProps329.xml><?xml version="1.0" encoding="utf-8"?>
+<ds:datastoreItem xmlns:ds="http://schemas.openxmlformats.org/officeDocument/2006/customXml" ds:itemID="{4EE931A9-1071-47D7-8301-8738513E42D1}">
   <ds:schemaRefs>
     <ds:schemaRef ds:uri="http://schemas.microsoft.com/VisualStudio/2011/storyboarding/control"/>
   </ds:schemaRefs>
 </ds:datastoreItem>
 </file>
 
-<file path=customXml/itemProps103.xml><?xml version="1.0" encoding="utf-8"?>
-<ds:datastoreItem xmlns:ds="http://schemas.openxmlformats.org/officeDocument/2006/customXml" ds:itemID="{82939A55-06DA-4E13-B692-B55DBE0711ED}">
+<file path=customXml/itemProps33.xml><?xml version="1.0" encoding="utf-8"?>
+<ds:datastoreItem xmlns:ds="http://schemas.openxmlformats.org/officeDocument/2006/customXml" ds:itemID="{EA652511-3125-42D4-BF15-B06C264DB739}">
   <ds:schemaRefs>
     <ds:schemaRef ds:uri="http://schemas.microsoft.com/VisualStudio/2011/storyboarding/control"/>
   </ds:schemaRefs>
 </ds:datastoreItem>
 </file>
 
-<file path=customXml/itemProps104.xml><?xml version="1.0" encoding="utf-8"?>
-<ds:datastoreItem xmlns:ds="http://schemas.openxmlformats.org/officeDocument/2006/customXml" ds:itemID="{606C764B-8379-4289-9F63-1204DB50AC4F}">
+<file path=customXml/itemProps330.xml><?xml version="1.0" encoding="utf-8"?>
+<ds:datastoreItem xmlns:ds="http://schemas.openxmlformats.org/officeDocument/2006/customXml" ds:itemID="{A91DA1C4-A287-48BA-A82F-F5160B7DF36A}">
   <ds:schemaRefs>
     <ds:schemaRef ds:uri="http://schemas.microsoft.com/VisualStudio/2011/storyboarding/control"/>
   </ds:schemaRefs>
 </ds:datastoreItem>
 </file>
 
-<file path=customXml/itemProps105.xml><?xml version="1.0" encoding="utf-8"?>
-<ds:datastoreItem xmlns:ds="http://schemas.openxmlformats.org/officeDocument/2006/customXml" ds:itemID="{2BB20995-C807-4649-AFE8-3B81B5107620}">
+<file path=customXml/itemProps331.xml><?xml version="1.0" encoding="utf-8"?>
+<ds:datastoreItem xmlns:ds="http://schemas.openxmlformats.org/officeDocument/2006/customXml" ds:itemID="{E82C2DAD-BD64-47E6-B203-75940568C823}">
   <ds:schemaRefs>
     <ds:schemaRef ds:uri="http://schemas.microsoft.com/VisualStudio/2011/storyboarding/control"/>
   </ds:schemaRefs>
 </ds:datastoreItem>
 </file>
 
-<file path=customXml/itemProps106.xml><?xml version="1.0" encoding="utf-8"?>
-<ds:datastoreItem xmlns:ds="http://schemas.openxmlformats.org/officeDocument/2006/customXml" ds:itemID="{9373F89B-A8FF-4E3D-AC70-498E5DB264E6}">
+<file path=customXml/itemProps332.xml><?xml version="1.0" encoding="utf-8"?>
+<ds:datastoreItem xmlns:ds="http://schemas.openxmlformats.org/officeDocument/2006/customXml" ds:itemID="{1C7D295F-4517-4521-B308-5B68BFF6F088}">
   <ds:schemaRefs>
     <ds:schemaRef ds:uri="http://schemas.microsoft.com/VisualStudio/2011/storyboarding/control"/>
   </ds:schemaRefs>
 </ds:datastoreItem>
 </file>
 
-<file path=customXml/itemProps107.xml><?xml version="1.0" encoding="utf-8"?>
+<file path=customXml/itemProps333.xml><?xml version="1.0" encoding="utf-8"?>
+<ds:datastoreItem xmlns:ds="http://schemas.openxmlformats.org/officeDocument/2006/customXml" ds:itemID="{8BE5CF48-3ADF-4A2C-8372-5E2130DAE95F}">
+  <ds:schemaRefs>
+    <ds:schemaRef ds:uri="http://schemas.microsoft.com/VisualStudio/2011/storyboarding/control"/>
+  </ds:schemaRefs>
+</ds:datastoreItem>
+</file>
+
+<file path=customXml/itemProps334.xml><?xml version="1.0" encoding="utf-8"?>
+<ds:datastoreItem xmlns:ds="http://schemas.openxmlformats.org/officeDocument/2006/customXml" ds:itemID="{F9D874FB-C4E5-4B7B-84F2-87AEF2D93923}">
+  <ds:schemaRefs>
+    <ds:schemaRef ds:uri="http://schemas.microsoft.com/VisualStudio/2011/storyboarding/control"/>
+  </ds:schemaRefs>
+</ds:datastoreItem>
+</file>
+
+<file path=customXml/itemProps335.xml><?xml version="1.0" encoding="utf-8"?>
+<ds:datastoreItem xmlns:ds="http://schemas.openxmlformats.org/officeDocument/2006/customXml" ds:itemID="{115E54E7-C9AE-4368-A589-8119E20F5FFF}">
+  <ds:schemaRefs>
+    <ds:schemaRef ds:uri="http://schemas.microsoft.com/VisualStudio/2011/storyboarding/control"/>
+  </ds:schemaRefs>
+</ds:datastoreItem>
+</file>
+
+<file path=customXml/itemProps336.xml><?xml version="1.0" encoding="utf-8"?>
+<ds:datastoreItem xmlns:ds="http://schemas.openxmlformats.org/officeDocument/2006/customXml" ds:itemID="{8E3ECF19-A035-402A-BB4A-9FA27C6D3290}">
+  <ds:schemaRefs>
+    <ds:schemaRef ds:uri="http://schemas.microsoft.com/VisualStudio/2011/storyboarding/control"/>
+  </ds:schemaRefs>
+</ds:datastoreItem>
+</file>
+
+<file path=customXml/itemProps337.xml><?xml version="1.0" encoding="utf-8"?>
+<ds:datastoreItem xmlns:ds="http://schemas.openxmlformats.org/officeDocument/2006/customXml" ds:itemID="{28A93AC9-4C54-430C-8913-1058799EB271}">
+  <ds:schemaRefs>
+    <ds:schemaRef ds:uri="http://schemas.microsoft.com/VisualStudio/2011/storyboarding/control"/>
+  </ds:schemaRefs>
+</ds:datastoreItem>
+</file>
+
+<file path=customXml/itemProps338.xml><?xml version="1.0" encoding="utf-8"?>
+<ds:datastoreItem xmlns:ds="http://schemas.openxmlformats.org/officeDocument/2006/customXml" ds:itemID="{C9358300-F4EA-4888-8D36-12BD51436ABF}">
+  <ds:schemaRefs>
+    <ds:schemaRef ds:uri="http://schemas.microsoft.com/VisualStudio/2011/storyboarding/control"/>
+  </ds:schemaRefs>
+</ds:datastoreItem>
+</file>
+
+<file path=customXml/itemProps339.xml><?xml version="1.0" encoding="utf-8"?>
+<ds:datastoreItem xmlns:ds="http://schemas.openxmlformats.org/officeDocument/2006/customXml" ds:itemID="{F0430563-4012-4D90-971C-B6690C8CBD12}">
+  <ds:schemaRefs>
+    <ds:schemaRef ds:uri="http://schemas.microsoft.com/VisualStudio/2011/storyboarding/control"/>
+  </ds:schemaRefs>
+</ds:datastoreItem>
+</file>
+
+<file path=customXml/itemProps34.xml><?xml version="1.0" encoding="utf-8"?>
+<ds:datastoreItem xmlns:ds="http://schemas.openxmlformats.org/officeDocument/2006/customXml" ds:itemID="{476D4D78-FD66-4027-B9F1-CAEAEE40C758}">
+  <ds:schemaRefs>
+    <ds:schemaRef ds:uri="http://schemas.microsoft.com/VisualStudio/2011/storyboarding/control"/>
+  </ds:schemaRefs>
+</ds:datastoreItem>
+</file>
+
+<file path=customXml/itemProps340.xml><?xml version="1.0" encoding="utf-8"?>
+<ds:datastoreItem xmlns:ds="http://schemas.openxmlformats.org/officeDocument/2006/customXml" ds:itemID="{9D3638CA-5715-48AA-B467-45858E91B259}">
+  <ds:schemaRefs>
+    <ds:schemaRef ds:uri="http://schemas.microsoft.com/VisualStudio/2011/storyboarding/control"/>
+  </ds:schemaRefs>
+</ds:datastoreItem>
+</file>
+
+<file path=customXml/itemProps341.xml><?xml version="1.0" encoding="utf-8"?>
+<ds:datastoreItem xmlns:ds="http://schemas.openxmlformats.org/officeDocument/2006/customXml" ds:itemID="{24971745-EF7D-4AA3-8707-DE9D3E17DAF7}">
+  <ds:schemaRefs>
+    <ds:schemaRef ds:uri="http://schemas.microsoft.com/VisualStudio/2011/storyboarding/control"/>
+  </ds:schemaRefs>
+</ds:datastoreItem>
+</file>
+
+<file path=customXml/itemProps342.xml><?xml version="1.0" encoding="utf-8"?>
+<ds:datastoreItem xmlns:ds="http://schemas.openxmlformats.org/officeDocument/2006/customXml" ds:itemID="{40558F86-185D-4B23-8D1F-045B2A3B83C7}">
+  <ds:schemaRefs>
+    <ds:schemaRef ds:uri="http://schemas.microsoft.com/VisualStudio/2011/storyboarding/control"/>
+  </ds:schemaRefs>
+</ds:datastoreItem>
+</file>
+
+<file path=customXml/itemProps35.xml><?xml version="1.0" encoding="utf-8"?>
+<ds:datastoreItem xmlns:ds="http://schemas.openxmlformats.org/officeDocument/2006/customXml" ds:itemID="{9D8E0550-882F-4795-913D-EC85D3AB9C07}">
+  <ds:schemaRefs>
+    <ds:schemaRef ds:uri="http://schemas.microsoft.com/VisualStudio/2011/storyboarding/control"/>
+  </ds:schemaRefs>
+</ds:datastoreItem>
+</file>
+
+<file path=customXml/itemProps36.xml><?xml version="1.0" encoding="utf-8"?>
+<ds:datastoreItem xmlns:ds="http://schemas.openxmlformats.org/officeDocument/2006/customXml" ds:itemID="{DD9EF4AA-4CD1-4313-8581-7AB2AFA65F1D}">
+  <ds:schemaRefs>
+    <ds:schemaRef ds:uri="http://schemas.microsoft.com/VisualStudio/2011/storyboarding/control"/>
+  </ds:schemaRefs>
+</ds:datastoreItem>
+</file>
+
+<file path=customXml/itemProps37.xml><?xml version="1.0" encoding="utf-8"?>
+<ds:datastoreItem xmlns:ds="http://schemas.openxmlformats.org/officeDocument/2006/customXml" ds:itemID="{3B5D4E7F-54EC-4F3F-9E0B-2BC46D837EE9}">
+  <ds:schemaRefs>
+    <ds:schemaRef ds:uri="http://schemas.microsoft.com/VisualStudio/2011/storyboarding/control"/>
+  </ds:schemaRefs>
+</ds:datastoreItem>
+</file>
+
+<file path=customXml/itemProps38.xml><?xml version="1.0" encoding="utf-8"?>
+<ds:datastoreItem xmlns:ds="http://schemas.openxmlformats.org/officeDocument/2006/customXml" ds:itemID="{680107E1-5A3D-4838-9CDB-2ED7AFBFD60A}">
+  <ds:schemaRefs>
+    <ds:schemaRef ds:uri="http://schemas.microsoft.com/VisualStudio/2011/storyboarding/control"/>
+  </ds:schemaRefs>
+</ds:datastoreItem>
+</file>
+
+<file path=customXml/itemProps39.xml><?xml version="1.0" encoding="utf-8"?>
+<ds:datastoreItem xmlns:ds="http://schemas.openxmlformats.org/officeDocument/2006/customXml" ds:itemID="{A24551A8-C7A7-4608-A309-BBEB02AADAD2}">
+  <ds:schemaRefs>
+    <ds:schemaRef ds:uri="http://schemas.microsoft.com/VisualStudio/2011/storyboarding/control"/>
+  </ds:schemaRefs>
+</ds:datastoreItem>
+</file>
+
+<file path=customXml/itemProps4.xml><?xml version="1.0" encoding="utf-8"?>
+<ds:datastoreItem xmlns:ds="http://schemas.openxmlformats.org/officeDocument/2006/customXml" ds:itemID="{9C92F2FE-AC2C-4704-B679-66C441C1FF94}">
+  <ds:schemaRefs>
+    <ds:schemaRef ds:uri="http://schemas.microsoft.com/VisualStudio/2011/storyboarding/control"/>
+  </ds:schemaRefs>
+</ds:datastoreItem>
+</file>
+
+<file path=customXml/itemProps40.xml><?xml version="1.0" encoding="utf-8"?>
+<ds:datastoreItem xmlns:ds="http://schemas.openxmlformats.org/officeDocument/2006/customXml" ds:itemID="{56298F28-1ECB-471A-B21C-0A83B8535BE2}">
+  <ds:schemaRefs>
+    <ds:schemaRef ds:uri="http://schemas.microsoft.com/VisualStudio/2011/storyboarding/control"/>
+  </ds:schemaRefs>
+</ds:datastoreItem>
+</file>
+
+<file path=customXml/itemProps41.xml><?xml version="1.0" encoding="utf-8"?>
+<ds:datastoreItem xmlns:ds="http://schemas.openxmlformats.org/officeDocument/2006/customXml" ds:itemID="{09108218-9ED3-48E0-BB4B-8AD749826DDE}">
+  <ds:schemaRefs>
+    <ds:schemaRef ds:uri="http://schemas.microsoft.com/VisualStudio/2011/storyboarding/control"/>
+  </ds:schemaRefs>
+</ds:datastoreItem>
+</file>
+
+<file path=customXml/itemProps42.xml><?xml version="1.0" encoding="utf-8"?>
+<ds:datastoreItem xmlns:ds="http://schemas.openxmlformats.org/officeDocument/2006/customXml" ds:itemID="{C6B3B654-3B64-41A5-A89D-30CFBE1631E4}">
+  <ds:schemaRefs>
+    <ds:schemaRef ds:uri="http://schemas.microsoft.com/VisualStudio/2011/storyboarding/control"/>
+  </ds:schemaRefs>
+</ds:datastoreItem>
+</file>
+
+<file path=customXml/itemProps43.xml><?xml version="1.0" encoding="utf-8"?>
+<ds:datastoreItem xmlns:ds="http://schemas.openxmlformats.org/officeDocument/2006/customXml" ds:itemID="{5386F389-D904-455B-B27C-082420355D5B}">
+  <ds:schemaRefs>
+    <ds:schemaRef ds:uri="http://schemas.microsoft.com/VisualStudio/2011/storyboarding/control"/>
+  </ds:schemaRefs>
+</ds:datastoreItem>
+</file>
+
+<file path=customXml/itemProps44.xml><?xml version="1.0" encoding="utf-8"?>
+<ds:datastoreItem xmlns:ds="http://schemas.openxmlformats.org/officeDocument/2006/customXml" ds:itemID="{365B09A5-3339-4F71-B808-F0A5F0237994}">
+  <ds:schemaRefs>
+    <ds:schemaRef ds:uri="http://schemas.microsoft.com/VisualStudio/2011/storyboarding/control"/>
+  </ds:schemaRefs>
+</ds:datastoreItem>
+</file>
+
+<file path=customXml/itemProps45.xml><?xml version="1.0" encoding="utf-8"?>
+<ds:datastoreItem xmlns:ds="http://schemas.openxmlformats.org/officeDocument/2006/customXml" ds:itemID="{D1375665-5011-494D-BB46-719E1BCC88F3}">
+  <ds:schemaRefs>
+    <ds:schemaRef ds:uri="http://schemas.microsoft.com/VisualStudio/2011/storyboarding/control"/>
+  </ds:schemaRefs>
+</ds:datastoreItem>
+</file>
+
+<file path=customXml/itemProps46.xml><?xml version="1.0" encoding="utf-8"?>
+<ds:datastoreItem xmlns:ds="http://schemas.openxmlformats.org/officeDocument/2006/customXml" ds:itemID="{35237B27-36FC-4F5B-AD08-67DF0F50970E}">
+  <ds:schemaRefs>
+    <ds:schemaRef ds:uri="http://schemas.microsoft.com/VisualStudio/2011/storyboarding/control"/>
+  </ds:schemaRefs>
+</ds:datastoreItem>
+</file>
+
+<file path=customXml/itemProps47.xml><?xml version="1.0" encoding="utf-8"?>
+<ds:datastoreItem xmlns:ds="http://schemas.openxmlformats.org/officeDocument/2006/customXml" ds:itemID="{A8E3CD3A-D20E-4A7E-B4D6-3653FE3AFA1B}">
+  <ds:schemaRefs>
+    <ds:schemaRef ds:uri="http://schemas.microsoft.com/VisualStudio/2011/storyboarding/control"/>
+  </ds:schemaRefs>
+</ds:datastoreItem>
+</file>
+
+<file path=customXml/itemProps48.xml><?xml version="1.0" encoding="utf-8"?>
+<ds:datastoreItem xmlns:ds="http://schemas.openxmlformats.org/officeDocument/2006/customXml" ds:itemID="{4292CCDF-8F40-4F22-B896-635C8E681894}">
+  <ds:schemaRefs>
+    <ds:schemaRef ds:uri="http://schemas.microsoft.com/VisualStudio/2011/storyboarding/control"/>
+  </ds:schemaRefs>
+</ds:datastoreItem>
+</file>
+
+<file path=customXml/itemProps49.xml><?xml version="1.0" encoding="utf-8"?>
+<ds:datastoreItem xmlns:ds="http://schemas.openxmlformats.org/officeDocument/2006/customXml" ds:itemID="{F8D27CD5-1F2B-41A9-9598-5FB57144B244}">
+  <ds:schemaRefs>
+    <ds:schemaRef ds:uri="http://schemas.microsoft.com/VisualStudio/2011/storyboarding/control"/>
+  </ds:schemaRefs>
+</ds:datastoreItem>
+</file>
+
+<file path=customXml/itemProps5.xml><?xml version="1.0" encoding="utf-8"?>
+<ds:datastoreItem xmlns:ds="http://schemas.openxmlformats.org/officeDocument/2006/customXml" ds:itemID="{CFDE9A1A-F943-4694-9C55-DB202CEB8DDF}">
+  <ds:schemaRefs>
+    <ds:schemaRef ds:uri="http://schemas.microsoft.com/VisualStudio/2011/storyboarding/control"/>
+  </ds:schemaRefs>
+</ds:datastoreItem>
+</file>
+
+<file path=customXml/itemProps50.xml><?xml version="1.0" encoding="utf-8"?>
+<ds:datastoreItem xmlns:ds="http://schemas.openxmlformats.org/officeDocument/2006/customXml" ds:itemID="{558FF65A-E0BD-44C0-8F63-96AFD76545E9}">
+  <ds:schemaRefs>
+    <ds:schemaRef ds:uri="http://schemas.microsoft.com/VisualStudio/2011/storyboarding/control"/>
+  </ds:schemaRefs>
+</ds:datastoreItem>
+</file>
+
+<file path=customXml/itemProps51.xml><?xml version="1.0" encoding="utf-8"?>
+<ds:datastoreItem xmlns:ds="http://schemas.openxmlformats.org/officeDocument/2006/customXml" ds:itemID="{6CF63591-2BD9-4790-9DE7-A9CF33031E4F}">
+  <ds:schemaRefs>
+    <ds:schemaRef ds:uri="http://schemas.microsoft.com/VisualStudio/2011/storyboarding/control"/>
+  </ds:schemaRefs>
+</ds:datastoreItem>
+</file>
+
+<file path=customXml/itemProps52.xml><?xml version="1.0" encoding="utf-8"?>
+<ds:datastoreItem xmlns:ds="http://schemas.openxmlformats.org/officeDocument/2006/customXml" ds:itemID="{399A9E8E-8B83-4946-9BDE-095D8B67533D}">
+  <ds:schemaRefs>
+    <ds:schemaRef ds:uri="http://schemas.microsoft.com/VisualStudio/2011/storyboarding/control"/>
+  </ds:schemaRefs>
+</ds:datastoreItem>
+</file>
+
+<file path=customXml/itemProps53.xml><?xml version="1.0" encoding="utf-8"?>
+<ds:datastoreItem xmlns:ds="http://schemas.openxmlformats.org/officeDocument/2006/customXml" ds:itemID="{6EEBCBC9-F43A-4150-9766-9A3A8A6892C3}">
+  <ds:schemaRefs>
+    <ds:schemaRef ds:uri="http://schemas.microsoft.com/VisualStudio/2011/storyboarding/control"/>
+  </ds:schemaRefs>
+</ds:datastoreItem>
+</file>
+
+<file path=customXml/itemProps54.xml><?xml version="1.0" encoding="utf-8"?>
+<ds:datastoreItem xmlns:ds="http://schemas.openxmlformats.org/officeDocument/2006/customXml" ds:itemID="{F5C2609A-EC84-4FC9-8728-6865CA42D4DE}">
+  <ds:schemaRefs>
+    <ds:schemaRef ds:uri="http://schemas.microsoft.com/VisualStudio/2011/storyboarding/control"/>
+  </ds:schemaRefs>
+</ds:datastoreItem>
+</file>
+
+<file path=customXml/itemProps55.xml><?xml version="1.0" encoding="utf-8"?>
+<ds:datastoreItem xmlns:ds="http://schemas.openxmlformats.org/officeDocument/2006/customXml" ds:itemID="{C6634AA6-0836-4E32-9096-DF3D3737E2AA}">
+  <ds:schemaRefs>
+    <ds:schemaRef ds:uri="http://schemas.microsoft.com/VisualStudio/2011/storyboarding/control"/>
+  </ds:schemaRefs>
+</ds:datastoreItem>
+</file>
+
+<file path=customXml/itemProps56.xml><?xml version="1.0" encoding="utf-8"?>
+<ds:datastoreItem xmlns:ds="http://schemas.openxmlformats.org/officeDocument/2006/customXml" ds:itemID="{26B03EFA-4B73-4C50-81D7-A1D0977CCB7C}">
+  <ds:schemaRefs>
+    <ds:schemaRef ds:uri="http://schemas.microsoft.com/VisualStudio/2011/storyboarding/control"/>
+  </ds:schemaRefs>
+</ds:datastoreItem>
+</file>
+
+<file path=customXml/itemProps57.xml><?xml version="1.0" encoding="utf-8"?>
+<ds:datastoreItem xmlns:ds="http://schemas.openxmlformats.org/officeDocument/2006/customXml" ds:itemID="{E6D45CEC-1BCF-4C86-BE41-6C8F627BE986}">
+  <ds:schemaRefs>
+    <ds:schemaRef ds:uri="http://schemas.microsoft.com/VisualStudio/2011/storyboarding/control"/>
+  </ds:schemaRefs>
+</ds:datastoreItem>
+</file>
+
+<file path=customXml/itemProps58.xml><?xml version="1.0" encoding="utf-8"?>
+<ds:datastoreItem xmlns:ds="http://schemas.openxmlformats.org/officeDocument/2006/customXml" ds:itemID="{51FB8DCE-302E-4ACD-9E06-85CC4875FA99}">
+  <ds:schemaRefs>
+    <ds:schemaRef ds:uri="http://schemas.microsoft.com/VisualStudio/2011/storyboarding/control"/>
+  </ds:schemaRefs>
+</ds:datastoreItem>
+</file>
+
+<file path=customXml/itemProps59.xml><?xml version="1.0" encoding="utf-8"?>
+<ds:datastoreItem xmlns:ds="http://schemas.openxmlformats.org/officeDocument/2006/customXml" ds:itemID="{185948B8-6218-47D2-929F-8B5AEDC946DC}">
+  <ds:schemaRefs>
+    <ds:schemaRef ds:uri="http://schemas.microsoft.com/VisualStudio/2011/storyboarding/control"/>
+  </ds:schemaRefs>
+</ds:datastoreItem>
+</file>
+
+<file path=customXml/itemProps6.xml><?xml version="1.0" encoding="utf-8"?>
+<ds:datastoreItem xmlns:ds="http://schemas.openxmlformats.org/officeDocument/2006/customXml" ds:itemID="{5859EACD-84AA-4187-B5E2-E6B6931FFD91}">
+  <ds:schemaRefs>
+    <ds:schemaRef ds:uri="http://schemas.microsoft.com/VisualStudio/2011/storyboarding/control"/>
+  </ds:schemaRefs>
+</ds:datastoreItem>
+</file>
+
+<file path=customXml/itemProps60.xml><?xml version="1.0" encoding="utf-8"?>
+<ds:datastoreItem xmlns:ds="http://schemas.openxmlformats.org/officeDocument/2006/customXml" ds:itemID="{6B5930FC-9EB7-47D4-B230-C5FDAED49EA0}">
+  <ds:schemaRefs>
+    <ds:schemaRef ds:uri="http://schemas.microsoft.com/VisualStudio/2011/storyboarding/control"/>
+  </ds:schemaRefs>
+</ds:datastoreItem>
+</file>
+
+<file path=customXml/itemProps61.xml><?xml version="1.0" encoding="utf-8"?>
+<ds:datastoreItem xmlns:ds="http://schemas.openxmlformats.org/officeDocument/2006/customXml" ds:itemID="{63F4D5A8-93DD-430D-B84A-4370B79076B6}">
+  <ds:schemaRefs>
+    <ds:schemaRef ds:uri="http://schemas.microsoft.com/VisualStudio/2011/storyboarding/control"/>
+  </ds:schemaRefs>
+</ds:datastoreItem>
+</file>
+
+<file path=customXml/itemProps62.xml><?xml version="1.0" encoding="utf-8"?>
+<ds:datastoreItem xmlns:ds="http://schemas.openxmlformats.org/officeDocument/2006/customXml" ds:itemID="{6A173A84-76C7-4E57-A876-12A8AE8A34A9}">
+  <ds:schemaRefs>
+    <ds:schemaRef ds:uri="http://schemas.microsoft.com/VisualStudio/2011/storyboarding/control"/>
+  </ds:schemaRefs>
+</ds:datastoreItem>
+</file>
+
+<file path=customXml/itemProps63.xml><?xml version="1.0" encoding="utf-8"?>
+<ds:datastoreItem xmlns:ds="http://schemas.openxmlformats.org/officeDocument/2006/customXml" ds:itemID="{1D773A67-F2AA-43E1-8409-6F83B9545FF4}">
+  <ds:schemaRefs>
+    <ds:schemaRef ds:uri="http://schemas.microsoft.com/VisualStudio/2011/storyboarding/control"/>
+  </ds:schemaRefs>
+</ds:datastoreItem>
+</file>
+
+<file path=customXml/itemProps64.xml><?xml version="1.0" encoding="utf-8"?>
+<ds:datastoreItem xmlns:ds="http://schemas.openxmlformats.org/officeDocument/2006/customXml" ds:itemID="{BAF9EC0D-02D3-4150-88EF-B1827EE31318}">
+  <ds:schemaRefs>
+    <ds:schemaRef ds:uri="http://schemas.microsoft.com/VisualStudio/2011/storyboarding/control"/>
+  </ds:schemaRefs>
+</ds:datastoreItem>
+</file>
+
+<file path=customXml/itemProps65.xml><?xml version="1.0" encoding="utf-8"?>
+<ds:datastoreItem xmlns:ds="http://schemas.openxmlformats.org/officeDocument/2006/customXml" ds:itemID="{192A7600-D8E9-4CDD-8AA0-5F75A7E59F2E}">
+  <ds:schemaRefs>
+    <ds:schemaRef ds:uri="http://schemas.microsoft.com/VisualStudio/2011/storyboarding/control"/>
+  </ds:schemaRefs>
+</ds:datastoreItem>
+</file>
+
+<file path=customXml/itemProps66.xml><?xml version="1.0" encoding="utf-8"?>
+<ds:datastoreItem xmlns:ds="http://schemas.openxmlformats.org/officeDocument/2006/customXml" ds:itemID="{908D575A-33D7-4124-B041-466E13AA2631}">
+  <ds:schemaRefs>
+    <ds:schemaRef ds:uri="http://schemas.microsoft.com/VisualStudio/2011/storyboarding/control"/>
+  </ds:schemaRefs>
+</ds:datastoreItem>
+</file>
+
+<file path=customXml/itemProps67.xml><?xml version="1.0" encoding="utf-8"?>
+<ds:datastoreItem xmlns:ds="http://schemas.openxmlformats.org/officeDocument/2006/customXml" ds:itemID="{A8B792EB-1E25-4AF4-A089-8500E1FA1E23}">
+  <ds:schemaRefs>
+    <ds:schemaRef ds:uri="http://schemas.microsoft.com/VisualStudio/2011/storyboarding/control"/>
+  </ds:schemaRefs>
+</ds:datastoreItem>
+</file>
+
+<file path=customXml/itemProps68.xml><?xml version="1.0" encoding="utf-8"?>
+<ds:datastoreItem xmlns:ds="http://schemas.openxmlformats.org/officeDocument/2006/customXml" ds:itemID="{479D24C1-0AA3-4742-8B6E-AABE2794FD95}">
+  <ds:schemaRefs>
+    <ds:schemaRef ds:uri="http://schemas.microsoft.com/VisualStudio/2011/storyboarding/control"/>
+  </ds:schemaRefs>
+</ds:datastoreItem>
+</file>
+
+<file path=customXml/itemProps69.xml><?xml version="1.0" encoding="utf-8"?>
+<ds:datastoreItem xmlns:ds="http://schemas.openxmlformats.org/officeDocument/2006/customXml" ds:itemID="{D7646E1C-253F-4FF6-89F5-0B0C6ED44F6C}">
+  <ds:schemaRefs>
+    <ds:schemaRef ds:uri="http://schemas.microsoft.com/VisualStudio/2011/storyboarding/control"/>
+  </ds:schemaRefs>
+</ds:datastoreItem>
+</file>
+
+<file path=customXml/itemProps7.xml><?xml version="1.0" encoding="utf-8"?>
 <ds:datastoreItem xmlns:ds="http://schemas.openxmlformats.org/officeDocument/2006/customXml" ds:itemID="{E5E76EF9-8283-40CB-99A9-C6F70035EC57}">
   <ds:schemaRefs>
     <ds:schemaRef ds:uri="http://schemas.microsoft.com/VisualStudio/2011/storyboarding/control"/>
@@ -32432,15 +34845,55 @@
 </ds:datastoreItem>
 </file>
 
-<file path=customXml/itemProps108.xml><?xml version="1.0" encoding="utf-8"?>
-<ds:datastoreItem xmlns:ds="http://schemas.openxmlformats.org/officeDocument/2006/customXml" ds:itemID="{365B09A5-3339-4F71-B808-F0A5F0237994}">
+<file path=customXml/itemProps70.xml><?xml version="1.0" encoding="utf-8"?>
+<ds:datastoreItem xmlns:ds="http://schemas.openxmlformats.org/officeDocument/2006/customXml" ds:itemID="{779276AF-B90D-4546-8C64-8644B38E5879}">
   <ds:schemaRefs>
     <ds:schemaRef ds:uri="http://schemas.microsoft.com/VisualStudio/2011/storyboarding/control"/>
   </ds:schemaRefs>
 </ds:datastoreItem>
 </file>
 
-<file path=customXml/itemProps109.xml><?xml version="1.0" encoding="utf-8"?>
+<file path=customXml/itemProps71.xml><?xml version="1.0" encoding="utf-8"?>
+<ds:datastoreItem xmlns:ds="http://schemas.openxmlformats.org/officeDocument/2006/customXml" ds:itemID="{010A0911-CBDD-431B-8518-C1A849F59AD1}">
+  <ds:schemaRefs>
+    <ds:schemaRef ds:uri="http://schemas.microsoft.com/VisualStudio/2011/storyboarding/control"/>
+  </ds:schemaRefs>
+</ds:datastoreItem>
+</file>
+
+<file path=customXml/itemProps72.xml><?xml version="1.0" encoding="utf-8"?>
+<ds:datastoreItem xmlns:ds="http://schemas.openxmlformats.org/officeDocument/2006/customXml" ds:itemID="{C0E0EC6A-6914-4C25-9857-35EAE6CD12C5}">
+  <ds:schemaRefs>
+    <ds:schemaRef ds:uri="http://schemas.microsoft.com/VisualStudio/2011/storyboarding/control"/>
+  </ds:schemaRefs>
+</ds:datastoreItem>
+</file>
+
+<file path=customXml/itemProps73.xml><?xml version="1.0" encoding="utf-8"?>
+<ds:datastoreItem xmlns:ds="http://schemas.openxmlformats.org/officeDocument/2006/customXml" ds:itemID="{DF0F3569-8B08-4CD8-BFEA-531C37F61CFA}">
+  <ds:schemaRefs>
+    <ds:schemaRef ds:uri="http://schemas.microsoft.com/VisualStudio/2011/storyboarding/control"/>
+  </ds:schemaRefs>
+</ds:datastoreItem>
+</file>
+
+<file path=customXml/itemProps74.xml><?xml version="1.0" encoding="utf-8"?>
+<ds:datastoreItem xmlns:ds="http://schemas.openxmlformats.org/officeDocument/2006/customXml" ds:itemID="{CFEE7FDE-CA6A-4000-BD52-BD872DBF56D8}">
+  <ds:schemaRefs>
+    <ds:schemaRef ds:uri="http://schemas.microsoft.com/VisualStudio/2011/storyboarding/control"/>
+  </ds:schemaRefs>
+</ds:datastoreItem>
+</file>
+
+<file path=customXml/itemProps75.xml><?xml version="1.0" encoding="utf-8"?>
+<ds:datastoreItem xmlns:ds="http://schemas.openxmlformats.org/officeDocument/2006/customXml" ds:itemID="{E8D42BAD-3BE4-4972-BF13-A810A3609472}">
+  <ds:schemaRefs>
+    <ds:schemaRef ds:uri="http://schemas.microsoft.com/VisualStudio/2011/storyboarding/control"/>
+  </ds:schemaRefs>
+</ds:datastoreItem>
+</file>
+
+<file path=customXml/itemProps76.xml><?xml version="1.0" encoding="utf-8"?>
 <ds:datastoreItem xmlns:ds="http://schemas.openxmlformats.org/officeDocument/2006/customXml" ds:itemID="{2D5A0877-616C-48AA-BF29-06982E54B7BB}">
   <ds:schemaRefs>
     <ds:schemaRef ds:uri="http://schemas.microsoft.com/VisualStudio/2011/storyboarding/control"/>
@@ -32448,103 +34901,79 @@
 </ds:datastoreItem>
 </file>
 
-<file path=customXml/itemProps11.xml><?xml version="1.0" encoding="utf-8"?>
-<ds:datastoreItem xmlns:ds="http://schemas.openxmlformats.org/officeDocument/2006/customXml" ds:itemID="{F36A8D30-E31C-4FEB-B99A-F84216965395}">
+<file path=customXml/itemProps77.xml><?xml version="1.0" encoding="utf-8"?>
+<ds:datastoreItem xmlns:ds="http://schemas.openxmlformats.org/officeDocument/2006/customXml" ds:itemID="{1DAE52F3-88F9-4F97-80DD-F6D9FE56BDA0}">
   <ds:schemaRefs>
     <ds:schemaRef ds:uri="http://schemas.microsoft.com/VisualStudio/2011/storyboarding/control"/>
   </ds:schemaRefs>
 </ds:datastoreItem>
 </file>
 
-<file path=customXml/itemProps110.xml><?xml version="1.0" encoding="utf-8"?>
-<ds:datastoreItem xmlns:ds="http://schemas.openxmlformats.org/officeDocument/2006/customXml" ds:itemID="{068DEF91-1574-4B05-8176-8F1C78AEF644}">
+<file path=customXml/itemProps78.xml><?xml version="1.0" encoding="utf-8"?>
+<ds:datastoreItem xmlns:ds="http://schemas.openxmlformats.org/officeDocument/2006/customXml" ds:itemID="{CCA32395-B798-4B47-B139-698C83BB4736}">
   <ds:schemaRefs>
     <ds:schemaRef ds:uri="http://schemas.microsoft.com/VisualStudio/2011/storyboarding/control"/>
   </ds:schemaRefs>
 </ds:datastoreItem>
 </file>
 
-<file path=customXml/itemProps111.xml><?xml version="1.0" encoding="utf-8"?>
-<ds:datastoreItem xmlns:ds="http://schemas.openxmlformats.org/officeDocument/2006/customXml" ds:itemID="{A701D8EB-92CD-4561-9F7A-3649D53BC9B9}">
+<file path=customXml/itemProps79.xml><?xml version="1.0" encoding="utf-8"?>
+<ds:datastoreItem xmlns:ds="http://schemas.openxmlformats.org/officeDocument/2006/customXml" ds:itemID="{97C312E3-609A-4CAA-8A90-E2969B1E29BF}">
   <ds:schemaRefs>
     <ds:schemaRef ds:uri="http://schemas.microsoft.com/VisualStudio/2011/storyboarding/control"/>
   </ds:schemaRefs>
 </ds:datastoreItem>
 </file>
 
-<file path=customXml/itemProps112.xml><?xml version="1.0" encoding="utf-8"?>
-<ds:datastoreItem xmlns:ds="http://schemas.openxmlformats.org/officeDocument/2006/customXml" ds:itemID="{42A915EC-4BF7-4BD2-956E-939988E50D85}">
+<file path=customXml/itemProps8.xml><?xml version="1.0" encoding="utf-8"?>
+<ds:datastoreItem xmlns:ds="http://schemas.openxmlformats.org/officeDocument/2006/customXml" ds:itemID="{EBDF54EC-1E9B-4200-9FF7-4D1A683C6ABF}">
   <ds:schemaRefs>
     <ds:schemaRef ds:uri="http://schemas.microsoft.com/VisualStudio/2011/storyboarding/control"/>
   </ds:schemaRefs>
 </ds:datastoreItem>
 </file>
 
-<file path=customXml/itemProps113.xml><?xml version="1.0" encoding="utf-8"?>
-<ds:datastoreItem xmlns:ds="http://schemas.openxmlformats.org/officeDocument/2006/customXml" ds:itemID="{B8A9D4A1-6DE2-473B-BBA1-E1C3D595C5CF}">
+<file path=customXml/itemProps80.xml><?xml version="1.0" encoding="utf-8"?>
+<ds:datastoreItem xmlns:ds="http://schemas.openxmlformats.org/officeDocument/2006/customXml" ds:itemID="{EB4E6205-B282-4380-BF66-FA6D44E7F60A}">
   <ds:schemaRefs>
     <ds:schemaRef ds:uri="http://schemas.microsoft.com/VisualStudio/2011/storyboarding/control"/>
   </ds:schemaRefs>
 </ds:datastoreItem>
 </file>
 
-<file path=customXml/itemProps114.xml><?xml version="1.0" encoding="utf-8"?>
-<ds:datastoreItem xmlns:ds="http://schemas.openxmlformats.org/officeDocument/2006/customXml" ds:itemID="{A3E3492F-6B7B-4EF5-9616-A5E868B1F5C0}">
+<file path=customXml/itemProps81.xml><?xml version="1.0" encoding="utf-8"?>
+<ds:datastoreItem xmlns:ds="http://schemas.openxmlformats.org/officeDocument/2006/customXml" ds:itemID="{6ECF17B4-4CBD-4415-AE3A-A72B7DDC8478}">
   <ds:schemaRefs>
     <ds:schemaRef ds:uri="http://schemas.microsoft.com/VisualStudio/2011/storyboarding/control"/>
   </ds:schemaRefs>
 </ds:datastoreItem>
 </file>
 
-<file path=customXml/itemProps115.xml><?xml version="1.0" encoding="utf-8"?>
-<ds:datastoreItem xmlns:ds="http://schemas.openxmlformats.org/officeDocument/2006/customXml" ds:itemID="{0B94895B-182C-4619-8EB6-73901FBE4BCE}">
+<file path=customXml/itemProps82.xml><?xml version="1.0" encoding="utf-8"?>
+<ds:datastoreItem xmlns:ds="http://schemas.openxmlformats.org/officeDocument/2006/customXml" ds:itemID="{155E4198-F06F-42C0-86E9-32D4FF3F3FE8}">
   <ds:schemaRefs>
     <ds:schemaRef ds:uri="http://schemas.microsoft.com/VisualStudio/2011/storyboarding/control"/>
   </ds:schemaRefs>
 </ds:datastoreItem>
 </file>
 
-<file path=customXml/itemProps116.xml><?xml version="1.0" encoding="utf-8"?>
-<ds:datastoreItem xmlns:ds="http://schemas.openxmlformats.org/officeDocument/2006/customXml" ds:itemID="{0C54A7F1-4496-417F-B48B-349250494897}">
+<file path=customXml/itemProps83.xml><?xml version="1.0" encoding="utf-8"?>
+<ds:datastoreItem xmlns:ds="http://schemas.openxmlformats.org/officeDocument/2006/customXml" ds:itemID="{E2B4C84C-192E-4ED0-BC0D-8295A90FB670}">
   <ds:schemaRefs>
     <ds:schemaRef ds:uri="http://schemas.microsoft.com/VisualStudio/2011/storyboarding/control"/>
   </ds:schemaRefs>
 </ds:datastoreItem>
 </file>
 
-<file path=customXml/itemProps117.xml><?xml version="1.0" encoding="utf-8"?>
-<ds:datastoreItem xmlns:ds="http://schemas.openxmlformats.org/officeDocument/2006/customXml" ds:itemID="{F9D874FB-C4E5-4B7B-84F2-87AEF2D93923}">
+<file path=customXml/itemProps84.xml><?xml version="1.0" encoding="utf-8"?>
+<ds:datastoreItem xmlns:ds="http://schemas.openxmlformats.org/officeDocument/2006/customXml" ds:itemID="{317E3C18-F2EF-4458-B12B-2889799AF76B}">
   <ds:schemaRefs>
     <ds:schemaRef ds:uri="http://schemas.microsoft.com/VisualStudio/2011/storyboarding/control"/>
   </ds:schemaRefs>
 </ds:datastoreItem>
 </file>
 
-<file path=customXml/itemProps118.xml><?xml version="1.0" encoding="utf-8"?>
-<ds:datastoreItem xmlns:ds="http://schemas.openxmlformats.org/officeDocument/2006/customXml" ds:itemID="{62B5FD80-BADC-4569-BB2F-7A5D3954D784}">
-  <ds:schemaRefs>
-    <ds:schemaRef ds:uri="http://schemas.microsoft.com/VisualStudio/2011/storyboarding/control"/>
-  </ds:schemaRefs>
-</ds:datastoreItem>
-</file>
-
-<file path=customXml/itemProps119.xml><?xml version="1.0" encoding="utf-8"?>
-<ds:datastoreItem xmlns:ds="http://schemas.openxmlformats.org/officeDocument/2006/customXml" ds:itemID="{6B5930FC-9EB7-47D4-B230-C5FDAED49EA0}">
-  <ds:schemaRefs>
-    <ds:schemaRef ds:uri="http://schemas.microsoft.com/VisualStudio/2011/storyboarding/control"/>
-  </ds:schemaRefs>
-</ds:datastoreItem>
-</file>
-
-<file path=customXml/itemProps12.xml><?xml version="1.0" encoding="utf-8"?>
-<ds:datastoreItem xmlns:ds="http://schemas.openxmlformats.org/officeDocument/2006/customXml" ds:itemID="{C6B3B654-3B64-41A5-A89D-30CFBE1631E4}">
-  <ds:schemaRefs>
-    <ds:schemaRef ds:uri="http://schemas.microsoft.com/VisualStudio/2011/storyboarding/control"/>
-  </ds:schemaRefs>
-</ds:datastoreItem>
-</file>
-
-<file path=customXml/itemProps120.xml><?xml version="1.0" encoding="utf-8"?>
+<file path=customXml/itemProps85.xml><?xml version="1.0" encoding="utf-8"?>
 <ds:datastoreItem xmlns:ds="http://schemas.openxmlformats.org/officeDocument/2006/customXml" ds:itemID="{7D9892A8-5F40-430D-A691-82FC9655497E}">
   <ds:schemaRefs>
     <ds:schemaRef ds:uri="http://schemas.microsoft.com/VisualStudio/2011/storyboarding/control"/>
@@ -32552,183 +34981,7 @@
 </ds:datastoreItem>
 </file>
 
-<file path=customXml/itemProps121.xml><?xml version="1.0" encoding="utf-8"?>
-<ds:datastoreItem xmlns:ds="http://schemas.openxmlformats.org/officeDocument/2006/customXml" ds:itemID="{98A38DA2-8872-4F5F-903C-9DC3AEA7ADB5}">
-  <ds:schemaRefs>
-    <ds:schemaRef ds:uri="http://schemas.microsoft.com/VisualStudio/2011/storyboarding/control"/>
-  </ds:schemaRefs>
-</ds:datastoreItem>
-</file>
-
-<file path=customXml/itemProps122.xml><?xml version="1.0" encoding="utf-8"?>
-<ds:datastoreItem xmlns:ds="http://schemas.openxmlformats.org/officeDocument/2006/customXml" ds:itemID="{3FCD574C-7800-4A1E-AC0D-3B2CF4B35902}">
-  <ds:schemaRefs>
-    <ds:schemaRef ds:uri="http://schemas.microsoft.com/VisualStudio/2011/storyboarding/control"/>
-  </ds:schemaRefs>
-</ds:datastoreItem>
-</file>
-
-<file path=customXml/itemProps123.xml><?xml version="1.0" encoding="utf-8"?>
-<ds:datastoreItem xmlns:ds="http://schemas.openxmlformats.org/officeDocument/2006/customXml" ds:itemID="{08CDC6BC-B464-45A8-8C16-5EE66F66FCE1}">
-  <ds:schemaRefs>
-    <ds:schemaRef ds:uri="http://schemas.microsoft.com/VisualStudio/2011/storyboarding/control"/>
-  </ds:schemaRefs>
-</ds:datastoreItem>
-</file>
-
-<file path=customXml/itemProps124.xml><?xml version="1.0" encoding="utf-8"?>
-<ds:datastoreItem xmlns:ds="http://schemas.openxmlformats.org/officeDocument/2006/customXml" ds:itemID="{B07FB2E3-DFEC-473F-9E49-C4AC0345249A}">
-  <ds:schemaRefs>
-    <ds:schemaRef ds:uri="http://schemas.microsoft.com/VisualStudio/2011/storyboarding/control"/>
-  </ds:schemaRefs>
-</ds:datastoreItem>
-</file>
-
-<file path=customXml/itemProps125.xml><?xml version="1.0" encoding="utf-8"?>
-<ds:datastoreItem xmlns:ds="http://schemas.openxmlformats.org/officeDocument/2006/customXml" ds:itemID="{5074A8A8-C5C7-4A6D-938D-4EB88DEFE4F0}">
-  <ds:schemaRefs>
-    <ds:schemaRef ds:uri="http://schemas.microsoft.com/VisualStudio/2011/storyboarding/control"/>
-  </ds:schemaRefs>
-</ds:datastoreItem>
-</file>
-
-<file path=customXml/itemProps126.xml><?xml version="1.0" encoding="utf-8"?>
-<ds:datastoreItem xmlns:ds="http://schemas.openxmlformats.org/officeDocument/2006/customXml" ds:itemID="{E07842BB-1D3A-4DE9-9BAD-6AE53B58AABF}">
-  <ds:schemaRefs>
-    <ds:schemaRef ds:uri="http://schemas.microsoft.com/VisualStudio/2011/storyboarding/control"/>
-  </ds:schemaRefs>
-</ds:datastoreItem>
-</file>
-
-<file path=customXml/itemProps127.xml><?xml version="1.0" encoding="utf-8"?>
-<ds:datastoreItem xmlns:ds="http://schemas.openxmlformats.org/officeDocument/2006/customXml" ds:itemID="{C9941BF7-BC7F-49C4-AC0D-E2B4E6BF8448}">
-  <ds:schemaRefs>
-    <ds:schemaRef ds:uri="http://schemas.microsoft.com/VisualStudio/2011/storyboarding/control"/>
-  </ds:schemaRefs>
-</ds:datastoreItem>
-</file>
-
-<file path=customXml/itemProps128.xml><?xml version="1.0" encoding="utf-8"?>
-<ds:datastoreItem xmlns:ds="http://schemas.openxmlformats.org/officeDocument/2006/customXml" ds:itemID="{B316FC86-5E21-4170-BF3E-BA60FED310D9}">
-  <ds:schemaRefs>
-    <ds:schemaRef ds:uri="http://schemas.microsoft.com/VisualStudio/2011/storyboarding/control"/>
-  </ds:schemaRefs>
-</ds:datastoreItem>
-</file>
-
-<file path=customXml/itemProps129.xml><?xml version="1.0" encoding="utf-8"?>
-<ds:datastoreItem xmlns:ds="http://schemas.openxmlformats.org/officeDocument/2006/customXml" ds:itemID="{D1375665-5011-494D-BB46-719E1BCC88F3}">
-  <ds:schemaRefs>
-    <ds:schemaRef ds:uri="http://schemas.microsoft.com/VisualStudio/2011/storyboarding/control"/>
-  </ds:schemaRefs>
-</ds:datastoreItem>
-</file>
-
-<file path=customXml/itemProps13.xml><?xml version="1.0" encoding="utf-8"?>
-<ds:datastoreItem xmlns:ds="http://schemas.openxmlformats.org/officeDocument/2006/customXml" ds:itemID="{E8D42BAD-3BE4-4972-BF13-A810A3609472}">
-  <ds:schemaRefs>
-    <ds:schemaRef ds:uri="http://schemas.microsoft.com/VisualStudio/2011/storyboarding/control"/>
-  </ds:schemaRefs>
-</ds:datastoreItem>
-</file>
-
-<file path=customXml/itemProps130.xml><?xml version="1.0" encoding="utf-8"?>
-<ds:datastoreItem xmlns:ds="http://schemas.openxmlformats.org/officeDocument/2006/customXml" ds:itemID="{479D24C1-0AA3-4742-8B6E-AABE2794FD95}">
-  <ds:schemaRefs>
-    <ds:schemaRef ds:uri="http://schemas.microsoft.com/VisualStudio/2011/storyboarding/control"/>
-  </ds:schemaRefs>
-</ds:datastoreItem>
-</file>
-
-<file path=customXml/itemProps131.xml><?xml version="1.0" encoding="utf-8"?>
-<ds:datastoreItem xmlns:ds="http://schemas.openxmlformats.org/officeDocument/2006/customXml" ds:itemID="{09725DA4-4263-40D9-885A-5283ACC566DB}">
-  <ds:schemaRefs>
-    <ds:schemaRef ds:uri="http://schemas.microsoft.com/VisualStudio/2011/storyboarding/control"/>
-  </ds:schemaRefs>
-</ds:datastoreItem>
-</file>
-
-<file path=customXml/itemProps132.xml><?xml version="1.0" encoding="utf-8"?>
-<ds:datastoreItem xmlns:ds="http://schemas.openxmlformats.org/officeDocument/2006/customXml" ds:itemID="{09FAD951-17F0-4C3F-BA07-132F0A732137}">
-  <ds:schemaRefs>
-    <ds:schemaRef ds:uri="http://schemas.microsoft.com/VisualStudio/2011/storyboarding/control"/>
-  </ds:schemaRefs>
-</ds:datastoreItem>
-</file>
-
-<file path=customXml/itemProps133.xml><?xml version="1.0" encoding="utf-8"?>
-<ds:datastoreItem xmlns:ds="http://schemas.openxmlformats.org/officeDocument/2006/customXml" ds:itemID="{885E5B91-ADB1-415C-8BF6-A2E46A40B656}">
-  <ds:schemaRefs>
-    <ds:schemaRef ds:uri="http://schemas.microsoft.com/VisualStudio/2011/storyboarding/control"/>
-  </ds:schemaRefs>
-</ds:datastoreItem>
-</file>
-
-<file path=customXml/itemProps134.xml><?xml version="1.0" encoding="utf-8"?>
-<ds:datastoreItem xmlns:ds="http://schemas.openxmlformats.org/officeDocument/2006/customXml" ds:itemID="{A11DF56C-DCF8-49E0-9A9B-D86046C4FFF2}">
-  <ds:schemaRefs>
-    <ds:schemaRef ds:uri="http://schemas.microsoft.com/VisualStudio/2011/storyboarding/control"/>
-  </ds:schemaRefs>
-</ds:datastoreItem>
-</file>
-
-<file path=customXml/itemProps135.xml><?xml version="1.0" encoding="utf-8"?>
-<ds:datastoreItem xmlns:ds="http://schemas.openxmlformats.org/officeDocument/2006/customXml" ds:itemID="{8BEBC7EB-9960-4053-AAA1-60B2BFD8C860}">
-  <ds:schemaRefs>
-    <ds:schemaRef ds:uri="http://schemas.microsoft.com/VisualStudio/2011/storyboarding/control"/>
-  </ds:schemaRefs>
-</ds:datastoreItem>
-</file>
-
-<file path=customXml/itemProps136.xml><?xml version="1.0" encoding="utf-8"?>
-<ds:datastoreItem xmlns:ds="http://schemas.openxmlformats.org/officeDocument/2006/customXml" ds:itemID="{85B43D44-E83C-4248-99FC-58B5A56BE7F5}">
-  <ds:schemaRefs>
-    <ds:schemaRef ds:uri="http://schemas.microsoft.com/VisualStudio/2011/storyboarding/control"/>
-  </ds:schemaRefs>
-</ds:datastoreItem>
-</file>
-
-<file path=customXml/itemProps137.xml><?xml version="1.0" encoding="utf-8"?>
-<ds:datastoreItem xmlns:ds="http://schemas.openxmlformats.org/officeDocument/2006/customXml" ds:itemID="{04028895-3535-4345-9820-EB8EFA5CF5FC}">
-  <ds:schemaRefs>
-    <ds:schemaRef ds:uri="http://schemas.microsoft.com/VisualStudio/2011/storyboarding/control"/>
-  </ds:schemaRefs>
-</ds:datastoreItem>
-</file>
-
-<file path=customXml/itemProps138.xml><?xml version="1.0" encoding="utf-8"?>
-<ds:datastoreItem xmlns:ds="http://schemas.openxmlformats.org/officeDocument/2006/customXml" ds:itemID="{24971745-EF7D-4AA3-8707-DE9D3E17DAF7}">
-  <ds:schemaRefs>
-    <ds:schemaRef ds:uri="http://schemas.microsoft.com/VisualStudio/2011/storyboarding/control"/>
-  </ds:schemaRefs>
-</ds:datastoreItem>
-</file>
-
-<file path=customXml/itemProps139.xml><?xml version="1.0" encoding="utf-8"?>
-<ds:datastoreItem xmlns:ds="http://schemas.openxmlformats.org/officeDocument/2006/customXml" ds:itemID="{E8BA9EB1-E2E9-4F53-B367-1B048721DBB3}">
-  <ds:schemaRefs>
-    <ds:schemaRef ds:uri="http://schemas.microsoft.com/VisualStudio/2011/storyboarding/control"/>
-  </ds:schemaRefs>
-</ds:datastoreItem>
-</file>
-
-<file path=customXml/itemProps14.xml><?xml version="1.0" encoding="utf-8"?>
-<ds:datastoreItem xmlns:ds="http://schemas.openxmlformats.org/officeDocument/2006/customXml" ds:itemID="{302F2F09-7782-419F-9415-A3A47198BC8E}">
-  <ds:schemaRefs>
-    <ds:schemaRef ds:uri="http://schemas.microsoft.com/VisualStudio/2011/storyboarding/control"/>
-  </ds:schemaRefs>
-</ds:datastoreItem>
-</file>
-
-<file path=customXml/itemProps140.xml><?xml version="1.0" encoding="utf-8"?>
-<ds:datastoreItem xmlns:ds="http://schemas.openxmlformats.org/officeDocument/2006/customXml" ds:itemID="{399A9E8E-8B83-4946-9BDE-095D8B67533D}">
-  <ds:schemaRefs>
-    <ds:schemaRef ds:uri="http://schemas.microsoft.com/VisualStudio/2011/storyboarding/control"/>
-  </ds:schemaRefs>
-</ds:datastoreItem>
-</file>
-
-<file path=customXml/itemProps141.xml><?xml version="1.0" encoding="utf-8"?>
+<file path=customXml/itemProps86.xml><?xml version="1.0" encoding="utf-8"?>
 <ds:datastoreItem xmlns:ds="http://schemas.openxmlformats.org/officeDocument/2006/customXml" ds:itemID="{4A4DE273-68F1-4CAC-8D29-9766C2106059}">
   <ds:schemaRefs>
     <ds:schemaRef ds:uri="http://schemas.microsoft.com/VisualStudio/2011/storyboarding/control"/>
@@ -32736,183 +34989,15 @@
 </ds:datastoreItem>
 </file>
 
-<file path=customXml/itemProps142.xml><?xml version="1.0" encoding="utf-8"?>
-<ds:datastoreItem xmlns:ds="http://schemas.openxmlformats.org/officeDocument/2006/customXml" ds:itemID="{5EFAE650-F6F1-495D-AFF6-BC3E45016210}">
+<file path=customXml/itemProps87.xml><?xml version="1.0" encoding="utf-8"?>
+<ds:datastoreItem xmlns:ds="http://schemas.openxmlformats.org/officeDocument/2006/customXml" ds:itemID="{87846152-F66F-4F88-BEF2-937A73706ECE}">
   <ds:schemaRefs>
     <ds:schemaRef ds:uri="http://schemas.microsoft.com/VisualStudio/2011/storyboarding/control"/>
   </ds:schemaRefs>
 </ds:datastoreItem>
 </file>
 
-<file path=customXml/itemProps143.xml><?xml version="1.0" encoding="utf-8"?>
-<ds:datastoreItem xmlns:ds="http://schemas.openxmlformats.org/officeDocument/2006/customXml" ds:itemID="{FE7AA80A-FB6D-4161-A7F8-04A20FD218E0}">
-  <ds:schemaRefs>
-    <ds:schemaRef ds:uri="http://schemas.microsoft.com/VisualStudio/2011/storyboarding/control"/>
-  </ds:schemaRefs>
-</ds:datastoreItem>
-</file>
-
-<file path=customXml/itemProps144.xml><?xml version="1.0" encoding="utf-8"?>
-<ds:datastoreItem xmlns:ds="http://schemas.openxmlformats.org/officeDocument/2006/customXml" ds:itemID="{C4C49560-9D71-4927-855F-8BA97A840C52}">
-  <ds:schemaRefs>
-    <ds:schemaRef ds:uri="http://schemas.microsoft.com/VisualStudio/2011/storyboarding/control"/>
-  </ds:schemaRefs>
-</ds:datastoreItem>
-</file>
-
-<file path=customXml/itemProps145.xml><?xml version="1.0" encoding="utf-8"?>
-<ds:datastoreItem xmlns:ds="http://schemas.openxmlformats.org/officeDocument/2006/customXml" ds:itemID="{5DC85F9A-846F-404C-8726-E3000910AEAD}">
-  <ds:schemaRefs>
-    <ds:schemaRef ds:uri="http://schemas.microsoft.com/VisualStudio/2011/storyboarding/control"/>
-  </ds:schemaRefs>
-</ds:datastoreItem>
-</file>
-
-<file path=customXml/itemProps146.xml><?xml version="1.0" encoding="utf-8"?>
-<ds:datastoreItem xmlns:ds="http://schemas.openxmlformats.org/officeDocument/2006/customXml" ds:itemID="{581DD0E6-8DD3-4562-8757-58E288F918F9}">
-  <ds:schemaRefs>
-    <ds:schemaRef ds:uri="http://schemas.microsoft.com/VisualStudio/2011/storyboarding/control"/>
-  </ds:schemaRefs>
-</ds:datastoreItem>
-</file>
-
-<file path=customXml/itemProps147.xml><?xml version="1.0" encoding="utf-8"?>
-<ds:datastoreItem xmlns:ds="http://schemas.openxmlformats.org/officeDocument/2006/customXml" ds:itemID="{0BF9F786-F087-4074-9D26-0D41C902CAE8}">
-  <ds:schemaRefs>
-    <ds:schemaRef ds:uri="http://schemas.microsoft.com/VisualStudio/2011/storyboarding/control"/>
-  </ds:schemaRefs>
-</ds:datastoreItem>
-</file>
-
-<file path=customXml/itemProps148.xml><?xml version="1.0" encoding="utf-8"?>
-<ds:datastoreItem xmlns:ds="http://schemas.openxmlformats.org/officeDocument/2006/customXml" ds:itemID="{E82C2DAD-BD64-47E6-B203-75940568C823}">
-  <ds:schemaRefs>
-    <ds:schemaRef ds:uri="http://schemas.microsoft.com/VisualStudio/2011/storyboarding/control"/>
-  </ds:schemaRefs>
-</ds:datastoreItem>
-</file>
-
-<file path=customXml/itemProps149.xml><?xml version="1.0" encoding="utf-8"?>
-<ds:datastoreItem xmlns:ds="http://schemas.openxmlformats.org/officeDocument/2006/customXml" ds:itemID="{77847341-C497-4CB9-B03E-4013B44A2E18}">
-  <ds:schemaRefs>
-    <ds:schemaRef ds:uri="http://schemas.microsoft.com/VisualStudio/2011/storyboarding/control"/>
-  </ds:schemaRefs>
-</ds:datastoreItem>
-</file>
-
-<file path=customXml/itemProps15.xml><?xml version="1.0" encoding="utf-8"?>
-<ds:datastoreItem xmlns:ds="http://schemas.openxmlformats.org/officeDocument/2006/customXml" ds:itemID="{1DC09C50-4269-4D66-BC64-2FD917790BD1}">
-  <ds:schemaRefs>
-    <ds:schemaRef ds:uri="http://schemas.microsoft.com/VisualStudio/2011/storyboarding/control"/>
-  </ds:schemaRefs>
-</ds:datastoreItem>
-</file>
-
-<file path=customXml/itemProps150.xml><?xml version="1.0" encoding="utf-8"?>
-<ds:datastoreItem xmlns:ds="http://schemas.openxmlformats.org/officeDocument/2006/customXml" ds:itemID="{9D8E0550-882F-4795-913D-EC85D3AB9C07}">
-  <ds:schemaRefs>
-    <ds:schemaRef ds:uri="http://schemas.microsoft.com/VisualStudio/2011/storyboarding/control"/>
-  </ds:schemaRefs>
-</ds:datastoreItem>
-</file>
-
-<file path=customXml/itemProps151.xml><?xml version="1.0" encoding="utf-8"?>
-<ds:datastoreItem xmlns:ds="http://schemas.openxmlformats.org/officeDocument/2006/customXml" ds:itemID="{D7646E1C-253F-4FF6-89F5-0B0C6ED44F6C}">
-  <ds:schemaRefs>
-    <ds:schemaRef ds:uri="http://schemas.microsoft.com/VisualStudio/2011/storyboarding/control"/>
-  </ds:schemaRefs>
-</ds:datastoreItem>
-</file>
-
-<file path=customXml/itemProps152.xml><?xml version="1.0" encoding="utf-8"?>
-<ds:datastoreItem xmlns:ds="http://schemas.openxmlformats.org/officeDocument/2006/customXml" ds:itemID="{44165555-0E5B-4BCE-9F67-87C6D4F7AF19}">
-  <ds:schemaRefs>
-    <ds:schemaRef ds:uri="http://schemas.microsoft.com/VisualStudio/2011/storyboarding/control"/>
-  </ds:schemaRefs>
-</ds:datastoreItem>
-</file>
-
-<file path=customXml/itemProps153.xml><?xml version="1.0" encoding="utf-8"?>
-<ds:datastoreItem xmlns:ds="http://schemas.openxmlformats.org/officeDocument/2006/customXml" ds:itemID="{37F26A9F-B2DE-4AAF-9A4E-5332B3E9073B}">
-  <ds:schemaRefs>
-    <ds:schemaRef ds:uri="http://schemas.microsoft.com/VisualStudio/2011/storyboarding/control"/>
-  </ds:schemaRefs>
-</ds:datastoreItem>
-</file>
-
-<file path=customXml/itemProps154.xml><?xml version="1.0" encoding="utf-8"?>
-<ds:datastoreItem xmlns:ds="http://schemas.openxmlformats.org/officeDocument/2006/customXml" ds:itemID="{72C1ED2A-D3BA-42C7-BF99-EAB28CAB354A}">
-  <ds:schemaRefs>
-    <ds:schemaRef ds:uri="http://schemas.microsoft.com/VisualStudio/2011/storyboarding/control"/>
-  </ds:schemaRefs>
-</ds:datastoreItem>
-</file>
-
-<file path=customXml/itemProps155.xml><?xml version="1.0" encoding="utf-8"?>
-<ds:datastoreItem xmlns:ds="http://schemas.openxmlformats.org/officeDocument/2006/customXml" ds:itemID="{3283670A-EF25-42BB-9BF2-0E7D1E166533}">
-  <ds:schemaRefs>
-    <ds:schemaRef ds:uri="http://schemas.microsoft.com/VisualStudio/2011/storyboarding/control"/>
-  </ds:schemaRefs>
-</ds:datastoreItem>
-</file>
-
-<file path=customXml/itemProps156.xml><?xml version="1.0" encoding="utf-8"?>
-<ds:datastoreItem xmlns:ds="http://schemas.openxmlformats.org/officeDocument/2006/customXml" ds:itemID="{FA20BBFB-AAB4-4BDB-8C84-5EBBA6C188A4}">
-  <ds:schemaRefs>
-    <ds:schemaRef ds:uri="http://schemas.microsoft.com/VisualStudio/2011/storyboarding/control"/>
-  </ds:schemaRefs>
-</ds:datastoreItem>
-</file>
-
-<file path=customXml/itemProps157.xml><?xml version="1.0" encoding="utf-8"?>
-<ds:datastoreItem xmlns:ds="http://schemas.openxmlformats.org/officeDocument/2006/customXml" ds:itemID="{C333D1B3-9737-4B3D-8D0F-0306A8B89437}">
-  <ds:schemaRefs>
-    <ds:schemaRef ds:uri="http://schemas.microsoft.com/VisualStudio/2011/storyboarding/control"/>
-  </ds:schemaRefs>
-</ds:datastoreItem>
-</file>
-
-<file path=customXml/itemProps158.xml><?xml version="1.0" encoding="utf-8"?>
-<ds:datastoreItem xmlns:ds="http://schemas.openxmlformats.org/officeDocument/2006/customXml" ds:itemID="{D5BF17ED-77F9-4BEF-B819-F7EFFBEA47AE}">
-  <ds:schemaRefs>
-    <ds:schemaRef ds:uri="http://schemas.microsoft.com/VisualStudio/2011/storyboarding/control"/>
-  </ds:schemaRefs>
-</ds:datastoreItem>
-</file>
-
-<file path=customXml/itemProps159.xml><?xml version="1.0" encoding="utf-8"?>
-<ds:datastoreItem xmlns:ds="http://schemas.openxmlformats.org/officeDocument/2006/customXml" ds:itemID="{40558F86-185D-4B23-8D1F-045B2A3B83C7}">
-  <ds:schemaRefs>
-    <ds:schemaRef ds:uri="http://schemas.microsoft.com/VisualStudio/2011/storyboarding/control"/>
-  </ds:schemaRefs>
-</ds:datastoreItem>
-</file>
-
-<file path=customXml/itemProps16.xml><?xml version="1.0" encoding="utf-8"?>
-<ds:datastoreItem xmlns:ds="http://schemas.openxmlformats.org/officeDocument/2006/customXml" ds:itemID="{DC928DB4-7BFC-4523-92A8-5A1EDB445CAF}">
-  <ds:schemaRefs>
-    <ds:schemaRef ds:uri="http://schemas.microsoft.com/VisualStudio/2011/storyboarding/control"/>
-  </ds:schemaRefs>
-</ds:datastoreItem>
-</file>
-
-<file path=customXml/itemProps160.xml><?xml version="1.0" encoding="utf-8"?>
-<ds:datastoreItem xmlns:ds="http://schemas.openxmlformats.org/officeDocument/2006/customXml" ds:itemID="{7FBD9B6F-3BF4-4F8D-84E5-A9318144BA38}">
-  <ds:schemaRefs>
-    <ds:schemaRef ds:uri="http://schemas.microsoft.com/VisualStudio/2011/storyboarding/control"/>
-  </ds:schemaRefs>
-</ds:datastoreItem>
-</file>
-
-<file path=customXml/itemProps161.xml><?xml version="1.0" encoding="utf-8"?>
-<ds:datastoreItem xmlns:ds="http://schemas.openxmlformats.org/officeDocument/2006/customXml" ds:itemID="{6EEBCBC9-F43A-4150-9766-9A3A8A6892C3}">
-  <ds:schemaRefs>
-    <ds:schemaRef ds:uri="http://schemas.microsoft.com/VisualStudio/2011/storyboarding/control"/>
-  </ds:schemaRefs>
-</ds:datastoreItem>
-</file>
-
-<file path=customXml/itemProps162.xml><?xml version="1.0" encoding="utf-8"?>
+<file path=customXml/itemProps88.xml><?xml version="1.0" encoding="utf-8"?>
 <ds:datastoreItem xmlns:ds="http://schemas.openxmlformats.org/officeDocument/2006/customXml" ds:itemID="{084C151C-59FF-4CEA-AA8D-7563A8B3837A}">
   <ds:schemaRefs>
     <ds:schemaRef ds:uri="http://schemas.microsoft.com/VisualStudio/2011/storyboarding/control"/>
@@ -32920,183 +35005,7 @@
 </ds:datastoreItem>
 </file>
 
-<file path=customXml/itemProps163.xml><?xml version="1.0" encoding="utf-8"?>
-<ds:datastoreItem xmlns:ds="http://schemas.openxmlformats.org/officeDocument/2006/customXml" ds:itemID="{63873111-9E0E-417C-87B9-662A8F6E45A4}">
-  <ds:schemaRefs>
-    <ds:schemaRef ds:uri="http://schemas.microsoft.com/VisualStudio/2011/storyboarding/control"/>
-  </ds:schemaRefs>
-</ds:datastoreItem>
-</file>
-
-<file path=customXml/itemProps164.xml><?xml version="1.0" encoding="utf-8"?>
-<ds:datastoreItem xmlns:ds="http://schemas.openxmlformats.org/officeDocument/2006/customXml" ds:itemID="{10BA1287-173C-46E4-81C3-8EE020DDDCD3}">
-  <ds:schemaRefs>
-    <ds:schemaRef ds:uri="http://schemas.microsoft.com/VisualStudio/2011/storyboarding/control"/>
-  </ds:schemaRefs>
-</ds:datastoreItem>
-</file>
-
-<file path=customXml/itemProps165.xml><?xml version="1.0" encoding="utf-8"?>
-<ds:datastoreItem xmlns:ds="http://schemas.openxmlformats.org/officeDocument/2006/customXml" ds:itemID="{575F575E-AC00-4BB2-A650-4CFA1BDF90B0}">
-  <ds:schemaRefs>
-    <ds:schemaRef ds:uri="http://schemas.microsoft.com/VisualStudio/2011/storyboarding/control"/>
-  </ds:schemaRefs>
-</ds:datastoreItem>
-</file>
-
-<file path=customXml/itemProps166.xml><?xml version="1.0" encoding="utf-8"?>
-<ds:datastoreItem xmlns:ds="http://schemas.openxmlformats.org/officeDocument/2006/customXml" ds:itemID="{EB285E3F-0D4C-4CC5-A2AF-6531ED427782}">
-  <ds:schemaRefs>
-    <ds:schemaRef ds:uri="http://schemas.microsoft.com/VisualStudio/2011/storyboarding/control"/>
-  </ds:schemaRefs>
-</ds:datastoreItem>
-</file>
-
-<file path=customXml/itemProps167.xml><?xml version="1.0" encoding="utf-8"?>
-<ds:datastoreItem xmlns:ds="http://schemas.openxmlformats.org/officeDocument/2006/customXml" ds:itemID="{FFE9839C-8A39-4F69-B1C2-4C23F8AB5E65}">
-  <ds:schemaRefs>
-    <ds:schemaRef ds:uri="http://schemas.microsoft.com/VisualStudio/2011/storyboarding/control"/>
-  </ds:schemaRefs>
-</ds:datastoreItem>
-</file>
-
-<file path=customXml/itemProps168.xml><?xml version="1.0" encoding="utf-8"?>
-<ds:datastoreItem xmlns:ds="http://schemas.openxmlformats.org/officeDocument/2006/customXml" ds:itemID="{A0A26CE8-B118-4D7A-B83A-60DF2BAA7D2E}">
-  <ds:schemaRefs>
-    <ds:schemaRef ds:uri="http://schemas.microsoft.com/VisualStudio/2011/storyboarding/control"/>
-  </ds:schemaRefs>
-</ds:datastoreItem>
-</file>
-
-<file path=customXml/itemProps169.xml><?xml version="1.0" encoding="utf-8"?>
-<ds:datastoreItem xmlns:ds="http://schemas.openxmlformats.org/officeDocument/2006/customXml" ds:itemID="{1C7D295F-4517-4521-B308-5B68BFF6F088}">
-  <ds:schemaRefs>
-    <ds:schemaRef ds:uri="http://schemas.microsoft.com/VisualStudio/2011/storyboarding/control"/>
-  </ds:schemaRefs>
-</ds:datastoreItem>
-</file>
-
-<file path=customXml/itemProps17.xml><?xml version="1.0" encoding="utf-8"?>
-<ds:datastoreItem xmlns:ds="http://schemas.openxmlformats.org/officeDocument/2006/customXml" ds:itemID="{AF4B8F38-3A30-4D80-89E8-44AFCDC37DD5}">
-  <ds:schemaRefs>
-    <ds:schemaRef ds:uri="http://schemas.microsoft.com/VisualStudio/2011/storyboarding/control"/>
-  </ds:schemaRefs>
-</ds:datastoreItem>
-</file>
-
-<file path=customXml/itemProps170.xml><?xml version="1.0" encoding="utf-8"?>
-<ds:datastoreItem xmlns:ds="http://schemas.openxmlformats.org/officeDocument/2006/customXml" ds:itemID="{09D59F3E-DC36-488C-A905-8058066A645D}">
-  <ds:schemaRefs>
-    <ds:schemaRef ds:uri="http://schemas.microsoft.com/VisualStudio/2011/storyboarding/control"/>
-  </ds:schemaRefs>
-</ds:datastoreItem>
-</file>
-
-<file path=customXml/itemProps171.xml><?xml version="1.0" encoding="utf-8"?>
-<ds:datastoreItem xmlns:ds="http://schemas.openxmlformats.org/officeDocument/2006/customXml" ds:itemID="{DD9EF4AA-4CD1-4313-8581-7AB2AFA65F1D}">
-  <ds:schemaRefs>
-    <ds:schemaRef ds:uri="http://schemas.microsoft.com/VisualStudio/2011/storyboarding/control"/>
-  </ds:schemaRefs>
-</ds:datastoreItem>
-</file>
-
-<file path=customXml/itemProps172.xml><?xml version="1.0" encoding="utf-8"?>
-<ds:datastoreItem xmlns:ds="http://schemas.openxmlformats.org/officeDocument/2006/customXml" ds:itemID="{779276AF-B90D-4546-8C64-8644B38E5879}">
-  <ds:schemaRefs>
-    <ds:schemaRef ds:uri="http://schemas.microsoft.com/VisualStudio/2011/storyboarding/control"/>
-  </ds:schemaRefs>
-</ds:datastoreItem>
-</file>
-
-<file path=customXml/itemProps173.xml><?xml version="1.0" encoding="utf-8"?>
-<ds:datastoreItem xmlns:ds="http://schemas.openxmlformats.org/officeDocument/2006/customXml" ds:itemID="{5C00B188-A4CA-44F2-910A-CE26DED115EC}">
-  <ds:schemaRefs>
-    <ds:schemaRef ds:uri="http://schemas.microsoft.com/VisualStudio/2011/storyboarding/control"/>
-  </ds:schemaRefs>
-</ds:datastoreItem>
-</file>
-
-<file path=customXml/itemProps174.xml><?xml version="1.0" encoding="utf-8"?>
-<ds:datastoreItem xmlns:ds="http://schemas.openxmlformats.org/officeDocument/2006/customXml" ds:itemID="{D6DEBB23-3F78-4F65-A577-7267F31A459B}">
-  <ds:schemaRefs>
-    <ds:schemaRef ds:uri="http://schemas.microsoft.com/VisualStudio/2011/storyboarding/control"/>
-  </ds:schemaRefs>
-</ds:datastoreItem>
-</file>
-
-<file path=customXml/itemProps175.xml><?xml version="1.0" encoding="utf-8"?>
-<ds:datastoreItem xmlns:ds="http://schemas.openxmlformats.org/officeDocument/2006/customXml" ds:itemID="{49F1EA1A-B514-4474-9BD2-2A24A699EB1B}">
-  <ds:schemaRefs>
-    <ds:schemaRef ds:uri="http://schemas.microsoft.com/VisualStudio/2011/storyboarding/control"/>
-  </ds:schemaRefs>
-</ds:datastoreItem>
-</file>
-
-<file path=customXml/itemProps176.xml><?xml version="1.0" encoding="utf-8"?>
-<ds:datastoreItem xmlns:ds="http://schemas.openxmlformats.org/officeDocument/2006/customXml" ds:itemID="{65CB6474-9DAD-421C-89A3-A101FFDEA61F}">
-  <ds:schemaRefs>
-    <ds:schemaRef ds:uri="http://schemas.microsoft.com/VisualStudio/2011/storyboarding/control"/>
-  </ds:schemaRefs>
-</ds:datastoreItem>
-</file>
-
-<file path=customXml/itemProps177.xml><?xml version="1.0" encoding="utf-8"?>
-<ds:datastoreItem xmlns:ds="http://schemas.openxmlformats.org/officeDocument/2006/customXml" ds:itemID="{9D3576A9-4A42-4A0F-932A-B63481C0D6D0}">
-  <ds:schemaRefs>
-    <ds:schemaRef ds:uri="http://schemas.microsoft.com/VisualStudio/2011/storyboarding/control"/>
-  </ds:schemaRefs>
-</ds:datastoreItem>
-</file>
-
-<file path=customXml/itemProps178.xml><?xml version="1.0" encoding="utf-8"?>
-<ds:datastoreItem xmlns:ds="http://schemas.openxmlformats.org/officeDocument/2006/customXml" ds:itemID="{4346E5B0-F8D1-4BB1-A6B2-FBC637966D55}">
-  <ds:schemaRefs>
-    <ds:schemaRef ds:uri="http://schemas.microsoft.com/VisualStudio/2011/storyboarding/control"/>
-  </ds:schemaRefs>
-</ds:datastoreItem>
-</file>
-
-<file path=customXml/itemProps179.xml><?xml version="1.0" encoding="utf-8"?>
-<ds:datastoreItem xmlns:ds="http://schemas.openxmlformats.org/officeDocument/2006/customXml" ds:itemID="{996259C3-C722-48C6-9781-9C39C0B4B465}">
-  <ds:schemaRefs>
-    <ds:schemaRef ds:uri="http://schemas.microsoft.com/VisualStudio/2011/storyboarding/control"/>
-  </ds:schemaRefs>
-</ds:datastoreItem>
-</file>
-
-<file path=customXml/itemProps18.xml><?xml version="1.0" encoding="utf-8"?>
-<ds:datastoreItem xmlns:ds="http://schemas.openxmlformats.org/officeDocument/2006/customXml" ds:itemID="{D13D1DF1-3B05-4783-B14D-6A78C60810BC}">
-  <ds:schemaRefs>
-    <ds:schemaRef ds:uri="http://schemas.microsoft.com/VisualStudio/2011/storyboarding/control"/>
-  </ds:schemaRefs>
-</ds:datastoreItem>
-</file>
-
-<file path=customXml/itemProps180.xml><?xml version="1.0" encoding="utf-8"?>
-<ds:datastoreItem xmlns:ds="http://schemas.openxmlformats.org/officeDocument/2006/customXml" ds:itemID="{A7C912A6-2E4C-4F63-B786-02908B9A50F7}">
-  <ds:schemaRefs>
-    <ds:schemaRef ds:uri="http://schemas.microsoft.com/VisualStudio/2011/storyboarding/control"/>
-  </ds:schemaRefs>
-</ds:datastoreItem>
-</file>
-
-<file path=customXml/itemProps181.xml><?xml version="1.0" encoding="utf-8"?>
-<ds:datastoreItem xmlns:ds="http://schemas.openxmlformats.org/officeDocument/2006/customXml" ds:itemID="{EBFCE66D-649D-49A0-9B99-0EBA86EBCA41}">
-  <ds:schemaRefs>
-    <ds:schemaRef ds:uri="http://schemas.microsoft.com/VisualStudio/2011/storyboarding/control"/>
-  </ds:schemaRefs>
-</ds:datastoreItem>
-</file>
-
-<file path=customXml/itemProps182.xml><?xml version="1.0" encoding="utf-8"?>
-<ds:datastoreItem xmlns:ds="http://schemas.openxmlformats.org/officeDocument/2006/customXml" ds:itemID="{F5C2609A-EC84-4FC9-8728-6865CA42D4DE}">
-  <ds:schemaRefs>
-    <ds:schemaRef ds:uri="http://schemas.microsoft.com/VisualStudio/2011/storyboarding/control"/>
-  </ds:schemaRefs>
-</ds:datastoreItem>
-</file>
-
-<file path=customXml/itemProps183.xml><?xml version="1.0" encoding="utf-8"?>
+<file path=customXml/itemProps89.xml><?xml version="1.0" encoding="utf-8"?>
 <ds:datastoreItem xmlns:ds="http://schemas.openxmlformats.org/officeDocument/2006/customXml" ds:itemID="{2C3F24B8-F885-41B5-B1C8-9BF31663D343}">
   <ds:schemaRefs>
     <ds:schemaRef ds:uri="http://schemas.microsoft.com/VisualStudio/2011/storyboarding/control"/>
@@ -33104,311 +35013,15 @@
 </ds:datastoreItem>
 </file>
 
-<file path=customXml/itemProps184.xml><?xml version="1.0" encoding="utf-8"?>
-<ds:datastoreItem xmlns:ds="http://schemas.openxmlformats.org/officeDocument/2006/customXml" ds:itemID="{D1F4CDF5-DEE4-4A36-8233-41E528F08980}">
+<file path=customXml/itemProps9.xml><?xml version="1.0" encoding="utf-8"?>
+<ds:datastoreItem xmlns:ds="http://schemas.openxmlformats.org/officeDocument/2006/customXml" ds:itemID="{52929A5E-745B-4F68-B063-419A7BA9B6DE}">
   <ds:schemaRefs>
     <ds:schemaRef ds:uri="http://schemas.microsoft.com/VisualStudio/2011/storyboarding/control"/>
   </ds:schemaRefs>
 </ds:datastoreItem>
 </file>
 
-<file path=customXml/itemProps185.xml><?xml version="1.0" encoding="utf-8"?>
-<ds:datastoreItem xmlns:ds="http://schemas.openxmlformats.org/officeDocument/2006/customXml" ds:itemID="{6000BF76-E98D-4671-B303-79F41F9237EC}">
-  <ds:schemaRefs>
-    <ds:schemaRef ds:uri="http://schemas.microsoft.com/VisualStudio/2011/storyboarding/control"/>
-  </ds:schemaRefs>
-</ds:datastoreItem>
-</file>
-
-<file path=customXml/itemProps186.xml><?xml version="1.0" encoding="utf-8"?>
-<ds:datastoreItem xmlns:ds="http://schemas.openxmlformats.org/officeDocument/2006/customXml" ds:itemID="{043DC673-5C97-4B62-97D8-0109E863B28C}">
-  <ds:schemaRefs>
-    <ds:schemaRef ds:uri="http://schemas.microsoft.com/VisualStudio/2011/storyboarding/control"/>
-  </ds:schemaRefs>
-</ds:datastoreItem>
-</file>
-
-<file path=customXml/itemProps187.xml><?xml version="1.0" encoding="utf-8"?>
-<ds:datastoreItem xmlns:ds="http://schemas.openxmlformats.org/officeDocument/2006/customXml" ds:itemID="{EBACD382-B88F-49D9-A641-5BC5073DCE46}">
-  <ds:schemaRefs>
-    <ds:schemaRef ds:uri="http://schemas.microsoft.com/VisualStudio/2011/storyboarding/control"/>
-  </ds:schemaRefs>
-</ds:datastoreItem>
-</file>
-
-<file path=customXml/itemProps188.xml><?xml version="1.0" encoding="utf-8"?>
-<ds:datastoreItem xmlns:ds="http://schemas.openxmlformats.org/officeDocument/2006/customXml" ds:itemID="{1364451C-E448-403A-8C5A-9AD519CAF8C0}">
-  <ds:schemaRefs>
-    <ds:schemaRef ds:uri="http://schemas.microsoft.com/VisualStudio/2011/storyboarding/control"/>
-  </ds:schemaRefs>
-</ds:datastoreItem>
-</file>
-
-<file path=customXml/itemProps189.xml><?xml version="1.0" encoding="utf-8"?>
-<ds:datastoreItem xmlns:ds="http://schemas.openxmlformats.org/officeDocument/2006/customXml" ds:itemID="{94BED065-36B9-4F89-AADA-C482F63E609B}">
-  <ds:schemaRefs>
-    <ds:schemaRef ds:uri="http://schemas.microsoft.com/VisualStudio/2011/storyboarding/control"/>
-  </ds:schemaRefs>
-</ds:datastoreItem>
-</file>
-
-<file path=customXml/itemProps19.xml><?xml version="1.0" encoding="utf-8"?>
-<ds:datastoreItem xmlns:ds="http://schemas.openxmlformats.org/officeDocument/2006/customXml" ds:itemID="{4B9DDF61-4BD8-4072-AABB-3A9BFAE071AF}">
-  <ds:schemaRefs>
-    <ds:schemaRef ds:uri="http://schemas.microsoft.com/VisualStudio/2011/storyboarding/control"/>
-  </ds:schemaRefs>
-</ds:datastoreItem>
-</file>
-
-<file path=customXml/itemProps190.xml><?xml version="1.0" encoding="utf-8"?>
-<ds:datastoreItem xmlns:ds="http://schemas.openxmlformats.org/officeDocument/2006/customXml" ds:itemID="{F5E53A42-3B44-4279-AB36-72349357EAE8}">
-  <ds:schemaRefs>
-    <ds:schemaRef ds:uri="http://schemas.microsoft.com/VisualStudio/2011/storyboarding/control"/>
-  </ds:schemaRefs>
-</ds:datastoreItem>
-</file>
-
-<file path=customXml/itemProps191.xml><?xml version="1.0" encoding="utf-8"?>
-<ds:datastoreItem xmlns:ds="http://schemas.openxmlformats.org/officeDocument/2006/customXml" ds:itemID="{A0328A30-5FBC-41C4-A440-D8E682B08C81}">
-  <ds:schemaRefs>
-    <ds:schemaRef ds:uri="http://schemas.microsoft.com/VisualStudio/2011/storyboarding/control"/>
-  </ds:schemaRefs>
-</ds:datastoreItem>
-</file>
-
-<file path=customXml/itemProps192.xml><?xml version="1.0" encoding="utf-8"?>
-<ds:datastoreItem xmlns:ds="http://schemas.openxmlformats.org/officeDocument/2006/customXml" ds:itemID="{3B5D4E7F-54EC-4F3F-9E0B-2BC46D837EE9}">
-  <ds:schemaRefs>
-    <ds:schemaRef ds:uri="http://schemas.microsoft.com/VisualStudio/2011/storyboarding/control"/>
-  </ds:schemaRefs>
-</ds:datastoreItem>
-</file>
-
-<file path=customXml/itemProps193.xml><?xml version="1.0" encoding="utf-8"?>
-<ds:datastoreItem xmlns:ds="http://schemas.openxmlformats.org/officeDocument/2006/customXml" ds:itemID="{010A0911-CBDD-431B-8518-C1A849F59AD1}">
-  <ds:schemaRefs>
-    <ds:schemaRef ds:uri="http://schemas.microsoft.com/VisualStudio/2011/storyboarding/control"/>
-  </ds:schemaRefs>
-</ds:datastoreItem>
-</file>
-
-<file path=customXml/itemProps194.xml><?xml version="1.0" encoding="utf-8"?>
-<ds:datastoreItem xmlns:ds="http://schemas.openxmlformats.org/officeDocument/2006/customXml" ds:itemID="{BE08B8F6-2A8C-4860-82F3-C5AFA749E769}">
-  <ds:schemaRefs>
-    <ds:schemaRef ds:uri="http://schemas.microsoft.com/VisualStudio/2011/storyboarding/control"/>
-  </ds:schemaRefs>
-</ds:datastoreItem>
-</file>
-
-<file path=customXml/itemProps195.xml><?xml version="1.0" encoding="utf-8"?>
-<ds:datastoreItem xmlns:ds="http://schemas.openxmlformats.org/officeDocument/2006/customXml" ds:itemID="{057513B5-A6F1-488D-BB46-182FF6B462F7}">
-  <ds:schemaRefs>
-    <ds:schemaRef ds:uri="http://schemas.microsoft.com/VisualStudio/2011/storyboarding/control"/>
-  </ds:schemaRefs>
-</ds:datastoreItem>
-</file>
-
-<file path=customXml/itemProps196.xml><?xml version="1.0" encoding="utf-8"?>
-<ds:datastoreItem xmlns:ds="http://schemas.openxmlformats.org/officeDocument/2006/customXml" ds:itemID="{C8055E01-8A0A-4A17-AA21-5B31E4648956}">
-  <ds:schemaRefs>
-    <ds:schemaRef ds:uri="http://schemas.microsoft.com/VisualStudio/2011/storyboarding/control"/>
-  </ds:schemaRefs>
-</ds:datastoreItem>
-</file>
-
-<file path=customXml/itemProps197.xml><?xml version="1.0" encoding="utf-8"?>
-<ds:datastoreItem xmlns:ds="http://schemas.openxmlformats.org/officeDocument/2006/customXml" ds:itemID="{A913F70E-6967-40FD-8BC4-67642DEC6217}">
-  <ds:schemaRefs>
-    <ds:schemaRef ds:uri="http://schemas.microsoft.com/VisualStudio/2011/storyboarding/control"/>
-  </ds:schemaRefs>
-</ds:datastoreItem>
-</file>
-
-<file path=customXml/itemProps198.xml><?xml version="1.0" encoding="utf-8"?>
-<ds:datastoreItem xmlns:ds="http://schemas.openxmlformats.org/officeDocument/2006/customXml" ds:itemID="{8927DBF7-52C3-47A2-94A5-51B49AD85566}">
-  <ds:schemaRefs>
-    <ds:schemaRef ds:uri="http://schemas.microsoft.com/VisualStudio/2011/storyboarding/control"/>
-  </ds:schemaRefs>
-</ds:datastoreItem>
-</file>
-
-<file path=customXml/itemProps199.xml><?xml version="1.0" encoding="utf-8"?>
-<ds:datastoreItem xmlns:ds="http://schemas.openxmlformats.org/officeDocument/2006/customXml" ds:itemID="{D5402670-AC36-47C0-B331-92596163340B}">
-  <ds:schemaRefs>
-    <ds:schemaRef ds:uri="http://schemas.microsoft.com/VisualStudio/2011/storyboarding/control"/>
-  </ds:schemaRefs>
-</ds:datastoreItem>
-</file>
-
-<file path=customXml/itemProps2.xml><?xml version="1.0" encoding="utf-8"?>
-<ds:datastoreItem xmlns:ds="http://schemas.openxmlformats.org/officeDocument/2006/customXml" ds:itemID="{E892CE19-EB73-47A2-B83C-EF691B98004F}">
-  <ds:schemaRefs>
-    <ds:schemaRef ds:uri="http://schemas.microsoft.com/VisualStudio/2011/storyboarding/control"/>
-  </ds:schemaRefs>
-</ds:datastoreItem>
-</file>
-
-<file path=customXml/itemProps20.xml><?xml version="1.0" encoding="utf-8"?>
-<ds:datastoreItem xmlns:ds="http://schemas.openxmlformats.org/officeDocument/2006/customXml" ds:itemID="{63E47C83-8069-42E4-97B6-F5C7E1E8C1B2}">
-  <ds:schemaRefs>
-    <ds:schemaRef ds:uri="http://schemas.microsoft.com/VisualStudio/2011/storyboarding/control"/>
-  </ds:schemaRefs>
-</ds:datastoreItem>
-</file>
-
-<file path=customXml/itemProps200.xml><?xml version="1.0" encoding="utf-8"?>
-<ds:datastoreItem xmlns:ds="http://schemas.openxmlformats.org/officeDocument/2006/customXml" ds:itemID="{71E94438-CE05-443D-9BC9-A6900DB82EC4}">
-  <ds:schemaRefs>
-    <ds:schemaRef ds:uri="http://schemas.microsoft.com/VisualStudio/2011/storyboarding/control"/>
-  </ds:schemaRefs>
-</ds:datastoreItem>
-</file>
-
-<file path=customXml/itemProps201.xml><?xml version="1.0" encoding="utf-8"?>
-<ds:datastoreItem xmlns:ds="http://schemas.openxmlformats.org/officeDocument/2006/customXml" ds:itemID="{7C93A112-3773-4A7A-A896-62174BECA38C}">
-  <ds:schemaRefs>
-    <ds:schemaRef ds:uri="http://schemas.microsoft.com/VisualStudio/2011/storyboarding/control"/>
-  </ds:schemaRefs>
-</ds:datastoreItem>
-</file>
-
-<file path=customXml/itemProps202.xml><?xml version="1.0" encoding="utf-8"?>
-<ds:datastoreItem xmlns:ds="http://schemas.openxmlformats.org/officeDocument/2006/customXml" ds:itemID="{B21B661E-7CD0-426E-B439-48FA3CBBB4B9}">
-  <ds:schemaRefs>
-    <ds:schemaRef ds:uri="http://schemas.microsoft.com/VisualStudio/2011/storyboarding/control"/>
-  </ds:schemaRefs>
-</ds:datastoreItem>
-</file>
-
-<file path=customXml/itemProps203.xml><?xml version="1.0" encoding="utf-8"?>
-<ds:datastoreItem xmlns:ds="http://schemas.openxmlformats.org/officeDocument/2006/customXml" ds:itemID="{D156E8B4-9655-4CCD-9E5D-7F4554510F10}">
-  <ds:schemaRefs>
-    <ds:schemaRef ds:uri="http://schemas.microsoft.com/VisualStudio/2011/storyboarding/control"/>
-  </ds:schemaRefs>
-</ds:datastoreItem>
-</file>
-
-<file path=customXml/itemProps204.xml><?xml version="1.0" encoding="utf-8"?>
-<ds:datastoreItem xmlns:ds="http://schemas.openxmlformats.org/officeDocument/2006/customXml" ds:itemID="{58C19815-9EA3-470F-BE76-1702F92CBA7C}">
-  <ds:schemaRefs>
-    <ds:schemaRef ds:uri="http://schemas.microsoft.com/VisualStudio/2011/storyboarding/control"/>
-  </ds:schemaRefs>
-</ds:datastoreItem>
-</file>
-
-<file path=customXml/itemProps205.xml><?xml version="1.0" encoding="utf-8"?>
-<ds:datastoreItem xmlns:ds="http://schemas.openxmlformats.org/officeDocument/2006/customXml" ds:itemID="{9C92F2FE-AC2C-4704-B679-66C441C1FF94}">
-  <ds:schemaRefs>
-    <ds:schemaRef ds:uri="http://schemas.microsoft.com/VisualStudio/2011/storyboarding/control"/>
-  </ds:schemaRefs>
-</ds:datastoreItem>
-</file>
-
-<file path=customXml/itemProps206.xml><?xml version="1.0" encoding="utf-8"?>
-<ds:datastoreItem xmlns:ds="http://schemas.openxmlformats.org/officeDocument/2006/customXml" ds:itemID="{680107E1-5A3D-4838-9CDB-2ED7AFBFD60A}">
-  <ds:schemaRefs>
-    <ds:schemaRef ds:uri="http://schemas.microsoft.com/VisualStudio/2011/storyboarding/control"/>
-  </ds:schemaRefs>
-</ds:datastoreItem>
-</file>
-
-<file path=customXml/itemProps207.xml><?xml version="1.0" encoding="utf-8"?>
-<ds:datastoreItem xmlns:ds="http://schemas.openxmlformats.org/officeDocument/2006/customXml" ds:itemID="{C0E0EC6A-6914-4C25-9857-35EAE6CD12C5}">
-  <ds:schemaRefs>
-    <ds:schemaRef ds:uri="http://schemas.microsoft.com/VisualStudio/2011/storyboarding/control"/>
-  </ds:schemaRefs>
-</ds:datastoreItem>
-</file>
-
-<file path=customXml/itemProps208.xml><?xml version="1.0" encoding="utf-8"?>
-<ds:datastoreItem xmlns:ds="http://schemas.openxmlformats.org/officeDocument/2006/customXml" ds:itemID="{45200A58-CC99-4C6E-8CBD-E23FFECE78CC}">
-  <ds:schemaRefs>
-    <ds:schemaRef ds:uri="http://schemas.microsoft.com/VisualStudio/2011/storyboarding/control"/>
-  </ds:schemaRefs>
-</ds:datastoreItem>
-</file>
-
-<file path=customXml/itemProps209.xml><?xml version="1.0" encoding="utf-8"?>
-<ds:datastoreItem xmlns:ds="http://schemas.openxmlformats.org/officeDocument/2006/customXml" ds:itemID="{ABE80E9F-F51D-4F0B-9385-E335939FF587}">
-  <ds:schemaRefs>
-    <ds:schemaRef ds:uri="http://schemas.microsoft.com/VisualStudio/2011/storyboarding/control"/>
-  </ds:schemaRefs>
-</ds:datastoreItem>
-</file>
-
-<file path=customXml/itemProps21.xml><?xml version="1.0" encoding="utf-8"?>
-<ds:datastoreItem xmlns:ds="http://schemas.openxmlformats.org/officeDocument/2006/customXml" ds:itemID="{28A93AC9-4C54-430C-8913-1058799EB271}">
-  <ds:schemaRefs>
-    <ds:schemaRef ds:uri="http://schemas.microsoft.com/VisualStudio/2011/storyboarding/control"/>
-  </ds:schemaRefs>
-</ds:datastoreItem>
-</file>
-
-<file path=customXml/itemProps210.xml><?xml version="1.0" encoding="utf-8"?>
-<ds:datastoreItem xmlns:ds="http://schemas.openxmlformats.org/officeDocument/2006/customXml" ds:itemID="{AEA6C46E-1A4E-4755-9CB5-875AB0696825}">
-  <ds:schemaRefs>
-    <ds:schemaRef ds:uri="http://schemas.microsoft.com/VisualStudio/2011/storyboarding/control"/>
-  </ds:schemaRefs>
-</ds:datastoreItem>
-</file>
-
-<file path=customXml/itemProps211.xml><?xml version="1.0" encoding="utf-8"?>
-<ds:datastoreItem xmlns:ds="http://schemas.openxmlformats.org/officeDocument/2006/customXml" ds:itemID="{C69F6DA2-36E3-41C8-9970-FDCA56323E9D}">
-  <ds:schemaRefs>
-    <ds:schemaRef ds:uri="http://schemas.microsoft.com/VisualStudio/2011/storyboarding/control"/>
-  </ds:schemaRefs>
-</ds:datastoreItem>
-</file>
-
-<file path=customXml/itemProps212.xml><?xml version="1.0" encoding="utf-8"?>
-<ds:datastoreItem xmlns:ds="http://schemas.openxmlformats.org/officeDocument/2006/customXml" ds:itemID="{413DA6A7-821F-476E-8E0A-905652957DCD}">
-  <ds:schemaRefs>
-    <ds:schemaRef ds:uri="http://schemas.microsoft.com/VisualStudio/2011/storyboarding/control"/>
-  </ds:schemaRefs>
-</ds:datastoreItem>
-</file>
-
-<file path=customXml/itemProps213.xml><?xml version="1.0" encoding="utf-8"?>
-<ds:datastoreItem xmlns:ds="http://schemas.openxmlformats.org/officeDocument/2006/customXml" ds:itemID="{1092578C-BEDB-45C2-903C-FFE174ED4EF2}">
-  <ds:schemaRefs>
-    <ds:schemaRef ds:uri="http://schemas.microsoft.com/VisualStudio/2011/storyboarding/control"/>
-  </ds:schemaRefs>
-</ds:datastoreItem>
-</file>
-
-<file path=customXml/itemProps214.xml><?xml version="1.0" encoding="utf-8"?>
-<ds:datastoreItem xmlns:ds="http://schemas.openxmlformats.org/officeDocument/2006/customXml" ds:itemID="{7D478DEB-61C6-4E6E-90B1-52B3FDA2C2C6}">
-  <ds:schemaRefs>
-    <ds:schemaRef ds:uri="http://schemas.microsoft.com/VisualStudio/2011/storyboarding/control"/>
-  </ds:schemaRefs>
-</ds:datastoreItem>
-</file>
-
-<file path=customXml/itemProps215.xml><?xml version="1.0" encoding="utf-8"?>
-<ds:datastoreItem xmlns:ds="http://schemas.openxmlformats.org/officeDocument/2006/customXml" ds:itemID="{074478F8-5FE7-42F3-8A8F-64C328EBEE81}">
-  <ds:schemaRefs>
-    <ds:schemaRef ds:uri="http://schemas.microsoft.com/VisualStudio/2011/storyboarding/control"/>
-  </ds:schemaRefs>
-</ds:datastoreItem>
-</file>
-
-<file path=customXml/itemProps216.xml><?xml version="1.0" encoding="utf-8"?>
-<ds:datastoreItem xmlns:ds="http://schemas.openxmlformats.org/officeDocument/2006/customXml" ds:itemID="{77279B96-FD95-47D8-9C70-8A592B11B0F8}">
-  <ds:schemaRefs>
-    <ds:schemaRef ds:uri="http://schemas.microsoft.com/VisualStudio/2011/storyboarding/control"/>
-  </ds:schemaRefs>
-</ds:datastoreItem>
-</file>
-
-<file path=customXml/itemProps217.xml><?xml version="1.0" encoding="utf-8"?>
-<ds:datastoreItem xmlns:ds="http://schemas.openxmlformats.org/officeDocument/2006/customXml" ds:itemID="{C6634AA6-0836-4E32-9096-DF3D3737E2AA}">
-  <ds:schemaRefs>
-    <ds:schemaRef ds:uri="http://schemas.microsoft.com/VisualStudio/2011/storyboarding/control"/>
-  </ds:schemaRefs>
-</ds:datastoreItem>
-</file>
-
-<file path=customXml/itemProps218.xml><?xml version="1.0" encoding="utf-8"?>
+<file path=customXml/itemProps90.xml><?xml version="1.0" encoding="utf-8"?>
 <ds:datastoreItem xmlns:ds="http://schemas.openxmlformats.org/officeDocument/2006/customXml" ds:itemID="{D7D50DA3-4B13-462E-9774-C59C500A10DB}">
   <ds:schemaRefs>
     <ds:schemaRef ds:uri="http://schemas.microsoft.com/VisualStudio/2011/storyboarding/control"/>
@@ -33416,183 +35029,7 @@
 </ds:datastoreItem>
 </file>
 
-<file path=customXml/itemProps219.xml><?xml version="1.0" encoding="utf-8"?>
-<ds:datastoreItem xmlns:ds="http://schemas.openxmlformats.org/officeDocument/2006/customXml" ds:itemID="{D06826A5-A1C7-479B-8D5E-DC86E6024648}">
-  <ds:schemaRefs>
-    <ds:schemaRef ds:uri="http://schemas.microsoft.com/VisualStudio/2011/storyboarding/control"/>
-  </ds:schemaRefs>
-</ds:datastoreItem>
-</file>
-
-<file path=customXml/itemProps22.xml><?xml version="1.0" encoding="utf-8"?>
-<ds:datastoreItem xmlns:ds="http://schemas.openxmlformats.org/officeDocument/2006/customXml" ds:itemID="{53530552-9E3D-4A02-88AB-E6CA9FB9A4E7}">
-  <ds:schemaRefs>
-    <ds:schemaRef ds:uri="http://schemas.microsoft.com/VisualStudio/2011/storyboarding/control"/>
-  </ds:schemaRefs>
-</ds:datastoreItem>
-</file>
-
-<file path=customXml/itemProps220.xml><?xml version="1.0" encoding="utf-8"?>
-<ds:datastoreItem xmlns:ds="http://schemas.openxmlformats.org/officeDocument/2006/customXml" ds:itemID="{0A8C986D-C090-4801-B3C3-D646EB332C7F}">
-  <ds:schemaRefs>
-    <ds:schemaRef ds:uri="http://schemas.microsoft.com/VisualStudio/2011/storyboarding/control"/>
-  </ds:schemaRefs>
-</ds:datastoreItem>
-</file>
-
-<file path=customXml/itemProps221.xml><?xml version="1.0" encoding="utf-8"?>
-<ds:datastoreItem xmlns:ds="http://schemas.openxmlformats.org/officeDocument/2006/customXml" ds:itemID="{0776BC9A-BD6C-472F-BF83-910EDA60BED5}">
-  <ds:schemaRefs>
-    <ds:schemaRef ds:uri="http://schemas.microsoft.com/VisualStudio/2011/storyboarding/control"/>
-  </ds:schemaRefs>
-</ds:datastoreItem>
-</file>
-
-<file path=customXml/itemProps222.xml><?xml version="1.0" encoding="utf-8"?>
-<ds:datastoreItem xmlns:ds="http://schemas.openxmlformats.org/officeDocument/2006/customXml" ds:itemID="{A7E20D55-195E-44D9-A5DC-77A5EA5D74F7}">
-  <ds:schemaRefs>
-    <ds:schemaRef ds:uri="http://schemas.microsoft.com/VisualStudio/2011/storyboarding/control"/>
-  </ds:schemaRefs>
-</ds:datastoreItem>
-</file>
-
-<file path=customXml/itemProps223.xml><?xml version="1.0" encoding="utf-8"?>
-<ds:datastoreItem xmlns:ds="http://schemas.openxmlformats.org/officeDocument/2006/customXml" ds:itemID="{C6BC3879-1A29-4FDD-B1CA-17F61048584C}">
-  <ds:schemaRefs>
-    <ds:schemaRef ds:uri="http://schemas.microsoft.com/VisualStudio/2011/storyboarding/control"/>
-  </ds:schemaRefs>
-</ds:datastoreItem>
-</file>
-
-<file path=customXml/itemProps224.xml><?xml version="1.0" encoding="utf-8"?>
-<ds:datastoreItem xmlns:ds="http://schemas.openxmlformats.org/officeDocument/2006/customXml" ds:itemID="{B7569B87-0541-455C-9B0D-967EE993D8AE}">
-  <ds:schemaRefs>
-    <ds:schemaRef ds:uri="http://schemas.microsoft.com/VisualStudio/2011/storyboarding/control"/>
-  </ds:schemaRefs>
-</ds:datastoreItem>
-</file>
-
-<file path=customXml/itemProps225.xml><?xml version="1.0" encoding="utf-8"?>
-<ds:datastoreItem xmlns:ds="http://schemas.openxmlformats.org/officeDocument/2006/customXml" ds:itemID="{88506E07-B027-4FC4-8EBF-F0FCF92DA50C}">
-  <ds:schemaRefs>
-    <ds:schemaRef ds:uri="http://schemas.microsoft.com/VisualStudio/2011/storyboarding/control"/>
-  </ds:schemaRefs>
-</ds:datastoreItem>
-</file>
-
-<file path=customXml/itemProps226.xml><?xml version="1.0" encoding="utf-8"?>
-<ds:datastoreItem xmlns:ds="http://schemas.openxmlformats.org/officeDocument/2006/customXml" ds:itemID="{CFDE9A1A-F943-4694-9C55-DB202CEB8DDF}">
-  <ds:schemaRefs>
-    <ds:schemaRef ds:uri="http://schemas.microsoft.com/VisualStudio/2011/storyboarding/control"/>
-  </ds:schemaRefs>
-</ds:datastoreItem>
-</file>
-
-<file path=customXml/itemProps227.xml><?xml version="1.0" encoding="utf-8"?>
-<ds:datastoreItem xmlns:ds="http://schemas.openxmlformats.org/officeDocument/2006/customXml" ds:itemID="{A24551A8-C7A7-4608-A309-BBEB02AADAD2}">
-  <ds:schemaRefs>
-    <ds:schemaRef ds:uri="http://schemas.microsoft.com/VisualStudio/2011/storyboarding/control"/>
-  </ds:schemaRefs>
-</ds:datastoreItem>
-</file>
-
-<file path=customXml/itemProps228.xml><?xml version="1.0" encoding="utf-8"?>
-<ds:datastoreItem xmlns:ds="http://schemas.openxmlformats.org/officeDocument/2006/customXml" ds:itemID="{DF0F3569-8B08-4CD8-BFEA-531C37F61CFA}">
-  <ds:schemaRefs>
-    <ds:schemaRef ds:uri="http://schemas.microsoft.com/VisualStudio/2011/storyboarding/control"/>
-  </ds:schemaRefs>
-</ds:datastoreItem>
-</file>
-
-<file path=customXml/itemProps229.xml><?xml version="1.0" encoding="utf-8"?>
-<ds:datastoreItem xmlns:ds="http://schemas.openxmlformats.org/officeDocument/2006/customXml" ds:itemID="{D620DF81-E064-4567-84B9-596702FBB88A}">
-  <ds:schemaRefs>
-    <ds:schemaRef ds:uri="http://schemas.microsoft.com/VisualStudio/2011/storyboarding/control"/>
-  </ds:schemaRefs>
-</ds:datastoreItem>
-</file>
-
-<file path=customXml/itemProps23.xml><?xml version="1.0" encoding="utf-8"?>
-<ds:datastoreItem xmlns:ds="http://schemas.openxmlformats.org/officeDocument/2006/customXml" ds:itemID="{185948B8-6218-47D2-929F-8B5AEDC946DC}">
-  <ds:schemaRefs>
-    <ds:schemaRef ds:uri="http://schemas.microsoft.com/VisualStudio/2011/storyboarding/control"/>
-  </ds:schemaRefs>
-</ds:datastoreItem>
-</file>
-
-<file path=customXml/itemProps230.xml><?xml version="1.0" encoding="utf-8"?>
-<ds:datastoreItem xmlns:ds="http://schemas.openxmlformats.org/officeDocument/2006/customXml" ds:itemID="{11B5354D-97E9-4052-9026-4B69A80C7D11}">
-  <ds:schemaRefs>
-    <ds:schemaRef ds:uri="http://schemas.microsoft.com/VisualStudio/2011/storyboarding/control"/>
-  </ds:schemaRefs>
-</ds:datastoreItem>
-</file>
-
-<file path=customXml/itemProps231.xml><?xml version="1.0" encoding="utf-8"?>
-<ds:datastoreItem xmlns:ds="http://schemas.openxmlformats.org/officeDocument/2006/customXml" ds:itemID="{45E49184-CBFB-4B5F-8554-2A1097532AE5}">
-  <ds:schemaRefs>
-    <ds:schemaRef ds:uri="http://schemas.microsoft.com/VisualStudio/2011/storyboarding/control"/>
-  </ds:schemaRefs>
-</ds:datastoreItem>
-</file>
-
-<file path=customXml/itemProps232.xml><?xml version="1.0" encoding="utf-8"?>
-<ds:datastoreItem xmlns:ds="http://schemas.openxmlformats.org/officeDocument/2006/customXml" ds:itemID="{DA43FF4D-8F31-43D7-8735-22A07F8D1893}">
-  <ds:schemaRefs>
-    <ds:schemaRef ds:uri="http://schemas.microsoft.com/VisualStudio/2011/storyboarding/control"/>
-  </ds:schemaRefs>
-</ds:datastoreItem>
-</file>
-
-<file path=customXml/itemProps233.xml><?xml version="1.0" encoding="utf-8"?>
-<ds:datastoreItem xmlns:ds="http://schemas.openxmlformats.org/officeDocument/2006/customXml" ds:itemID="{BB20A78F-D8B5-48A4-9B8E-46202ED1C432}">
-  <ds:schemaRefs>
-    <ds:schemaRef ds:uri="http://schemas.microsoft.com/VisualStudio/2011/storyboarding/control"/>
-  </ds:schemaRefs>
-</ds:datastoreItem>
-</file>
-
-<file path=customXml/itemProps234.xml><?xml version="1.0" encoding="utf-8"?>
-<ds:datastoreItem xmlns:ds="http://schemas.openxmlformats.org/officeDocument/2006/customXml" ds:itemID="{F2B2A14E-81C2-4E22-94BB-3BD8DE27CABD}">
-  <ds:schemaRefs>
-    <ds:schemaRef ds:uri="http://schemas.microsoft.com/VisualStudio/2011/storyboarding/control"/>
-  </ds:schemaRefs>
-</ds:datastoreItem>
-</file>
-
-<file path=customXml/itemProps235.xml><?xml version="1.0" encoding="utf-8"?>
-<ds:datastoreItem xmlns:ds="http://schemas.openxmlformats.org/officeDocument/2006/customXml" ds:itemID="{7F39B0EC-6994-4B4C-9A52-BA4C1C1E714E}">
-  <ds:schemaRefs>
-    <ds:schemaRef ds:uri="http://schemas.microsoft.com/VisualStudio/2011/storyboarding/control"/>
-  </ds:schemaRefs>
-</ds:datastoreItem>
-</file>
-
-<file path=customXml/itemProps236.xml><?xml version="1.0" encoding="utf-8"?>
-<ds:datastoreItem xmlns:ds="http://schemas.openxmlformats.org/officeDocument/2006/customXml" ds:itemID="{9F579520-A890-4E35-B56D-7846EFB45CE2}">
-  <ds:schemaRefs>
-    <ds:schemaRef ds:uri="http://schemas.microsoft.com/VisualStudio/2011/storyboarding/control"/>
-  </ds:schemaRefs>
-</ds:datastoreItem>
-</file>
-
-<file path=customXml/itemProps237.xml><?xml version="1.0" encoding="utf-8"?>
-<ds:datastoreItem xmlns:ds="http://schemas.openxmlformats.org/officeDocument/2006/customXml" ds:itemID="{4C723665-9693-44E5-BEBC-7C83EA106EE0}">
-  <ds:schemaRefs>
-    <ds:schemaRef ds:uri="http://schemas.microsoft.com/VisualStudio/2011/storyboarding/control"/>
-  </ds:schemaRefs>
-</ds:datastoreItem>
-</file>
-
-<file path=customXml/itemProps238.xml><?xml version="1.0" encoding="utf-8"?>
-<ds:datastoreItem xmlns:ds="http://schemas.openxmlformats.org/officeDocument/2006/customXml" ds:itemID="{E6D45CEC-1BCF-4C86-BE41-6C8F627BE986}">
-  <ds:schemaRefs>
-    <ds:schemaRef ds:uri="http://schemas.microsoft.com/VisualStudio/2011/storyboarding/control"/>
-  </ds:schemaRefs>
-</ds:datastoreItem>
-</file>
-
-<file path=customXml/itemProps239.xml><?xml version="1.0" encoding="utf-8"?>
+<file path=customXml/itemProps91.xml><?xml version="1.0" encoding="utf-8"?>
 <ds:datastoreItem xmlns:ds="http://schemas.openxmlformats.org/officeDocument/2006/customXml" ds:itemID="{8403F0D6-64FC-4291-9F2F-FCE9468D681B}">
   <ds:schemaRefs>
     <ds:schemaRef ds:uri="http://schemas.microsoft.com/VisualStudio/2011/storyboarding/control"/>
@@ -33600,7 +35037,39 @@
 </ds:datastoreItem>
 </file>
 
-<file path=customXml/itemProps24.xml><?xml version="1.0" encoding="utf-8"?>
+<file path=customXml/itemProps92.xml><?xml version="1.0" encoding="utf-8"?>
+<ds:datastoreItem xmlns:ds="http://schemas.openxmlformats.org/officeDocument/2006/customXml" ds:itemID="{F3AC3362-3CE3-41FB-AF6D-0819745A9038}">
+  <ds:schemaRefs>
+    <ds:schemaRef ds:uri="http://schemas.microsoft.com/VisualStudio/2011/storyboarding/control"/>
+  </ds:schemaRefs>
+</ds:datastoreItem>
+</file>
+
+<file path=customXml/itemProps93.xml><?xml version="1.0" encoding="utf-8"?>
+<ds:datastoreItem xmlns:ds="http://schemas.openxmlformats.org/officeDocument/2006/customXml" ds:itemID="{C07061D0-1C5E-47BB-8505-CA9E64F7B12C}">
+  <ds:schemaRefs>
+    <ds:schemaRef ds:uri="http://schemas.microsoft.com/VisualStudio/2011/storyboarding/control"/>
+  </ds:schemaRefs>
+</ds:datastoreItem>
+</file>
+
+<file path=customXml/itemProps94.xml><?xml version="1.0" encoding="utf-8"?>
+<ds:datastoreItem xmlns:ds="http://schemas.openxmlformats.org/officeDocument/2006/customXml" ds:itemID="{8CC3BCC3-FFBD-4343-B19F-D8A8288C5442}">
+  <ds:schemaRefs>
+    <ds:schemaRef ds:uri="http://schemas.microsoft.com/VisualStudio/2011/storyboarding/control"/>
+  </ds:schemaRefs>
+</ds:datastoreItem>
+</file>
+
+<file path=customXml/itemProps95.xml><?xml version="1.0" encoding="utf-8"?>
+<ds:datastoreItem xmlns:ds="http://schemas.openxmlformats.org/officeDocument/2006/customXml" ds:itemID="{D17A166D-A175-43BF-B30D-C217F2D099F5}">
+  <ds:schemaRefs>
+    <ds:schemaRef ds:uri="http://schemas.microsoft.com/VisualStudio/2011/storyboarding/control"/>
+  </ds:schemaRefs>
+</ds:datastoreItem>
+</file>
+
+<file path=customXml/itemProps96.xml><?xml version="1.0" encoding="utf-8"?>
 <ds:datastoreItem xmlns:ds="http://schemas.openxmlformats.org/officeDocument/2006/customXml" ds:itemID="{30BB01F9-6A5F-47B2-B90B-D3D3332A08CD}">
   <ds:schemaRefs>
     <ds:schemaRef ds:uri="http://schemas.microsoft.com/VisualStudio/2011/storyboarding/control"/>
@@ -33608,1007 +35077,7 @@
 </ds:datastoreItem>
 </file>
 
-<file path=customXml/itemProps240.xml><?xml version="1.0" encoding="utf-8"?>
-<ds:datastoreItem xmlns:ds="http://schemas.openxmlformats.org/officeDocument/2006/customXml" ds:itemID="{8F20C650-0808-47EB-972C-7C3563295E76}">
-  <ds:schemaRefs>
-    <ds:schemaRef ds:uri="http://schemas.microsoft.com/VisualStudio/2011/storyboarding/control"/>
-  </ds:schemaRefs>
-</ds:datastoreItem>
-</file>
-
-<file path=customXml/itemProps241.xml><?xml version="1.0" encoding="utf-8"?>
-<ds:datastoreItem xmlns:ds="http://schemas.openxmlformats.org/officeDocument/2006/customXml" ds:itemID="{115ED391-3782-470D-8454-3104A632EEF4}">
-  <ds:schemaRefs>
-    <ds:schemaRef ds:uri="http://schemas.microsoft.com/VisualStudio/2011/storyboarding/control"/>
-  </ds:schemaRefs>
-</ds:datastoreItem>
-</file>
-
-<file path=customXml/itemProps242.xml><?xml version="1.0" encoding="utf-8"?>
-<ds:datastoreItem xmlns:ds="http://schemas.openxmlformats.org/officeDocument/2006/customXml" ds:itemID="{6D29A9C9-400F-485E-A387-9E35BE9470C2}">
-  <ds:schemaRefs>
-    <ds:schemaRef ds:uri="http://schemas.microsoft.com/VisualStudio/2011/storyboarding/control"/>
-  </ds:schemaRefs>
-</ds:datastoreItem>
-</file>
-
-<file path=customXml/itemProps243.xml><?xml version="1.0" encoding="utf-8"?>
-<ds:datastoreItem xmlns:ds="http://schemas.openxmlformats.org/officeDocument/2006/customXml" ds:itemID="{0958CD15-E148-411A-B429-D1992399AF16}">
-  <ds:schemaRefs>
-    <ds:schemaRef ds:uri="http://schemas.microsoft.com/VisualStudio/2011/storyboarding/control"/>
-  </ds:schemaRefs>
-</ds:datastoreItem>
-</file>
-
-<file path=customXml/itemProps244.xml><?xml version="1.0" encoding="utf-8"?>
-<ds:datastoreItem xmlns:ds="http://schemas.openxmlformats.org/officeDocument/2006/customXml" ds:itemID="{C4820EEF-69BF-401B-8837-651149CA038D}">
-  <ds:schemaRefs>
-    <ds:schemaRef ds:uri="http://schemas.microsoft.com/VisualStudio/2011/storyboarding/control"/>
-  </ds:schemaRefs>
-</ds:datastoreItem>
-</file>
-
-<file path=customXml/itemProps245.xml><?xml version="1.0" encoding="utf-8"?>
-<ds:datastoreItem xmlns:ds="http://schemas.openxmlformats.org/officeDocument/2006/customXml" ds:itemID="{8AFAB0DE-8DFC-4182-839F-97C7BFE3603B}">
-  <ds:schemaRefs>
-    <ds:schemaRef ds:uri="http://schemas.microsoft.com/VisualStudio/2011/storyboarding/control"/>
-  </ds:schemaRefs>
-</ds:datastoreItem>
-</file>
-
-<file path=customXml/itemProps246.xml><?xml version="1.0" encoding="utf-8"?>
-<ds:datastoreItem xmlns:ds="http://schemas.openxmlformats.org/officeDocument/2006/customXml" ds:itemID="{21483695-19BD-4CD1-BA3C-F4C429F6AFE1}">
-  <ds:schemaRefs>
-    <ds:schemaRef ds:uri="http://schemas.microsoft.com/VisualStudio/2011/storyboarding/control"/>
-  </ds:schemaRefs>
-</ds:datastoreItem>
-</file>
-
-<file path=customXml/itemProps247.xml><?xml version="1.0" encoding="utf-8"?>
-<ds:datastoreItem xmlns:ds="http://schemas.openxmlformats.org/officeDocument/2006/customXml" ds:itemID="{5859EACD-84AA-4187-B5E2-E6B6931FFD91}">
-  <ds:schemaRefs>
-    <ds:schemaRef ds:uri="http://schemas.microsoft.com/VisualStudio/2011/storyboarding/control"/>
-  </ds:schemaRefs>
-</ds:datastoreItem>
-</file>
-
-<file path=customXml/itemProps248.xml><?xml version="1.0" encoding="utf-8"?>
-<ds:datastoreItem xmlns:ds="http://schemas.openxmlformats.org/officeDocument/2006/customXml" ds:itemID="{56298F28-1ECB-471A-B21C-0A83B8535BE2}">
-  <ds:schemaRefs>
-    <ds:schemaRef ds:uri="http://schemas.microsoft.com/VisualStudio/2011/storyboarding/control"/>
-  </ds:schemaRefs>
-</ds:datastoreItem>
-</file>
-
-<file path=customXml/itemProps249.xml><?xml version="1.0" encoding="utf-8"?>
-<ds:datastoreItem xmlns:ds="http://schemas.openxmlformats.org/officeDocument/2006/customXml" ds:itemID="{CFEE7FDE-CA6A-4000-BD52-BD872DBF56D8}">
-  <ds:schemaRefs>
-    <ds:schemaRef ds:uri="http://schemas.microsoft.com/VisualStudio/2011/storyboarding/control"/>
-  </ds:schemaRefs>
-</ds:datastoreItem>
-</file>
-
-<file path=customXml/itemProps25.xml><?xml version="1.0" encoding="utf-8"?>
-<ds:datastoreItem xmlns:ds="http://schemas.openxmlformats.org/officeDocument/2006/customXml" ds:itemID="{156C8C85-10F2-4B14-A11F-E84F4ECE00CB}">
-  <ds:schemaRefs>
-    <ds:schemaRef ds:uri="http://schemas.microsoft.com/VisualStudio/2011/storyboarding/control"/>
-  </ds:schemaRefs>
-</ds:datastoreItem>
-</file>
-
-<file path=customXml/itemProps250.xml><?xml version="1.0" encoding="utf-8"?>
-<ds:datastoreItem xmlns:ds="http://schemas.openxmlformats.org/officeDocument/2006/customXml" ds:itemID="{F3AC3362-3CE3-41FB-AF6D-0819745A9038}">
-  <ds:schemaRefs>
-    <ds:schemaRef ds:uri="http://schemas.microsoft.com/VisualStudio/2011/storyboarding/control"/>
-  </ds:schemaRefs>
-</ds:datastoreItem>
-</file>
-
-<file path=customXml/itemProps251.xml><?xml version="1.0" encoding="utf-8"?>
-<ds:datastoreItem xmlns:ds="http://schemas.openxmlformats.org/officeDocument/2006/customXml" ds:itemID="{137D2750-7968-4803-B547-41C14F1E74BC}">
-  <ds:schemaRefs>
-    <ds:schemaRef ds:uri="http://schemas.microsoft.com/VisualStudio/2011/storyboarding/control"/>
-  </ds:schemaRefs>
-</ds:datastoreItem>
-</file>
-
-<file path=customXml/itemProps252.xml><?xml version="1.0" encoding="utf-8"?>
-<ds:datastoreItem xmlns:ds="http://schemas.openxmlformats.org/officeDocument/2006/customXml" ds:itemID="{D051F52D-30FF-457C-88F8-8BFFF54F7528}">
-  <ds:schemaRefs>
-    <ds:schemaRef ds:uri="http://schemas.microsoft.com/VisualStudio/2011/storyboarding/control"/>
-  </ds:schemaRefs>
-</ds:datastoreItem>
-</file>
-
-<file path=customXml/itemProps253.xml><?xml version="1.0" encoding="utf-8"?>
-<ds:datastoreItem xmlns:ds="http://schemas.openxmlformats.org/officeDocument/2006/customXml" ds:itemID="{0B2B908E-054F-4172-BABD-BB55BB1C391D}">
-  <ds:schemaRefs>
-    <ds:schemaRef ds:uri="http://schemas.microsoft.com/VisualStudio/2011/storyboarding/control"/>
-  </ds:schemaRefs>
-</ds:datastoreItem>
-</file>
-
-<file path=customXml/itemProps254.xml><?xml version="1.0" encoding="utf-8"?>
-<ds:datastoreItem xmlns:ds="http://schemas.openxmlformats.org/officeDocument/2006/customXml" ds:itemID="{EA178F24-C6F0-4CAA-96E7-ED9EDE5ED100}">
-  <ds:schemaRefs>
-    <ds:schemaRef ds:uri="http://schemas.microsoft.com/VisualStudio/2011/storyboarding/control"/>
-  </ds:schemaRefs>
-</ds:datastoreItem>
-</file>
-
-<file path=customXml/itemProps255.xml><?xml version="1.0" encoding="utf-8"?>
-<ds:datastoreItem xmlns:ds="http://schemas.openxmlformats.org/officeDocument/2006/customXml" ds:itemID="{3CA2C1A5-94BE-4D8E-9887-9B8E8C257A49}">
-  <ds:schemaRefs>
-    <ds:schemaRef ds:uri="http://schemas.microsoft.com/VisualStudio/2011/storyboarding/control"/>
-  </ds:schemaRefs>
-</ds:datastoreItem>
-</file>
-
-<file path=customXml/itemProps256.xml><?xml version="1.0" encoding="utf-8"?>
-<ds:datastoreItem xmlns:ds="http://schemas.openxmlformats.org/officeDocument/2006/customXml" ds:itemID="{EA810A9F-0131-4CAB-A731-B28BFF317CBC}">
-  <ds:schemaRefs>
-    <ds:schemaRef ds:uri="http://schemas.microsoft.com/VisualStudio/2011/storyboarding/control"/>
-  </ds:schemaRefs>
-</ds:datastoreItem>
-</file>
-
-<file path=customXml/itemProps257.xml><?xml version="1.0" encoding="utf-8"?>
-<ds:datastoreItem xmlns:ds="http://schemas.openxmlformats.org/officeDocument/2006/customXml" ds:itemID="{7C09D70B-1C01-4320-9C58-4B99B765FCBA}">
-  <ds:schemaRefs>
-    <ds:schemaRef ds:uri="http://schemas.microsoft.com/VisualStudio/2011/storyboarding/control"/>
-  </ds:schemaRefs>
-</ds:datastoreItem>
-</file>
-
-<file path=customXml/itemProps258.xml><?xml version="1.0" encoding="utf-8"?>
-<ds:datastoreItem xmlns:ds="http://schemas.openxmlformats.org/officeDocument/2006/customXml" ds:itemID="{21CFBA09-180C-4EC3-8DBF-4ABCF6020182}">
-  <ds:schemaRefs>
-    <ds:schemaRef ds:uri="http://schemas.microsoft.com/VisualStudio/2011/storyboarding/control"/>
-  </ds:schemaRefs>
-</ds:datastoreItem>
-</file>
-
-<file path=customXml/itemProps259.xml><?xml version="1.0" encoding="utf-8"?>
-<ds:datastoreItem xmlns:ds="http://schemas.openxmlformats.org/officeDocument/2006/customXml" ds:itemID="{51FB8DCE-302E-4ACD-9E06-85CC4875FA99}">
-  <ds:schemaRefs>
-    <ds:schemaRef ds:uri="http://schemas.microsoft.com/VisualStudio/2011/storyboarding/control"/>
-  </ds:schemaRefs>
-</ds:datastoreItem>
-</file>
-
-<file path=customXml/itemProps26.xml><?xml version="1.0" encoding="utf-8"?>
-<ds:datastoreItem xmlns:ds="http://schemas.openxmlformats.org/officeDocument/2006/customXml" ds:itemID="{C284BF69-C135-4242-A150-656190D2FDD2}">
-  <ds:schemaRefs>
-    <ds:schemaRef ds:uri="http://schemas.microsoft.com/VisualStudio/2011/storyboarding/control"/>
-  </ds:schemaRefs>
-</ds:datastoreItem>
-</file>
-
-<file path=customXml/itemProps260.xml><?xml version="1.0" encoding="utf-8"?>
-<ds:datastoreItem xmlns:ds="http://schemas.openxmlformats.org/officeDocument/2006/customXml" ds:itemID="{1DAE52F3-88F9-4F97-80DD-F6D9FE56BDA0}">
-  <ds:schemaRefs>
-    <ds:schemaRef ds:uri="http://schemas.microsoft.com/VisualStudio/2011/storyboarding/control"/>
-  </ds:schemaRefs>
-</ds:datastoreItem>
-</file>
-
-<file path=customXml/itemProps261.xml><?xml version="1.0" encoding="utf-8"?>
-<ds:datastoreItem xmlns:ds="http://schemas.openxmlformats.org/officeDocument/2006/customXml" ds:itemID="{BBCE43BB-F5B5-436B-86B0-894E8F443008}">
-  <ds:schemaRefs>
-    <ds:schemaRef ds:uri="http://schemas.microsoft.com/VisualStudio/2011/storyboarding/control"/>
-  </ds:schemaRefs>
-</ds:datastoreItem>
-</file>
-
-<file path=customXml/itemProps262.xml><?xml version="1.0" encoding="utf-8"?>
-<ds:datastoreItem xmlns:ds="http://schemas.openxmlformats.org/officeDocument/2006/customXml" ds:itemID="{DFA6351C-3382-456C-947B-92AC704F8771}">
-  <ds:schemaRefs>
-    <ds:schemaRef ds:uri="http://schemas.microsoft.com/VisualStudio/2011/storyboarding/control"/>
-  </ds:schemaRefs>
-</ds:datastoreItem>
-</file>
-
-<file path=customXml/itemProps263.xml><?xml version="1.0" encoding="utf-8"?>
-<ds:datastoreItem xmlns:ds="http://schemas.openxmlformats.org/officeDocument/2006/customXml" ds:itemID="{9B027BA1-1B65-4CDF-9B71-719936CEBB79}">
-  <ds:schemaRefs>
-    <ds:schemaRef ds:uri="http://schemas.microsoft.com/VisualStudio/2011/storyboarding/control"/>
-  </ds:schemaRefs>
-</ds:datastoreItem>
-</file>
-
-<file path=customXml/itemProps264.xml><?xml version="1.0" encoding="utf-8"?>
-<ds:datastoreItem xmlns:ds="http://schemas.openxmlformats.org/officeDocument/2006/customXml" ds:itemID="{DD2FAA97-C0FB-49AC-B458-85810A364809}">
-  <ds:schemaRefs>
-    <ds:schemaRef ds:uri="http://schemas.microsoft.com/VisualStudio/2011/storyboarding/control"/>
-  </ds:schemaRefs>
-</ds:datastoreItem>
-</file>
-
-<file path=customXml/itemProps265.xml><?xml version="1.0" encoding="utf-8"?>
-<ds:datastoreItem xmlns:ds="http://schemas.openxmlformats.org/officeDocument/2006/customXml" ds:itemID="{13D60C05-471A-4C1B-BA59-F8458560B256}">
-  <ds:schemaRefs>
-    <ds:schemaRef ds:uri="http://schemas.microsoft.com/VisualStudio/2011/storyboarding/control"/>
-  </ds:schemaRefs>
-</ds:datastoreItem>
-</file>
-
-<file path=customXml/itemProps266.xml><?xml version="1.0" encoding="utf-8"?>
-<ds:datastoreItem xmlns:ds="http://schemas.openxmlformats.org/officeDocument/2006/customXml" ds:itemID="{2267CF73-45F2-4543-AD95-255C2F3E5176}">
-  <ds:schemaRefs>
-    <ds:schemaRef ds:uri="http://schemas.microsoft.com/VisualStudio/2011/storyboarding/control"/>
-  </ds:schemaRefs>
-</ds:datastoreItem>
-</file>
-
-<file path=customXml/itemProps267.xml><?xml version="1.0" encoding="utf-8"?>
-<ds:datastoreItem xmlns:ds="http://schemas.openxmlformats.org/officeDocument/2006/customXml" ds:itemID="{C351430F-A9BE-4FE8-8FF5-2B636CC5A30B}">
-  <ds:schemaRefs>
-    <ds:schemaRef ds:uri="http://schemas.microsoft.com/VisualStudio/2011/storyboarding/control"/>
-  </ds:schemaRefs>
-</ds:datastoreItem>
-</file>
-
-<file path=customXml/itemProps268.xml><?xml version="1.0" encoding="utf-8"?>
-<ds:datastoreItem xmlns:ds="http://schemas.openxmlformats.org/officeDocument/2006/customXml" ds:itemID="{EBDF54EC-1E9B-4200-9FF7-4D1A683C6ABF}">
-  <ds:schemaRefs>
-    <ds:schemaRef ds:uri="http://schemas.microsoft.com/VisualStudio/2011/storyboarding/control"/>
-  </ds:schemaRefs>
-</ds:datastoreItem>
-</file>
-
-<file path=customXml/itemProps269.xml><?xml version="1.0" encoding="utf-8"?>
-<ds:datastoreItem xmlns:ds="http://schemas.openxmlformats.org/officeDocument/2006/customXml" ds:itemID="{09108218-9ED3-48E0-BB4B-8AD749826DDE}">
-  <ds:schemaRefs>
-    <ds:schemaRef ds:uri="http://schemas.microsoft.com/VisualStudio/2011/storyboarding/control"/>
-  </ds:schemaRefs>
-</ds:datastoreItem>
-</file>
-
-<file path=customXml/itemProps27.xml><?xml version="1.0" encoding="utf-8"?>
-<ds:datastoreItem xmlns:ds="http://schemas.openxmlformats.org/officeDocument/2006/customXml" ds:itemID="{FAE64823-8452-4C85-A2C9-F42EEB428AF3}">
-  <ds:schemaRefs>
-    <ds:schemaRef ds:uri="http://schemas.microsoft.com/VisualStudio/2011/storyboarding/control"/>
-  </ds:schemaRefs>
-</ds:datastoreItem>
-</file>
-
-<file path=customXml/itemProps270.xml><?xml version="1.0" encoding="utf-8"?>
-<ds:datastoreItem xmlns:ds="http://schemas.openxmlformats.org/officeDocument/2006/customXml" ds:itemID="{63F4D5A8-93DD-430D-B84A-4370B79076B6}">
-  <ds:schemaRefs>
-    <ds:schemaRef ds:uri="http://schemas.microsoft.com/VisualStudio/2011/storyboarding/control"/>
-  </ds:schemaRefs>
-</ds:datastoreItem>
-</file>
-
-<file path=customXml/itemProps271.xml><?xml version="1.0" encoding="utf-8"?>
-<ds:datastoreItem xmlns:ds="http://schemas.openxmlformats.org/officeDocument/2006/customXml" ds:itemID="{C07061D0-1C5E-47BB-8505-CA9E64F7B12C}">
-  <ds:schemaRefs>
-    <ds:schemaRef ds:uri="http://schemas.microsoft.com/VisualStudio/2011/storyboarding/control"/>
-  </ds:schemaRefs>
-</ds:datastoreItem>
-</file>
-
-<file path=customXml/itemProps272.xml><?xml version="1.0" encoding="utf-8"?>
-<ds:datastoreItem xmlns:ds="http://schemas.openxmlformats.org/officeDocument/2006/customXml" ds:itemID="{5B1F6A5A-A24B-42BB-95F7-0A455388478E}">
-  <ds:schemaRefs>
-    <ds:schemaRef ds:uri="http://schemas.microsoft.com/VisualStudio/2011/storyboarding/control"/>
-  </ds:schemaRefs>
-</ds:datastoreItem>
-</file>
-
-<file path=customXml/itemProps273.xml><?xml version="1.0" encoding="utf-8"?>
-<ds:datastoreItem xmlns:ds="http://schemas.openxmlformats.org/officeDocument/2006/customXml" ds:itemID="{35D22546-9855-4E76-B7F7-CA9EEDDA4159}">
-  <ds:schemaRefs>
-    <ds:schemaRef ds:uri="http://schemas.microsoft.com/VisualStudio/2011/storyboarding/control"/>
-  </ds:schemaRefs>
-</ds:datastoreItem>
-</file>
-
-<file path=customXml/itemProps274.xml><?xml version="1.0" encoding="utf-8"?>
-<ds:datastoreItem xmlns:ds="http://schemas.openxmlformats.org/officeDocument/2006/customXml" ds:itemID="{9C105C4B-E58E-4C3D-9F24-B91D95D1DB58}">
-  <ds:schemaRefs>
-    <ds:schemaRef ds:uri="http://schemas.microsoft.com/VisualStudio/2011/storyboarding/control"/>
-  </ds:schemaRefs>
-</ds:datastoreItem>
-</file>
-
-<file path=customXml/itemProps275.xml><?xml version="1.0" encoding="utf-8"?>
-<ds:datastoreItem xmlns:ds="http://schemas.openxmlformats.org/officeDocument/2006/customXml" ds:itemID="{A81E4ADF-DADC-4572-AECF-C6E0DD4099D9}">
-  <ds:schemaRefs>
-    <ds:schemaRef ds:uri="http://schemas.microsoft.com/VisualStudio/2011/storyboarding/control"/>
-  </ds:schemaRefs>
-</ds:datastoreItem>
-</file>
-
-<file path=customXml/itemProps276.xml><?xml version="1.0" encoding="utf-8"?>
-<ds:datastoreItem xmlns:ds="http://schemas.openxmlformats.org/officeDocument/2006/customXml" ds:itemID="{9E4C6E58-F012-48A1-945F-19313981DF09}">
-  <ds:schemaRefs>
-    <ds:schemaRef ds:uri="http://schemas.microsoft.com/VisualStudio/2011/storyboarding/control"/>
-  </ds:schemaRefs>
-</ds:datastoreItem>
-</file>
-
-<file path=customXml/itemProps277.xml><?xml version="1.0" encoding="utf-8"?>
-<ds:datastoreItem xmlns:ds="http://schemas.openxmlformats.org/officeDocument/2006/customXml" ds:itemID="{8D91E4AA-C8CC-4594-B71C-2E75BD6F2C92}">
-  <ds:schemaRefs>
-    <ds:schemaRef ds:uri="http://schemas.microsoft.com/VisualStudio/2011/storyboarding/control"/>
-  </ds:schemaRefs>
-</ds:datastoreItem>
-</file>
-
-<file path=customXml/itemProps278.xml><?xml version="1.0" encoding="utf-8"?>
-<ds:datastoreItem xmlns:ds="http://schemas.openxmlformats.org/officeDocument/2006/customXml" ds:itemID="{848E265A-8617-44F0-823F-C69D60FE7E91}">
-  <ds:schemaRefs>
-    <ds:schemaRef ds:uri="http://schemas.microsoft.com/VisualStudio/2011/storyboarding/control"/>
-  </ds:schemaRefs>
-</ds:datastoreItem>
-</file>
-
-<file path=customXml/itemProps279.xml><?xml version="1.0" encoding="utf-8"?>
-<ds:datastoreItem xmlns:ds="http://schemas.openxmlformats.org/officeDocument/2006/customXml" ds:itemID="{BA4625EE-F406-45DC-AA3A-24E597FA983D}">
-  <ds:schemaRefs>
-    <ds:schemaRef ds:uri="http://schemas.microsoft.com/VisualStudio/2011/storyboarding/control"/>
-  </ds:schemaRefs>
-</ds:datastoreItem>
-</file>
-
-<file path=customXml/itemProps28.xml><?xml version="1.0" encoding="utf-8"?>
-<ds:datastoreItem xmlns:ds="http://schemas.openxmlformats.org/officeDocument/2006/customXml" ds:itemID="{EEB97B84-309A-46F0-9119-94FC6D6A7E55}">
-  <ds:schemaRefs>
-    <ds:schemaRef ds:uri="http://schemas.microsoft.com/VisualStudio/2011/storyboarding/control"/>
-  </ds:schemaRefs>
-</ds:datastoreItem>
-</file>
-
-<file path=customXml/itemProps280.xml><?xml version="1.0" encoding="utf-8"?>
-<ds:datastoreItem xmlns:ds="http://schemas.openxmlformats.org/officeDocument/2006/customXml" ds:itemID="{35237B27-36FC-4F5B-AD08-67DF0F50970E}">
-  <ds:schemaRefs>
-    <ds:schemaRef ds:uri="http://schemas.microsoft.com/VisualStudio/2011/storyboarding/control"/>
-  </ds:schemaRefs>
-</ds:datastoreItem>
-</file>
-
-<file path=customXml/itemProps281.xml><?xml version="1.0" encoding="utf-8"?>
-<ds:datastoreItem xmlns:ds="http://schemas.openxmlformats.org/officeDocument/2006/customXml" ds:itemID="{CCA32395-B798-4B47-B139-698C83BB4736}">
-  <ds:schemaRefs>
-    <ds:schemaRef ds:uri="http://schemas.microsoft.com/VisualStudio/2011/storyboarding/control"/>
-  </ds:schemaRefs>
-</ds:datastoreItem>
-</file>
-
-<file path=customXml/itemProps282.xml><?xml version="1.0" encoding="utf-8"?>
-<ds:datastoreItem xmlns:ds="http://schemas.openxmlformats.org/officeDocument/2006/customXml" ds:itemID="{CC2D8824-8583-4049-AC06-FD752C0EB758}">
-  <ds:schemaRefs>
-    <ds:schemaRef ds:uri="http://schemas.microsoft.com/VisualStudio/2011/storyboarding/control"/>
-  </ds:schemaRefs>
-</ds:datastoreItem>
-</file>
-
-<file path=customXml/itemProps283.xml><?xml version="1.0" encoding="utf-8"?>
-<ds:datastoreItem xmlns:ds="http://schemas.openxmlformats.org/officeDocument/2006/customXml" ds:itemID="{5724F706-0678-4E76-B43C-AED60AE7E5D5}">
-  <ds:schemaRefs>
-    <ds:schemaRef ds:uri="http://schemas.microsoft.com/VisualStudio/2011/storyboarding/control"/>
-  </ds:schemaRefs>
-</ds:datastoreItem>
-</file>
-
-<file path=customXml/itemProps284.xml><?xml version="1.0" encoding="utf-8"?>
-<ds:datastoreItem xmlns:ds="http://schemas.openxmlformats.org/officeDocument/2006/customXml" ds:itemID="{2741D80D-5C9C-4D13-B1DC-FBF939FAC829}">
-  <ds:schemaRefs>
-    <ds:schemaRef ds:uri="http://schemas.microsoft.com/VisualStudio/2011/storyboarding/control"/>
-  </ds:schemaRefs>
-</ds:datastoreItem>
-</file>
-
-<file path=customXml/itemProps285.xml><?xml version="1.0" encoding="utf-8"?>
-<ds:datastoreItem xmlns:ds="http://schemas.openxmlformats.org/officeDocument/2006/customXml" ds:itemID="{11F8763C-55AC-410E-9C52-B76F3A1A8B3D}">
-  <ds:schemaRefs>
-    <ds:schemaRef ds:uri="http://schemas.microsoft.com/VisualStudio/2011/storyboarding/control"/>
-  </ds:schemaRefs>
-</ds:datastoreItem>
-</file>
-
-<file path=customXml/itemProps286.xml><?xml version="1.0" encoding="utf-8"?>
-<ds:datastoreItem xmlns:ds="http://schemas.openxmlformats.org/officeDocument/2006/customXml" ds:itemID="{B5CD3ED1-7250-438B-A25C-281E6AFF552D}">
-  <ds:schemaRefs>
-    <ds:schemaRef ds:uri="http://schemas.microsoft.com/VisualStudio/2011/storyboarding/control"/>
-  </ds:schemaRefs>
-</ds:datastoreItem>
-</file>
-
-<file path=customXml/itemProps287.xml><?xml version="1.0" encoding="utf-8"?>
-<ds:datastoreItem xmlns:ds="http://schemas.openxmlformats.org/officeDocument/2006/customXml" ds:itemID="{AD7B4A0F-F1A6-44E7-A319-9FA6074D3AFA}">
-  <ds:schemaRefs>
-    <ds:schemaRef ds:uri="http://schemas.microsoft.com/VisualStudio/2011/storyboarding/control"/>
-  </ds:schemaRefs>
-</ds:datastoreItem>
-</file>
-
-<file path=customXml/itemProps288.xml><?xml version="1.0" encoding="utf-8"?>
-<ds:datastoreItem xmlns:ds="http://schemas.openxmlformats.org/officeDocument/2006/customXml" ds:itemID="{45823A60-F755-4AF6-9949-7DC4B17409A9}">
-  <ds:schemaRefs>
-    <ds:schemaRef ds:uri="http://schemas.microsoft.com/VisualStudio/2011/storyboarding/control"/>
-  </ds:schemaRefs>
-</ds:datastoreItem>
-</file>
-
-<file path=customXml/itemProps289.xml><?xml version="1.0" encoding="utf-8"?>
-<ds:datastoreItem xmlns:ds="http://schemas.openxmlformats.org/officeDocument/2006/customXml" ds:itemID="{52929A5E-745B-4F68-B063-419A7BA9B6DE}">
-  <ds:schemaRefs>
-    <ds:schemaRef ds:uri="http://schemas.microsoft.com/VisualStudio/2011/storyboarding/control"/>
-  </ds:schemaRefs>
-</ds:datastoreItem>
-</file>
-
-<file path=customXml/itemProps29.xml><?xml version="1.0" encoding="utf-8"?>
-<ds:datastoreItem xmlns:ds="http://schemas.openxmlformats.org/officeDocument/2006/customXml" ds:itemID="{D9DD110E-9D97-48FE-B5EB-7EA3623AEEF5}">
-  <ds:schemaRefs>
-    <ds:schemaRef ds:uri="http://schemas.microsoft.com/VisualStudio/2011/storyboarding/control"/>
-  </ds:schemaRefs>
-</ds:datastoreItem>
-</file>
-
-<file path=customXml/itemProps290.xml><?xml version="1.0" encoding="utf-8"?>
-<ds:datastoreItem xmlns:ds="http://schemas.openxmlformats.org/officeDocument/2006/customXml" ds:itemID="{6AF25CE7-60E5-4555-92F1-84D4A27173EF}">
-  <ds:schemaRefs>
-    <ds:schemaRef ds:uri="http://schemas.microsoft.com/VisualStudio/2011/storyboarding/control"/>
-  </ds:schemaRefs>
-</ds:datastoreItem>
-</file>
-
-<file path=customXml/itemProps291.xml><?xml version="1.0" encoding="utf-8"?>
-<ds:datastoreItem xmlns:ds="http://schemas.openxmlformats.org/officeDocument/2006/customXml" ds:itemID="{6A173A84-76C7-4E57-A876-12A8AE8A34A9}">
-  <ds:schemaRefs>
-    <ds:schemaRef ds:uri="http://schemas.microsoft.com/VisualStudio/2011/storyboarding/control"/>
-  </ds:schemaRefs>
-</ds:datastoreItem>
-</file>
-
-<file path=customXml/itemProps292.xml><?xml version="1.0" encoding="utf-8"?>
-<ds:datastoreItem xmlns:ds="http://schemas.openxmlformats.org/officeDocument/2006/customXml" ds:itemID="{8CC3BCC3-FFBD-4343-B19F-D8A8288C5442}">
-  <ds:schemaRefs>
-    <ds:schemaRef ds:uri="http://schemas.microsoft.com/VisualStudio/2011/storyboarding/control"/>
-  </ds:schemaRefs>
-</ds:datastoreItem>
-</file>
-
-<file path=customXml/itemProps293.xml><?xml version="1.0" encoding="utf-8"?>
-<ds:datastoreItem xmlns:ds="http://schemas.openxmlformats.org/officeDocument/2006/customXml" ds:itemID="{4EBE12BC-3E5E-4D1F-B97D-0EDAC1BBFB4A}">
-  <ds:schemaRefs>
-    <ds:schemaRef ds:uri="http://schemas.microsoft.com/VisualStudio/2011/storyboarding/control"/>
-  </ds:schemaRefs>
-</ds:datastoreItem>
-</file>
-
-<file path=customXml/itemProps294.xml><?xml version="1.0" encoding="utf-8"?>
-<ds:datastoreItem xmlns:ds="http://schemas.openxmlformats.org/officeDocument/2006/customXml" ds:itemID="{781D6E29-F563-4EF0-87C6-810AFB8F61D9}">
-  <ds:schemaRefs>
-    <ds:schemaRef ds:uri="http://schemas.microsoft.com/VisualStudio/2011/storyboarding/control"/>
-  </ds:schemaRefs>
-</ds:datastoreItem>
-</file>
-
-<file path=customXml/itemProps295.xml><?xml version="1.0" encoding="utf-8"?>
-<ds:datastoreItem xmlns:ds="http://schemas.openxmlformats.org/officeDocument/2006/customXml" ds:itemID="{D3E948BE-3C81-4BE6-8091-1F229E90F7EE}">
-  <ds:schemaRefs>
-    <ds:schemaRef ds:uri="http://schemas.microsoft.com/VisualStudio/2011/storyboarding/control"/>
-  </ds:schemaRefs>
-</ds:datastoreItem>
-</file>
-
-<file path=customXml/itemProps296.xml><?xml version="1.0" encoding="utf-8"?>
-<ds:datastoreItem xmlns:ds="http://schemas.openxmlformats.org/officeDocument/2006/customXml" ds:itemID="{9D0B3E56-28F6-4798-90BB-0240A62C7D1D}">
-  <ds:schemaRefs>
-    <ds:schemaRef ds:uri="http://schemas.microsoft.com/VisualStudio/2011/storyboarding/control"/>
-  </ds:schemaRefs>
-</ds:datastoreItem>
-</file>
-
-<file path=customXml/itemProps297.xml><?xml version="1.0" encoding="utf-8"?>
-<ds:datastoreItem xmlns:ds="http://schemas.openxmlformats.org/officeDocument/2006/customXml" ds:itemID="{58AD4952-00C8-4656-918A-1C0E34127DFC}">
-  <ds:schemaRefs>
-    <ds:schemaRef ds:uri="http://schemas.microsoft.com/VisualStudio/2011/storyboarding/control"/>
-  </ds:schemaRefs>
-</ds:datastoreItem>
-</file>
-
-<file path=customXml/itemProps298.xml><?xml version="1.0" encoding="utf-8"?>
-<ds:datastoreItem xmlns:ds="http://schemas.openxmlformats.org/officeDocument/2006/customXml" ds:itemID="{368BE004-E64E-4738-9D0B-34AA7E4BE21D}">
-  <ds:schemaRefs>
-    <ds:schemaRef ds:uri="http://schemas.microsoft.com/VisualStudio/2011/storyboarding/control"/>
-  </ds:schemaRefs>
-</ds:datastoreItem>
-</file>
-
-<file path=customXml/itemProps299.xml><?xml version="1.0" encoding="utf-8"?>
-<ds:datastoreItem xmlns:ds="http://schemas.openxmlformats.org/officeDocument/2006/customXml" ds:itemID="{115E54E7-C9AE-4368-A589-8119E20F5FFF}">
-  <ds:schemaRefs>
-    <ds:schemaRef ds:uri="http://schemas.microsoft.com/VisualStudio/2011/storyboarding/control"/>
-  </ds:schemaRefs>
-</ds:datastoreItem>
-</file>
-
-<file path=customXml/itemProps3.xml><?xml version="1.0" encoding="utf-8"?>
-<ds:datastoreItem xmlns:ds="http://schemas.openxmlformats.org/officeDocument/2006/customXml" ds:itemID="{9E6E69F5-6123-4CA2-AB1F-2AAEC6280E4A}">
-  <ds:schemaRefs>
-    <ds:schemaRef ds:uri="http://schemas.microsoft.com/VisualStudio/2011/storyboarding/control"/>
-  </ds:schemaRefs>
-</ds:datastoreItem>
-</file>
-
-<file path=customXml/itemProps30.xml><?xml version="1.0" encoding="utf-8"?>
-<ds:datastoreItem xmlns:ds="http://schemas.openxmlformats.org/officeDocument/2006/customXml" ds:itemID="{3EE49B4B-C98D-4A93-AE17-E4425E08F813}">
-  <ds:schemaRefs>
-    <ds:schemaRef ds:uri="http://schemas.microsoft.com/VisualStudio/2011/storyboarding/control"/>
-  </ds:schemaRefs>
-</ds:datastoreItem>
-</file>
-
-<file path=customXml/itemProps300.xml><?xml version="1.0" encoding="utf-8"?>
-<ds:datastoreItem xmlns:ds="http://schemas.openxmlformats.org/officeDocument/2006/customXml" ds:itemID="{0F9DFF48-44A7-4867-A0E7-6A9CFE444885}">
-  <ds:schemaRefs>
-    <ds:schemaRef ds:uri="http://schemas.microsoft.com/VisualStudio/2011/storyboarding/control"/>
-  </ds:schemaRefs>
-</ds:datastoreItem>
-</file>
-
-<file path=customXml/itemProps301.xml><?xml version="1.0" encoding="utf-8"?>
-<ds:datastoreItem xmlns:ds="http://schemas.openxmlformats.org/officeDocument/2006/customXml" ds:itemID="{B7DD95C5-1D36-481B-B8E9-F4E747D26283}">
-  <ds:schemaRefs>
-    <ds:schemaRef ds:uri="http://schemas.microsoft.com/VisualStudio/2011/storyboarding/control"/>
-  </ds:schemaRefs>
-</ds:datastoreItem>
-</file>
-
-<file path=customXml/itemProps302.xml><?xml version="1.0" encoding="utf-8"?>
-<ds:datastoreItem xmlns:ds="http://schemas.openxmlformats.org/officeDocument/2006/customXml" ds:itemID="{8B809ABB-D0D2-494C-8044-C05AFC43B3C1}">
-  <ds:schemaRefs>
-    <ds:schemaRef ds:uri="http://schemas.microsoft.com/VisualStudio/2011/storyboarding/control"/>
-  </ds:schemaRefs>
-</ds:datastoreItem>
-</file>
-
-<file path=customXml/itemProps303.xml><?xml version="1.0" encoding="utf-8"?>
-<ds:datastoreItem xmlns:ds="http://schemas.openxmlformats.org/officeDocument/2006/customXml" ds:itemID="{8E3ECF19-A035-402A-BB4A-9FA27C6D3290}">
-  <ds:schemaRefs>
-    <ds:schemaRef ds:uri="http://schemas.microsoft.com/VisualStudio/2011/storyboarding/control"/>
-  </ds:schemaRefs>
-</ds:datastoreItem>
-</file>
-
-<file path=customXml/itemProps304.xml><?xml version="1.0" encoding="utf-8"?>
-<ds:datastoreItem xmlns:ds="http://schemas.openxmlformats.org/officeDocument/2006/customXml" ds:itemID="{DAD381C3-274A-40AC-95F2-BEC8C04D4DD2}">
-  <ds:schemaRefs>
-    <ds:schemaRef ds:uri="http://schemas.microsoft.com/VisualStudio/2011/storyboarding/control"/>
-  </ds:schemaRefs>
-</ds:datastoreItem>
-</file>
-
-<file path=customXml/itemProps305.xml><?xml version="1.0" encoding="utf-8"?>
-<ds:datastoreItem xmlns:ds="http://schemas.openxmlformats.org/officeDocument/2006/customXml" ds:itemID="{1D773A67-F2AA-43E1-8409-6F83B9545FF4}">
-  <ds:schemaRefs>
-    <ds:schemaRef ds:uri="http://schemas.microsoft.com/VisualStudio/2011/storyboarding/control"/>
-  </ds:schemaRefs>
-</ds:datastoreItem>
-</file>
-
-<file path=customXml/itemProps306.xml><?xml version="1.0" encoding="utf-8"?>
-<ds:datastoreItem xmlns:ds="http://schemas.openxmlformats.org/officeDocument/2006/customXml" ds:itemID="{D17A166D-A175-43BF-B30D-C217F2D099F5}">
-  <ds:schemaRefs>
-    <ds:schemaRef ds:uri="http://schemas.microsoft.com/VisualStudio/2011/storyboarding/control"/>
-  </ds:schemaRefs>
-</ds:datastoreItem>
-</file>
-
-<file path=customXml/itemProps307.xml><?xml version="1.0" encoding="utf-8"?>
-<ds:datastoreItem xmlns:ds="http://schemas.openxmlformats.org/officeDocument/2006/customXml" ds:itemID="{0684D2C5-E9CC-4037-972E-2C9DB4722504}">
-  <ds:schemaRefs>
-    <ds:schemaRef ds:uri="http://schemas.microsoft.com/VisualStudio/2011/storyboarding/control"/>
-  </ds:schemaRefs>
-</ds:datastoreItem>
-</file>
-
-<file path=customXml/itemProps308.xml><?xml version="1.0" encoding="utf-8"?>
-<ds:datastoreItem xmlns:ds="http://schemas.openxmlformats.org/officeDocument/2006/customXml" ds:itemID="{EC0E9686-0FF5-40C1-A995-34A4ADDA432C}">
-  <ds:schemaRefs>
-    <ds:schemaRef ds:uri="http://schemas.microsoft.com/VisualStudio/2011/storyboarding/control"/>
-  </ds:schemaRefs>
-</ds:datastoreItem>
-</file>
-
-<file path=customXml/itemProps309.xml><?xml version="1.0" encoding="utf-8"?>
-<ds:datastoreItem xmlns:ds="http://schemas.openxmlformats.org/officeDocument/2006/customXml" ds:itemID="{7FA0158B-98A2-4D3D-9814-1A3507F228EC}">
-  <ds:schemaRefs>
-    <ds:schemaRef ds:uri="http://schemas.microsoft.com/VisualStudio/2011/storyboarding/control"/>
-  </ds:schemaRefs>
-</ds:datastoreItem>
-</file>
-
-<file path=customXml/itemProps31.xml><?xml version="1.0" encoding="utf-8"?>
-<ds:datastoreItem xmlns:ds="http://schemas.openxmlformats.org/officeDocument/2006/customXml" ds:itemID="{F57DE0B6-7792-4F4A-B7B9-B859FD384604}">
-  <ds:schemaRefs>
-    <ds:schemaRef ds:uri="http://schemas.microsoft.com/VisualStudio/2011/storyboarding/control"/>
-  </ds:schemaRefs>
-</ds:datastoreItem>
-</file>
-
-<file path=customXml/itemProps310.xml><?xml version="1.0" encoding="utf-8"?>
-<ds:datastoreItem xmlns:ds="http://schemas.openxmlformats.org/officeDocument/2006/customXml" ds:itemID="{F69F00EB-4C40-4DAB-8413-FE824B1CD538}">
-  <ds:schemaRefs>
-    <ds:schemaRef ds:uri="http://schemas.microsoft.com/VisualStudio/2011/storyboarding/control"/>
-  </ds:schemaRefs>
-</ds:datastoreItem>
-</file>
-
-<file path=customXml/itemProps311.xml><?xml version="1.0" encoding="utf-8"?>
-<ds:datastoreItem xmlns:ds="http://schemas.openxmlformats.org/officeDocument/2006/customXml" ds:itemID="{31C509C1-E02B-4DFC-B62A-A11BB94C590D}">
-  <ds:schemaRefs>
-    <ds:schemaRef ds:uri="http://schemas.microsoft.com/VisualStudio/2011/storyboarding/control"/>
-  </ds:schemaRefs>
-</ds:datastoreItem>
-</file>
-
-<file path=customXml/itemProps312.xml><?xml version="1.0" encoding="utf-8"?>
-<ds:datastoreItem xmlns:ds="http://schemas.openxmlformats.org/officeDocument/2006/customXml" ds:itemID="{BDE5904C-068D-47B6-9689-52618395D3C6}">
-  <ds:schemaRefs>
-    <ds:schemaRef ds:uri="http://schemas.microsoft.com/VisualStudio/2011/storyboarding/control"/>
-  </ds:schemaRefs>
-</ds:datastoreItem>
-</file>
-
-<file path=customXml/itemProps313.xml><?xml version="1.0" encoding="utf-8"?>
-<ds:datastoreItem xmlns:ds="http://schemas.openxmlformats.org/officeDocument/2006/customXml" ds:itemID="{0D1E3F3F-4483-4FE0-95CD-323CBD9510D2}">
-  <ds:schemaRefs>
-    <ds:schemaRef ds:uri="http://schemas.microsoft.com/VisualStudio/2011/storyboarding/control"/>
-  </ds:schemaRefs>
-</ds:datastoreItem>
-</file>
-
-<file path=customXml/itemProps314.xml><?xml version="1.0" encoding="utf-8"?>
-<ds:datastoreItem xmlns:ds="http://schemas.openxmlformats.org/officeDocument/2006/customXml" ds:itemID="{A68EA2C5-F4DA-4460-AF2B-43D729ED9A03}">
-  <ds:schemaRefs>
-    <ds:schemaRef ds:uri="http://schemas.microsoft.com/VisualStudio/2011/storyboarding/control"/>
-  </ds:schemaRefs>
-</ds:datastoreItem>
-</file>
-
-<file path=customXml/itemProps315.xml><?xml version="1.0" encoding="utf-8"?>
-<ds:datastoreItem xmlns:ds="http://schemas.openxmlformats.org/officeDocument/2006/customXml" ds:itemID="{A8E3CD3A-D20E-4A7E-B4D6-3653FE3AFA1B}">
-  <ds:schemaRefs>
-    <ds:schemaRef ds:uri="http://schemas.microsoft.com/VisualStudio/2011/storyboarding/control"/>
-  </ds:schemaRefs>
-</ds:datastoreItem>
-</file>
-
-<file path=customXml/itemProps316.xml><?xml version="1.0" encoding="utf-8"?>
-<ds:datastoreItem xmlns:ds="http://schemas.openxmlformats.org/officeDocument/2006/customXml" ds:itemID="{97C312E3-609A-4CAA-8A90-E2969B1E29BF}">
-  <ds:schemaRefs>
-    <ds:schemaRef ds:uri="http://schemas.microsoft.com/VisualStudio/2011/storyboarding/control"/>
-  </ds:schemaRefs>
-</ds:datastoreItem>
-</file>
-
-<file path=customXml/itemProps317.xml><?xml version="1.0" encoding="utf-8"?>
-<ds:datastoreItem xmlns:ds="http://schemas.openxmlformats.org/officeDocument/2006/customXml" ds:itemID="{2BD12E7A-66B7-4ABB-A679-F441ADD35426}">
-  <ds:schemaRefs>
-    <ds:schemaRef ds:uri="http://schemas.microsoft.com/VisualStudio/2011/storyboarding/control"/>
-  </ds:schemaRefs>
-</ds:datastoreItem>
-</file>
-
-<file path=customXml/itemProps318.xml><?xml version="1.0" encoding="utf-8"?>
-<ds:datastoreItem xmlns:ds="http://schemas.openxmlformats.org/officeDocument/2006/customXml" ds:itemID="{C19D08D2-CC15-43F6-9520-E638D4B96AA4}">
-  <ds:schemaRefs>
-    <ds:schemaRef ds:uri="http://schemas.microsoft.com/VisualStudio/2011/storyboarding/control"/>
-  </ds:schemaRefs>
-</ds:datastoreItem>
-</file>
-
-<file path=customXml/itemProps319.xml><?xml version="1.0" encoding="utf-8"?>
-<ds:datastoreItem xmlns:ds="http://schemas.openxmlformats.org/officeDocument/2006/customXml" ds:itemID="{9CE047ED-EDFF-42F0-9DC7-FE4070F44171}">
-  <ds:schemaRefs>
-    <ds:schemaRef ds:uri="http://schemas.microsoft.com/VisualStudio/2011/storyboarding/control"/>
-  </ds:schemaRefs>
-</ds:datastoreItem>
-</file>
-
-<file path=customXml/itemProps32.xml><?xml version="1.0" encoding="utf-8"?>
-<ds:datastoreItem xmlns:ds="http://schemas.openxmlformats.org/officeDocument/2006/customXml" ds:itemID="{913CA6FC-F0AF-4B94-8B5B-F425DEBD5B4B}">
-  <ds:schemaRefs>
-    <ds:schemaRef ds:uri="http://schemas.microsoft.com/VisualStudio/2011/storyboarding/control"/>
-  </ds:schemaRefs>
-</ds:datastoreItem>
-</file>
-
-<file path=customXml/itemProps320.xml><?xml version="1.0" encoding="utf-8"?>
-<ds:datastoreItem xmlns:ds="http://schemas.openxmlformats.org/officeDocument/2006/customXml" ds:itemID="{751D70F9-799E-4EA3-B088-FFB8C41DFF32}">
-  <ds:schemaRefs>
-    <ds:schemaRef ds:uri="http://schemas.microsoft.com/VisualStudio/2011/storyboarding/control"/>
-  </ds:schemaRefs>
-</ds:datastoreItem>
-</file>
-
-<file path=customXml/itemProps321.xml><?xml version="1.0" encoding="utf-8"?>
-<ds:datastoreItem xmlns:ds="http://schemas.openxmlformats.org/officeDocument/2006/customXml" ds:itemID="{10480999-370F-4AFE-896E-D63F03C72967}">
-  <ds:schemaRefs>
-    <ds:schemaRef ds:uri="http://schemas.microsoft.com/VisualStudio/2011/storyboarding/control"/>
-  </ds:schemaRefs>
-</ds:datastoreItem>
-</file>
-
-<file path=customXml/itemProps322.xml><?xml version="1.0" encoding="utf-8"?>
-<ds:datastoreItem xmlns:ds="http://schemas.openxmlformats.org/officeDocument/2006/customXml" ds:itemID="{CB8DA31F-E11B-468A-9272-8CC8A87B99B3}">
-  <ds:schemaRefs>
-    <ds:schemaRef ds:uri="http://schemas.microsoft.com/VisualStudio/2011/storyboarding/control"/>
-  </ds:schemaRefs>
-</ds:datastoreItem>
-</file>
-
-<file path=customXml/itemProps323.xml><?xml version="1.0" encoding="utf-8"?>
-<ds:datastoreItem xmlns:ds="http://schemas.openxmlformats.org/officeDocument/2006/customXml" ds:itemID="{F11A91DB-F660-454F-9BBC-7699BB7F0DA0}">
-  <ds:schemaRefs>
-    <ds:schemaRef ds:uri="http://schemas.microsoft.com/VisualStudio/2011/storyboarding/control"/>
-  </ds:schemaRefs>
-</ds:datastoreItem>
-</file>
-
-<file path=customXml/itemProps324.xml><?xml version="1.0" encoding="utf-8"?>
-<ds:datastoreItem xmlns:ds="http://schemas.openxmlformats.org/officeDocument/2006/customXml" ds:itemID="{76B5AA79-2045-4290-8ABB-B02B5316FBA5}">
-  <ds:schemaRefs>
-    <ds:schemaRef ds:uri="http://schemas.microsoft.com/VisualStudio/2011/storyboarding/control"/>
-  </ds:schemaRefs>
-</ds:datastoreItem>
-</file>
-
-<file path=customXml/itemProps325.xml><?xml version="1.0" encoding="utf-8"?>
-<ds:datastoreItem xmlns:ds="http://schemas.openxmlformats.org/officeDocument/2006/customXml" ds:itemID="{EA652511-3125-42D4-BF15-B06C264DB739}">
-  <ds:schemaRefs>
-    <ds:schemaRef ds:uri="http://schemas.microsoft.com/VisualStudio/2011/storyboarding/control"/>
-  </ds:schemaRefs>
-</ds:datastoreItem>
-</file>
-
-<file path=customXml/itemProps326.xml><?xml version="1.0" encoding="utf-8"?>
-<ds:datastoreItem xmlns:ds="http://schemas.openxmlformats.org/officeDocument/2006/customXml" ds:itemID="{BAF9EC0D-02D3-4150-88EF-B1827EE31318}">
-  <ds:schemaRefs>
-    <ds:schemaRef ds:uri="http://schemas.microsoft.com/VisualStudio/2011/storyboarding/control"/>
-  </ds:schemaRefs>
-</ds:datastoreItem>
-</file>
-
-<file path=customXml/itemProps327.xml><?xml version="1.0" encoding="utf-8"?>
-<ds:datastoreItem xmlns:ds="http://schemas.openxmlformats.org/officeDocument/2006/customXml" ds:itemID="{19B20341-02E2-44C9-B22F-C50BEDB973D9}">
-  <ds:schemaRefs>
-    <ds:schemaRef ds:uri="http://schemas.microsoft.com/VisualStudio/2011/storyboarding/control"/>
-  </ds:schemaRefs>
-</ds:datastoreItem>
-</file>
-
-<file path=customXml/itemProps328.xml><?xml version="1.0" encoding="utf-8"?>
-<ds:datastoreItem xmlns:ds="http://schemas.openxmlformats.org/officeDocument/2006/customXml" ds:itemID="{AA40A9BC-3BF1-4C4F-B6DD-B39207CEBFE0}">
-  <ds:schemaRefs>
-    <ds:schemaRef ds:uri="http://schemas.microsoft.com/VisualStudio/2011/storyboarding/control"/>
-  </ds:schemaRefs>
-</ds:datastoreItem>
-</file>
-
-<file path=customXml/itemProps329.xml><?xml version="1.0" encoding="utf-8"?>
-<ds:datastoreItem xmlns:ds="http://schemas.openxmlformats.org/officeDocument/2006/customXml" ds:itemID="{7220C5A5-1594-46DA-9B3B-A5E50E1A0B9E}">
-  <ds:schemaRefs>
-    <ds:schemaRef ds:uri="http://schemas.microsoft.com/VisualStudio/2011/storyboarding/control"/>
-  </ds:schemaRefs>
-</ds:datastoreItem>
-</file>
-
-<file path=customXml/itemProps33.xml><?xml version="1.0" encoding="utf-8"?>
-<ds:datastoreItem xmlns:ds="http://schemas.openxmlformats.org/officeDocument/2006/customXml" ds:itemID="{5386F389-D904-455B-B27C-082420355D5B}">
-  <ds:schemaRefs>
-    <ds:schemaRef ds:uri="http://schemas.microsoft.com/VisualStudio/2011/storyboarding/control"/>
-  </ds:schemaRefs>
-</ds:datastoreItem>
-</file>
-
-<file path=customXml/itemProps330.xml><?xml version="1.0" encoding="utf-8"?>
-<ds:datastoreItem xmlns:ds="http://schemas.openxmlformats.org/officeDocument/2006/customXml" ds:itemID="{BDF29625-3AB8-483B-8E84-ACD09F450CEB}">
-  <ds:schemaRefs>
-    <ds:schemaRef ds:uri="http://schemas.microsoft.com/VisualStudio/2011/storyboarding/control"/>
-  </ds:schemaRefs>
-</ds:datastoreItem>
-</file>
-
-<file path=customXml/itemProps331.xml><?xml version="1.0" encoding="utf-8"?>
-<ds:datastoreItem xmlns:ds="http://schemas.openxmlformats.org/officeDocument/2006/customXml" ds:itemID="{9066E4A4-C364-471A-8766-D03DC8890FA5}">
-  <ds:schemaRefs>
-    <ds:schemaRef ds:uri="http://schemas.microsoft.com/VisualStudio/2011/storyboarding/control"/>
-  </ds:schemaRefs>
-</ds:datastoreItem>
-</file>
-
-<file path=customXml/itemProps332.xml><?xml version="1.0" encoding="utf-8"?>
-<ds:datastoreItem xmlns:ds="http://schemas.openxmlformats.org/officeDocument/2006/customXml" ds:itemID="{467082DC-8A8D-4F13-891E-B1E229791D21}">
-  <ds:schemaRefs>
-    <ds:schemaRef ds:uri="http://schemas.microsoft.com/VisualStudio/2011/storyboarding/control"/>
-  </ds:schemaRefs>
-</ds:datastoreItem>
-</file>
-
-<file path=customXml/itemProps333.xml><?xml version="1.0" encoding="utf-8"?>
-<ds:datastoreItem xmlns:ds="http://schemas.openxmlformats.org/officeDocument/2006/customXml" ds:itemID="{493A9042-EDCF-41A5-80BC-20CDEB276AA0}">
-  <ds:schemaRefs>
-    <ds:schemaRef ds:uri="http://schemas.microsoft.com/VisualStudio/2011/storyboarding/control"/>
-  </ds:schemaRefs>
-</ds:datastoreItem>
-</file>
-
-<file path=customXml/itemProps334.xml><?xml version="1.0" encoding="utf-8"?>
-<ds:datastoreItem xmlns:ds="http://schemas.openxmlformats.org/officeDocument/2006/customXml" ds:itemID="{8BE5CF48-3ADF-4A2C-8372-5E2130DAE95F}">
-  <ds:schemaRefs>
-    <ds:schemaRef ds:uri="http://schemas.microsoft.com/VisualStudio/2011/storyboarding/control"/>
-  </ds:schemaRefs>
-</ds:datastoreItem>
-</file>
-
-<file path=customXml/itemProps335.xml><?xml version="1.0" encoding="utf-8"?>
-<ds:datastoreItem xmlns:ds="http://schemas.openxmlformats.org/officeDocument/2006/customXml" ds:itemID="{9F133E29-42F8-4C2B-9876-EE1D7CC85510}">
-  <ds:schemaRefs>
-    <ds:schemaRef ds:uri="http://schemas.microsoft.com/VisualStudio/2011/storyboarding/control"/>
-  </ds:schemaRefs>
-</ds:datastoreItem>
-</file>
-
-<file path=customXml/itemProps336.xml><?xml version="1.0" encoding="utf-8"?>
-<ds:datastoreItem xmlns:ds="http://schemas.openxmlformats.org/officeDocument/2006/customXml" ds:itemID="{4292CCDF-8F40-4F22-B896-635C8E681894}">
-  <ds:schemaRefs>
-    <ds:schemaRef ds:uri="http://schemas.microsoft.com/VisualStudio/2011/storyboarding/control"/>
-  </ds:schemaRefs>
-</ds:datastoreItem>
-</file>
-
-<file path=customXml/itemProps337.xml><?xml version="1.0" encoding="utf-8"?>
-<ds:datastoreItem xmlns:ds="http://schemas.openxmlformats.org/officeDocument/2006/customXml" ds:itemID="{EB4E6205-B282-4380-BF66-FA6D44E7F60A}">
-  <ds:schemaRefs>
-    <ds:schemaRef ds:uri="http://schemas.microsoft.com/VisualStudio/2011/storyboarding/control"/>
-  </ds:schemaRefs>
-</ds:datastoreItem>
-</file>
-
-<file path=customXml/itemProps338.xml><?xml version="1.0" encoding="utf-8"?>
-<ds:datastoreItem xmlns:ds="http://schemas.openxmlformats.org/officeDocument/2006/customXml" ds:itemID="{EA197AF6-8358-444E-8531-073DEF3F96F9}">
-  <ds:schemaRefs>
-    <ds:schemaRef ds:uri="http://schemas.microsoft.com/VisualStudio/2011/storyboarding/control"/>
-  </ds:schemaRefs>
-</ds:datastoreItem>
-</file>
-
-<file path=customXml/itemProps339.xml><?xml version="1.0" encoding="utf-8"?>
-<ds:datastoreItem xmlns:ds="http://schemas.openxmlformats.org/officeDocument/2006/customXml" ds:itemID="{DF4C6030-9287-495C-835D-34AF1565106B}">
-  <ds:schemaRefs>
-    <ds:schemaRef ds:uri="http://schemas.microsoft.com/VisualStudio/2011/storyboarding/control"/>
-  </ds:schemaRefs>
-</ds:datastoreItem>
-</file>
-
-<file path=customXml/itemProps34.xml><?xml version="1.0" encoding="utf-8"?>
-<ds:datastoreItem xmlns:ds="http://schemas.openxmlformats.org/officeDocument/2006/customXml" ds:itemID="{6ECF17B4-4CBD-4415-AE3A-A72B7DDC8478}">
-  <ds:schemaRefs>
-    <ds:schemaRef ds:uri="http://schemas.microsoft.com/VisualStudio/2011/storyboarding/control"/>
-  </ds:schemaRefs>
-</ds:datastoreItem>
-</file>
-
-<file path=customXml/itemProps340.xml><?xml version="1.0" encoding="utf-8"?>
-<ds:datastoreItem xmlns:ds="http://schemas.openxmlformats.org/officeDocument/2006/customXml" ds:itemID="{C1AD10ED-9529-430C-8632-408ECF3804A6}">
-  <ds:schemaRefs>
-    <ds:schemaRef ds:uri="http://schemas.microsoft.com/VisualStudio/2011/storyboarding/control"/>
-  </ds:schemaRefs>
-</ds:datastoreItem>
-</file>
-
-<file path=customXml/itemProps341.xml><?xml version="1.0" encoding="utf-8"?>
-<ds:datastoreItem xmlns:ds="http://schemas.openxmlformats.org/officeDocument/2006/customXml" ds:itemID="{A88AE3F2-44B8-4598-8D6F-DB58E4E97362}">
-  <ds:schemaRefs>
-    <ds:schemaRef ds:uri="http://schemas.microsoft.com/VisualStudio/2011/storyboarding/control"/>
-  </ds:schemaRefs>
-</ds:datastoreItem>
-</file>
-
-<file path=customXml/itemProps342.xml><?xml version="1.0" encoding="utf-8"?>
-<ds:datastoreItem xmlns:ds="http://schemas.openxmlformats.org/officeDocument/2006/customXml" ds:itemID="{06F1925B-A62F-4989-8CE7-75BF0C568ADC}">
-  <ds:schemaRefs>
-    <ds:schemaRef ds:uri="http://schemas.microsoft.com/VisualStudio/2011/storyboarding/control"/>
-  </ds:schemaRefs>
-</ds:datastoreItem>
-</file>
-
-<file path=customXml/itemProps35.xml><?xml version="1.0" encoding="utf-8"?>
-<ds:datastoreItem xmlns:ds="http://schemas.openxmlformats.org/officeDocument/2006/customXml" ds:itemID="{89805C85-41A6-4795-AD8F-19808ADF7922}">
-  <ds:schemaRefs>
-    <ds:schemaRef ds:uri="http://schemas.microsoft.com/VisualStudio/2011/storyboarding/control"/>
-  </ds:schemaRefs>
-</ds:datastoreItem>
-</file>
-
-<file path=customXml/itemProps36.xml><?xml version="1.0" encoding="utf-8"?>
-<ds:datastoreItem xmlns:ds="http://schemas.openxmlformats.org/officeDocument/2006/customXml" ds:itemID="{4F5EEB0B-427B-4420-A0A9-8B40E7063C04}">
-  <ds:schemaRefs>
-    <ds:schemaRef ds:uri="http://schemas.microsoft.com/VisualStudio/2011/storyboarding/control"/>
-  </ds:schemaRefs>
-</ds:datastoreItem>
-</file>
-
-<file path=customXml/itemProps37.xml><?xml version="1.0" encoding="utf-8"?>
-<ds:datastoreItem xmlns:ds="http://schemas.openxmlformats.org/officeDocument/2006/customXml" ds:itemID="{2E985251-5C15-4516-869B-7B36E7418DD5}">
-  <ds:schemaRefs>
-    <ds:schemaRef ds:uri="http://schemas.microsoft.com/VisualStudio/2011/storyboarding/control"/>
-  </ds:schemaRefs>
-</ds:datastoreItem>
-</file>
-
-<file path=customXml/itemProps38.xml><?xml version="1.0" encoding="utf-8"?>
-<ds:datastoreItem xmlns:ds="http://schemas.openxmlformats.org/officeDocument/2006/customXml" ds:itemID="{84B1DDBA-2B94-40B1-BF0B-3508EF407AB3}">
-  <ds:schemaRefs>
-    <ds:schemaRef ds:uri="http://schemas.microsoft.com/VisualStudio/2011/storyboarding/control"/>
-  </ds:schemaRefs>
-</ds:datastoreItem>
-</file>
-
-<file path=customXml/itemProps39.xml><?xml version="1.0" encoding="utf-8"?>
-<ds:datastoreItem xmlns:ds="http://schemas.openxmlformats.org/officeDocument/2006/customXml" ds:itemID="{34930330-1BFD-4758-8F3A-97124E5843B6}">
-  <ds:schemaRefs>
-    <ds:schemaRef ds:uri="http://schemas.microsoft.com/VisualStudio/2011/storyboarding/control"/>
-  </ds:schemaRefs>
-</ds:datastoreItem>
-</file>
-
-<file path=customXml/itemProps4.xml><?xml version="1.0" encoding="utf-8"?>
-<ds:datastoreItem xmlns:ds="http://schemas.openxmlformats.org/officeDocument/2006/customXml" ds:itemID="{7ED10B82-EBA4-43A4-8FD1-8E6972063322}">
-  <ds:schemaRefs>
-    <ds:schemaRef ds:uri="http://schemas.microsoft.com/VisualStudio/2011/storyboarding/control"/>
-  </ds:schemaRefs>
-</ds:datastoreItem>
-</file>
-
-<file path=customXml/itemProps40.xml><?xml version="1.0" encoding="utf-8"?>
-<ds:datastoreItem xmlns:ds="http://schemas.openxmlformats.org/officeDocument/2006/customXml" ds:itemID="{FB278342-DE63-417E-94C8-EF7AD93D5284}">
-  <ds:schemaRefs>
-    <ds:schemaRef ds:uri="http://schemas.microsoft.com/VisualStudio/2011/storyboarding/control"/>
-  </ds:schemaRefs>
-</ds:datastoreItem>
-</file>
-
-<file path=customXml/itemProps41.xml><?xml version="1.0" encoding="utf-8"?>
-<ds:datastoreItem xmlns:ds="http://schemas.openxmlformats.org/officeDocument/2006/customXml" ds:itemID="{5B654FBC-EC62-41F6-B91C-1E7F5DC69653}">
-  <ds:schemaRefs>
-    <ds:schemaRef ds:uri="http://schemas.microsoft.com/VisualStudio/2011/storyboarding/control"/>
-  </ds:schemaRefs>
-</ds:datastoreItem>
-</file>
-
-<file path=customXml/itemProps42.xml><?xml version="1.0" encoding="utf-8"?>
-<ds:datastoreItem xmlns:ds="http://schemas.openxmlformats.org/officeDocument/2006/customXml" ds:itemID="{C9358300-F4EA-4888-8D36-12BD51436ABF}">
-  <ds:schemaRefs>
-    <ds:schemaRef ds:uri="http://schemas.microsoft.com/VisualStudio/2011/storyboarding/control"/>
-  </ds:schemaRefs>
-</ds:datastoreItem>
-</file>
-
-<file path=customXml/itemProps43.xml><?xml version="1.0" encoding="utf-8"?>
-<ds:datastoreItem xmlns:ds="http://schemas.openxmlformats.org/officeDocument/2006/customXml" ds:itemID="{7D136ABE-DFAB-4B57-BD1C-C79686A77604}">
-  <ds:schemaRefs>
-    <ds:schemaRef ds:uri="http://schemas.microsoft.com/VisualStudio/2011/storyboarding/control"/>
-  </ds:schemaRefs>
-</ds:datastoreItem>
-</file>
-
-<file path=customXml/itemProps44.xml><?xml version="1.0" encoding="utf-8"?>
-<ds:datastoreItem xmlns:ds="http://schemas.openxmlformats.org/officeDocument/2006/customXml" ds:itemID="{192A7600-D8E9-4CDD-8AA0-5F75A7E59F2E}">
-  <ds:schemaRefs>
-    <ds:schemaRef ds:uri="http://schemas.microsoft.com/VisualStudio/2011/storyboarding/control"/>
-  </ds:schemaRefs>
-</ds:datastoreItem>
-</file>
-
-<file path=customXml/itemProps45.xml><?xml version="1.0" encoding="utf-8"?>
+<file path=customXml/itemProps97.xml><?xml version="1.0" encoding="utf-8"?>
 <ds:datastoreItem xmlns:ds="http://schemas.openxmlformats.org/officeDocument/2006/customXml" ds:itemID="{100434BB-9B34-4850-8A13-E25156E17946}">
   <ds:schemaRefs>
     <ds:schemaRef ds:uri="http://schemas.microsoft.com/VisualStudio/2011/storyboarding/control"/>
@@ -34616,183 +35085,7 @@
 </ds:datastoreItem>
 </file>
 
-<file path=customXml/itemProps46.xml><?xml version="1.0" encoding="utf-8"?>
-<ds:datastoreItem xmlns:ds="http://schemas.openxmlformats.org/officeDocument/2006/customXml" ds:itemID="{A75CACA0-5249-4DCB-A7F1-7E44075E1013}">
-  <ds:schemaRefs>
-    <ds:schemaRef ds:uri="http://schemas.microsoft.com/VisualStudio/2011/storyboarding/control"/>
-  </ds:schemaRefs>
-</ds:datastoreItem>
-</file>
-
-<file path=customXml/itemProps47.xml><?xml version="1.0" encoding="utf-8"?>
-<ds:datastoreItem xmlns:ds="http://schemas.openxmlformats.org/officeDocument/2006/customXml" ds:itemID="{F4E88B79-0EC6-4EA7-A357-DCB9119C03C2}">
-  <ds:schemaRefs>
-    <ds:schemaRef ds:uri="http://schemas.microsoft.com/VisualStudio/2011/storyboarding/control"/>
-  </ds:schemaRefs>
-</ds:datastoreItem>
-</file>
-
-<file path=customXml/itemProps48.xml><?xml version="1.0" encoding="utf-8"?>
-<ds:datastoreItem xmlns:ds="http://schemas.openxmlformats.org/officeDocument/2006/customXml" ds:itemID="{D2FD92E9-D761-445B-A7B0-2100E2D00DA8}">
-  <ds:schemaRefs>
-    <ds:schemaRef ds:uri="http://schemas.microsoft.com/VisualStudio/2011/storyboarding/control"/>
-  </ds:schemaRefs>
-</ds:datastoreItem>
-</file>
-
-<file path=customXml/itemProps49.xml><?xml version="1.0" encoding="utf-8"?>
-<ds:datastoreItem xmlns:ds="http://schemas.openxmlformats.org/officeDocument/2006/customXml" ds:itemID="{7778A731-2E32-4B3D-970D-F67E5A637250}">
-  <ds:schemaRefs>
-    <ds:schemaRef ds:uri="http://schemas.microsoft.com/VisualStudio/2011/storyboarding/control"/>
-  </ds:schemaRefs>
-</ds:datastoreItem>
-</file>
-
-<file path=customXml/itemProps5.xml><?xml version="1.0" encoding="utf-8"?>
-<ds:datastoreItem xmlns:ds="http://schemas.openxmlformats.org/officeDocument/2006/customXml" ds:itemID="{3A80ABE5-7E28-4352-9B41-A2409D3E549F}">
-  <ds:schemaRefs>
-    <ds:schemaRef ds:uri="http://schemas.microsoft.com/VisualStudio/2011/storyboarding/control"/>
-  </ds:schemaRefs>
-</ds:datastoreItem>
-</file>
-
-<file path=customXml/itemProps50.xml><?xml version="1.0" encoding="utf-8"?>
-<ds:datastoreItem xmlns:ds="http://schemas.openxmlformats.org/officeDocument/2006/customXml" ds:itemID="{6F557B3A-74C2-48D6-AFDF-134843A83019}">
-  <ds:schemaRefs>
-    <ds:schemaRef ds:uri="http://schemas.microsoft.com/VisualStudio/2011/storyboarding/control"/>
-  </ds:schemaRefs>
-</ds:datastoreItem>
-</file>
-
-<file path=customXml/itemProps51.xml><?xml version="1.0" encoding="utf-8"?>
-<ds:datastoreItem xmlns:ds="http://schemas.openxmlformats.org/officeDocument/2006/customXml" ds:itemID="{020990D8-D73B-475D-9389-C7A87204E0F5}">
-  <ds:schemaRefs>
-    <ds:schemaRef ds:uri="http://schemas.microsoft.com/VisualStudio/2011/storyboarding/control"/>
-  </ds:schemaRefs>
-</ds:datastoreItem>
-</file>
-
-<file path=customXml/itemProps52.xml><?xml version="1.0" encoding="utf-8"?>
-<ds:datastoreItem xmlns:ds="http://schemas.openxmlformats.org/officeDocument/2006/customXml" ds:itemID="{A7A00A82-B38C-4873-B78B-CAF3DF1DC1C5}">
-  <ds:schemaRefs>
-    <ds:schemaRef ds:uri="http://schemas.microsoft.com/VisualStudio/2011/storyboarding/control"/>
-  </ds:schemaRefs>
-</ds:datastoreItem>
-</file>
-
-<file path=customXml/itemProps53.xml><?xml version="1.0" encoding="utf-8"?>
-<ds:datastoreItem xmlns:ds="http://schemas.openxmlformats.org/officeDocument/2006/customXml" ds:itemID="{902D772F-A234-431C-BCA6-DA467C35EF99}">
-  <ds:schemaRefs>
-    <ds:schemaRef ds:uri="http://schemas.microsoft.com/VisualStudio/2011/storyboarding/control"/>
-  </ds:schemaRefs>
-</ds:datastoreItem>
-</file>
-
-<file path=customXml/itemProps54.xml><?xml version="1.0" encoding="utf-8"?>
-<ds:datastoreItem xmlns:ds="http://schemas.openxmlformats.org/officeDocument/2006/customXml" ds:itemID="{F8D27CD5-1F2B-41A9-9598-5FB57144B244}">
-  <ds:schemaRefs>
-    <ds:schemaRef ds:uri="http://schemas.microsoft.com/VisualStudio/2011/storyboarding/control"/>
-  </ds:schemaRefs>
-</ds:datastoreItem>
-</file>
-
-<file path=customXml/itemProps55.xml><?xml version="1.0" encoding="utf-8"?>
-<ds:datastoreItem xmlns:ds="http://schemas.openxmlformats.org/officeDocument/2006/customXml" ds:itemID="{155E4198-F06F-42C0-86E9-32D4FF3F3FE8}">
-  <ds:schemaRefs>
-    <ds:schemaRef ds:uri="http://schemas.microsoft.com/VisualStudio/2011/storyboarding/control"/>
-  </ds:schemaRefs>
-</ds:datastoreItem>
-</file>
-
-<file path=customXml/itemProps56.xml><?xml version="1.0" encoding="utf-8"?>
-<ds:datastoreItem xmlns:ds="http://schemas.openxmlformats.org/officeDocument/2006/customXml" ds:itemID="{E3A0D9FD-AECA-4ADB-9FC9-EB5646E90ED4}">
-  <ds:schemaRefs>
-    <ds:schemaRef ds:uri="http://schemas.microsoft.com/VisualStudio/2011/storyboarding/control"/>
-  </ds:schemaRefs>
-</ds:datastoreItem>
-</file>
-
-<file path=customXml/itemProps57.xml><?xml version="1.0" encoding="utf-8"?>
-<ds:datastoreItem xmlns:ds="http://schemas.openxmlformats.org/officeDocument/2006/customXml" ds:itemID="{8A2EC58A-26E5-43E2-846F-18EDD4266AE2}">
-  <ds:schemaRefs>
-    <ds:schemaRef ds:uri="http://schemas.microsoft.com/VisualStudio/2011/storyboarding/control"/>
-  </ds:schemaRefs>
-</ds:datastoreItem>
-</file>
-
-<file path=customXml/itemProps58.xml><?xml version="1.0" encoding="utf-8"?>
-<ds:datastoreItem xmlns:ds="http://schemas.openxmlformats.org/officeDocument/2006/customXml" ds:itemID="{49A50E5D-DA8E-4DE1-B9F5-C44F674E1640}">
-  <ds:schemaRefs>
-    <ds:schemaRef ds:uri="http://schemas.microsoft.com/VisualStudio/2011/storyboarding/control"/>
-  </ds:schemaRefs>
-</ds:datastoreItem>
-</file>
-
-<file path=customXml/itemProps59.xml><?xml version="1.0" encoding="utf-8"?>
-<ds:datastoreItem xmlns:ds="http://schemas.openxmlformats.org/officeDocument/2006/customXml" ds:itemID="{4E60216F-198B-43F6-A55E-EF5987A0088C}">
-  <ds:schemaRefs>
-    <ds:schemaRef ds:uri="http://schemas.microsoft.com/VisualStudio/2011/storyboarding/control"/>
-  </ds:schemaRefs>
-</ds:datastoreItem>
-</file>
-
-<file path=customXml/itemProps6.xml><?xml version="1.0" encoding="utf-8"?>
-<ds:datastoreItem xmlns:ds="http://schemas.openxmlformats.org/officeDocument/2006/customXml" ds:itemID="{26B03EFA-4B73-4C50-81D7-A1D0977CCB7C}">
-  <ds:schemaRefs>
-    <ds:schemaRef ds:uri="http://schemas.microsoft.com/VisualStudio/2011/storyboarding/control"/>
-  </ds:schemaRefs>
-</ds:datastoreItem>
-</file>
-
-<file path=customXml/itemProps60.xml><?xml version="1.0" encoding="utf-8"?>
-<ds:datastoreItem xmlns:ds="http://schemas.openxmlformats.org/officeDocument/2006/customXml" ds:itemID="{CC7F4689-326C-4E18-ADDC-AB2B1EDAEAB1}">
-  <ds:schemaRefs>
-    <ds:schemaRef ds:uri="http://schemas.microsoft.com/VisualStudio/2011/storyboarding/control"/>
-  </ds:schemaRefs>
-</ds:datastoreItem>
-</file>
-
-<file path=customXml/itemProps61.xml><?xml version="1.0" encoding="utf-8"?>
-<ds:datastoreItem xmlns:ds="http://schemas.openxmlformats.org/officeDocument/2006/customXml" ds:itemID="{BAD918C7-FCD1-478B-8F62-260D55C71F92}">
-  <ds:schemaRefs>
-    <ds:schemaRef ds:uri="http://schemas.microsoft.com/VisualStudio/2011/storyboarding/control"/>
-  </ds:schemaRefs>
-</ds:datastoreItem>
-</file>
-
-<file path=customXml/itemProps62.xml><?xml version="1.0" encoding="utf-8"?>
-<ds:datastoreItem xmlns:ds="http://schemas.openxmlformats.org/officeDocument/2006/customXml" ds:itemID="{9CDD88DF-7B8E-4AB5-A611-0F49A12E73C7}">
-  <ds:schemaRefs>
-    <ds:schemaRef ds:uri="http://schemas.microsoft.com/VisualStudio/2011/storyboarding/control"/>
-  </ds:schemaRefs>
-</ds:datastoreItem>
-</file>
-
-<file path=customXml/itemProps63.xml><?xml version="1.0" encoding="utf-8"?>
-<ds:datastoreItem xmlns:ds="http://schemas.openxmlformats.org/officeDocument/2006/customXml" ds:itemID="{F0430563-4012-4D90-971C-B6690C8CBD12}">
-  <ds:schemaRefs>
-    <ds:schemaRef ds:uri="http://schemas.microsoft.com/VisualStudio/2011/storyboarding/control"/>
-  </ds:schemaRefs>
-</ds:datastoreItem>
-</file>
-
-<file path=customXml/itemProps64.xml><?xml version="1.0" encoding="utf-8"?>
-<ds:datastoreItem xmlns:ds="http://schemas.openxmlformats.org/officeDocument/2006/customXml" ds:itemID="{6B139541-C887-4745-A1C4-2943B8C0C880}">
-  <ds:schemaRefs>
-    <ds:schemaRef ds:uri="http://schemas.microsoft.com/VisualStudio/2011/storyboarding/control"/>
-  </ds:schemaRefs>
-</ds:datastoreItem>
-</file>
-
-<file path=customXml/itemProps65.xml><?xml version="1.0" encoding="utf-8"?>
-<ds:datastoreItem xmlns:ds="http://schemas.openxmlformats.org/officeDocument/2006/customXml" ds:itemID="{908D575A-33D7-4124-B041-466E13AA2631}">
-  <ds:schemaRefs>
-    <ds:schemaRef ds:uri="http://schemas.microsoft.com/VisualStudio/2011/storyboarding/control"/>
-  </ds:schemaRefs>
-</ds:datastoreItem>
-</file>
-
-<file path=customXml/itemProps66.xml><?xml version="1.0" encoding="utf-8"?>
+<file path=customXml/itemProps98.xml><?xml version="1.0" encoding="utf-8"?>
 <ds:datastoreItem xmlns:ds="http://schemas.openxmlformats.org/officeDocument/2006/customXml" ds:itemID="{1E5B02F5-CD96-4F0B-B08F-8D888AC01C23}">
   <ds:schemaRefs>
     <ds:schemaRef ds:uri="http://schemas.microsoft.com/VisualStudio/2011/storyboarding/control"/>
@@ -34800,290 +35093,10 @@
 </ds:datastoreItem>
 </file>
 
-<file path=customXml/itemProps67.xml><?xml version="1.0" encoding="utf-8"?>
-<ds:datastoreItem xmlns:ds="http://schemas.openxmlformats.org/officeDocument/2006/customXml" ds:itemID="{9B023147-2F64-41C3-A795-0716BB8C9493}">
-  <ds:schemaRefs>
-    <ds:schemaRef ds:uri="http://schemas.microsoft.com/VisualStudio/2011/storyboarding/control"/>
-  </ds:schemaRefs>
-</ds:datastoreItem>
-</file>
-
-<file path=customXml/itemProps68.xml><?xml version="1.0" encoding="utf-8"?>
-<ds:datastoreItem xmlns:ds="http://schemas.openxmlformats.org/officeDocument/2006/customXml" ds:itemID="{98991B24-98A4-4F58-A33C-E2BE14AB4B7B}">
-  <ds:schemaRefs>
-    <ds:schemaRef ds:uri="http://schemas.microsoft.com/VisualStudio/2011/storyboarding/control"/>
-  </ds:schemaRefs>
-</ds:datastoreItem>
-</file>
-
-<file path=customXml/itemProps69.xml><?xml version="1.0" encoding="utf-8"?>
-<ds:datastoreItem xmlns:ds="http://schemas.openxmlformats.org/officeDocument/2006/customXml" ds:itemID="{AD8C4D32-E820-4952-B031-3F887A70D0FB}">
-  <ds:schemaRefs>
-    <ds:schemaRef ds:uri="http://schemas.microsoft.com/VisualStudio/2011/storyboarding/control"/>
-  </ds:schemaRefs>
-</ds:datastoreItem>
-</file>
-
-<file path=customXml/itemProps7.xml><?xml version="1.0" encoding="utf-8"?>
-<ds:datastoreItem xmlns:ds="http://schemas.openxmlformats.org/officeDocument/2006/customXml" ds:itemID="{87846152-F66F-4F88-BEF2-937A73706ECE}">
-  <ds:schemaRefs>
-    <ds:schemaRef ds:uri="http://schemas.microsoft.com/VisualStudio/2011/storyboarding/control"/>
-  </ds:schemaRefs>
-</ds:datastoreItem>
-</file>
-
-<file path=customXml/itemProps70.xml><?xml version="1.0" encoding="utf-8"?>
-<ds:datastoreItem xmlns:ds="http://schemas.openxmlformats.org/officeDocument/2006/customXml" ds:itemID="{F27030E3-AEF4-4633-9E85-AC7E0818DA08}">
-  <ds:schemaRefs>
-    <ds:schemaRef ds:uri="http://schemas.microsoft.com/VisualStudio/2011/storyboarding/control"/>
-  </ds:schemaRefs>
-</ds:datastoreItem>
-</file>
-
-<file path=customXml/itemProps71.xml><?xml version="1.0" encoding="utf-8"?>
-<ds:datastoreItem xmlns:ds="http://schemas.openxmlformats.org/officeDocument/2006/customXml" ds:itemID="{5549C2E7-1F28-42A5-A0BC-0001C048E0E1}">
-  <ds:schemaRefs>
-    <ds:schemaRef ds:uri="http://schemas.microsoft.com/VisualStudio/2011/storyboarding/control"/>
-  </ds:schemaRefs>
-</ds:datastoreItem>
-</file>
-
-<file path=customXml/itemProps72.xml><?xml version="1.0" encoding="utf-8"?>
-<ds:datastoreItem xmlns:ds="http://schemas.openxmlformats.org/officeDocument/2006/customXml" ds:itemID="{4CFEDD60-7535-4A51-8CC7-A7D46CC4DB7A}">
-  <ds:schemaRefs>
-    <ds:schemaRef ds:uri="http://schemas.microsoft.com/VisualStudio/2011/storyboarding/control"/>
-  </ds:schemaRefs>
-</ds:datastoreItem>
-</file>
-
-<file path=customXml/itemProps73.xml><?xml version="1.0" encoding="utf-8"?>
-<ds:datastoreItem xmlns:ds="http://schemas.openxmlformats.org/officeDocument/2006/customXml" ds:itemID="{4EE931A9-1071-47D7-8301-8738513E42D1}">
-  <ds:schemaRefs>
-    <ds:schemaRef ds:uri="http://schemas.microsoft.com/VisualStudio/2011/storyboarding/control"/>
-  </ds:schemaRefs>
-</ds:datastoreItem>
-</file>
-
-<file path=customXml/itemProps74.xml><?xml version="1.0" encoding="utf-8"?>
-<ds:datastoreItem xmlns:ds="http://schemas.openxmlformats.org/officeDocument/2006/customXml" ds:itemID="{CE1F33C7-EEDD-4C85-BFA8-CC7A31BE885D}">
-  <ds:schemaRefs>
-    <ds:schemaRef ds:uri="http://schemas.microsoft.com/VisualStudio/2011/storyboarding/control"/>
-  </ds:schemaRefs>
-</ds:datastoreItem>
-</file>
-
-<file path=customXml/itemProps75.xml><?xml version="1.0" encoding="utf-8"?>
-<ds:datastoreItem xmlns:ds="http://schemas.openxmlformats.org/officeDocument/2006/customXml" ds:itemID="{558FF65A-E0BD-44C0-8F63-96AFD76545E9}">
-  <ds:schemaRefs>
-    <ds:schemaRef ds:uri="http://schemas.microsoft.com/VisualStudio/2011/storyboarding/control"/>
-  </ds:schemaRefs>
-</ds:datastoreItem>
-</file>
-
-<file path=customXml/itemProps76.xml><?xml version="1.0" encoding="utf-8"?>
-<ds:datastoreItem xmlns:ds="http://schemas.openxmlformats.org/officeDocument/2006/customXml" ds:itemID="{E2B4C84C-192E-4ED0-BC0D-8295A90FB670}">
-  <ds:schemaRefs>
-    <ds:schemaRef ds:uri="http://schemas.microsoft.com/VisualStudio/2011/storyboarding/control"/>
-  </ds:schemaRefs>
-</ds:datastoreItem>
-</file>
-
-<file path=customXml/itemProps77.xml><?xml version="1.0" encoding="utf-8"?>
-<ds:datastoreItem xmlns:ds="http://schemas.openxmlformats.org/officeDocument/2006/customXml" ds:itemID="{C0104CD7-DCD5-4C54-AD26-C4939E45844F}">
-  <ds:schemaRefs>
-    <ds:schemaRef ds:uri="http://schemas.microsoft.com/VisualStudio/2011/storyboarding/control"/>
-  </ds:schemaRefs>
-</ds:datastoreItem>
-</file>
-
-<file path=customXml/itemProps78.xml><?xml version="1.0" encoding="utf-8"?>
-<ds:datastoreItem xmlns:ds="http://schemas.openxmlformats.org/officeDocument/2006/customXml" ds:itemID="{F237FC53-E106-41B8-93CF-4F5664E75C56}">
-  <ds:schemaRefs>
-    <ds:schemaRef ds:uri="http://schemas.microsoft.com/VisualStudio/2011/storyboarding/control"/>
-  </ds:schemaRefs>
-</ds:datastoreItem>
-</file>
-
-<file path=customXml/itemProps79.xml><?xml version="1.0" encoding="utf-8"?>
-<ds:datastoreItem xmlns:ds="http://schemas.openxmlformats.org/officeDocument/2006/customXml" ds:itemID="{B50EDE4E-3D17-4992-9491-6C5EB2CE7063}">
-  <ds:schemaRefs>
-    <ds:schemaRef ds:uri="http://schemas.microsoft.com/VisualStudio/2011/storyboarding/control"/>
-  </ds:schemaRefs>
-</ds:datastoreItem>
-</file>
-
-<file path=customXml/itemProps8.xml><?xml version="1.0" encoding="utf-8"?>
-<ds:datastoreItem xmlns:ds="http://schemas.openxmlformats.org/officeDocument/2006/customXml" ds:itemID="{4ADE0C8F-2CFC-4E47-821B-B4AC2EDBBA3E}">
-  <ds:schemaRefs>
-    <ds:schemaRef ds:uri="http://schemas.microsoft.com/VisualStudio/2011/storyboarding/control"/>
-  </ds:schemaRefs>
-</ds:datastoreItem>
-</file>
-
-<file path=customXml/itemProps80.xml><?xml version="1.0" encoding="utf-8"?>
-<ds:datastoreItem xmlns:ds="http://schemas.openxmlformats.org/officeDocument/2006/customXml" ds:itemID="{460D6463-0F3E-42B8-BC55-0FCD4B9A57E4}">
-  <ds:schemaRefs>
-    <ds:schemaRef ds:uri="http://schemas.microsoft.com/VisualStudio/2011/storyboarding/control"/>
-  </ds:schemaRefs>
-</ds:datastoreItem>
-</file>
-
-<file path=customXml/itemProps81.xml><?xml version="1.0" encoding="utf-8"?>
-<ds:datastoreItem xmlns:ds="http://schemas.openxmlformats.org/officeDocument/2006/customXml" ds:itemID="{704C2458-98DE-46EA-AA99-DF6B38E7B25D}">
-  <ds:schemaRefs>
-    <ds:schemaRef ds:uri="http://schemas.microsoft.com/VisualStudio/2011/storyboarding/control"/>
-  </ds:schemaRefs>
-</ds:datastoreItem>
-</file>
-
-<file path=customXml/itemProps82.xml><?xml version="1.0" encoding="utf-8"?>
-<ds:datastoreItem xmlns:ds="http://schemas.openxmlformats.org/officeDocument/2006/customXml" ds:itemID="{5A50BE11-1B8E-485A-ABFE-0AC5B14F921B}">
-  <ds:schemaRefs>
-    <ds:schemaRef ds:uri="http://schemas.microsoft.com/VisualStudio/2011/storyboarding/control"/>
-  </ds:schemaRefs>
-</ds:datastoreItem>
-</file>
-
-<file path=customXml/itemProps83.xml><?xml version="1.0" encoding="utf-8"?>
-<ds:datastoreItem xmlns:ds="http://schemas.openxmlformats.org/officeDocument/2006/customXml" ds:itemID="{D4D23F6F-25A1-497C-AFC7-E6D274360F26}">
-  <ds:schemaRefs>
-    <ds:schemaRef ds:uri="http://schemas.microsoft.com/VisualStudio/2011/storyboarding/control"/>
-  </ds:schemaRefs>
-</ds:datastoreItem>
-</file>
-
-<file path=customXml/itemProps84.xml><?xml version="1.0" encoding="utf-8"?>
-<ds:datastoreItem xmlns:ds="http://schemas.openxmlformats.org/officeDocument/2006/customXml" ds:itemID="{9D3638CA-5715-48AA-B467-45858E91B259}">
-  <ds:schemaRefs>
-    <ds:schemaRef ds:uri="http://schemas.microsoft.com/VisualStudio/2011/storyboarding/control"/>
-  </ds:schemaRefs>
-</ds:datastoreItem>
-</file>
-
-<file path=customXml/itemProps85.xml><?xml version="1.0" encoding="utf-8"?>
-<ds:datastoreItem xmlns:ds="http://schemas.openxmlformats.org/officeDocument/2006/customXml" ds:itemID="{476D4D78-FD66-4027-B9F1-CAEAEE40C758}">
-  <ds:schemaRefs>
-    <ds:schemaRef ds:uri="http://schemas.microsoft.com/VisualStudio/2011/storyboarding/control"/>
-  </ds:schemaRefs>
-</ds:datastoreItem>
-</file>
-
-<file path=customXml/itemProps86.xml><?xml version="1.0" encoding="utf-8"?>
-<ds:datastoreItem xmlns:ds="http://schemas.openxmlformats.org/officeDocument/2006/customXml" ds:itemID="{A8B792EB-1E25-4AF4-A089-8500E1FA1E23}">
-  <ds:schemaRefs>
-    <ds:schemaRef ds:uri="http://schemas.microsoft.com/VisualStudio/2011/storyboarding/control"/>
-  </ds:schemaRefs>
-</ds:datastoreItem>
-</file>
-
-<file path=customXml/itemProps87.xml><?xml version="1.0" encoding="utf-8"?>
+<file path=customXml/itemProps99.xml><?xml version="1.0" encoding="utf-8"?>
 <ds:datastoreItem xmlns:ds="http://schemas.openxmlformats.org/officeDocument/2006/customXml" ds:itemID="{93C239C5-18B7-4EEE-8754-CF3E96CE231A}">
   <ds:schemaRefs>
     <ds:schemaRef ds:uri="http://schemas.microsoft.com/VisualStudio/2011/storyboarding/control"/>
   </ds:schemaRefs>
 </ds:datastoreItem>
-</file>
-
-<file path=customXml/itemProps88.xml><?xml version="1.0" encoding="utf-8"?>
-<ds:datastoreItem xmlns:ds="http://schemas.openxmlformats.org/officeDocument/2006/customXml" ds:itemID="{AEDE4A66-B6B9-48A5-AD47-442B5693ED13}">
-  <ds:schemaRefs>
-    <ds:schemaRef ds:uri="http://schemas.microsoft.com/VisualStudio/2011/storyboarding/control"/>
-  </ds:schemaRefs>
-</ds:datastoreItem>
-</file>
-
-<file path=customXml/itemProps89.xml><?xml version="1.0" encoding="utf-8"?>
-<ds:datastoreItem xmlns:ds="http://schemas.openxmlformats.org/officeDocument/2006/customXml" ds:itemID="{3920B738-291D-4409-BF92-E514AE7A6575}">
-  <ds:schemaRefs>
-    <ds:schemaRef ds:uri="http://schemas.microsoft.com/VisualStudio/2011/storyboarding/control"/>
-  </ds:schemaRefs>
-</ds:datastoreItem>
-</file>
-
-<file path=customXml/itemProps9.xml><?xml version="1.0" encoding="utf-8"?>
-<ds:datastoreItem xmlns:ds="http://schemas.openxmlformats.org/officeDocument/2006/customXml" ds:itemID="{B2824B36-9D36-4399-B1DF-7C7ACCD57FC6}">
-  <ds:schemaRefs>
-    <ds:schemaRef ds:uri="http://schemas.microsoft.com/VisualStudio/2011/storyboarding/control"/>
-  </ds:schemaRefs>
-</ds:datastoreItem>
-</file>
-
-<file path=customXml/itemProps90.xml><?xml version="1.0" encoding="utf-8"?>
-<ds:datastoreItem xmlns:ds="http://schemas.openxmlformats.org/officeDocument/2006/customXml" ds:itemID="{4B10DBAD-EE17-4611-B660-912D829B65EF}">
-  <ds:schemaRefs>
-    <ds:schemaRef ds:uri="http://schemas.microsoft.com/VisualStudio/2011/storyboarding/control"/>
-  </ds:schemaRefs>
-</ds:datastoreItem>
-</file>
-
-<file path=customXml/itemProps91.xml><?xml version="1.0" encoding="utf-8"?>
-<ds:datastoreItem xmlns:ds="http://schemas.openxmlformats.org/officeDocument/2006/customXml" ds:itemID="{5AB486A7-ECB8-4970-9904-F8C280388BD6}">
-  <ds:schemaRefs>
-    <ds:schemaRef ds:uri="http://schemas.microsoft.com/VisualStudio/2011/storyboarding/control"/>
-  </ds:schemaRefs>
-</ds:datastoreItem>
-</file>
-
-<file path=customXml/itemProps92.xml><?xml version="1.0" encoding="utf-8"?>
-<ds:datastoreItem xmlns:ds="http://schemas.openxmlformats.org/officeDocument/2006/customXml" ds:itemID="{745CAD2C-909F-461F-A96F-CFF769AB9401}">
-  <ds:schemaRefs>
-    <ds:schemaRef ds:uri="http://schemas.microsoft.com/VisualStudio/2011/storyboarding/control"/>
-  </ds:schemaRefs>
-</ds:datastoreItem>
-</file>
-
-<file path=customXml/itemProps93.xml><?xml version="1.0" encoding="utf-8"?>
-<ds:datastoreItem xmlns:ds="http://schemas.openxmlformats.org/officeDocument/2006/customXml" ds:itemID="{C11B6904-1EAA-4E71-B8FD-61488847AA2B}">
-  <ds:schemaRefs>
-    <ds:schemaRef ds:uri="http://schemas.microsoft.com/VisualStudio/2011/storyboarding/control"/>
-  </ds:schemaRefs>
-</ds:datastoreItem>
-</file>
-
-<file path=customXml/itemProps94.xml><?xml version="1.0" encoding="utf-8"?>
-<ds:datastoreItem xmlns:ds="http://schemas.openxmlformats.org/officeDocument/2006/customXml" ds:itemID="{A91DA1C4-A287-48BA-A82F-F5160B7DF36A}">
-  <ds:schemaRefs>
-    <ds:schemaRef ds:uri="http://schemas.microsoft.com/VisualStudio/2011/storyboarding/control"/>
-  </ds:schemaRefs>
-</ds:datastoreItem>
-</file>
-
-<file path=customXml/itemProps95.xml><?xml version="1.0" encoding="utf-8"?>
-<ds:datastoreItem xmlns:ds="http://schemas.openxmlformats.org/officeDocument/2006/customXml" ds:itemID="{91A1C243-37AB-4E42-A755-94FC41E4B8F0}">
-  <ds:schemaRefs>
-    <ds:schemaRef ds:uri="http://schemas.microsoft.com/VisualStudio/2011/storyboarding/control"/>
-  </ds:schemaRefs>
-</ds:datastoreItem>
-</file>
-
-<file path=customXml/itemProps96.xml><?xml version="1.0" encoding="utf-8"?>
-<ds:datastoreItem xmlns:ds="http://schemas.openxmlformats.org/officeDocument/2006/customXml" ds:itemID="{6CF63591-2BD9-4790-9DE7-A9CF33031E4F}">
-  <ds:schemaRefs>
-    <ds:schemaRef ds:uri="http://schemas.microsoft.com/VisualStudio/2011/storyboarding/control"/>
-  </ds:schemaRefs>
-</ds:datastoreItem>
-</file>
-
-<file path=customXml/itemProps97.xml><?xml version="1.0" encoding="utf-8"?>
-<ds:datastoreItem xmlns:ds="http://schemas.openxmlformats.org/officeDocument/2006/customXml" ds:itemID="{317E3C18-F2EF-4458-B12B-2889799AF76B}">
-  <ds:schemaRefs>
-    <ds:schemaRef ds:uri="http://schemas.microsoft.com/VisualStudio/2011/storyboarding/control"/>
-  </ds:schemaRefs>
-</ds:datastoreItem>
-</file>
-
-<file path=customXml/itemProps98.xml><?xml version="1.0" encoding="utf-8"?>
-<ds:datastoreItem xmlns:ds="http://schemas.openxmlformats.org/officeDocument/2006/customXml" ds:itemID="{E1C9A824-33E6-4524-952B-D05EAC251BE4}">
-  <ds:schemaRefs>
-    <ds:schemaRef ds:uri="http://schemas.microsoft.com/VisualStudio/2011/storyboarding/control"/>
-  </ds:schemaRefs>
-</ds:datastoreItem>
-</file>
-
-<file path=customXml/itemProps99.xml><?xml version="1.0" encoding="utf-8"?>
-<ds:datastoreItem xmlns:ds="http://schemas.openxmlformats.org/officeDocument/2006/customXml" ds:itemID="{6ABAF743-7309-494D-9474-61CDF53F856B}">
-  <ds:schemaRefs>
-    <ds:schemaRef ds:uri="http://schemas.microsoft.com/VisualStudio/2011/storyboarding/control"/>
-  </ds:schemaRefs>
-</ds:datastoreItem>
 </file>